--- a/docs/process.schematic.pptx
+++ b/docs/process.schematic.pptx
@@ -3460,7 +3460,7 @@
           <a:p>
             <a:r>
               <a:rPr lang="en-US" dirty="0"/>
-              <a:t>6. Generate double-strand consensus (DSC)</a:t>
+              <a:t>7. Generate double-strand consensus (DSC)</a:t>
             </a:r>
           </a:p>
         </p:txBody>
@@ -3860,7 +3860,7 @@
           <a:p>
             <a:r>
               <a:rPr lang="en-US" dirty="0"/>
-              <a:t>7. Identify genomic variants</a:t>
+              <a:t>8. Identify genomic variants</a:t>
             </a:r>
           </a:p>
         </p:txBody>

--- a/docs/process.schematic.pptx
+++ b/docs/process.schematic.pptx
@@ -9,14 +9,14 @@
   </p:notesMasterIdLst>
   <p:sldIdLst>
     <p:sldId id="256" r:id="rId2"/>
-    <p:sldId id="257" r:id="rId3"/>
-    <p:sldId id="258" r:id="rId4"/>
-    <p:sldId id="260" r:id="rId5"/>
-    <p:sldId id="268" r:id="rId6"/>
-    <p:sldId id="269" r:id="rId7"/>
-    <p:sldId id="270" r:id="rId8"/>
-    <p:sldId id="275" r:id="rId9"/>
-    <p:sldId id="276" r:id="rId10"/>
+    <p:sldId id="283" r:id="rId3"/>
+    <p:sldId id="257" r:id="rId4"/>
+    <p:sldId id="258" r:id="rId5"/>
+    <p:sldId id="260" r:id="rId6"/>
+    <p:sldId id="268" r:id="rId7"/>
+    <p:sldId id="269" r:id="rId8"/>
+    <p:sldId id="270" r:id="rId9"/>
+    <p:sldId id="275" r:id="rId10"/>
     <p:sldId id="271" r:id="rId11"/>
     <p:sldId id="272" r:id="rId12"/>
     <p:sldId id="273" r:id="rId13"/>
@@ -215,7 +215,7 @@
           <a:p>
             <a:fld id="{ED805A29-ECA1-A944-BAFD-5BB34D4EF19B}" type="datetimeFigureOut">
               <a:rPr lang="en-US" smtClean="0"/>
-              <a:t>10/13/21</a:t>
+              <a:t>11/1/21</a:t>
             </a:fld>
             <a:endParaRPr lang="en-US"/>
           </a:p>
@@ -547,7 +547,7 @@
           <a:p>
             <a:fld id="{436C1B53-1093-E142-9806-F45EF48F8440}" type="slidenum">
               <a:rPr lang="en-US" smtClean="0"/>
-              <a:t>6</a:t>
+              <a:t>7</a:t>
             </a:fld>
             <a:endParaRPr lang="en-US"/>
           </a:p>
@@ -797,7 +797,7 @@
           <a:p>
             <a:fld id="{2762710F-7B71-5741-A4DA-97084D19EE9E}" type="datetime1">
               <a:rPr lang="en-US" smtClean="0"/>
-              <a:t>10/13/21</a:t>
+              <a:t>11/1/21</a:t>
             </a:fld>
             <a:endParaRPr lang="en-US"/>
           </a:p>
@@ -825,8 +825,20 @@
           <a:lstStyle/>
           <a:p>
             <a:r>
-              <a:rPr lang="en-US"/>
-              <a:t>FredHutch/wgs-duplex-seq</a:t>
+              <a:rPr lang="en-US" dirty="0" err="1"/>
+              <a:t>FredHutch</a:t>
+            </a:r>
+            <a:r>
+              <a:rPr lang="en-US" dirty="0"/>
+              <a:t>/</a:t>
+            </a:r>
+            <a:r>
+              <a:rPr lang="en-US" dirty="0" err="1"/>
+              <a:t>maddd</a:t>
+            </a:r>
+            <a:r>
+              <a:rPr lang="en-US" dirty="0"/>
+              <a:t>-seq</a:t>
             </a:r>
           </a:p>
         </p:txBody>
@@ -998,7 +1010,7 @@
           <a:p>
             <a:fld id="{4F37A560-0B87-6942-A0F1-7806C8F31B17}" type="datetime1">
               <a:rPr lang="en-US" smtClean="0"/>
-              <a:t>10/13/21</a:t>
+              <a:t>11/1/21</a:t>
             </a:fld>
             <a:endParaRPr lang="en-US"/>
           </a:p>
@@ -1026,8 +1038,20 @@
           <a:lstStyle/>
           <a:p>
             <a:r>
-              <a:rPr lang="en-US"/>
-              <a:t>FredHutch/wgs-duplex-seq</a:t>
+              <a:rPr lang="en-US" dirty="0" err="1"/>
+              <a:t>FredHutch</a:t>
+            </a:r>
+            <a:r>
+              <a:rPr lang="en-US" dirty="0"/>
+              <a:t>/</a:t>
+            </a:r>
+            <a:r>
+              <a:rPr lang="en-US" dirty="0" err="1"/>
+              <a:t>maddd</a:t>
+            </a:r>
+            <a:r>
+              <a:rPr lang="en-US" dirty="0"/>
+              <a:t>-seq</a:t>
             </a:r>
           </a:p>
         </p:txBody>
@@ -1209,7 +1233,7 @@
           <a:p>
             <a:fld id="{4CA0F0FB-C91D-D345-A72B-57B6954759A1}" type="datetime1">
               <a:rPr lang="en-US" smtClean="0"/>
-              <a:t>10/13/21</a:t>
+              <a:t>11/1/21</a:t>
             </a:fld>
             <a:endParaRPr lang="en-US"/>
           </a:p>
@@ -1237,8 +1261,20 @@
           <a:lstStyle/>
           <a:p>
             <a:r>
-              <a:rPr lang="en-US"/>
-              <a:t>FredHutch/wgs-duplex-seq</a:t>
+              <a:rPr lang="en-US" dirty="0" err="1"/>
+              <a:t>FredHutch</a:t>
+            </a:r>
+            <a:r>
+              <a:rPr lang="en-US" dirty="0"/>
+              <a:t>/</a:t>
+            </a:r>
+            <a:r>
+              <a:rPr lang="en-US" dirty="0" err="1"/>
+              <a:t>maddd</a:t>
+            </a:r>
+            <a:r>
+              <a:rPr lang="en-US" dirty="0"/>
+              <a:t>-seq</a:t>
             </a:r>
           </a:p>
         </p:txBody>
@@ -1410,7 +1446,7 @@
           <a:p>
             <a:fld id="{52C4366B-212D-FC43-9404-CD0588E3CB3B}" type="datetime1">
               <a:rPr lang="en-US" smtClean="0"/>
-              <a:t>10/13/21</a:t>
+              <a:t>11/1/21</a:t>
             </a:fld>
             <a:endParaRPr lang="en-US"/>
           </a:p>
@@ -1438,8 +1474,20 @@
           <a:lstStyle/>
           <a:p>
             <a:r>
-              <a:rPr lang="en-US"/>
-              <a:t>FredHutch/wgs-duplex-seq</a:t>
+              <a:rPr lang="en-US" dirty="0" err="1"/>
+              <a:t>FredHutch</a:t>
+            </a:r>
+            <a:r>
+              <a:rPr lang="en-US" dirty="0"/>
+              <a:t>/</a:t>
+            </a:r>
+            <a:r>
+              <a:rPr lang="en-US" dirty="0" err="1"/>
+              <a:t>maddd</a:t>
+            </a:r>
+            <a:r>
+              <a:rPr lang="en-US" dirty="0"/>
+              <a:t>-seq</a:t>
             </a:r>
           </a:p>
         </p:txBody>
@@ -1688,7 +1736,7 @@
           <a:p>
             <a:fld id="{7A377B1F-2101-AD49-B8CA-D9DA77C92BBF}" type="datetime1">
               <a:rPr lang="en-US" smtClean="0"/>
-              <a:t>10/13/21</a:t>
+              <a:t>11/1/21</a:t>
             </a:fld>
             <a:endParaRPr lang="en-US"/>
           </a:p>
@@ -1716,8 +1764,20 @@
           <a:lstStyle/>
           <a:p>
             <a:r>
-              <a:rPr lang="en-US"/>
-              <a:t>FredHutch/wgs-duplex-seq</a:t>
+              <a:rPr lang="en-US" dirty="0" err="1"/>
+              <a:t>FredHutch</a:t>
+            </a:r>
+            <a:r>
+              <a:rPr lang="en-US" dirty="0"/>
+              <a:t>/</a:t>
+            </a:r>
+            <a:r>
+              <a:rPr lang="en-US" dirty="0" err="1"/>
+              <a:t>maddd</a:t>
+            </a:r>
+            <a:r>
+              <a:rPr lang="en-US" dirty="0"/>
+              <a:t>-seq</a:t>
             </a:r>
           </a:p>
         </p:txBody>
@@ -1956,7 +2016,7 @@
           <a:p>
             <a:fld id="{A74118CB-0C80-3743-BE54-8D354C4C3B5F}" type="datetime1">
               <a:rPr lang="en-US" smtClean="0"/>
-              <a:t>10/13/21</a:t>
+              <a:t>11/1/21</a:t>
             </a:fld>
             <a:endParaRPr lang="en-US"/>
           </a:p>
@@ -1984,8 +2044,20 @@
           <a:lstStyle/>
           <a:p>
             <a:r>
-              <a:rPr lang="en-US"/>
-              <a:t>FredHutch/wgs-duplex-seq</a:t>
+              <a:rPr lang="en-US" dirty="0" err="1"/>
+              <a:t>FredHutch</a:t>
+            </a:r>
+            <a:r>
+              <a:rPr lang="en-US" dirty="0"/>
+              <a:t>/</a:t>
+            </a:r>
+            <a:r>
+              <a:rPr lang="en-US" dirty="0" err="1"/>
+              <a:t>maddd</a:t>
+            </a:r>
+            <a:r>
+              <a:rPr lang="en-US" dirty="0"/>
+              <a:t>-seq</a:t>
             </a:r>
           </a:p>
         </p:txBody>
@@ -2371,7 +2443,7 @@
           <a:p>
             <a:fld id="{B2F2EF88-F01A-EE4E-9EB8-415FE46F95C3}" type="datetime1">
               <a:rPr lang="en-US" smtClean="0"/>
-              <a:t>10/13/21</a:t>
+              <a:t>11/1/21</a:t>
             </a:fld>
             <a:endParaRPr lang="en-US"/>
           </a:p>
@@ -2399,8 +2471,20 @@
           <a:lstStyle/>
           <a:p>
             <a:r>
-              <a:rPr lang="en-US"/>
-              <a:t>FredHutch/wgs-duplex-seq</a:t>
+              <a:rPr lang="en-US" dirty="0" err="1"/>
+              <a:t>FredHutch</a:t>
+            </a:r>
+            <a:r>
+              <a:rPr lang="en-US" dirty="0"/>
+              <a:t>/</a:t>
+            </a:r>
+            <a:r>
+              <a:rPr lang="en-US" dirty="0" err="1"/>
+              <a:t>maddd</a:t>
+            </a:r>
+            <a:r>
+              <a:rPr lang="en-US" dirty="0"/>
+              <a:t>-seq</a:t>
             </a:r>
           </a:p>
         </p:txBody>
@@ -2515,7 +2599,7 @@
           <a:p>
             <a:fld id="{BE079B49-7EE7-834D-A8C6-44CF093EFDF8}" type="datetime1">
               <a:rPr lang="en-US" smtClean="0"/>
-              <a:t>10/13/21</a:t>
+              <a:t>11/1/21</a:t>
             </a:fld>
             <a:endParaRPr lang="en-US"/>
           </a:p>
@@ -2543,8 +2627,20 @@
           <a:lstStyle/>
           <a:p>
             <a:r>
-              <a:rPr lang="en-US"/>
-              <a:t>FredHutch/wgs-duplex-seq</a:t>
+              <a:rPr lang="en-US" dirty="0" err="1"/>
+              <a:t>FredHutch</a:t>
+            </a:r>
+            <a:r>
+              <a:rPr lang="en-US" dirty="0"/>
+              <a:t>/</a:t>
+            </a:r>
+            <a:r>
+              <a:rPr lang="en-US" dirty="0" err="1"/>
+              <a:t>maddd</a:t>
+            </a:r>
+            <a:r>
+              <a:rPr lang="en-US" dirty="0"/>
+              <a:t>-seq</a:t>
             </a:r>
           </a:p>
         </p:txBody>
@@ -2631,7 +2727,7 @@
           <a:p>
             <a:fld id="{DBE1043A-0A16-294D-BC5C-954A5357040B}" type="datetime1">
               <a:rPr lang="en-US" smtClean="0"/>
-              <a:t>10/13/21</a:t>
+              <a:t>11/1/21</a:t>
             </a:fld>
             <a:endParaRPr lang="en-US"/>
           </a:p>
@@ -2659,8 +2755,20 @@
           <a:lstStyle/>
           <a:p>
             <a:r>
-              <a:rPr lang="en-US"/>
-              <a:t>FredHutch/wgs-duplex-seq</a:t>
+              <a:rPr lang="en-US" dirty="0" err="1"/>
+              <a:t>FredHutch</a:t>
+            </a:r>
+            <a:r>
+              <a:rPr lang="en-US" dirty="0"/>
+              <a:t>/</a:t>
+            </a:r>
+            <a:r>
+              <a:rPr lang="en-US" dirty="0" err="1"/>
+              <a:t>maddd</a:t>
+            </a:r>
+            <a:r>
+              <a:rPr lang="en-US" dirty="0"/>
+              <a:t>-seq</a:t>
             </a:r>
           </a:p>
         </p:txBody>
@@ -2945,7 +3053,7 @@
           <a:p>
             <a:fld id="{B8EBB7C6-5174-E949-8F06-D3E4C9450E71}" type="datetime1">
               <a:rPr lang="en-US" smtClean="0"/>
-              <a:t>10/13/21</a:t>
+              <a:t>11/1/21</a:t>
             </a:fld>
             <a:endParaRPr lang="en-US"/>
           </a:p>
@@ -2973,8 +3081,20 @@
           <a:lstStyle/>
           <a:p>
             <a:r>
-              <a:rPr lang="en-US"/>
-              <a:t>FredHutch/wgs-duplex-seq</a:t>
+              <a:rPr lang="en-US" dirty="0" err="1"/>
+              <a:t>FredHutch</a:t>
+            </a:r>
+            <a:r>
+              <a:rPr lang="en-US" dirty="0"/>
+              <a:t>/</a:t>
+            </a:r>
+            <a:r>
+              <a:rPr lang="en-US" dirty="0" err="1"/>
+              <a:t>maddd</a:t>
+            </a:r>
+            <a:r>
+              <a:rPr lang="en-US" dirty="0"/>
+              <a:t>-seq</a:t>
             </a:r>
           </a:p>
         </p:txBody>
@@ -3236,7 +3356,7 @@
           <a:p>
             <a:fld id="{6217816C-C2E3-BA4C-8A5D-1DEF43028B29}" type="datetime1">
               <a:rPr lang="en-US" smtClean="0"/>
-              <a:t>10/13/21</a:t>
+              <a:t>11/1/21</a:t>
             </a:fld>
             <a:endParaRPr lang="en-US"/>
           </a:p>
@@ -3264,8 +3384,20 @@
           <a:lstStyle/>
           <a:p>
             <a:r>
-              <a:rPr lang="en-US"/>
-              <a:t>FredHutch/wgs-duplex-seq</a:t>
+              <a:rPr lang="en-US" dirty="0" err="1"/>
+              <a:t>FredHutch</a:t>
+            </a:r>
+            <a:r>
+              <a:rPr lang="en-US" dirty="0"/>
+              <a:t>/</a:t>
+            </a:r>
+            <a:r>
+              <a:rPr lang="en-US" dirty="0" err="1"/>
+              <a:t>maddd</a:t>
+            </a:r>
+            <a:r>
+              <a:rPr lang="en-US" dirty="0"/>
+              <a:t>-seq</a:t>
             </a:r>
           </a:p>
         </p:txBody>
@@ -3480,7 +3612,7 @@
           <a:p>
             <a:fld id="{D0AA2695-A865-F94B-BD21-4956635BBCDF}" type="datetime1">
               <a:rPr lang="en-US" smtClean="0"/>
-              <a:t>10/13/21</a:t>
+              <a:t>11/1/21</a:t>
             </a:fld>
             <a:endParaRPr lang="en-US"/>
           </a:p>
@@ -3526,8 +3658,20 @@
           </a:lstStyle>
           <a:p>
             <a:r>
-              <a:rPr lang="en-US"/>
-              <a:t>FredHutch/wgs-duplex-seq</a:t>
+              <a:rPr lang="en-US" dirty="0" err="1"/>
+              <a:t>FredHutch</a:t>
+            </a:r>
+            <a:r>
+              <a:rPr lang="en-US" dirty="0"/>
+              <a:t>/</a:t>
+            </a:r>
+            <a:r>
+              <a:rPr lang="en-US" dirty="0" err="1"/>
+              <a:t>maddd</a:t>
+            </a:r>
+            <a:r>
+              <a:rPr lang="en-US" dirty="0"/>
+              <a:t>-seq</a:t>
             </a:r>
           </a:p>
         </p:txBody>
@@ -3959,11 +4103,11 @@
           <a:p>
             <a:r>
               <a:rPr lang="en-US" dirty="0"/>
-              <a:t>Updated: October 13</a:t>
+              <a:t>Updated: November 1</a:t>
             </a:r>
             <a:r>
               <a:rPr lang="en-US" baseline="30000" dirty="0"/>
-              <a:t>th</a:t>
+              <a:t>st</a:t>
             </a:r>
             <a:r>
               <a:rPr lang="en-US" dirty="0"/>
@@ -4223,8 +4367,20 @@
           <a:lstStyle/>
           <a:p>
             <a:r>
-              <a:rPr lang="en-US"/>
-              <a:t>FredHutch/wgs-duplex-seq</a:t>
+              <a:rPr lang="en-US" dirty="0" err="1"/>
+              <a:t>FredHutch</a:t>
+            </a:r>
+            <a:r>
+              <a:rPr lang="en-US" dirty="0"/>
+              <a:t>/</a:t>
+            </a:r>
+            <a:r>
+              <a:rPr lang="en-US" dirty="0" err="1"/>
+              <a:t>maddd</a:t>
+            </a:r>
+            <a:r>
+              <a:rPr lang="en-US" dirty="0"/>
+              <a:t>-seq</a:t>
             </a:r>
           </a:p>
         </p:txBody>
@@ -4773,7 +4929,7 @@
         <p:spPr/>
         <p:txBody>
           <a:bodyPr>
-            <a:normAutofit fontScale="92500" lnSpcReduction="10000"/>
+            <a:normAutofit fontScale="92500" lnSpcReduction="20000"/>
           </a:bodyPr>
           <a:lstStyle/>
           <a:p>
@@ -4786,20 +4942,15 @@
             <a:pPr lvl="1"/>
             <a:r>
               <a:rPr lang="en-US" dirty="0"/>
+              <a:t>Split up data from each specimen into ‘shards’ to more rapidly align in parallel across multiple threads</a:t>
+            </a:r>
+          </a:p>
+          <a:p>
+            <a:pPr lvl="1"/>
+            <a:r>
+              <a:rPr lang="en-US" dirty="0"/>
               <a:t>Only keep alignments which meet a minimum score threshold</a:t>
             </a:r>
-          </a:p>
-          <a:p>
-            <a:pPr lvl="1"/>
-            <a:r>
-              <a:rPr lang="en-US" dirty="0"/>
-              <a:t>Optionally mask repeats with </a:t>
-            </a:r>
-            <a:r>
-              <a:rPr lang="en-US" dirty="0" err="1"/>
-              <a:t>RepeatMasker</a:t>
-            </a:r>
-            <a:endParaRPr lang="en-US" dirty="0"/>
           </a:p>
           <a:p>
             <a:pPr lvl="1"/>
@@ -4846,7 +4997,7 @@
         <p:spPr/>
         <p:txBody>
           <a:bodyPr>
-            <a:normAutofit fontScale="92500" lnSpcReduction="10000"/>
+            <a:normAutofit fontScale="92500" lnSpcReduction="20000"/>
           </a:bodyPr>
           <a:lstStyle/>
           <a:p>
@@ -4892,7 +5043,7 @@
                 <a:latin typeface="Courier New" panose="02070309020205020404" pitchFamily="49" charset="0"/>
                 <a:cs typeface="Courier New" panose="02070309020205020404" pitchFamily="49" charset="0"/>
               </a:rPr>
-              <a:t>min_align_score</a:t>
+              <a:t>n_shards</a:t>
             </a:r>
             <a:endParaRPr lang="en-US" dirty="0">
               <a:latin typeface="Courier New" panose="02070309020205020404" pitchFamily="49" charset="0"/>
@@ -4906,7 +5057,7 @@
                 <a:latin typeface="Courier New" panose="02070309020205020404" pitchFamily="49" charset="0"/>
                 <a:cs typeface="Courier New" panose="02070309020205020404" pitchFamily="49" charset="0"/>
               </a:rPr>
-              <a:t>use_repeat_masker</a:t>
+              <a:t>min_align_score</a:t>
             </a:r>
             <a:endParaRPr lang="en-US" dirty="0">
               <a:latin typeface="Courier New" panose="02070309020205020404" pitchFamily="49" charset="0"/>
@@ -4964,8 +5115,20 @@
           <a:lstStyle/>
           <a:p>
             <a:r>
-              <a:rPr lang="en-US"/>
-              <a:t>FredHutch/wgs-duplex-seq</a:t>
+              <a:rPr lang="en-US" dirty="0" err="1"/>
+              <a:t>FredHutch</a:t>
+            </a:r>
+            <a:r>
+              <a:rPr lang="en-US" dirty="0"/>
+              <a:t>/</a:t>
+            </a:r>
+            <a:r>
+              <a:rPr lang="en-US" dirty="0" err="1"/>
+              <a:t>maddd</a:t>
+            </a:r>
+            <a:r>
+              <a:rPr lang="en-US" dirty="0"/>
+              <a:t>-seq</a:t>
             </a:r>
           </a:p>
         </p:txBody>
@@ -5559,7 +5722,7 @@
         <p:spPr/>
         <p:txBody>
           <a:bodyPr>
-            <a:normAutofit lnSpcReduction="10000"/>
+            <a:normAutofit/>
           </a:bodyPr>
           <a:lstStyle/>
           <a:p>
@@ -5569,18 +5732,14 @@
             </a:pPr>
             <a:r>
               <a:rPr lang="en-US" dirty="0"/>
-              <a:t>Break up the data from each specimen into a set of ‘shards’ – groups of sequences each with a different set of barcodes;</a:t>
-            </a:r>
-          </a:p>
-          <a:p>
-            <a:pPr marL="514350" indent="-514350">
-              <a:buFont typeface="+mj-lt"/>
-              <a:buAutoNum type="arabicPeriod"/>
+              <a:t>Group together reads into ‘families’, each of which share the same genomic coordinates and molecular barcode sequence</a:t>
+            </a:r>
+          </a:p>
+          <a:p>
+            <a:pPr marL="0" indent="0">
+              <a:buNone/>
             </a:pPr>
-            <a:r>
-              <a:rPr lang="en-US" dirty="0"/>
-              <a:t>Group together reads into ‘families’, each of which share the same genomic coordinates and molecular barcode sequence</a:t>
-            </a:r>
+            <a:endParaRPr lang="en-US" i="1" dirty="0"/>
           </a:p>
           <a:p>
             <a:pPr marL="0" indent="0">
@@ -5612,7 +5771,7 @@
         <p:spPr/>
         <p:txBody>
           <a:bodyPr>
-            <a:normAutofit lnSpcReduction="10000"/>
+            <a:normAutofit/>
           </a:bodyPr>
           <a:lstStyle/>
           <a:p>
@@ -5639,26 +5798,6 @@
                 <a:cs typeface="Courier New" panose="02070309020205020404" pitchFamily="49" charset="0"/>
               </a:rPr>
               <a:t>family_wf</a:t>
-            </a:r>
-            <a:endParaRPr lang="en-US" dirty="0">
-              <a:latin typeface="Courier New" panose="02070309020205020404" pitchFamily="49" charset="0"/>
-              <a:cs typeface="Courier New" panose="02070309020205020404" pitchFamily="49" charset="0"/>
-            </a:endParaRPr>
-          </a:p>
-          <a:p>
-            <a:r>
-              <a:rPr lang="en-US" dirty="0"/>
-              <a:t>Parameter names: </a:t>
-            </a:r>
-          </a:p>
-          <a:p>
-            <a:pPr lvl="1"/>
-            <a:r>
-              <a:rPr lang="en-US" dirty="0" err="1">
-                <a:latin typeface="Courier New" panose="02070309020205020404" pitchFamily="49" charset="0"/>
-                <a:cs typeface="Courier New" panose="02070309020205020404" pitchFamily="49" charset="0"/>
-              </a:rPr>
-              <a:t>n_shards</a:t>
             </a:r>
             <a:endParaRPr lang="en-US" dirty="0">
               <a:latin typeface="Courier New" panose="02070309020205020404" pitchFamily="49" charset="0"/>
@@ -5705,8 +5844,20 @@
           <a:lstStyle/>
           <a:p>
             <a:r>
-              <a:rPr lang="en-US"/>
-              <a:t>FredHutch/wgs-duplex-seq</a:t>
+              <a:rPr lang="en-US" dirty="0" err="1"/>
+              <a:t>FredHutch</a:t>
+            </a:r>
+            <a:r>
+              <a:rPr lang="en-US" dirty="0"/>
+              <a:t>/</a:t>
+            </a:r>
+            <a:r>
+              <a:rPr lang="en-US" dirty="0" err="1"/>
+              <a:t>maddd</a:t>
+            </a:r>
+            <a:r>
+              <a:rPr lang="en-US" dirty="0"/>
+              <a:t>-seq</a:t>
             </a:r>
           </a:p>
         </p:txBody>
@@ -6950,8 +7101,20 @@
           <a:lstStyle/>
           <a:p>
             <a:r>
-              <a:rPr lang="en-US"/>
-              <a:t>FredHutch/wgs-duplex-seq</a:t>
+              <a:rPr lang="en-US" dirty="0" err="1"/>
+              <a:t>FredHutch</a:t>
+            </a:r>
+            <a:r>
+              <a:rPr lang="en-US" dirty="0"/>
+              <a:t>/</a:t>
+            </a:r>
+            <a:r>
+              <a:rPr lang="en-US" dirty="0" err="1"/>
+              <a:t>maddd</a:t>
+            </a:r>
+            <a:r>
+              <a:rPr lang="en-US" dirty="0"/>
+              <a:t>-seq</a:t>
             </a:r>
           </a:p>
         </p:txBody>
@@ -8214,8 +8377,20 @@
           <a:lstStyle/>
           <a:p>
             <a:r>
-              <a:rPr lang="en-US"/>
-              <a:t>FredHutch/wgs-duplex-seq</a:t>
+              <a:rPr lang="en-US" dirty="0" err="1"/>
+              <a:t>FredHutch</a:t>
+            </a:r>
+            <a:r>
+              <a:rPr lang="en-US" dirty="0"/>
+              <a:t>/</a:t>
+            </a:r>
+            <a:r>
+              <a:rPr lang="en-US" dirty="0" err="1"/>
+              <a:t>maddd</a:t>
+            </a:r>
+            <a:r>
+              <a:rPr lang="en-US" dirty="0"/>
+              <a:t>-seq</a:t>
             </a:r>
           </a:p>
         </p:txBody>
@@ -8410,8 +8585,20 @@
           <a:lstStyle/>
           <a:p>
             <a:r>
-              <a:rPr lang="en-US"/>
-              <a:t>FredHutch/wgs-duplex-seq</a:t>
+              <a:rPr lang="en-US" dirty="0" err="1"/>
+              <a:t>FredHutch</a:t>
+            </a:r>
+            <a:r>
+              <a:rPr lang="en-US" dirty="0"/>
+              <a:t>/</a:t>
+            </a:r>
+            <a:r>
+              <a:rPr lang="en-US" dirty="0" err="1"/>
+              <a:t>maddd</a:t>
+            </a:r>
+            <a:r>
+              <a:rPr lang="en-US" dirty="0"/>
+              <a:t>-seq</a:t>
             </a:r>
           </a:p>
         </p:txBody>
@@ -9234,8 +9421,20 @@
           <a:lstStyle/>
           <a:p>
             <a:r>
-              <a:rPr lang="en-US"/>
-              <a:t>FredHutch/wgs-duplex-seq</a:t>
+              <a:rPr lang="en-US" dirty="0" err="1"/>
+              <a:t>FredHutch</a:t>
+            </a:r>
+            <a:r>
+              <a:rPr lang="en-US" dirty="0"/>
+              <a:t>/</a:t>
+            </a:r>
+            <a:r>
+              <a:rPr lang="en-US" dirty="0" err="1"/>
+              <a:t>maddd</a:t>
+            </a:r>
+            <a:r>
+              <a:rPr lang="en-US" dirty="0"/>
+              <a:t>-seq</a:t>
             </a:r>
           </a:p>
         </p:txBody>
@@ -10220,8 +10419,20 @@
           <a:lstStyle/>
           <a:p>
             <a:r>
-              <a:rPr lang="en-US"/>
-              <a:t>FredHutch/wgs-duplex-seq</a:t>
+              <a:rPr lang="en-US" dirty="0" err="1"/>
+              <a:t>FredHutch</a:t>
+            </a:r>
+            <a:r>
+              <a:rPr lang="en-US" dirty="0"/>
+              <a:t>/</a:t>
+            </a:r>
+            <a:r>
+              <a:rPr lang="en-US" dirty="0" err="1"/>
+              <a:t>maddd</a:t>
+            </a:r>
+            <a:r>
+              <a:rPr lang="en-US" dirty="0"/>
+              <a:t>-seq</a:t>
             </a:r>
           </a:p>
         </p:txBody>
@@ -11095,8 +11306,20 @@
           <a:lstStyle/>
           <a:p>
             <a:r>
-              <a:rPr lang="en-US"/>
-              <a:t>FredHutch/wgs-duplex-seq</a:t>
+              <a:rPr lang="en-US" dirty="0" err="1"/>
+              <a:t>FredHutch</a:t>
+            </a:r>
+            <a:r>
+              <a:rPr lang="en-US" dirty="0"/>
+              <a:t>/</a:t>
+            </a:r>
+            <a:r>
+              <a:rPr lang="en-US" dirty="0" err="1"/>
+              <a:t>maddd</a:t>
+            </a:r>
+            <a:r>
+              <a:rPr lang="en-US" dirty="0"/>
+              <a:t>-seq</a:t>
             </a:r>
           </a:p>
         </p:txBody>
@@ -11632,8 +11855,20 @@
           <a:lstStyle/>
           <a:p>
             <a:r>
-              <a:rPr lang="en-US"/>
-              <a:t>FredHutch/wgs-duplex-seq</a:t>
+              <a:rPr lang="en-US" dirty="0" err="1"/>
+              <a:t>FredHutch</a:t>
+            </a:r>
+            <a:r>
+              <a:rPr lang="en-US" dirty="0"/>
+              <a:t>/</a:t>
+            </a:r>
+            <a:r>
+              <a:rPr lang="en-US" dirty="0" err="1"/>
+              <a:t>maddd</a:t>
+            </a:r>
+            <a:r>
+              <a:rPr lang="en-US" dirty="0"/>
+              <a:t>-seq</a:t>
             </a:r>
           </a:p>
         </p:txBody>
@@ -12408,6 +12643,844 @@
       </p:grpSpPr>
       <p:sp>
         <p:nvSpPr>
+          <p:cNvPr id="2" name="Title 1">
+            <a:extLst>
+              <a:ext uri="{FF2B5EF4-FFF2-40B4-BE49-F238E27FC236}">
+                <a16:creationId xmlns:a16="http://schemas.microsoft.com/office/drawing/2014/main" id="{ABC06B6D-C310-444A-A6A9-10B1D52BB646}"/>
+              </a:ext>
+            </a:extLst>
+          </p:cNvPr>
+          <p:cNvSpPr>
+            <a:spLocks noGrp="1"/>
+          </p:cNvSpPr>
+          <p:nvPr>
+            <p:ph type="title"/>
+          </p:nvPr>
+        </p:nvSpPr>
+        <p:spPr/>
+        <p:txBody>
+          <a:bodyPr/>
+          <a:lstStyle/>
+          <a:p>
+            <a:r>
+              <a:rPr lang="en-US" dirty="0"/>
+              <a:t>Molecular Design</a:t>
+            </a:r>
+          </a:p>
+        </p:txBody>
+      </p:sp>
+      <p:sp>
+        <p:nvSpPr>
+          <p:cNvPr id="3" name="Footer Placeholder 2">
+            <a:extLst>
+              <a:ext uri="{FF2B5EF4-FFF2-40B4-BE49-F238E27FC236}">
+                <a16:creationId xmlns:a16="http://schemas.microsoft.com/office/drawing/2014/main" id="{2334F91A-0320-8247-ABBC-1C2E599EA902}"/>
+              </a:ext>
+            </a:extLst>
+          </p:cNvPr>
+          <p:cNvSpPr>
+            <a:spLocks noGrp="1"/>
+          </p:cNvSpPr>
+          <p:nvPr>
+            <p:ph type="ftr" sz="quarter" idx="11"/>
+          </p:nvPr>
+        </p:nvSpPr>
+        <p:spPr/>
+        <p:txBody>
+          <a:bodyPr/>
+          <a:lstStyle/>
+          <a:p>
+            <a:r>
+              <a:rPr lang="en-US" dirty="0" err="1"/>
+              <a:t>FredHutch</a:t>
+            </a:r>
+            <a:r>
+              <a:rPr lang="en-US" dirty="0"/>
+              <a:t>/</a:t>
+            </a:r>
+            <a:r>
+              <a:rPr lang="en-US" dirty="0" err="1"/>
+              <a:t>maddd</a:t>
+            </a:r>
+            <a:r>
+              <a:rPr lang="en-US" dirty="0"/>
+              <a:t>-seq</a:t>
+            </a:r>
+          </a:p>
+        </p:txBody>
+      </p:sp>
+      <p:sp>
+        <p:nvSpPr>
+          <p:cNvPr id="4" name="Slide Number Placeholder 3">
+            <a:extLst>
+              <a:ext uri="{FF2B5EF4-FFF2-40B4-BE49-F238E27FC236}">
+                <a16:creationId xmlns:a16="http://schemas.microsoft.com/office/drawing/2014/main" id="{A0EB2547-C2D0-6F4B-A137-6E8F861BF97B}"/>
+              </a:ext>
+            </a:extLst>
+          </p:cNvPr>
+          <p:cNvSpPr>
+            <a:spLocks noGrp="1"/>
+          </p:cNvSpPr>
+          <p:nvPr>
+            <p:ph type="sldNum" sz="quarter" idx="12"/>
+          </p:nvPr>
+        </p:nvSpPr>
+        <p:spPr/>
+        <p:txBody>
+          <a:bodyPr/>
+          <a:lstStyle/>
+          <a:p>
+            <a:fld id="{60E83D82-F696-1748-AD88-78C4469F76A5}" type="slidenum">
+              <a:rPr lang="en-US" smtClean="0"/>
+              <a:t>2</a:t>
+            </a:fld>
+            <a:endParaRPr lang="en-US"/>
+          </a:p>
+        </p:txBody>
+      </p:sp>
+      <p:sp>
+        <p:nvSpPr>
+          <p:cNvPr id="5" name="TextBox 4">
+            <a:extLst>
+              <a:ext uri="{FF2B5EF4-FFF2-40B4-BE49-F238E27FC236}">
+                <a16:creationId xmlns:a16="http://schemas.microsoft.com/office/drawing/2014/main" id="{EFC7FA00-6DCE-0D42-A5D7-50DE70C820DE}"/>
+              </a:ext>
+            </a:extLst>
+          </p:cNvPr>
+          <p:cNvSpPr txBox="1"/>
+          <p:nvPr/>
+        </p:nvSpPr>
+        <p:spPr>
+          <a:xfrm>
+            <a:off x="5316203" y="1915064"/>
+            <a:ext cx="1559594" cy="369332"/>
+          </a:xfrm>
+          <a:prstGeom prst="rect">
+            <a:avLst/>
+          </a:prstGeom>
+          <a:noFill/>
+        </p:spPr>
+        <p:txBody>
+          <a:bodyPr wrap="none" rtlCol="0">
+            <a:spAutoFit/>
+          </a:bodyPr>
+          <a:lstStyle/>
+          <a:p>
+            <a:r>
+              <a:rPr lang="en-US" dirty="0"/>
+              <a:t>DNA Fragment</a:t>
+            </a:r>
+          </a:p>
+        </p:txBody>
+      </p:sp>
+      <p:sp>
+        <p:nvSpPr>
+          <p:cNvPr id="6" name="TextBox 5">
+            <a:extLst>
+              <a:ext uri="{FF2B5EF4-FFF2-40B4-BE49-F238E27FC236}">
+                <a16:creationId xmlns:a16="http://schemas.microsoft.com/office/drawing/2014/main" id="{BAFF8CDD-0EA3-9E4B-A87F-3DBC6CEB784B}"/>
+              </a:ext>
+            </a:extLst>
+          </p:cNvPr>
+          <p:cNvSpPr txBox="1"/>
+          <p:nvPr/>
+        </p:nvSpPr>
+        <p:spPr>
+          <a:xfrm>
+            <a:off x="4625085" y="2284396"/>
+            <a:ext cx="2941831" cy="369332"/>
+          </a:xfrm>
+          <a:prstGeom prst="rect">
+            <a:avLst/>
+          </a:prstGeom>
+          <a:noFill/>
+        </p:spPr>
+        <p:txBody>
+          <a:bodyPr wrap="none" rtlCol="0">
+            <a:spAutoFit/>
+          </a:bodyPr>
+          <a:lstStyle/>
+          <a:p>
+            <a:r>
+              <a:rPr lang="en-US" dirty="0">
+                <a:latin typeface="Courier New" panose="02070309020205020404" pitchFamily="49" charset="0"/>
+                <a:cs typeface="Courier New" panose="02070309020205020404" pitchFamily="49" charset="0"/>
+              </a:rPr>
+              <a:t>ATCGATCGA</a:t>
+            </a:r>
+            <a:r>
+              <a:rPr lang="en-US" b="1" dirty="0">
+                <a:latin typeface="Courier New" panose="02070309020205020404" pitchFamily="49" charset="0"/>
+                <a:cs typeface="Courier New" panose="02070309020205020404" pitchFamily="49" charset="0"/>
+              </a:rPr>
+              <a:t>T</a:t>
+            </a:r>
+            <a:r>
+              <a:rPr lang="en-US" dirty="0">
+                <a:latin typeface="Courier New" panose="02070309020205020404" pitchFamily="49" charset="0"/>
+                <a:cs typeface="Courier New" panose="02070309020205020404" pitchFamily="49" charset="0"/>
+              </a:rPr>
+              <a:t>CGATCGATCG</a:t>
+            </a:r>
+          </a:p>
+        </p:txBody>
+      </p:sp>
+      <p:sp>
+        <p:nvSpPr>
+          <p:cNvPr id="7" name="TextBox 6">
+            <a:extLst>
+              <a:ext uri="{FF2B5EF4-FFF2-40B4-BE49-F238E27FC236}">
+                <a16:creationId xmlns:a16="http://schemas.microsoft.com/office/drawing/2014/main" id="{D2400A41-1C69-864F-9111-994E761ED978}"/>
+              </a:ext>
+            </a:extLst>
+          </p:cNvPr>
+          <p:cNvSpPr txBox="1"/>
+          <p:nvPr/>
+        </p:nvSpPr>
+        <p:spPr>
+          <a:xfrm rot="10800000">
+            <a:off x="4599207" y="2510755"/>
+            <a:ext cx="2941831" cy="369332"/>
+          </a:xfrm>
+          <a:prstGeom prst="rect">
+            <a:avLst/>
+          </a:prstGeom>
+          <a:noFill/>
+        </p:spPr>
+        <p:txBody>
+          <a:bodyPr wrap="none" rtlCol="0">
+            <a:spAutoFit/>
+          </a:bodyPr>
+          <a:lstStyle/>
+          <a:p>
+            <a:r>
+              <a:rPr lang="en-US" dirty="0">
+                <a:latin typeface="Courier New" panose="02070309020205020404" pitchFamily="49" charset="0"/>
+                <a:cs typeface="Courier New" panose="02070309020205020404" pitchFamily="49" charset="0"/>
+              </a:rPr>
+              <a:t>CGATCGATCG</a:t>
+            </a:r>
+            <a:r>
+              <a:rPr lang="en-US" b="1" dirty="0">
+                <a:latin typeface="Courier New" panose="02070309020205020404" pitchFamily="49" charset="0"/>
+                <a:cs typeface="Courier New" panose="02070309020205020404" pitchFamily="49" charset="0"/>
+              </a:rPr>
+              <a:t>G</a:t>
+            </a:r>
+            <a:r>
+              <a:rPr lang="en-US" dirty="0">
+                <a:latin typeface="Courier New" panose="02070309020205020404" pitchFamily="49" charset="0"/>
+                <a:cs typeface="Courier New" panose="02070309020205020404" pitchFamily="49" charset="0"/>
+              </a:rPr>
+              <a:t>TCGATCGAT</a:t>
+            </a:r>
+          </a:p>
+        </p:txBody>
+      </p:sp>
+      <p:sp>
+        <p:nvSpPr>
+          <p:cNvPr id="11" name="TextBox 10">
+            <a:extLst>
+              <a:ext uri="{FF2B5EF4-FFF2-40B4-BE49-F238E27FC236}">
+                <a16:creationId xmlns:a16="http://schemas.microsoft.com/office/drawing/2014/main" id="{C36A9954-1FF6-8F45-9936-56197584BC93}"/>
+              </a:ext>
+            </a:extLst>
+          </p:cNvPr>
+          <p:cNvSpPr txBox="1"/>
+          <p:nvPr/>
+        </p:nvSpPr>
+        <p:spPr>
+          <a:xfrm rot="1817007">
+            <a:off x="2965789" y="1853109"/>
+            <a:ext cx="1838965" cy="369332"/>
+          </a:xfrm>
+          <a:prstGeom prst="rect">
+            <a:avLst/>
+          </a:prstGeom>
+          <a:noFill/>
+        </p:spPr>
+        <p:txBody>
+          <a:bodyPr wrap="none" rtlCol="0">
+            <a:spAutoFit/>
+          </a:bodyPr>
+          <a:lstStyle/>
+          <a:p>
+            <a:r>
+              <a:rPr lang="en-US" dirty="0">
+                <a:solidFill>
+                  <a:schemeClr val="accent1"/>
+                </a:solidFill>
+                <a:latin typeface="Courier New" panose="02070309020205020404" pitchFamily="49" charset="0"/>
+                <a:cs typeface="Courier New" panose="02070309020205020404" pitchFamily="49" charset="0"/>
+              </a:rPr>
+              <a:t>READ1-PRIMER</a:t>
+            </a:r>
+          </a:p>
+        </p:txBody>
+      </p:sp>
+      <p:sp>
+        <p:nvSpPr>
+          <p:cNvPr id="15" name="TextBox 14">
+            <a:extLst>
+              <a:ext uri="{FF2B5EF4-FFF2-40B4-BE49-F238E27FC236}">
+                <a16:creationId xmlns:a16="http://schemas.microsoft.com/office/drawing/2014/main" id="{0DFEDABB-F2CD-0146-BCAD-D45071B1393D}"/>
+              </a:ext>
+            </a:extLst>
+          </p:cNvPr>
+          <p:cNvSpPr txBox="1"/>
+          <p:nvPr/>
+        </p:nvSpPr>
+        <p:spPr>
+          <a:xfrm rot="19846632" flipH="1" flipV="1">
+            <a:off x="2934431" y="2939434"/>
+            <a:ext cx="1838965" cy="369332"/>
+          </a:xfrm>
+          <a:prstGeom prst="rect">
+            <a:avLst/>
+          </a:prstGeom>
+          <a:noFill/>
+        </p:spPr>
+        <p:txBody>
+          <a:bodyPr wrap="none" rtlCol="0">
+            <a:spAutoFit/>
+          </a:bodyPr>
+          <a:lstStyle/>
+          <a:p>
+            <a:r>
+              <a:rPr lang="en-US" dirty="0">
+                <a:solidFill>
+                  <a:schemeClr val="accent2"/>
+                </a:solidFill>
+                <a:latin typeface="Courier New" panose="02070309020205020404" pitchFamily="49" charset="0"/>
+                <a:cs typeface="Courier New" panose="02070309020205020404" pitchFamily="49" charset="0"/>
+              </a:rPr>
+              <a:t>READ2-PRIMER</a:t>
+            </a:r>
+          </a:p>
+        </p:txBody>
+      </p:sp>
+      <p:grpSp>
+        <p:nvGrpSpPr>
+          <p:cNvPr id="20" name="Group 19">
+            <a:extLst>
+              <a:ext uri="{FF2B5EF4-FFF2-40B4-BE49-F238E27FC236}">
+                <a16:creationId xmlns:a16="http://schemas.microsoft.com/office/drawing/2014/main" id="{973915D5-A9A7-6E4A-BE58-7B7F0FFCBBC1}"/>
+              </a:ext>
+            </a:extLst>
+          </p:cNvPr>
+          <p:cNvGrpSpPr/>
+          <p:nvPr/>
+        </p:nvGrpSpPr>
+        <p:grpSpPr>
+          <a:xfrm rot="10800000">
+            <a:off x="7360774" y="1850237"/>
+            <a:ext cx="1870323" cy="1455657"/>
+            <a:chOff x="7472913" y="1936498"/>
+            <a:chExt cx="1870323" cy="1455657"/>
+          </a:xfrm>
+        </p:grpSpPr>
+        <p:sp>
+          <p:nvSpPr>
+            <p:cNvPr id="18" name="TextBox 17">
+              <a:extLst>
+                <a:ext uri="{FF2B5EF4-FFF2-40B4-BE49-F238E27FC236}">
+                  <a16:creationId xmlns:a16="http://schemas.microsoft.com/office/drawing/2014/main" id="{50106E2B-9956-3B4E-871E-F0238FBC2431}"/>
+                </a:ext>
+              </a:extLst>
+            </p:cNvPr>
+            <p:cNvSpPr txBox="1"/>
+            <p:nvPr/>
+          </p:nvSpPr>
+          <p:spPr>
+            <a:xfrm rot="1817007">
+              <a:off x="7504271" y="1936498"/>
+              <a:ext cx="1838965" cy="369332"/>
+            </a:xfrm>
+            <a:prstGeom prst="rect">
+              <a:avLst/>
+            </a:prstGeom>
+            <a:noFill/>
+          </p:spPr>
+          <p:txBody>
+            <a:bodyPr wrap="none" rtlCol="0">
+              <a:spAutoFit/>
+            </a:bodyPr>
+            <a:lstStyle/>
+            <a:p>
+              <a:r>
+                <a:rPr lang="en-US" dirty="0">
+                  <a:solidFill>
+                    <a:schemeClr val="accent1"/>
+                  </a:solidFill>
+                  <a:latin typeface="Courier New" panose="02070309020205020404" pitchFamily="49" charset="0"/>
+                  <a:cs typeface="Courier New" panose="02070309020205020404" pitchFamily="49" charset="0"/>
+                </a:rPr>
+                <a:t>READ1-PRIMER</a:t>
+              </a:r>
+            </a:p>
+          </p:txBody>
+        </p:sp>
+        <p:sp>
+          <p:nvSpPr>
+            <p:cNvPr id="19" name="TextBox 18">
+              <a:extLst>
+                <a:ext uri="{FF2B5EF4-FFF2-40B4-BE49-F238E27FC236}">
+                  <a16:creationId xmlns:a16="http://schemas.microsoft.com/office/drawing/2014/main" id="{7D81AA6D-6715-0941-8015-CBA79BE7F667}"/>
+                </a:ext>
+              </a:extLst>
+            </p:cNvPr>
+            <p:cNvSpPr txBox="1"/>
+            <p:nvPr/>
+          </p:nvSpPr>
+          <p:spPr>
+            <a:xfrm rot="19846632" flipH="1" flipV="1">
+              <a:off x="7472913" y="3022823"/>
+              <a:ext cx="1838965" cy="369332"/>
+            </a:xfrm>
+            <a:prstGeom prst="rect">
+              <a:avLst/>
+            </a:prstGeom>
+            <a:noFill/>
+          </p:spPr>
+          <p:txBody>
+            <a:bodyPr wrap="none" rtlCol="0">
+              <a:spAutoFit/>
+            </a:bodyPr>
+            <a:lstStyle/>
+            <a:p>
+              <a:r>
+                <a:rPr lang="en-US" dirty="0">
+                  <a:solidFill>
+                    <a:schemeClr val="accent2"/>
+                  </a:solidFill>
+                  <a:latin typeface="Courier New" panose="02070309020205020404" pitchFamily="49" charset="0"/>
+                  <a:cs typeface="Courier New" panose="02070309020205020404" pitchFamily="49" charset="0"/>
+                </a:rPr>
+                <a:t>READ2-PRIMER</a:t>
+              </a:r>
+            </a:p>
+          </p:txBody>
+        </p:sp>
+      </p:grpSp>
+      <p:sp>
+        <p:nvSpPr>
+          <p:cNvPr id="21" name="Down Arrow 20">
+            <a:extLst>
+              <a:ext uri="{FF2B5EF4-FFF2-40B4-BE49-F238E27FC236}">
+                <a16:creationId xmlns:a16="http://schemas.microsoft.com/office/drawing/2014/main" id="{AB15B7EA-8793-C047-965A-237B2D3AE49B}"/>
+              </a:ext>
+            </a:extLst>
+          </p:cNvPr>
+          <p:cNvSpPr/>
+          <p:nvPr/>
+        </p:nvSpPr>
+        <p:spPr>
+          <a:xfrm>
+            <a:off x="5518030" y="3348649"/>
+            <a:ext cx="1155939" cy="349370"/>
+          </a:xfrm>
+          <a:prstGeom prst="downArrow">
+            <a:avLst/>
+          </a:prstGeom>
+        </p:spPr>
+        <p:style>
+          <a:lnRef idx="2">
+            <a:schemeClr val="accent1">
+              <a:shade val="50000"/>
+            </a:schemeClr>
+          </a:lnRef>
+          <a:fillRef idx="1">
+            <a:schemeClr val="accent1"/>
+          </a:fillRef>
+          <a:effectRef idx="0">
+            <a:schemeClr val="accent1"/>
+          </a:effectRef>
+          <a:fontRef idx="minor">
+            <a:schemeClr val="lt1"/>
+          </a:fontRef>
+        </p:style>
+        <p:txBody>
+          <a:bodyPr rtlCol="0" anchor="ctr"/>
+          <a:lstStyle/>
+          <a:p>
+            <a:pPr algn="ctr"/>
+            <a:r>
+              <a:rPr lang="en-US" dirty="0"/>
+              <a:t>PCR</a:t>
+            </a:r>
+          </a:p>
+        </p:txBody>
+      </p:sp>
+      <p:sp>
+        <p:nvSpPr>
+          <p:cNvPr id="22" name="TextBox 21">
+            <a:extLst>
+              <a:ext uri="{FF2B5EF4-FFF2-40B4-BE49-F238E27FC236}">
+                <a16:creationId xmlns:a16="http://schemas.microsoft.com/office/drawing/2014/main" id="{CF714A24-25AC-4842-B492-06CCC7B5A211}"/>
+              </a:ext>
+            </a:extLst>
+          </p:cNvPr>
+          <p:cNvSpPr txBox="1"/>
+          <p:nvPr/>
+        </p:nvSpPr>
+        <p:spPr>
+          <a:xfrm>
+            <a:off x="2807049" y="3877979"/>
+            <a:ext cx="6526146" cy="369332"/>
+          </a:xfrm>
+          <a:prstGeom prst="rect">
+            <a:avLst/>
+          </a:prstGeom>
+          <a:noFill/>
+        </p:spPr>
+        <p:txBody>
+          <a:bodyPr wrap="none" rtlCol="0">
+            <a:spAutoFit/>
+          </a:bodyPr>
+          <a:lstStyle/>
+          <a:p>
+            <a:r>
+              <a:rPr lang="en-US" dirty="0">
+                <a:solidFill>
+                  <a:schemeClr val="accent1"/>
+                </a:solidFill>
+                <a:latin typeface="Courier New" panose="02070309020205020404" pitchFamily="49" charset="0"/>
+                <a:cs typeface="Courier New" panose="02070309020205020404" pitchFamily="49" charset="0"/>
+              </a:rPr>
+              <a:t>READ1-PRIMER</a:t>
+            </a:r>
+            <a:r>
+              <a:rPr lang="en-US" dirty="0">
+                <a:latin typeface="Courier New" panose="02070309020205020404" pitchFamily="49" charset="0"/>
+                <a:cs typeface="Courier New" panose="02070309020205020404" pitchFamily="49" charset="0"/>
+              </a:rPr>
+              <a:t>-ATCGATCGA</a:t>
+            </a:r>
+            <a:r>
+              <a:rPr lang="en-US" b="1" dirty="0">
+                <a:latin typeface="Courier New" panose="02070309020205020404" pitchFamily="49" charset="0"/>
+                <a:cs typeface="Courier New" panose="02070309020205020404" pitchFamily="49" charset="0"/>
+              </a:rPr>
+              <a:t>T</a:t>
+            </a:r>
+            <a:r>
+              <a:rPr lang="en-US" dirty="0">
+                <a:latin typeface="Courier New" panose="02070309020205020404" pitchFamily="49" charset="0"/>
+                <a:cs typeface="Courier New" panose="02070309020205020404" pitchFamily="49" charset="0"/>
+              </a:rPr>
+              <a:t>CGATCGATCG-</a:t>
+            </a:r>
+            <a:r>
+              <a:rPr lang="en-US" dirty="0">
+                <a:solidFill>
+                  <a:schemeClr val="accent2"/>
+                </a:solidFill>
+                <a:latin typeface="Courier New" panose="02070309020205020404" pitchFamily="49" charset="0"/>
+                <a:cs typeface="Courier New" panose="02070309020205020404" pitchFamily="49" charset="0"/>
+              </a:rPr>
+              <a:t>READ2-PRIMER</a:t>
+            </a:r>
+          </a:p>
+        </p:txBody>
+      </p:sp>
+      <p:sp>
+        <p:nvSpPr>
+          <p:cNvPr id="23" name="TextBox 22">
+            <a:extLst>
+              <a:ext uri="{FF2B5EF4-FFF2-40B4-BE49-F238E27FC236}">
+                <a16:creationId xmlns:a16="http://schemas.microsoft.com/office/drawing/2014/main" id="{E755B208-3525-B74F-9A7F-05C60C5B7D7B}"/>
+              </a:ext>
+            </a:extLst>
+          </p:cNvPr>
+          <p:cNvSpPr txBox="1"/>
+          <p:nvPr/>
+        </p:nvSpPr>
+        <p:spPr>
+          <a:xfrm rot="10800000">
+            <a:off x="2746666" y="4152367"/>
+            <a:ext cx="6526146" cy="369332"/>
+          </a:xfrm>
+          <a:prstGeom prst="rect">
+            <a:avLst/>
+          </a:prstGeom>
+          <a:noFill/>
+        </p:spPr>
+        <p:txBody>
+          <a:bodyPr wrap="none" rtlCol="0">
+            <a:spAutoFit/>
+          </a:bodyPr>
+          <a:lstStyle/>
+          <a:p>
+            <a:r>
+              <a:rPr lang="en-US" dirty="0">
+                <a:solidFill>
+                  <a:schemeClr val="accent2"/>
+                </a:solidFill>
+                <a:latin typeface="Courier New" panose="02070309020205020404" pitchFamily="49" charset="0"/>
+                <a:cs typeface="Courier New" panose="02070309020205020404" pitchFamily="49" charset="0"/>
+              </a:rPr>
+              <a:t>PRIMER-READ2</a:t>
+            </a:r>
+            <a:r>
+              <a:rPr lang="en-US" dirty="0">
+                <a:latin typeface="Courier New" panose="02070309020205020404" pitchFamily="49" charset="0"/>
+                <a:cs typeface="Courier New" panose="02070309020205020404" pitchFamily="49" charset="0"/>
+              </a:rPr>
+              <a:t>-CGATCGATCG</a:t>
+            </a:r>
+            <a:r>
+              <a:rPr lang="en-US" b="1" dirty="0">
+                <a:latin typeface="Courier New" panose="02070309020205020404" pitchFamily="49" charset="0"/>
+                <a:cs typeface="Courier New" panose="02070309020205020404" pitchFamily="49" charset="0"/>
+              </a:rPr>
+              <a:t>A</a:t>
+            </a:r>
+            <a:r>
+              <a:rPr lang="en-US" dirty="0">
+                <a:latin typeface="Courier New" panose="02070309020205020404" pitchFamily="49" charset="0"/>
+                <a:cs typeface="Courier New" panose="02070309020205020404" pitchFamily="49" charset="0"/>
+              </a:rPr>
+              <a:t>TCGATCGAT-</a:t>
+            </a:r>
+            <a:r>
+              <a:rPr lang="en-US" dirty="0">
+                <a:solidFill>
+                  <a:schemeClr val="accent1"/>
+                </a:solidFill>
+                <a:latin typeface="Courier New" panose="02070309020205020404" pitchFamily="49" charset="0"/>
+                <a:cs typeface="Courier New" panose="02070309020205020404" pitchFamily="49" charset="0"/>
+              </a:rPr>
+              <a:t>PRIMER-READ1</a:t>
+            </a:r>
+          </a:p>
+        </p:txBody>
+      </p:sp>
+      <p:sp>
+        <p:nvSpPr>
+          <p:cNvPr id="26" name="TextBox 25">
+            <a:extLst>
+              <a:ext uri="{FF2B5EF4-FFF2-40B4-BE49-F238E27FC236}">
+                <a16:creationId xmlns:a16="http://schemas.microsoft.com/office/drawing/2014/main" id="{EE0C7A06-E041-B949-9304-118381D74A04}"/>
+              </a:ext>
+            </a:extLst>
+          </p:cNvPr>
+          <p:cNvSpPr txBox="1"/>
+          <p:nvPr/>
+        </p:nvSpPr>
+        <p:spPr>
+          <a:xfrm>
+            <a:off x="2807049" y="4620833"/>
+            <a:ext cx="6526146" cy="369332"/>
+          </a:xfrm>
+          <a:prstGeom prst="rect">
+            <a:avLst/>
+          </a:prstGeom>
+          <a:noFill/>
+        </p:spPr>
+        <p:txBody>
+          <a:bodyPr wrap="none" rtlCol="0">
+            <a:spAutoFit/>
+          </a:bodyPr>
+          <a:lstStyle/>
+          <a:p>
+            <a:r>
+              <a:rPr lang="en-US" dirty="0">
+                <a:solidFill>
+                  <a:schemeClr val="accent2"/>
+                </a:solidFill>
+                <a:latin typeface="Courier New" panose="02070309020205020404" pitchFamily="49" charset="0"/>
+                <a:cs typeface="Courier New" panose="02070309020205020404" pitchFamily="49" charset="0"/>
+              </a:rPr>
+              <a:t>READ2-PRIMER</a:t>
+            </a:r>
+            <a:r>
+              <a:rPr lang="en-US" dirty="0">
+                <a:latin typeface="Courier New" panose="02070309020205020404" pitchFamily="49" charset="0"/>
+                <a:cs typeface="Courier New" panose="02070309020205020404" pitchFamily="49" charset="0"/>
+              </a:rPr>
+              <a:t>-ATCGATCGA</a:t>
+            </a:r>
+            <a:r>
+              <a:rPr lang="en-US" b="1" dirty="0">
+                <a:latin typeface="Courier New" panose="02070309020205020404" pitchFamily="49" charset="0"/>
+                <a:cs typeface="Courier New" panose="02070309020205020404" pitchFamily="49" charset="0"/>
+              </a:rPr>
+              <a:t>C</a:t>
+            </a:r>
+            <a:r>
+              <a:rPr lang="en-US" dirty="0">
+                <a:latin typeface="Courier New" panose="02070309020205020404" pitchFamily="49" charset="0"/>
+                <a:cs typeface="Courier New" panose="02070309020205020404" pitchFamily="49" charset="0"/>
+              </a:rPr>
+              <a:t>CGATCGATCG-</a:t>
+            </a:r>
+            <a:r>
+              <a:rPr lang="en-US" dirty="0">
+                <a:solidFill>
+                  <a:schemeClr val="accent1"/>
+                </a:solidFill>
+                <a:latin typeface="Courier New" panose="02070309020205020404" pitchFamily="49" charset="0"/>
+                <a:cs typeface="Courier New" panose="02070309020205020404" pitchFamily="49" charset="0"/>
+              </a:rPr>
+              <a:t>READ1-PRIMER</a:t>
+            </a:r>
+          </a:p>
+        </p:txBody>
+      </p:sp>
+      <p:sp>
+        <p:nvSpPr>
+          <p:cNvPr id="27" name="TextBox 26">
+            <a:extLst>
+              <a:ext uri="{FF2B5EF4-FFF2-40B4-BE49-F238E27FC236}">
+                <a16:creationId xmlns:a16="http://schemas.microsoft.com/office/drawing/2014/main" id="{62BA7A8E-7EF6-F941-B321-497F22884D39}"/>
+              </a:ext>
+            </a:extLst>
+          </p:cNvPr>
+          <p:cNvSpPr txBox="1"/>
+          <p:nvPr/>
+        </p:nvSpPr>
+        <p:spPr>
+          <a:xfrm rot="10800000">
+            <a:off x="2746666" y="4895221"/>
+            <a:ext cx="6526146" cy="369332"/>
+          </a:xfrm>
+          <a:prstGeom prst="rect">
+            <a:avLst/>
+          </a:prstGeom>
+          <a:noFill/>
+        </p:spPr>
+        <p:txBody>
+          <a:bodyPr wrap="none" rtlCol="0">
+            <a:spAutoFit/>
+          </a:bodyPr>
+          <a:lstStyle/>
+          <a:p>
+            <a:r>
+              <a:rPr lang="en-US" dirty="0">
+                <a:solidFill>
+                  <a:schemeClr val="accent1"/>
+                </a:solidFill>
+                <a:latin typeface="Courier New" panose="02070309020205020404" pitchFamily="49" charset="0"/>
+                <a:cs typeface="Courier New" panose="02070309020205020404" pitchFamily="49" charset="0"/>
+              </a:rPr>
+              <a:t>PRIMER-READ1</a:t>
+            </a:r>
+            <a:r>
+              <a:rPr lang="en-US" dirty="0">
+                <a:latin typeface="Courier New" panose="02070309020205020404" pitchFamily="49" charset="0"/>
+                <a:cs typeface="Courier New" panose="02070309020205020404" pitchFamily="49" charset="0"/>
+              </a:rPr>
+              <a:t>-CGATCGATCG</a:t>
+            </a:r>
+            <a:r>
+              <a:rPr lang="en-US" b="1" dirty="0">
+                <a:latin typeface="Courier New" panose="02070309020205020404" pitchFamily="49" charset="0"/>
+                <a:cs typeface="Courier New" panose="02070309020205020404" pitchFamily="49" charset="0"/>
+              </a:rPr>
+              <a:t>G</a:t>
+            </a:r>
+            <a:r>
+              <a:rPr lang="en-US" dirty="0">
+                <a:latin typeface="Courier New" panose="02070309020205020404" pitchFamily="49" charset="0"/>
+                <a:cs typeface="Courier New" panose="02070309020205020404" pitchFamily="49" charset="0"/>
+              </a:rPr>
+              <a:t>TCGATCGAT-</a:t>
+            </a:r>
+            <a:r>
+              <a:rPr lang="en-US" dirty="0">
+                <a:solidFill>
+                  <a:schemeClr val="accent2"/>
+                </a:solidFill>
+                <a:latin typeface="Courier New" panose="02070309020205020404" pitchFamily="49" charset="0"/>
+                <a:cs typeface="Courier New" panose="02070309020205020404" pitchFamily="49" charset="0"/>
+              </a:rPr>
+              <a:t>PRIMER-READ2</a:t>
+            </a:r>
+          </a:p>
+        </p:txBody>
+      </p:sp>
+      <p:sp>
+        <p:nvSpPr>
+          <p:cNvPr id="29" name="TextBox 28">
+            <a:extLst>
+              <a:ext uri="{FF2B5EF4-FFF2-40B4-BE49-F238E27FC236}">
+                <a16:creationId xmlns:a16="http://schemas.microsoft.com/office/drawing/2014/main" id="{A7E07589-F425-7B49-9936-C2B705706134}"/>
+              </a:ext>
+            </a:extLst>
+          </p:cNvPr>
+          <p:cNvSpPr txBox="1"/>
+          <p:nvPr/>
+        </p:nvSpPr>
+        <p:spPr>
+          <a:xfrm>
+            <a:off x="2061017" y="5480326"/>
+            <a:ext cx="8069966" cy="923330"/>
+          </a:xfrm>
+          <a:prstGeom prst="rect">
+            <a:avLst/>
+          </a:prstGeom>
+          <a:noFill/>
+        </p:spPr>
+        <p:txBody>
+          <a:bodyPr wrap="none" rtlCol="0">
+            <a:spAutoFit/>
+          </a:bodyPr>
+          <a:lstStyle/>
+          <a:p>
+            <a:pPr algn="ctr"/>
+            <a:r>
+              <a:rPr lang="en-US" dirty="0"/>
+              <a:t>Y-shaped adapter disambiguates sequences of positive and negative strand.</a:t>
+            </a:r>
+          </a:p>
+          <a:p>
+            <a:pPr algn="ctr"/>
+            <a:r>
+              <a:rPr lang="en-US" dirty="0"/>
+              <a:t>When Read 1 aligns in the forward orientation, nucleotides are from positive strand.</a:t>
+            </a:r>
+          </a:p>
+          <a:p>
+            <a:pPr algn="ctr"/>
+            <a:r>
+              <a:rPr lang="en-US" dirty="0"/>
+              <a:t>When Read 2 aligns in the forward orientation, nucleotides are from negative strand.</a:t>
+            </a:r>
+          </a:p>
+        </p:txBody>
+      </p:sp>
+    </p:spTree>
+    <p:extLst>
+      <p:ext uri="{BB962C8B-B14F-4D97-AF65-F5344CB8AC3E}">
+        <p14:creationId xmlns:p14="http://schemas.microsoft.com/office/powerpoint/2010/main" val="1732069887"/>
+      </p:ext>
+    </p:extLst>
+  </p:cSld>
+  <p:clrMapOvr>
+    <a:masterClrMapping/>
+  </p:clrMapOvr>
+</p:sld>
+</file>
+
+<file path=ppt/slides/slide3.xml><?xml version="1.0" encoding="utf-8"?>
+<p:sld xmlns:a="http://schemas.openxmlformats.org/drawingml/2006/main" xmlns:r="http://schemas.openxmlformats.org/officeDocument/2006/relationships" xmlns:p="http://schemas.openxmlformats.org/presentationml/2006/main">
+  <p:cSld>
+    <p:spTree>
+      <p:nvGrpSpPr>
+        <p:cNvPr id="1" name=""/>
+        <p:cNvGrpSpPr/>
+        <p:nvPr/>
+      </p:nvGrpSpPr>
+      <p:grpSpPr>
+        <a:xfrm>
+          <a:off x="0" y="0"/>
+          <a:ext cx="0" cy="0"/>
+          <a:chOff x="0" y="0"/>
+          <a:chExt cx="0" cy="0"/>
+        </a:xfrm>
+      </p:grpSpPr>
+      <p:sp>
+        <p:nvSpPr>
           <p:cNvPr id="4" name="Title 3">
             <a:extLst>
               <a:ext uri="{FF2B5EF4-FFF2-40B4-BE49-F238E27FC236}">
@@ -13320,8 +14393,20 @@
           <a:lstStyle/>
           <a:p>
             <a:r>
-              <a:rPr lang="en-US"/>
-              <a:t>FredHutch/wgs-duplex-seq</a:t>
+              <a:rPr lang="en-US" dirty="0" err="1"/>
+              <a:t>FredHutch</a:t>
+            </a:r>
+            <a:r>
+              <a:rPr lang="en-US" dirty="0"/>
+              <a:t>/</a:t>
+            </a:r>
+            <a:r>
+              <a:rPr lang="en-US" dirty="0" err="1"/>
+              <a:t>maddd</a:t>
+            </a:r>
+            <a:r>
+              <a:rPr lang="en-US" dirty="0"/>
+              <a:t>-seq</a:t>
             </a:r>
           </a:p>
         </p:txBody>
@@ -13349,7 +14434,7 @@
           <a:p>
             <a:fld id="{60E83D82-F696-1748-AD88-78C4469F76A5}" type="slidenum">
               <a:rPr lang="en-US" smtClean="0"/>
-              <a:t>2</a:t>
+              <a:t>3</a:t>
             </a:fld>
             <a:endParaRPr lang="en-US"/>
           </a:p>
@@ -13893,792 +14978,6 @@
 </p:sld>
 </file>
 
-<file path=ppt/slides/slide3.xml><?xml version="1.0" encoding="utf-8"?>
-<p:sld xmlns:a="http://schemas.openxmlformats.org/drawingml/2006/main" xmlns:r="http://schemas.openxmlformats.org/officeDocument/2006/relationships" xmlns:p="http://schemas.openxmlformats.org/presentationml/2006/main">
-  <p:cSld>
-    <p:spTree>
-      <p:nvGrpSpPr>
-        <p:cNvPr id="1" name=""/>
-        <p:cNvGrpSpPr/>
-        <p:nvPr/>
-      </p:nvGrpSpPr>
-      <p:grpSpPr>
-        <a:xfrm>
-          <a:off x="0" y="0"/>
-          <a:ext cx="0" cy="0"/>
-          <a:chOff x="0" y="0"/>
-          <a:chExt cx="0" cy="0"/>
-        </a:xfrm>
-      </p:grpSpPr>
-      <p:sp>
-        <p:nvSpPr>
-          <p:cNvPr id="4" name="Title 3">
-            <a:extLst>
-              <a:ext uri="{FF2B5EF4-FFF2-40B4-BE49-F238E27FC236}">
-                <a16:creationId xmlns:a16="http://schemas.microsoft.com/office/drawing/2014/main" id="{CDA8C976-88DF-C543-AFF3-FBEA90E42022}"/>
-              </a:ext>
-            </a:extLst>
-          </p:cNvPr>
-          <p:cNvSpPr>
-            <a:spLocks noGrp="1"/>
-          </p:cNvSpPr>
-          <p:nvPr>
-            <p:ph type="title"/>
-          </p:nvPr>
-        </p:nvSpPr>
-        <p:spPr/>
-        <p:txBody>
-          <a:bodyPr/>
-          <a:lstStyle/>
-          <a:p>
-            <a:r>
-              <a:rPr lang="en-US" dirty="0"/>
-              <a:t>Sequencing Data</a:t>
-            </a:r>
-          </a:p>
-        </p:txBody>
-      </p:sp>
-      <p:sp>
-        <p:nvSpPr>
-          <p:cNvPr id="5" name="Rectangle 4">
-            <a:extLst>
-              <a:ext uri="{FF2B5EF4-FFF2-40B4-BE49-F238E27FC236}">
-                <a16:creationId xmlns:a16="http://schemas.microsoft.com/office/drawing/2014/main" id="{90AEC31D-6B57-7844-A8C2-1BDFE825843D}"/>
-              </a:ext>
-            </a:extLst>
-          </p:cNvPr>
-          <p:cNvSpPr/>
-          <p:nvPr/>
-        </p:nvSpPr>
-        <p:spPr>
-          <a:xfrm>
-            <a:off x="4297578" y="2294267"/>
-            <a:ext cx="4287795" cy="86497"/>
-          </a:xfrm>
-          <a:prstGeom prst="rect">
-            <a:avLst/>
-          </a:prstGeom>
-          <a:solidFill>
-            <a:schemeClr val="accent1">
-              <a:alpha val="50000"/>
-            </a:schemeClr>
-          </a:solidFill>
-        </p:spPr>
-        <p:style>
-          <a:lnRef idx="2">
-            <a:schemeClr val="accent1">
-              <a:shade val="50000"/>
-            </a:schemeClr>
-          </a:lnRef>
-          <a:fillRef idx="1">
-            <a:schemeClr val="accent1"/>
-          </a:fillRef>
-          <a:effectRef idx="0">
-            <a:schemeClr val="accent1"/>
-          </a:effectRef>
-          <a:fontRef idx="minor">
-            <a:schemeClr val="lt1"/>
-          </a:fontRef>
-        </p:style>
-        <p:txBody>
-          <a:bodyPr rtlCol="0" anchor="ctr"/>
-          <a:lstStyle/>
-          <a:p>
-            <a:pPr algn="ctr"/>
-            <a:endParaRPr lang="en-US"/>
-          </a:p>
-        </p:txBody>
-      </p:sp>
-      <p:sp>
-        <p:nvSpPr>
-          <p:cNvPr id="6" name="Rectangle 5">
-            <a:extLst>
-              <a:ext uri="{FF2B5EF4-FFF2-40B4-BE49-F238E27FC236}">
-                <a16:creationId xmlns:a16="http://schemas.microsoft.com/office/drawing/2014/main" id="{586C6113-27A7-014F-9118-351B20A19D0E}"/>
-              </a:ext>
-            </a:extLst>
-          </p:cNvPr>
-          <p:cNvSpPr/>
-          <p:nvPr/>
-        </p:nvSpPr>
-        <p:spPr>
-          <a:xfrm flipH="1">
-            <a:off x="3855930" y="2294267"/>
-            <a:ext cx="441648" cy="86497"/>
-          </a:xfrm>
-          <a:prstGeom prst="rect">
-            <a:avLst/>
-          </a:prstGeom>
-          <a:solidFill>
-            <a:schemeClr val="accent2">
-              <a:alpha val="50000"/>
-            </a:schemeClr>
-          </a:solidFill>
-        </p:spPr>
-        <p:style>
-          <a:lnRef idx="2">
-            <a:schemeClr val="accent2">
-              <a:shade val="50000"/>
-            </a:schemeClr>
-          </a:lnRef>
-          <a:fillRef idx="1">
-            <a:schemeClr val="accent2"/>
-          </a:fillRef>
-          <a:effectRef idx="0">
-            <a:schemeClr val="accent2"/>
-          </a:effectRef>
-          <a:fontRef idx="minor">
-            <a:schemeClr val="lt1"/>
-          </a:fontRef>
-        </p:style>
-        <p:txBody>
-          <a:bodyPr rtlCol="0" anchor="ctr"/>
-          <a:lstStyle/>
-          <a:p>
-            <a:pPr algn="ctr"/>
-            <a:endParaRPr lang="en-US"/>
-          </a:p>
-        </p:txBody>
-      </p:sp>
-      <p:sp>
-        <p:nvSpPr>
-          <p:cNvPr id="7" name="Rectangle 6">
-            <a:extLst>
-              <a:ext uri="{FF2B5EF4-FFF2-40B4-BE49-F238E27FC236}">
-                <a16:creationId xmlns:a16="http://schemas.microsoft.com/office/drawing/2014/main" id="{A4C2C8CA-7171-8D41-9327-CDBAA4695415}"/>
-              </a:ext>
-            </a:extLst>
-          </p:cNvPr>
-          <p:cNvSpPr/>
-          <p:nvPr/>
-        </p:nvSpPr>
-        <p:spPr>
-          <a:xfrm flipH="1">
-            <a:off x="8585373" y="2294267"/>
-            <a:ext cx="441648" cy="86497"/>
-          </a:xfrm>
-          <a:prstGeom prst="rect">
-            <a:avLst/>
-          </a:prstGeom>
-          <a:solidFill>
-            <a:schemeClr val="accent2">
-              <a:alpha val="50000"/>
-            </a:schemeClr>
-          </a:solidFill>
-        </p:spPr>
-        <p:style>
-          <a:lnRef idx="2">
-            <a:schemeClr val="accent2">
-              <a:shade val="50000"/>
-            </a:schemeClr>
-          </a:lnRef>
-          <a:fillRef idx="1">
-            <a:schemeClr val="accent2"/>
-          </a:fillRef>
-          <a:effectRef idx="0">
-            <a:schemeClr val="accent2"/>
-          </a:effectRef>
-          <a:fontRef idx="minor">
-            <a:schemeClr val="lt1"/>
-          </a:fontRef>
-        </p:style>
-        <p:txBody>
-          <a:bodyPr rtlCol="0" anchor="ctr"/>
-          <a:lstStyle/>
-          <a:p>
-            <a:pPr algn="ctr"/>
-            <a:endParaRPr lang="en-US"/>
-          </a:p>
-        </p:txBody>
-      </p:sp>
-      <p:sp>
-        <p:nvSpPr>
-          <p:cNvPr id="11" name="Rectangle 10">
-            <a:extLst>
-              <a:ext uri="{FF2B5EF4-FFF2-40B4-BE49-F238E27FC236}">
-                <a16:creationId xmlns:a16="http://schemas.microsoft.com/office/drawing/2014/main" id="{A028BF6A-FDFC-1449-A3EA-0ACE2D9766C2}"/>
-              </a:ext>
-            </a:extLst>
-          </p:cNvPr>
-          <p:cNvSpPr/>
-          <p:nvPr/>
-        </p:nvSpPr>
-        <p:spPr>
-          <a:xfrm flipH="1">
-            <a:off x="2026918" y="2294267"/>
-            <a:ext cx="441648" cy="86497"/>
-          </a:xfrm>
-          <a:prstGeom prst="rect">
-            <a:avLst/>
-          </a:prstGeom>
-          <a:solidFill>
-            <a:schemeClr val="accent6">
-              <a:alpha val="50000"/>
-            </a:schemeClr>
-          </a:solidFill>
-        </p:spPr>
-        <p:style>
-          <a:lnRef idx="2">
-            <a:schemeClr val="accent6">
-              <a:shade val="50000"/>
-            </a:schemeClr>
-          </a:lnRef>
-          <a:fillRef idx="1">
-            <a:schemeClr val="accent6"/>
-          </a:fillRef>
-          <a:effectRef idx="0">
-            <a:schemeClr val="accent6"/>
-          </a:effectRef>
-          <a:fontRef idx="minor">
-            <a:schemeClr val="lt1"/>
-          </a:fontRef>
-        </p:style>
-        <p:txBody>
-          <a:bodyPr rtlCol="0" anchor="ctr"/>
-          <a:lstStyle/>
-          <a:p>
-            <a:pPr algn="ctr"/>
-            <a:endParaRPr lang="en-US"/>
-          </a:p>
-        </p:txBody>
-      </p:sp>
-      <p:sp>
-        <p:nvSpPr>
-          <p:cNvPr id="14" name="TextBox 13">
-            <a:extLst>
-              <a:ext uri="{FF2B5EF4-FFF2-40B4-BE49-F238E27FC236}">
-                <a16:creationId xmlns:a16="http://schemas.microsoft.com/office/drawing/2014/main" id="{E36E4E5C-AD1C-4543-88D6-8DED7ABFE072}"/>
-              </a:ext>
-            </a:extLst>
-          </p:cNvPr>
-          <p:cNvSpPr txBox="1"/>
-          <p:nvPr/>
-        </p:nvSpPr>
-        <p:spPr>
-          <a:xfrm>
-            <a:off x="7552936" y="3229317"/>
-            <a:ext cx="823431" cy="369332"/>
-          </a:xfrm>
-          <a:prstGeom prst="rect">
-            <a:avLst/>
-          </a:prstGeom>
-          <a:noFill/>
-        </p:spPr>
-        <p:txBody>
-          <a:bodyPr wrap="none" rtlCol="0">
-            <a:spAutoFit/>
-          </a:bodyPr>
-          <a:lstStyle/>
-          <a:p>
-            <a:r>
-              <a:rPr lang="en-US" dirty="0"/>
-              <a:t>Read 2</a:t>
-            </a:r>
-          </a:p>
-        </p:txBody>
-      </p:sp>
-      <p:sp>
-        <p:nvSpPr>
-          <p:cNvPr id="15" name="TextBox 14">
-            <a:extLst>
-              <a:ext uri="{FF2B5EF4-FFF2-40B4-BE49-F238E27FC236}">
-                <a16:creationId xmlns:a16="http://schemas.microsoft.com/office/drawing/2014/main" id="{0220DE81-6F7D-FB40-AFE2-CB8D3AA8BD48}"/>
-              </a:ext>
-            </a:extLst>
-          </p:cNvPr>
-          <p:cNvSpPr txBox="1"/>
-          <p:nvPr/>
-        </p:nvSpPr>
-        <p:spPr>
-          <a:xfrm>
-            <a:off x="4506584" y="3229317"/>
-            <a:ext cx="823431" cy="369332"/>
-          </a:xfrm>
-          <a:prstGeom prst="rect">
-            <a:avLst/>
-          </a:prstGeom>
-          <a:noFill/>
-        </p:spPr>
-        <p:txBody>
-          <a:bodyPr wrap="none" rtlCol="0">
-            <a:spAutoFit/>
-          </a:bodyPr>
-          <a:lstStyle/>
-          <a:p>
-            <a:r>
-              <a:rPr lang="en-US" dirty="0"/>
-              <a:t>Read 1</a:t>
-            </a:r>
-          </a:p>
-        </p:txBody>
-      </p:sp>
-      <p:sp>
-        <p:nvSpPr>
-          <p:cNvPr id="17" name="TextBox 16">
-            <a:extLst>
-              <a:ext uri="{FF2B5EF4-FFF2-40B4-BE49-F238E27FC236}">
-                <a16:creationId xmlns:a16="http://schemas.microsoft.com/office/drawing/2014/main" id="{B3A7FDAB-2D5A-4A4D-BA85-E73D6DABA7BA}"/>
-              </a:ext>
-            </a:extLst>
-          </p:cNvPr>
-          <p:cNvSpPr txBox="1"/>
-          <p:nvPr/>
-        </p:nvSpPr>
-        <p:spPr>
-          <a:xfrm>
-            <a:off x="1484424" y="3233124"/>
-            <a:ext cx="1526636" cy="369332"/>
-          </a:xfrm>
-          <a:prstGeom prst="rect">
-            <a:avLst/>
-          </a:prstGeom>
-          <a:noFill/>
-        </p:spPr>
-        <p:txBody>
-          <a:bodyPr wrap="none" rtlCol="0">
-            <a:spAutoFit/>
-          </a:bodyPr>
-          <a:lstStyle/>
-          <a:p>
-            <a:r>
-              <a:rPr lang="en-US" dirty="0"/>
-              <a:t>Barcode Read</a:t>
-            </a:r>
-          </a:p>
-        </p:txBody>
-      </p:sp>
-      <p:sp>
-        <p:nvSpPr>
-          <p:cNvPr id="25" name="Rectangle 24">
-            <a:extLst>
-              <a:ext uri="{FF2B5EF4-FFF2-40B4-BE49-F238E27FC236}">
-                <a16:creationId xmlns:a16="http://schemas.microsoft.com/office/drawing/2014/main" id="{D0D6F7EF-D2C9-524E-806F-B579CB0676FC}"/>
-              </a:ext>
-            </a:extLst>
-          </p:cNvPr>
-          <p:cNvSpPr/>
-          <p:nvPr/>
-        </p:nvSpPr>
-        <p:spPr>
-          <a:xfrm>
-            <a:off x="6902281" y="2606622"/>
-            <a:ext cx="1683092" cy="91440"/>
-          </a:xfrm>
-          <a:prstGeom prst="rect">
-            <a:avLst/>
-          </a:prstGeom>
-        </p:spPr>
-        <p:style>
-          <a:lnRef idx="2">
-            <a:schemeClr val="accent1">
-              <a:shade val="50000"/>
-            </a:schemeClr>
-          </a:lnRef>
-          <a:fillRef idx="1">
-            <a:schemeClr val="accent1"/>
-          </a:fillRef>
-          <a:effectRef idx="0">
-            <a:schemeClr val="accent1"/>
-          </a:effectRef>
-          <a:fontRef idx="minor">
-            <a:schemeClr val="lt1"/>
-          </a:fontRef>
-        </p:style>
-        <p:txBody>
-          <a:bodyPr rtlCol="0" anchor="ctr"/>
-          <a:lstStyle/>
-          <a:p>
-            <a:pPr algn="ctr"/>
-            <a:endParaRPr lang="en-US"/>
-          </a:p>
-        </p:txBody>
-      </p:sp>
-      <p:sp>
-        <p:nvSpPr>
-          <p:cNvPr id="27" name="Rectangle 26">
-            <a:extLst>
-              <a:ext uri="{FF2B5EF4-FFF2-40B4-BE49-F238E27FC236}">
-                <a16:creationId xmlns:a16="http://schemas.microsoft.com/office/drawing/2014/main" id="{697938CB-BB71-5C43-8291-F63803D8D7B1}"/>
-              </a:ext>
-            </a:extLst>
-          </p:cNvPr>
-          <p:cNvSpPr/>
-          <p:nvPr/>
-        </p:nvSpPr>
-        <p:spPr>
-          <a:xfrm flipH="1">
-            <a:off x="3855930" y="2609094"/>
-            <a:ext cx="441648" cy="86497"/>
-          </a:xfrm>
-          <a:prstGeom prst="rect">
-            <a:avLst/>
-          </a:prstGeom>
-        </p:spPr>
-        <p:style>
-          <a:lnRef idx="2">
-            <a:schemeClr val="accent2">
-              <a:shade val="50000"/>
-            </a:schemeClr>
-          </a:lnRef>
-          <a:fillRef idx="1">
-            <a:schemeClr val="accent2"/>
-          </a:fillRef>
-          <a:effectRef idx="0">
-            <a:schemeClr val="accent2"/>
-          </a:effectRef>
-          <a:fontRef idx="minor">
-            <a:schemeClr val="lt1"/>
-          </a:fontRef>
-        </p:style>
-        <p:txBody>
-          <a:bodyPr rtlCol="0" anchor="ctr"/>
-          <a:lstStyle/>
-          <a:p>
-            <a:pPr algn="ctr"/>
-            <a:endParaRPr lang="en-US"/>
-          </a:p>
-        </p:txBody>
-      </p:sp>
-      <p:sp>
-        <p:nvSpPr>
-          <p:cNvPr id="29" name="Rectangle 28">
-            <a:extLst>
-              <a:ext uri="{FF2B5EF4-FFF2-40B4-BE49-F238E27FC236}">
-                <a16:creationId xmlns:a16="http://schemas.microsoft.com/office/drawing/2014/main" id="{8E0B1B9C-D651-2441-A9EA-57E622661AA9}"/>
-              </a:ext>
-            </a:extLst>
-          </p:cNvPr>
-          <p:cNvSpPr/>
-          <p:nvPr/>
-        </p:nvSpPr>
-        <p:spPr>
-          <a:xfrm flipH="1">
-            <a:off x="8585373" y="2609093"/>
-            <a:ext cx="441648" cy="91440"/>
-          </a:xfrm>
-          <a:prstGeom prst="rect">
-            <a:avLst/>
-          </a:prstGeom>
-        </p:spPr>
-        <p:style>
-          <a:lnRef idx="2">
-            <a:schemeClr val="accent2">
-              <a:shade val="50000"/>
-            </a:schemeClr>
-          </a:lnRef>
-          <a:fillRef idx="1">
-            <a:schemeClr val="accent2"/>
-          </a:fillRef>
-          <a:effectRef idx="0">
-            <a:schemeClr val="accent2"/>
-          </a:effectRef>
-          <a:fontRef idx="minor">
-            <a:schemeClr val="lt1"/>
-          </a:fontRef>
-        </p:style>
-        <p:txBody>
-          <a:bodyPr rtlCol="0" anchor="ctr"/>
-          <a:lstStyle/>
-          <a:p>
-            <a:pPr algn="ctr"/>
-            <a:endParaRPr lang="en-US"/>
-          </a:p>
-        </p:txBody>
-      </p:sp>
-      <p:sp>
-        <p:nvSpPr>
-          <p:cNvPr id="31" name="Rectangle 30">
-            <a:extLst>
-              <a:ext uri="{FF2B5EF4-FFF2-40B4-BE49-F238E27FC236}">
-                <a16:creationId xmlns:a16="http://schemas.microsoft.com/office/drawing/2014/main" id="{7C9359E2-13D8-9349-99FB-42D9877DA003}"/>
-              </a:ext>
-            </a:extLst>
-          </p:cNvPr>
-          <p:cNvSpPr/>
-          <p:nvPr/>
-        </p:nvSpPr>
-        <p:spPr>
-          <a:xfrm flipH="1">
-            <a:off x="2026918" y="2609094"/>
-            <a:ext cx="441648" cy="86497"/>
-          </a:xfrm>
-          <a:prstGeom prst="rect">
-            <a:avLst/>
-          </a:prstGeom>
-        </p:spPr>
-        <p:style>
-          <a:lnRef idx="2">
-            <a:schemeClr val="accent6">
-              <a:shade val="50000"/>
-            </a:schemeClr>
-          </a:lnRef>
-          <a:fillRef idx="1">
-            <a:schemeClr val="accent6"/>
-          </a:fillRef>
-          <a:effectRef idx="0">
-            <a:schemeClr val="accent6"/>
-          </a:effectRef>
-          <a:fontRef idx="minor">
-            <a:schemeClr val="lt1"/>
-          </a:fontRef>
-        </p:style>
-        <p:txBody>
-          <a:bodyPr rtlCol="0" anchor="ctr"/>
-          <a:lstStyle/>
-          <a:p>
-            <a:pPr algn="ctr"/>
-            <a:endParaRPr lang="en-US"/>
-          </a:p>
-        </p:txBody>
-      </p:sp>
-      <p:sp>
-        <p:nvSpPr>
-          <p:cNvPr id="33" name="Rectangle 32">
-            <a:extLst>
-              <a:ext uri="{FF2B5EF4-FFF2-40B4-BE49-F238E27FC236}">
-                <a16:creationId xmlns:a16="http://schemas.microsoft.com/office/drawing/2014/main" id="{B340997C-B5AD-974A-833E-7421FAB96315}"/>
-              </a:ext>
-            </a:extLst>
-          </p:cNvPr>
-          <p:cNvSpPr/>
-          <p:nvPr/>
-        </p:nvSpPr>
-        <p:spPr>
-          <a:xfrm>
-            <a:off x="4297579" y="2609094"/>
-            <a:ext cx="1683092" cy="86497"/>
-          </a:xfrm>
-          <a:prstGeom prst="rect">
-            <a:avLst/>
-          </a:prstGeom>
-        </p:spPr>
-        <p:style>
-          <a:lnRef idx="2">
-            <a:schemeClr val="accent1">
-              <a:shade val="50000"/>
-            </a:schemeClr>
-          </a:lnRef>
-          <a:fillRef idx="1">
-            <a:schemeClr val="accent1"/>
-          </a:fillRef>
-          <a:effectRef idx="0">
-            <a:schemeClr val="accent1"/>
-          </a:effectRef>
-          <a:fontRef idx="minor">
-            <a:schemeClr val="lt1"/>
-          </a:fontRef>
-        </p:style>
-        <p:txBody>
-          <a:bodyPr rtlCol="0" anchor="ctr"/>
-          <a:lstStyle/>
-          <a:p>
-            <a:pPr algn="ctr"/>
-            <a:endParaRPr lang="en-US"/>
-          </a:p>
-        </p:txBody>
-      </p:sp>
-      <p:sp>
-        <p:nvSpPr>
-          <p:cNvPr id="3" name="Right Brace 2">
-            <a:extLst>
-              <a:ext uri="{FF2B5EF4-FFF2-40B4-BE49-F238E27FC236}">
-                <a16:creationId xmlns:a16="http://schemas.microsoft.com/office/drawing/2014/main" id="{899C2760-F4D8-EA45-9C28-3E6D2999025D}"/>
-              </a:ext>
-            </a:extLst>
-          </p:cNvPr>
-          <p:cNvSpPr/>
-          <p:nvPr/>
-        </p:nvSpPr>
-        <p:spPr>
-          <a:xfrm rot="5400000">
-            <a:off x="4815303" y="1897102"/>
-            <a:ext cx="205994" cy="2124741"/>
-          </a:xfrm>
-          <a:prstGeom prst="rightBrace">
-            <a:avLst/>
-          </a:prstGeom>
-        </p:spPr>
-        <p:style>
-          <a:lnRef idx="1">
-            <a:schemeClr val="accent1"/>
-          </a:lnRef>
-          <a:fillRef idx="0">
-            <a:schemeClr val="accent1"/>
-          </a:fillRef>
-          <a:effectRef idx="0">
-            <a:schemeClr val="accent1"/>
-          </a:effectRef>
-          <a:fontRef idx="minor">
-            <a:schemeClr val="tx1"/>
-          </a:fontRef>
-        </p:style>
-        <p:txBody>
-          <a:bodyPr rtlCol="0" anchor="ctr"/>
-          <a:lstStyle/>
-          <a:p>
-            <a:pPr algn="ctr"/>
-            <a:endParaRPr lang="en-US"/>
-          </a:p>
-        </p:txBody>
-      </p:sp>
-      <p:sp>
-        <p:nvSpPr>
-          <p:cNvPr id="34" name="Right Brace 33">
-            <a:extLst>
-              <a:ext uri="{FF2B5EF4-FFF2-40B4-BE49-F238E27FC236}">
-                <a16:creationId xmlns:a16="http://schemas.microsoft.com/office/drawing/2014/main" id="{67239C09-66B3-7243-9FD6-9795FEB52F8D}"/>
-              </a:ext>
-            </a:extLst>
-          </p:cNvPr>
-          <p:cNvSpPr/>
-          <p:nvPr/>
-        </p:nvSpPr>
-        <p:spPr>
-          <a:xfrm rot="5400000">
-            <a:off x="7861656" y="1899112"/>
-            <a:ext cx="205993" cy="2124741"/>
-          </a:xfrm>
-          <a:prstGeom prst="rightBrace">
-            <a:avLst/>
-          </a:prstGeom>
-        </p:spPr>
-        <p:style>
-          <a:lnRef idx="1">
-            <a:schemeClr val="accent1"/>
-          </a:lnRef>
-          <a:fillRef idx="0">
-            <a:schemeClr val="accent1"/>
-          </a:fillRef>
-          <a:effectRef idx="0">
-            <a:schemeClr val="accent1"/>
-          </a:effectRef>
-          <a:fontRef idx="minor">
-            <a:schemeClr val="tx1"/>
-          </a:fontRef>
-        </p:style>
-        <p:txBody>
-          <a:bodyPr rtlCol="0" anchor="ctr"/>
-          <a:lstStyle/>
-          <a:p>
-            <a:pPr algn="ctr"/>
-            <a:endParaRPr lang="en-US"/>
-          </a:p>
-        </p:txBody>
-      </p:sp>
-      <p:sp>
-        <p:nvSpPr>
-          <p:cNvPr id="35" name="Right Brace 34">
-            <a:extLst>
-              <a:ext uri="{FF2B5EF4-FFF2-40B4-BE49-F238E27FC236}">
-                <a16:creationId xmlns:a16="http://schemas.microsoft.com/office/drawing/2014/main" id="{5C576EAF-498A-4B4A-A568-9496D9980900}"/>
-              </a:ext>
-            </a:extLst>
-          </p:cNvPr>
-          <p:cNvSpPr/>
-          <p:nvPr/>
-        </p:nvSpPr>
-        <p:spPr>
-          <a:xfrm rot="5400000">
-            <a:off x="2142841" y="2740552"/>
-            <a:ext cx="209802" cy="441648"/>
-          </a:xfrm>
-          <a:prstGeom prst="rightBrace">
-            <a:avLst/>
-          </a:prstGeom>
-        </p:spPr>
-        <p:style>
-          <a:lnRef idx="1">
-            <a:schemeClr val="accent1"/>
-          </a:lnRef>
-          <a:fillRef idx="0">
-            <a:schemeClr val="accent1"/>
-          </a:fillRef>
-          <a:effectRef idx="0">
-            <a:schemeClr val="accent1"/>
-          </a:effectRef>
-          <a:fontRef idx="minor">
-            <a:schemeClr val="tx1"/>
-          </a:fontRef>
-        </p:style>
-        <p:txBody>
-          <a:bodyPr rtlCol="0" anchor="ctr"/>
-          <a:lstStyle/>
-          <a:p>
-            <a:pPr algn="ctr"/>
-            <a:endParaRPr lang="en-US"/>
-          </a:p>
-        </p:txBody>
-      </p:sp>
-      <p:sp>
-        <p:nvSpPr>
-          <p:cNvPr id="2" name="Footer Placeholder 1">
-            <a:extLst>
-              <a:ext uri="{FF2B5EF4-FFF2-40B4-BE49-F238E27FC236}">
-                <a16:creationId xmlns:a16="http://schemas.microsoft.com/office/drawing/2014/main" id="{EF37F9AC-7E44-6340-8E0B-21733A5AE100}"/>
-              </a:ext>
-            </a:extLst>
-          </p:cNvPr>
-          <p:cNvSpPr>
-            <a:spLocks noGrp="1"/>
-          </p:cNvSpPr>
-          <p:nvPr>
-            <p:ph type="ftr" sz="quarter" idx="11"/>
-          </p:nvPr>
-        </p:nvSpPr>
-        <p:spPr/>
-        <p:txBody>
-          <a:bodyPr/>
-          <a:lstStyle/>
-          <a:p>
-            <a:r>
-              <a:rPr lang="en-US"/>
-              <a:t>FredHutch/wgs-duplex-seq</a:t>
-            </a:r>
-          </a:p>
-        </p:txBody>
-      </p:sp>
-      <p:sp>
-        <p:nvSpPr>
-          <p:cNvPr id="8" name="Slide Number Placeholder 7">
-            <a:extLst>
-              <a:ext uri="{FF2B5EF4-FFF2-40B4-BE49-F238E27FC236}">
-                <a16:creationId xmlns:a16="http://schemas.microsoft.com/office/drawing/2014/main" id="{2E5A9930-C1F0-8644-9A65-9A9EAEF814B9}"/>
-              </a:ext>
-            </a:extLst>
-          </p:cNvPr>
-          <p:cNvSpPr>
-            <a:spLocks noGrp="1"/>
-          </p:cNvSpPr>
-          <p:nvPr>
-            <p:ph type="sldNum" sz="quarter" idx="12"/>
-          </p:nvPr>
-        </p:nvSpPr>
-        <p:spPr/>
-        <p:txBody>
-          <a:bodyPr/>
-          <a:lstStyle/>
-          <a:p>
-            <a:fld id="{60E83D82-F696-1748-AD88-78C4469F76A5}" type="slidenum">
-              <a:rPr lang="en-US" smtClean="0"/>
-              <a:t>3</a:t>
-            </a:fld>
-            <a:endParaRPr lang="en-US"/>
-          </a:p>
-        </p:txBody>
-      </p:sp>
-    </p:spTree>
-    <p:extLst>
-      <p:ext uri="{BB962C8B-B14F-4D97-AF65-F5344CB8AC3E}">
-        <p14:creationId xmlns:p14="http://schemas.microsoft.com/office/powerpoint/2010/main" val="1711735333"/>
-      </p:ext>
-    </p:extLst>
-  </p:cSld>
-  <p:clrMapOvr>
-    <a:masterClrMapping/>
-  </p:clrMapOvr>
-</p:sld>
-</file>
-
 <file path=ppt/slides/slide4.xml><?xml version="1.0" encoding="utf-8"?>
 <p:sld xmlns:a="http://schemas.openxmlformats.org/drawingml/2006/main" xmlns:r="http://schemas.openxmlformats.org/officeDocument/2006/relationships" xmlns:p="http://schemas.openxmlformats.org/presentationml/2006/main">
   <p:cSld>
@@ -14719,136 +15018,36 @@
           <a:p>
             <a:r>
               <a:rPr lang="en-US" dirty="0"/>
-              <a:t>Pre: Split data by specimen</a:t>
-            </a:r>
-          </a:p>
-        </p:txBody>
-      </p:sp>
-      <p:sp>
-        <p:nvSpPr>
-          <p:cNvPr id="14" name="TextBox 13">
-            <a:extLst>
-              <a:ext uri="{FF2B5EF4-FFF2-40B4-BE49-F238E27FC236}">
-                <a16:creationId xmlns:a16="http://schemas.microsoft.com/office/drawing/2014/main" id="{E36E4E5C-AD1C-4543-88D6-8DED7ABFE072}"/>
-              </a:ext>
-            </a:extLst>
-          </p:cNvPr>
-          <p:cNvSpPr txBox="1"/>
+              <a:t>Sequencing Data</a:t>
+            </a:r>
+          </a:p>
+        </p:txBody>
+      </p:sp>
+      <p:sp>
+        <p:nvSpPr>
+          <p:cNvPr id="5" name="Rectangle 4">
+            <a:extLst>
+              <a:ext uri="{FF2B5EF4-FFF2-40B4-BE49-F238E27FC236}">
+                <a16:creationId xmlns:a16="http://schemas.microsoft.com/office/drawing/2014/main" id="{90AEC31D-6B57-7844-A8C2-1BDFE825843D}"/>
+              </a:ext>
+            </a:extLst>
+          </p:cNvPr>
+          <p:cNvSpPr/>
           <p:nvPr/>
         </p:nvSpPr>
         <p:spPr>
           <a:xfrm>
-            <a:off x="7552936" y="3229317"/>
-            <a:ext cx="823431" cy="369332"/>
+            <a:off x="4297578" y="2294267"/>
+            <a:ext cx="4287795" cy="86497"/>
           </a:xfrm>
           <a:prstGeom prst="rect">
             <a:avLst/>
           </a:prstGeom>
-          <a:noFill/>
-        </p:spPr>
-        <p:txBody>
-          <a:bodyPr wrap="none" rtlCol="0">
-            <a:spAutoFit/>
-          </a:bodyPr>
-          <a:lstStyle/>
-          <a:p>
-            <a:r>
-              <a:rPr lang="en-US" dirty="0"/>
-              <a:t>Read 2</a:t>
-            </a:r>
-          </a:p>
-        </p:txBody>
-      </p:sp>
-      <p:sp>
-        <p:nvSpPr>
-          <p:cNvPr id="15" name="TextBox 14">
-            <a:extLst>
-              <a:ext uri="{FF2B5EF4-FFF2-40B4-BE49-F238E27FC236}">
-                <a16:creationId xmlns:a16="http://schemas.microsoft.com/office/drawing/2014/main" id="{0220DE81-6F7D-FB40-AFE2-CB8D3AA8BD48}"/>
-              </a:ext>
-            </a:extLst>
-          </p:cNvPr>
-          <p:cNvSpPr txBox="1"/>
-          <p:nvPr/>
-        </p:nvSpPr>
-        <p:spPr>
-          <a:xfrm>
-            <a:off x="4506584" y="3229317"/>
-            <a:ext cx="823431" cy="369332"/>
-          </a:xfrm>
-          <a:prstGeom prst="rect">
-            <a:avLst/>
-          </a:prstGeom>
-          <a:noFill/>
-        </p:spPr>
-        <p:txBody>
-          <a:bodyPr wrap="none" rtlCol="0">
-            <a:spAutoFit/>
-          </a:bodyPr>
-          <a:lstStyle/>
-          <a:p>
-            <a:r>
-              <a:rPr lang="en-US" dirty="0"/>
-              <a:t>Read 1</a:t>
-            </a:r>
-          </a:p>
-        </p:txBody>
-      </p:sp>
-      <p:sp>
-        <p:nvSpPr>
-          <p:cNvPr id="17" name="TextBox 16">
-            <a:extLst>
-              <a:ext uri="{FF2B5EF4-FFF2-40B4-BE49-F238E27FC236}">
-                <a16:creationId xmlns:a16="http://schemas.microsoft.com/office/drawing/2014/main" id="{B3A7FDAB-2D5A-4A4D-BA85-E73D6DABA7BA}"/>
-              </a:ext>
-            </a:extLst>
-          </p:cNvPr>
-          <p:cNvSpPr txBox="1"/>
-          <p:nvPr/>
-        </p:nvSpPr>
-        <p:spPr>
-          <a:xfrm>
-            <a:off x="1484424" y="3233124"/>
-            <a:ext cx="1526636" cy="369332"/>
-          </a:xfrm>
-          <a:prstGeom prst="rect">
-            <a:avLst/>
-          </a:prstGeom>
-          <a:noFill/>
-        </p:spPr>
-        <p:txBody>
-          <a:bodyPr wrap="none" rtlCol="0">
-            <a:spAutoFit/>
-          </a:bodyPr>
-          <a:lstStyle/>
-          <a:p>
-            <a:r>
-              <a:rPr lang="en-US" dirty="0"/>
-              <a:t>Barcode Read</a:t>
-            </a:r>
-          </a:p>
-        </p:txBody>
-      </p:sp>
-      <p:sp>
-        <p:nvSpPr>
-          <p:cNvPr id="25" name="Rectangle 24">
-            <a:extLst>
-              <a:ext uri="{FF2B5EF4-FFF2-40B4-BE49-F238E27FC236}">
-                <a16:creationId xmlns:a16="http://schemas.microsoft.com/office/drawing/2014/main" id="{D0D6F7EF-D2C9-524E-806F-B579CB0676FC}"/>
-              </a:ext>
-            </a:extLst>
-          </p:cNvPr>
-          <p:cNvSpPr/>
-          <p:nvPr/>
-        </p:nvSpPr>
-        <p:spPr>
-          <a:xfrm>
-            <a:off x="6902281" y="2610114"/>
-            <a:ext cx="1683092" cy="79514"/>
-          </a:xfrm>
-          <a:prstGeom prst="rect">
-            <a:avLst/>
-          </a:prstGeom>
+          <a:solidFill>
+            <a:schemeClr val="accent1">
+              <a:alpha val="50000"/>
+            </a:schemeClr>
+          </a:solidFill>
         </p:spPr>
         <p:style>
           <a:lnRef idx="2">
@@ -14877,10 +15076,10 @@
       </p:sp>
       <p:sp>
         <p:nvSpPr>
-          <p:cNvPr id="27" name="Rectangle 26">
-            <a:extLst>
-              <a:ext uri="{FF2B5EF4-FFF2-40B4-BE49-F238E27FC236}">
-                <a16:creationId xmlns:a16="http://schemas.microsoft.com/office/drawing/2014/main" id="{697938CB-BB71-5C43-8291-F63803D8D7B1}"/>
+          <p:cNvPr id="6" name="Rectangle 5">
+            <a:extLst>
+              <a:ext uri="{FF2B5EF4-FFF2-40B4-BE49-F238E27FC236}">
+                <a16:creationId xmlns:a16="http://schemas.microsoft.com/office/drawing/2014/main" id="{586C6113-27A7-014F-9118-351B20A19D0E}"/>
               </a:ext>
             </a:extLst>
           </p:cNvPr>
@@ -14889,12 +15088,17 @@
         </p:nvSpPr>
         <p:spPr>
           <a:xfrm flipH="1">
-            <a:off x="3855929" y="2610114"/>
+            <a:off x="3855930" y="2294267"/>
             <a:ext cx="441648" cy="86497"/>
           </a:xfrm>
           <a:prstGeom prst="rect">
             <a:avLst/>
           </a:prstGeom>
+          <a:solidFill>
+            <a:schemeClr val="accent2">
+              <a:alpha val="50000"/>
+            </a:schemeClr>
+          </a:solidFill>
         </p:spPr>
         <p:style>
           <a:lnRef idx="2">
@@ -14923,10 +15127,10 @@
       </p:sp>
       <p:sp>
         <p:nvSpPr>
-          <p:cNvPr id="29" name="Rectangle 28">
-            <a:extLst>
-              <a:ext uri="{FF2B5EF4-FFF2-40B4-BE49-F238E27FC236}">
-                <a16:creationId xmlns:a16="http://schemas.microsoft.com/office/drawing/2014/main" id="{8E0B1B9C-D651-2441-A9EA-57E622661AA9}"/>
+          <p:cNvPr id="7" name="Rectangle 6">
+            <a:extLst>
+              <a:ext uri="{FF2B5EF4-FFF2-40B4-BE49-F238E27FC236}">
+                <a16:creationId xmlns:a16="http://schemas.microsoft.com/office/drawing/2014/main" id="{A4C2C8CA-7171-8D41-9327-CDBAA4695415}"/>
               </a:ext>
             </a:extLst>
           </p:cNvPr>
@@ -14935,12 +15139,17 @@
         </p:nvSpPr>
         <p:spPr>
           <a:xfrm flipH="1">
-            <a:off x="8585375" y="2610114"/>
+            <a:off x="8585373" y="2294267"/>
             <a:ext cx="441648" cy="86497"/>
           </a:xfrm>
           <a:prstGeom prst="rect">
             <a:avLst/>
           </a:prstGeom>
+          <a:solidFill>
+            <a:schemeClr val="accent2">
+              <a:alpha val="50000"/>
+            </a:schemeClr>
+          </a:solidFill>
         </p:spPr>
         <p:style>
           <a:lnRef idx="2">
@@ -14969,10 +15178,10 @@
       </p:sp>
       <p:sp>
         <p:nvSpPr>
-          <p:cNvPr id="31" name="Rectangle 30">
-            <a:extLst>
-              <a:ext uri="{FF2B5EF4-FFF2-40B4-BE49-F238E27FC236}">
-                <a16:creationId xmlns:a16="http://schemas.microsoft.com/office/drawing/2014/main" id="{7C9359E2-13D8-9349-99FB-42D9877DA003}"/>
+          <p:cNvPr id="11" name="Rectangle 10">
+            <a:extLst>
+              <a:ext uri="{FF2B5EF4-FFF2-40B4-BE49-F238E27FC236}">
+                <a16:creationId xmlns:a16="http://schemas.microsoft.com/office/drawing/2014/main" id="{A028BF6A-FDFC-1449-A3EA-0ACE2D9766C2}"/>
               </a:ext>
             </a:extLst>
           </p:cNvPr>
@@ -14981,12 +15190,17 @@
         </p:nvSpPr>
         <p:spPr>
           <a:xfrm flipH="1">
-            <a:off x="2026918" y="2603131"/>
+            <a:off x="2026918" y="2294267"/>
             <a:ext cx="441648" cy="86497"/>
           </a:xfrm>
           <a:prstGeom prst="rect">
             <a:avLst/>
           </a:prstGeom>
+          <a:solidFill>
+            <a:schemeClr val="accent6">
+              <a:alpha val="50000"/>
+            </a:schemeClr>
+          </a:solidFill>
         </p:spPr>
         <p:style>
           <a:lnRef idx="2">
@@ -15015,10 +15229,115 @@
       </p:sp>
       <p:sp>
         <p:nvSpPr>
-          <p:cNvPr id="33" name="Rectangle 32">
-            <a:extLst>
-              <a:ext uri="{FF2B5EF4-FFF2-40B4-BE49-F238E27FC236}">
-                <a16:creationId xmlns:a16="http://schemas.microsoft.com/office/drawing/2014/main" id="{B340997C-B5AD-974A-833E-7421FAB96315}"/>
+          <p:cNvPr id="14" name="TextBox 13">
+            <a:extLst>
+              <a:ext uri="{FF2B5EF4-FFF2-40B4-BE49-F238E27FC236}">
+                <a16:creationId xmlns:a16="http://schemas.microsoft.com/office/drawing/2014/main" id="{E36E4E5C-AD1C-4543-88D6-8DED7ABFE072}"/>
+              </a:ext>
+            </a:extLst>
+          </p:cNvPr>
+          <p:cNvSpPr txBox="1"/>
+          <p:nvPr/>
+        </p:nvSpPr>
+        <p:spPr>
+          <a:xfrm>
+            <a:off x="7552936" y="3229317"/>
+            <a:ext cx="823431" cy="369332"/>
+          </a:xfrm>
+          <a:prstGeom prst="rect">
+            <a:avLst/>
+          </a:prstGeom>
+          <a:noFill/>
+        </p:spPr>
+        <p:txBody>
+          <a:bodyPr wrap="none" rtlCol="0">
+            <a:spAutoFit/>
+          </a:bodyPr>
+          <a:lstStyle/>
+          <a:p>
+            <a:r>
+              <a:rPr lang="en-US" dirty="0"/>
+              <a:t>Read 2</a:t>
+            </a:r>
+          </a:p>
+        </p:txBody>
+      </p:sp>
+      <p:sp>
+        <p:nvSpPr>
+          <p:cNvPr id="15" name="TextBox 14">
+            <a:extLst>
+              <a:ext uri="{FF2B5EF4-FFF2-40B4-BE49-F238E27FC236}">
+                <a16:creationId xmlns:a16="http://schemas.microsoft.com/office/drawing/2014/main" id="{0220DE81-6F7D-FB40-AFE2-CB8D3AA8BD48}"/>
+              </a:ext>
+            </a:extLst>
+          </p:cNvPr>
+          <p:cNvSpPr txBox="1"/>
+          <p:nvPr/>
+        </p:nvSpPr>
+        <p:spPr>
+          <a:xfrm>
+            <a:off x="4506584" y="3229317"/>
+            <a:ext cx="823431" cy="369332"/>
+          </a:xfrm>
+          <a:prstGeom prst="rect">
+            <a:avLst/>
+          </a:prstGeom>
+          <a:noFill/>
+        </p:spPr>
+        <p:txBody>
+          <a:bodyPr wrap="none" rtlCol="0">
+            <a:spAutoFit/>
+          </a:bodyPr>
+          <a:lstStyle/>
+          <a:p>
+            <a:r>
+              <a:rPr lang="en-US" dirty="0"/>
+              <a:t>Read 1</a:t>
+            </a:r>
+          </a:p>
+        </p:txBody>
+      </p:sp>
+      <p:sp>
+        <p:nvSpPr>
+          <p:cNvPr id="17" name="TextBox 16">
+            <a:extLst>
+              <a:ext uri="{FF2B5EF4-FFF2-40B4-BE49-F238E27FC236}">
+                <a16:creationId xmlns:a16="http://schemas.microsoft.com/office/drawing/2014/main" id="{B3A7FDAB-2D5A-4A4D-BA85-E73D6DABA7BA}"/>
+              </a:ext>
+            </a:extLst>
+          </p:cNvPr>
+          <p:cNvSpPr txBox="1"/>
+          <p:nvPr/>
+        </p:nvSpPr>
+        <p:spPr>
+          <a:xfrm>
+            <a:off x="1484424" y="3233124"/>
+            <a:ext cx="1526636" cy="369332"/>
+          </a:xfrm>
+          <a:prstGeom prst="rect">
+            <a:avLst/>
+          </a:prstGeom>
+          <a:noFill/>
+        </p:spPr>
+        <p:txBody>
+          <a:bodyPr wrap="none" rtlCol="0">
+            <a:spAutoFit/>
+          </a:bodyPr>
+          <a:lstStyle/>
+          <a:p>
+            <a:r>
+              <a:rPr lang="en-US" dirty="0"/>
+              <a:t>Barcode Read</a:t>
+            </a:r>
+          </a:p>
+        </p:txBody>
+      </p:sp>
+      <p:sp>
+        <p:nvSpPr>
+          <p:cNvPr id="25" name="Rectangle 24">
+            <a:extLst>
+              <a:ext uri="{FF2B5EF4-FFF2-40B4-BE49-F238E27FC236}">
+                <a16:creationId xmlns:a16="http://schemas.microsoft.com/office/drawing/2014/main" id="{D0D6F7EF-D2C9-524E-806F-B579CB0676FC}"/>
               </a:ext>
             </a:extLst>
           </p:cNvPr>
@@ -15027,8 +15346,8 @@
         </p:nvSpPr>
         <p:spPr>
           <a:xfrm>
-            <a:off x="4297579" y="2610114"/>
-            <a:ext cx="1683092" cy="86497"/>
+            <a:off x="6902281" y="2606622"/>
+            <a:ext cx="1683092" cy="91440"/>
           </a:xfrm>
           <a:prstGeom prst="rect">
             <a:avLst/>
@@ -15061,6 +15380,190 @@
       </p:sp>
       <p:sp>
         <p:nvSpPr>
+          <p:cNvPr id="27" name="Rectangle 26">
+            <a:extLst>
+              <a:ext uri="{FF2B5EF4-FFF2-40B4-BE49-F238E27FC236}">
+                <a16:creationId xmlns:a16="http://schemas.microsoft.com/office/drawing/2014/main" id="{697938CB-BB71-5C43-8291-F63803D8D7B1}"/>
+              </a:ext>
+            </a:extLst>
+          </p:cNvPr>
+          <p:cNvSpPr/>
+          <p:nvPr/>
+        </p:nvSpPr>
+        <p:spPr>
+          <a:xfrm flipH="1">
+            <a:off x="3855930" y="2609094"/>
+            <a:ext cx="441648" cy="86497"/>
+          </a:xfrm>
+          <a:prstGeom prst="rect">
+            <a:avLst/>
+          </a:prstGeom>
+        </p:spPr>
+        <p:style>
+          <a:lnRef idx="2">
+            <a:schemeClr val="accent2">
+              <a:shade val="50000"/>
+            </a:schemeClr>
+          </a:lnRef>
+          <a:fillRef idx="1">
+            <a:schemeClr val="accent2"/>
+          </a:fillRef>
+          <a:effectRef idx="0">
+            <a:schemeClr val="accent2"/>
+          </a:effectRef>
+          <a:fontRef idx="minor">
+            <a:schemeClr val="lt1"/>
+          </a:fontRef>
+        </p:style>
+        <p:txBody>
+          <a:bodyPr rtlCol="0" anchor="ctr"/>
+          <a:lstStyle/>
+          <a:p>
+            <a:pPr algn="ctr"/>
+            <a:endParaRPr lang="en-US"/>
+          </a:p>
+        </p:txBody>
+      </p:sp>
+      <p:sp>
+        <p:nvSpPr>
+          <p:cNvPr id="29" name="Rectangle 28">
+            <a:extLst>
+              <a:ext uri="{FF2B5EF4-FFF2-40B4-BE49-F238E27FC236}">
+                <a16:creationId xmlns:a16="http://schemas.microsoft.com/office/drawing/2014/main" id="{8E0B1B9C-D651-2441-A9EA-57E622661AA9}"/>
+              </a:ext>
+            </a:extLst>
+          </p:cNvPr>
+          <p:cNvSpPr/>
+          <p:nvPr/>
+        </p:nvSpPr>
+        <p:spPr>
+          <a:xfrm flipH="1">
+            <a:off x="8585373" y="2609093"/>
+            <a:ext cx="441648" cy="91440"/>
+          </a:xfrm>
+          <a:prstGeom prst="rect">
+            <a:avLst/>
+          </a:prstGeom>
+        </p:spPr>
+        <p:style>
+          <a:lnRef idx="2">
+            <a:schemeClr val="accent2">
+              <a:shade val="50000"/>
+            </a:schemeClr>
+          </a:lnRef>
+          <a:fillRef idx="1">
+            <a:schemeClr val="accent2"/>
+          </a:fillRef>
+          <a:effectRef idx="0">
+            <a:schemeClr val="accent2"/>
+          </a:effectRef>
+          <a:fontRef idx="minor">
+            <a:schemeClr val="lt1"/>
+          </a:fontRef>
+        </p:style>
+        <p:txBody>
+          <a:bodyPr rtlCol="0" anchor="ctr"/>
+          <a:lstStyle/>
+          <a:p>
+            <a:pPr algn="ctr"/>
+            <a:endParaRPr lang="en-US"/>
+          </a:p>
+        </p:txBody>
+      </p:sp>
+      <p:sp>
+        <p:nvSpPr>
+          <p:cNvPr id="31" name="Rectangle 30">
+            <a:extLst>
+              <a:ext uri="{FF2B5EF4-FFF2-40B4-BE49-F238E27FC236}">
+                <a16:creationId xmlns:a16="http://schemas.microsoft.com/office/drawing/2014/main" id="{7C9359E2-13D8-9349-99FB-42D9877DA003}"/>
+              </a:ext>
+            </a:extLst>
+          </p:cNvPr>
+          <p:cNvSpPr/>
+          <p:nvPr/>
+        </p:nvSpPr>
+        <p:spPr>
+          <a:xfrm flipH="1">
+            <a:off x="2026918" y="2609094"/>
+            <a:ext cx="441648" cy="86497"/>
+          </a:xfrm>
+          <a:prstGeom prst="rect">
+            <a:avLst/>
+          </a:prstGeom>
+        </p:spPr>
+        <p:style>
+          <a:lnRef idx="2">
+            <a:schemeClr val="accent6">
+              <a:shade val="50000"/>
+            </a:schemeClr>
+          </a:lnRef>
+          <a:fillRef idx="1">
+            <a:schemeClr val="accent6"/>
+          </a:fillRef>
+          <a:effectRef idx="0">
+            <a:schemeClr val="accent6"/>
+          </a:effectRef>
+          <a:fontRef idx="minor">
+            <a:schemeClr val="lt1"/>
+          </a:fontRef>
+        </p:style>
+        <p:txBody>
+          <a:bodyPr rtlCol="0" anchor="ctr"/>
+          <a:lstStyle/>
+          <a:p>
+            <a:pPr algn="ctr"/>
+            <a:endParaRPr lang="en-US"/>
+          </a:p>
+        </p:txBody>
+      </p:sp>
+      <p:sp>
+        <p:nvSpPr>
+          <p:cNvPr id="33" name="Rectangle 32">
+            <a:extLst>
+              <a:ext uri="{FF2B5EF4-FFF2-40B4-BE49-F238E27FC236}">
+                <a16:creationId xmlns:a16="http://schemas.microsoft.com/office/drawing/2014/main" id="{B340997C-B5AD-974A-833E-7421FAB96315}"/>
+              </a:ext>
+            </a:extLst>
+          </p:cNvPr>
+          <p:cNvSpPr/>
+          <p:nvPr/>
+        </p:nvSpPr>
+        <p:spPr>
+          <a:xfrm>
+            <a:off x="4297579" y="2609094"/>
+            <a:ext cx="1683092" cy="86497"/>
+          </a:xfrm>
+          <a:prstGeom prst="rect">
+            <a:avLst/>
+          </a:prstGeom>
+        </p:spPr>
+        <p:style>
+          <a:lnRef idx="2">
+            <a:schemeClr val="accent1">
+              <a:shade val="50000"/>
+            </a:schemeClr>
+          </a:lnRef>
+          <a:fillRef idx="1">
+            <a:schemeClr val="accent1"/>
+          </a:fillRef>
+          <a:effectRef idx="0">
+            <a:schemeClr val="accent1"/>
+          </a:effectRef>
+          <a:fontRef idx="minor">
+            <a:schemeClr val="lt1"/>
+          </a:fontRef>
+        </p:style>
+        <p:txBody>
+          <a:bodyPr rtlCol="0" anchor="ctr"/>
+          <a:lstStyle/>
+          <a:p>
+            <a:pPr algn="ctr"/>
+            <a:endParaRPr lang="en-US"/>
+          </a:p>
+        </p:txBody>
+      </p:sp>
+      <p:sp>
+        <p:nvSpPr>
           <p:cNvPr id="3" name="Right Brace 2">
             <a:extLst>
               <a:ext uri="{FF2B5EF4-FFF2-40B4-BE49-F238E27FC236}">
@@ -15193,54 +15696,10 @@
       </p:sp>
       <p:sp>
         <p:nvSpPr>
-          <p:cNvPr id="2" name="TextBox 1">
-            <a:extLst>
-              <a:ext uri="{FF2B5EF4-FFF2-40B4-BE49-F238E27FC236}">
-                <a16:creationId xmlns:a16="http://schemas.microsoft.com/office/drawing/2014/main" id="{4DB60BAF-24E5-E348-992B-829E49E2B179}"/>
-              </a:ext>
-            </a:extLst>
-          </p:cNvPr>
-          <p:cNvSpPr txBox="1"/>
-          <p:nvPr/>
-        </p:nvSpPr>
-        <p:spPr>
-          <a:xfrm>
-            <a:off x="2650506" y="4771753"/>
-            <a:ext cx="6890989" cy="923330"/>
-          </a:xfrm>
-          <a:prstGeom prst="rect">
-            <a:avLst/>
-          </a:prstGeom>
-          <a:noFill/>
-        </p:spPr>
-        <p:txBody>
-          <a:bodyPr wrap="none" rtlCol="0">
-            <a:spAutoFit/>
-          </a:bodyPr>
-          <a:lstStyle/>
-          <a:p>
-            <a:r>
-              <a:rPr lang="en-US" dirty="0"/>
-              <a:t>Barcode read sequence is used to split up sequencing data by specimen</a:t>
-            </a:r>
-          </a:p>
-          <a:p>
-            <a:endParaRPr lang="en-US" dirty="0"/>
-          </a:p>
-          <a:p>
-            <a:r>
-              <a:rPr lang="en-US" dirty="0"/>
-              <a:t>Performed prior to the start of this workflow</a:t>
-            </a:r>
-          </a:p>
-        </p:txBody>
-      </p:sp>
-      <p:sp>
-        <p:nvSpPr>
-          <p:cNvPr id="5" name="Footer Placeholder 4">
-            <a:extLst>
-              <a:ext uri="{FF2B5EF4-FFF2-40B4-BE49-F238E27FC236}">
-                <a16:creationId xmlns:a16="http://schemas.microsoft.com/office/drawing/2014/main" id="{4CE6B0A7-3656-5346-A5DF-7178CC960DFB}"/>
+          <p:cNvPr id="2" name="Footer Placeholder 1">
+            <a:extLst>
+              <a:ext uri="{FF2B5EF4-FFF2-40B4-BE49-F238E27FC236}">
+                <a16:creationId xmlns:a16="http://schemas.microsoft.com/office/drawing/2014/main" id="{EF37F9AC-7E44-6340-8E0B-21733A5AE100}"/>
               </a:ext>
             </a:extLst>
           </p:cNvPr>
@@ -15257,18 +15716,30 @@
           <a:lstStyle/>
           <a:p>
             <a:r>
-              <a:rPr lang="en-US"/>
-              <a:t>FredHutch/wgs-duplex-seq</a:t>
-            </a:r>
-          </a:p>
-        </p:txBody>
-      </p:sp>
-      <p:sp>
-        <p:nvSpPr>
-          <p:cNvPr id="6" name="Slide Number Placeholder 5">
-            <a:extLst>
-              <a:ext uri="{FF2B5EF4-FFF2-40B4-BE49-F238E27FC236}">
-                <a16:creationId xmlns:a16="http://schemas.microsoft.com/office/drawing/2014/main" id="{5D5A5623-F894-8E42-8214-237E06C4A23C}"/>
+              <a:rPr lang="en-US" dirty="0" err="1"/>
+              <a:t>FredHutch</a:t>
+            </a:r>
+            <a:r>
+              <a:rPr lang="en-US" dirty="0"/>
+              <a:t>/</a:t>
+            </a:r>
+            <a:r>
+              <a:rPr lang="en-US" dirty="0" err="1"/>
+              <a:t>maddd</a:t>
+            </a:r>
+            <a:r>
+              <a:rPr lang="en-US" dirty="0"/>
+              <a:t>-seq</a:t>
+            </a:r>
+          </a:p>
+        </p:txBody>
+      </p:sp>
+      <p:sp>
+        <p:nvSpPr>
+          <p:cNvPr id="8" name="Slide Number Placeholder 7">
+            <a:extLst>
+              <a:ext uri="{FF2B5EF4-FFF2-40B4-BE49-F238E27FC236}">
+                <a16:creationId xmlns:a16="http://schemas.microsoft.com/office/drawing/2014/main" id="{2E5A9930-C1F0-8644-9A65-9A9EAEF814B9}"/>
               </a:ext>
             </a:extLst>
           </p:cNvPr>
@@ -15295,7 +15766,7 @@
     </p:spTree>
     <p:extLst>
       <p:ext uri="{BB962C8B-B14F-4D97-AF65-F5344CB8AC3E}">
-        <p14:creationId xmlns:p14="http://schemas.microsoft.com/office/powerpoint/2010/main" val="2759144718"/>
+        <p14:creationId xmlns:p14="http://schemas.microsoft.com/office/powerpoint/2010/main" val="1711735333"/>
       </p:ext>
     </p:extLst>
   </p:cSld>
@@ -15324,10 +15795,10 @@
       </p:grpSpPr>
       <p:sp>
         <p:nvSpPr>
-          <p:cNvPr id="2" name="Title 1">
-            <a:extLst>
-              <a:ext uri="{FF2B5EF4-FFF2-40B4-BE49-F238E27FC236}">
-                <a16:creationId xmlns:a16="http://schemas.microsoft.com/office/drawing/2014/main" id="{AC6FD664-81A8-BD45-A627-5D4B1DA18138}"/>
+          <p:cNvPr id="4" name="Title 3">
+            <a:extLst>
+              <a:ext uri="{FF2B5EF4-FFF2-40B4-BE49-F238E27FC236}">
+                <a16:creationId xmlns:a16="http://schemas.microsoft.com/office/drawing/2014/main" id="{CDA8C976-88DF-C543-AFF3-FBEA90E42022}"/>
               </a:ext>
             </a:extLst>
           </p:cNvPr>
@@ -15345,154 +15816,528 @@
           <a:p>
             <a:r>
               <a:rPr lang="en-US" dirty="0"/>
-              <a:t>Analysis Overview</a:t>
-            </a:r>
-          </a:p>
-        </p:txBody>
-      </p:sp>
-      <p:sp>
-        <p:nvSpPr>
-          <p:cNvPr id="3" name="Content Placeholder 2">
-            <a:extLst>
-              <a:ext uri="{FF2B5EF4-FFF2-40B4-BE49-F238E27FC236}">
-                <a16:creationId xmlns:a16="http://schemas.microsoft.com/office/drawing/2014/main" id="{E1AD62F1-93DA-BD4A-B764-23032EB29E1F}"/>
-              </a:ext>
-            </a:extLst>
-          </p:cNvPr>
-          <p:cNvSpPr>
-            <a:spLocks noGrp="1"/>
-          </p:cNvSpPr>
-          <p:nvPr>
-            <p:ph sz="half" idx="1"/>
-          </p:nvPr>
-        </p:nvSpPr>
-        <p:spPr/>
-        <p:txBody>
-          <a:bodyPr/>
-          <a:lstStyle/>
-          <a:p>
-            <a:pPr marL="514350" indent="-514350">
-              <a:buFont typeface="+mj-lt"/>
-              <a:buAutoNum type="arabicPeriod"/>
-            </a:pPr>
-            <a:r>
-              <a:rPr lang="en-US" dirty="0"/>
-              <a:t>3’ Quality Trimming</a:t>
-            </a:r>
-          </a:p>
-          <a:p>
-            <a:pPr marL="514350" indent="-514350">
-              <a:buFont typeface="+mj-lt"/>
-              <a:buAutoNum type="arabicPeriod"/>
-            </a:pPr>
-            <a:r>
-              <a:rPr lang="en-US" dirty="0"/>
-              <a:t>Barcode Processing</a:t>
-            </a:r>
-          </a:p>
-          <a:p>
-            <a:pPr marL="514350" indent="-514350">
-              <a:buFont typeface="+mj-lt"/>
-              <a:buAutoNum type="arabicPeriod"/>
-            </a:pPr>
-            <a:r>
-              <a:rPr lang="en-US" dirty="0"/>
-              <a:t>5’ End Trimming</a:t>
-            </a:r>
-          </a:p>
-          <a:p>
-            <a:pPr marL="514350" indent="-514350">
-              <a:buFont typeface="+mj-lt"/>
-              <a:buAutoNum type="arabicPeriod"/>
-            </a:pPr>
-            <a:r>
-              <a:rPr lang="en-US" dirty="0"/>
-              <a:t>Genome Alignment</a:t>
-            </a:r>
-          </a:p>
-          <a:p>
-            <a:pPr marL="514350" indent="-514350">
-              <a:buFont typeface="+mj-lt"/>
-              <a:buAutoNum type="arabicPeriod"/>
-            </a:pPr>
-            <a:r>
-              <a:rPr lang="en-US" dirty="0"/>
-              <a:t>Family Creation</a:t>
-            </a:r>
-          </a:p>
-          <a:p>
-            <a:pPr marL="514350" indent="-514350">
-              <a:buFont typeface="+mj-lt"/>
-              <a:buAutoNum type="arabicPeriod"/>
-            </a:pPr>
-            <a:r>
-              <a:rPr lang="en-US" dirty="0"/>
-              <a:t>Variant Calling</a:t>
-            </a:r>
-          </a:p>
-        </p:txBody>
-      </p:sp>
-      <p:sp>
-        <p:nvSpPr>
-          <p:cNvPr id="4" name="Content Placeholder 3">
-            <a:extLst>
-              <a:ext uri="{FF2B5EF4-FFF2-40B4-BE49-F238E27FC236}">
-                <a16:creationId xmlns:a16="http://schemas.microsoft.com/office/drawing/2014/main" id="{CC9BEA4B-F0B1-9042-8E95-AA32A62C2662}"/>
-              </a:ext>
-            </a:extLst>
-          </p:cNvPr>
-          <p:cNvSpPr>
-            <a:spLocks noGrp="1"/>
-          </p:cNvSpPr>
-          <p:nvPr>
-            <p:ph sz="half" idx="2"/>
-          </p:nvPr>
-        </p:nvSpPr>
-        <p:spPr/>
-        <p:txBody>
-          <a:bodyPr/>
-          <a:lstStyle/>
-          <a:p>
-            <a:pPr marL="0" indent="0">
-              <a:buNone/>
-            </a:pPr>
-            <a:r>
-              <a:rPr lang="en-US" u="sng" dirty="0"/>
-              <a:t>Developer’s Note</a:t>
-            </a:r>
-            <a:r>
-              <a:rPr lang="en-US" dirty="0"/>
-              <a:t>:</a:t>
-            </a:r>
-          </a:p>
-          <a:p>
-            <a:pPr marL="0" indent="0">
-              <a:buNone/>
-            </a:pPr>
-            <a:r>
-              <a:rPr lang="en-US" dirty="0"/>
-              <a:t>Each of the numbered steps corresponds to a sub-workflow which is defined in the </a:t>
-            </a:r>
-            <a:r>
-              <a:rPr lang="en-US" dirty="0">
-                <a:latin typeface="Courier New" panose="02070309020205020404" pitchFamily="49" charset="0"/>
-                <a:cs typeface="Courier New" panose="02070309020205020404" pitchFamily="49" charset="0"/>
-              </a:rPr>
-              <a:t>modules/</a:t>
-            </a:r>
-            <a:r>
-              <a:rPr lang="en-US" dirty="0"/>
-              <a:t> folder.</a:t>
-            </a:r>
-          </a:p>
-        </p:txBody>
-      </p:sp>
-      <p:sp>
-        <p:nvSpPr>
-          <p:cNvPr id="6" name="Footer Placeholder 5">
-            <a:extLst>
-              <a:ext uri="{FF2B5EF4-FFF2-40B4-BE49-F238E27FC236}">
-                <a16:creationId xmlns:a16="http://schemas.microsoft.com/office/drawing/2014/main" id="{9276BB44-EEB9-5549-BB60-7F079318E7A5}"/>
+              <a:t>Pre: Split data by specimen</a:t>
+            </a:r>
+          </a:p>
+        </p:txBody>
+      </p:sp>
+      <p:sp>
+        <p:nvSpPr>
+          <p:cNvPr id="14" name="TextBox 13">
+            <a:extLst>
+              <a:ext uri="{FF2B5EF4-FFF2-40B4-BE49-F238E27FC236}">
+                <a16:creationId xmlns:a16="http://schemas.microsoft.com/office/drawing/2014/main" id="{E36E4E5C-AD1C-4543-88D6-8DED7ABFE072}"/>
+              </a:ext>
+            </a:extLst>
+          </p:cNvPr>
+          <p:cNvSpPr txBox="1"/>
+          <p:nvPr/>
+        </p:nvSpPr>
+        <p:spPr>
+          <a:xfrm>
+            <a:off x="7552936" y="3229317"/>
+            <a:ext cx="823431" cy="369332"/>
+          </a:xfrm>
+          <a:prstGeom prst="rect">
+            <a:avLst/>
+          </a:prstGeom>
+          <a:noFill/>
+        </p:spPr>
+        <p:txBody>
+          <a:bodyPr wrap="none" rtlCol="0">
+            <a:spAutoFit/>
+          </a:bodyPr>
+          <a:lstStyle/>
+          <a:p>
+            <a:r>
+              <a:rPr lang="en-US" dirty="0"/>
+              <a:t>Read 2</a:t>
+            </a:r>
+          </a:p>
+        </p:txBody>
+      </p:sp>
+      <p:sp>
+        <p:nvSpPr>
+          <p:cNvPr id="15" name="TextBox 14">
+            <a:extLst>
+              <a:ext uri="{FF2B5EF4-FFF2-40B4-BE49-F238E27FC236}">
+                <a16:creationId xmlns:a16="http://schemas.microsoft.com/office/drawing/2014/main" id="{0220DE81-6F7D-FB40-AFE2-CB8D3AA8BD48}"/>
+              </a:ext>
+            </a:extLst>
+          </p:cNvPr>
+          <p:cNvSpPr txBox="1"/>
+          <p:nvPr/>
+        </p:nvSpPr>
+        <p:spPr>
+          <a:xfrm>
+            <a:off x="4506584" y="3229317"/>
+            <a:ext cx="823431" cy="369332"/>
+          </a:xfrm>
+          <a:prstGeom prst="rect">
+            <a:avLst/>
+          </a:prstGeom>
+          <a:noFill/>
+        </p:spPr>
+        <p:txBody>
+          <a:bodyPr wrap="none" rtlCol="0">
+            <a:spAutoFit/>
+          </a:bodyPr>
+          <a:lstStyle/>
+          <a:p>
+            <a:r>
+              <a:rPr lang="en-US" dirty="0"/>
+              <a:t>Read 1</a:t>
+            </a:r>
+          </a:p>
+        </p:txBody>
+      </p:sp>
+      <p:sp>
+        <p:nvSpPr>
+          <p:cNvPr id="17" name="TextBox 16">
+            <a:extLst>
+              <a:ext uri="{FF2B5EF4-FFF2-40B4-BE49-F238E27FC236}">
+                <a16:creationId xmlns:a16="http://schemas.microsoft.com/office/drawing/2014/main" id="{B3A7FDAB-2D5A-4A4D-BA85-E73D6DABA7BA}"/>
+              </a:ext>
+            </a:extLst>
+          </p:cNvPr>
+          <p:cNvSpPr txBox="1"/>
+          <p:nvPr/>
+        </p:nvSpPr>
+        <p:spPr>
+          <a:xfrm>
+            <a:off x="1484424" y="3233124"/>
+            <a:ext cx="1526636" cy="369332"/>
+          </a:xfrm>
+          <a:prstGeom prst="rect">
+            <a:avLst/>
+          </a:prstGeom>
+          <a:noFill/>
+        </p:spPr>
+        <p:txBody>
+          <a:bodyPr wrap="none" rtlCol="0">
+            <a:spAutoFit/>
+          </a:bodyPr>
+          <a:lstStyle/>
+          <a:p>
+            <a:r>
+              <a:rPr lang="en-US" dirty="0"/>
+              <a:t>Barcode Read</a:t>
+            </a:r>
+          </a:p>
+        </p:txBody>
+      </p:sp>
+      <p:sp>
+        <p:nvSpPr>
+          <p:cNvPr id="25" name="Rectangle 24">
+            <a:extLst>
+              <a:ext uri="{FF2B5EF4-FFF2-40B4-BE49-F238E27FC236}">
+                <a16:creationId xmlns:a16="http://schemas.microsoft.com/office/drawing/2014/main" id="{D0D6F7EF-D2C9-524E-806F-B579CB0676FC}"/>
+              </a:ext>
+            </a:extLst>
+          </p:cNvPr>
+          <p:cNvSpPr/>
+          <p:nvPr/>
+        </p:nvSpPr>
+        <p:spPr>
+          <a:xfrm>
+            <a:off x="6902281" y="2610114"/>
+            <a:ext cx="1683092" cy="79514"/>
+          </a:xfrm>
+          <a:prstGeom prst="rect">
+            <a:avLst/>
+          </a:prstGeom>
+        </p:spPr>
+        <p:style>
+          <a:lnRef idx="2">
+            <a:schemeClr val="accent1">
+              <a:shade val="50000"/>
+            </a:schemeClr>
+          </a:lnRef>
+          <a:fillRef idx="1">
+            <a:schemeClr val="accent1"/>
+          </a:fillRef>
+          <a:effectRef idx="0">
+            <a:schemeClr val="accent1"/>
+          </a:effectRef>
+          <a:fontRef idx="minor">
+            <a:schemeClr val="lt1"/>
+          </a:fontRef>
+        </p:style>
+        <p:txBody>
+          <a:bodyPr rtlCol="0" anchor="ctr"/>
+          <a:lstStyle/>
+          <a:p>
+            <a:pPr algn="ctr"/>
+            <a:endParaRPr lang="en-US"/>
+          </a:p>
+        </p:txBody>
+      </p:sp>
+      <p:sp>
+        <p:nvSpPr>
+          <p:cNvPr id="27" name="Rectangle 26">
+            <a:extLst>
+              <a:ext uri="{FF2B5EF4-FFF2-40B4-BE49-F238E27FC236}">
+                <a16:creationId xmlns:a16="http://schemas.microsoft.com/office/drawing/2014/main" id="{697938CB-BB71-5C43-8291-F63803D8D7B1}"/>
+              </a:ext>
+            </a:extLst>
+          </p:cNvPr>
+          <p:cNvSpPr/>
+          <p:nvPr/>
+        </p:nvSpPr>
+        <p:spPr>
+          <a:xfrm flipH="1">
+            <a:off x="3855929" y="2610114"/>
+            <a:ext cx="441648" cy="86497"/>
+          </a:xfrm>
+          <a:prstGeom prst="rect">
+            <a:avLst/>
+          </a:prstGeom>
+        </p:spPr>
+        <p:style>
+          <a:lnRef idx="2">
+            <a:schemeClr val="accent2">
+              <a:shade val="50000"/>
+            </a:schemeClr>
+          </a:lnRef>
+          <a:fillRef idx="1">
+            <a:schemeClr val="accent2"/>
+          </a:fillRef>
+          <a:effectRef idx="0">
+            <a:schemeClr val="accent2"/>
+          </a:effectRef>
+          <a:fontRef idx="minor">
+            <a:schemeClr val="lt1"/>
+          </a:fontRef>
+        </p:style>
+        <p:txBody>
+          <a:bodyPr rtlCol="0" anchor="ctr"/>
+          <a:lstStyle/>
+          <a:p>
+            <a:pPr algn="ctr"/>
+            <a:endParaRPr lang="en-US"/>
+          </a:p>
+        </p:txBody>
+      </p:sp>
+      <p:sp>
+        <p:nvSpPr>
+          <p:cNvPr id="29" name="Rectangle 28">
+            <a:extLst>
+              <a:ext uri="{FF2B5EF4-FFF2-40B4-BE49-F238E27FC236}">
+                <a16:creationId xmlns:a16="http://schemas.microsoft.com/office/drawing/2014/main" id="{8E0B1B9C-D651-2441-A9EA-57E622661AA9}"/>
+              </a:ext>
+            </a:extLst>
+          </p:cNvPr>
+          <p:cNvSpPr/>
+          <p:nvPr/>
+        </p:nvSpPr>
+        <p:spPr>
+          <a:xfrm flipH="1">
+            <a:off x="8585375" y="2610114"/>
+            <a:ext cx="441648" cy="86497"/>
+          </a:xfrm>
+          <a:prstGeom prst="rect">
+            <a:avLst/>
+          </a:prstGeom>
+        </p:spPr>
+        <p:style>
+          <a:lnRef idx="2">
+            <a:schemeClr val="accent2">
+              <a:shade val="50000"/>
+            </a:schemeClr>
+          </a:lnRef>
+          <a:fillRef idx="1">
+            <a:schemeClr val="accent2"/>
+          </a:fillRef>
+          <a:effectRef idx="0">
+            <a:schemeClr val="accent2"/>
+          </a:effectRef>
+          <a:fontRef idx="minor">
+            <a:schemeClr val="lt1"/>
+          </a:fontRef>
+        </p:style>
+        <p:txBody>
+          <a:bodyPr rtlCol="0" anchor="ctr"/>
+          <a:lstStyle/>
+          <a:p>
+            <a:pPr algn="ctr"/>
+            <a:endParaRPr lang="en-US"/>
+          </a:p>
+        </p:txBody>
+      </p:sp>
+      <p:sp>
+        <p:nvSpPr>
+          <p:cNvPr id="31" name="Rectangle 30">
+            <a:extLst>
+              <a:ext uri="{FF2B5EF4-FFF2-40B4-BE49-F238E27FC236}">
+                <a16:creationId xmlns:a16="http://schemas.microsoft.com/office/drawing/2014/main" id="{7C9359E2-13D8-9349-99FB-42D9877DA003}"/>
+              </a:ext>
+            </a:extLst>
+          </p:cNvPr>
+          <p:cNvSpPr/>
+          <p:nvPr/>
+        </p:nvSpPr>
+        <p:spPr>
+          <a:xfrm flipH="1">
+            <a:off x="2026918" y="2603131"/>
+            <a:ext cx="441648" cy="86497"/>
+          </a:xfrm>
+          <a:prstGeom prst="rect">
+            <a:avLst/>
+          </a:prstGeom>
+        </p:spPr>
+        <p:style>
+          <a:lnRef idx="2">
+            <a:schemeClr val="accent6">
+              <a:shade val="50000"/>
+            </a:schemeClr>
+          </a:lnRef>
+          <a:fillRef idx="1">
+            <a:schemeClr val="accent6"/>
+          </a:fillRef>
+          <a:effectRef idx="0">
+            <a:schemeClr val="accent6"/>
+          </a:effectRef>
+          <a:fontRef idx="minor">
+            <a:schemeClr val="lt1"/>
+          </a:fontRef>
+        </p:style>
+        <p:txBody>
+          <a:bodyPr rtlCol="0" anchor="ctr"/>
+          <a:lstStyle/>
+          <a:p>
+            <a:pPr algn="ctr"/>
+            <a:endParaRPr lang="en-US"/>
+          </a:p>
+        </p:txBody>
+      </p:sp>
+      <p:sp>
+        <p:nvSpPr>
+          <p:cNvPr id="33" name="Rectangle 32">
+            <a:extLst>
+              <a:ext uri="{FF2B5EF4-FFF2-40B4-BE49-F238E27FC236}">
+                <a16:creationId xmlns:a16="http://schemas.microsoft.com/office/drawing/2014/main" id="{B340997C-B5AD-974A-833E-7421FAB96315}"/>
+              </a:ext>
+            </a:extLst>
+          </p:cNvPr>
+          <p:cNvSpPr/>
+          <p:nvPr/>
+        </p:nvSpPr>
+        <p:spPr>
+          <a:xfrm>
+            <a:off x="4297579" y="2610114"/>
+            <a:ext cx="1683092" cy="86497"/>
+          </a:xfrm>
+          <a:prstGeom prst="rect">
+            <a:avLst/>
+          </a:prstGeom>
+        </p:spPr>
+        <p:style>
+          <a:lnRef idx="2">
+            <a:schemeClr val="accent1">
+              <a:shade val="50000"/>
+            </a:schemeClr>
+          </a:lnRef>
+          <a:fillRef idx="1">
+            <a:schemeClr val="accent1"/>
+          </a:fillRef>
+          <a:effectRef idx="0">
+            <a:schemeClr val="accent1"/>
+          </a:effectRef>
+          <a:fontRef idx="minor">
+            <a:schemeClr val="lt1"/>
+          </a:fontRef>
+        </p:style>
+        <p:txBody>
+          <a:bodyPr rtlCol="0" anchor="ctr"/>
+          <a:lstStyle/>
+          <a:p>
+            <a:pPr algn="ctr"/>
+            <a:endParaRPr lang="en-US"/>
+          </a:p>
+        </p:txBody>
+      </p:sp>
+      <p:sp>
+        <p:nvSpPr>
+          <p:cNvPr id="3" name="Right Brace 2">
+            <a:extLst>
+              <a:ext uri="{FF2B5EF4-FFF2-40B4-BE49-F238E27FC236}">
+                <a16:creationId xmlns:a16="http://schemas.microsoft.com/office/drawing/2014/main" id="{899C2760-F4D8-EA45-9C28-3E6D2999025D}"/>
+              </a:ext>
+            </a:extLst>
+          </p:cNvPr>
+          <p:cNvSpPr/>
+          <p:nvPr/>
+        </p:nvSpPr>
+        <p:spPr>
+          <a:xfrm rot="5400000">
+            <a:off x="4815303" y="1897102"/>
+            <a:ext cx="205994" cy="2124741"/>
+          </a:xfrm>
+          <a:prstGeom prst="rightBrace">
+            <a:avLst/>
+          </a:prstGeom>
+        </p:spPr>
+        <p:style>
+          <a:lnRef idx="1">
+            <a:schemeClr val="accent1"/>
+          </a:lnRef>
+          <a:fillRef idx="0">
+            <a:schemeClr val="accent1"/>
+          </a:fillRef>
+          <a:effectRef idx="0">
+            <a:schemeClr val="accent1"/>
+          </a:effectRef>
+          <a:fontRef idx="minor">
+            <a:schemeClr val="tx1"/>
+          </a:fontRef>
+        </p:style>
+        <p:txBody>
+          <a:bodyPr rtlCol="0" anchor="ctr"/>
+          <a:lstStyle/>
+          <a:p>
+            <a:pPr algn="ctr"/>
+            <a:endParaRPr lang="en-US"/>
+          </a:p>
+        </p:txBody>
+      </p:sp>
+      <p:sp>
+        <p:nvSpPr>
+          <p:cNvPr id="34" name="Right Brace 33">
+            <a:extLst>
+              <a:ext uri="{FF2B5EF4-FFF2-40B4-BE49-F238E27FC236}">
+                <a16:creationId xmlns:a16="http://schemas.microsoft.com/office/drawing/2014/main" id="{67239C09-66B3-7243-9FD6-9795FEB52F8D}"/>
+              </a:ext>
+            </a:extLst>
+          </p:cNvPr>
+          <p:cNvSpPr/>
+          <p:nvPr/>
+        </p:nvSpPr>
+        <p:spPr>
+          <a:xfrm rot="5400000">
+            <a:off x="7861656" y="1899112"/>
+            <a:ext cx="205993" cy="2124741"/>
+          </a:xfrm>
+          <a:prstGeom prst="rightBrace">
+            <a:avLst/>
+          </a:prstGeom>
+        </p:spPr>
+        <p:style>
+          <a:lnRef idx="1">
+            <a:schemeClr val="accent1"/>
+          </a:lnRef>
+          <a:fillRef idx="0">
+            <a:schemeClr val="accent1"/>
+          </a:fillRef>
+          <a:effectRef idx="0">
+            <a:schemeClr val="accent1"/>
+          </a:effectRef>
+          <a:fontRef idx="minor">
+            <a:schemeClr val="tx1"/>
+          </a:fontRef>
+        </p:style>
+        <p:txBody>
+          <a:bodyPr rtlCol="0" anchor="ctr"/>
+          <a:lstStyle/>
+          <a:p>
+            <a:pPr algn="ctr"/>
+            <a:endParaRPr lang="en-US"/>
+          </a:p>
+        </p:txBody>
+      </p:sp>
+      <p:sp>
+        <p:nvSpPr>
+          <p:cNvPr id="35" name="Right Brace 34">
+            <a:extLst>
+              <a:ext uri="{FF2B5EF4-FFF2-40B4-BE49-F238E27FC236}">
+                <a16:creationId xmlns:a16="http://schemas.microsoft.com/office/drawing/2014/main" id="{5C576EAF-498A-4B4A-A568-9496D9980900}"/>
+              </a:ext>
+            </a:extLst>
+          </p:cNvPr>
+          <p:cNvSpPr/>
+          <p:nvPr/>
+        </p:nvSpPr>
+        <p:spPr>
+          <a:xfrm rot="5400000">
+            <a:off x="2142841" y="2740552"/>
+            <a:ext cx="209802" cy="441648"/>
+          </a:xfrm>
+          <a:prstGeom prst="rightBrace">
+            <a:avLst/>
+          </a:prstGeom>
+        </p:spPr>
+        <p:style>
+          <a:lnRef idx="1">
+            <a:schemeClr val="accent1"/>
+          </a:lnRef>
+          <a:fillRef idx="0">
+            <a:schemeClr val="accent1"/>
+          </a:fillRef>
+          <a:effectRef idx="0">
+            <a:schemeClr val="accent1"/>
+          </a:effectRef>
+          <a:fontRef idx="minor">
+            <a:schemeClr val="tx1"/>
+          </a:fontRef>
+        </p:style>
+        <p:txBody>
+          <a:bodyPr rtlCol="0" anchor="ctr"/>
+          <a:lstStyle/>
+          <a:p>
+            <a:pPr algn="ctr"/>
+            <a:endParaRPr lang="en-US"/>
+          </a:p>
+        </p:txBody>
+      </p:sp>
+      <p:sp>
+        <p:nvSpPr>
+          <p:cNvPr id="2" name="TextBox 1">
+            <a:extLst>
+              <a:ext uri="{FF2B5EF4-FFF2-40B4-BE49-F238E27FC236}">
+                <a16:creationId xmlns:a16="http://schemas.microsoft.com/office/drawing/2014/main" id="{4DB60BAF-24E5-E348-992B-829E49E2B179}"/>
+              </a:ext>
+            </a:extLst>
+          </p:cNvPr>
+          <p:cNvSpPr txBox="1"/>
+          <p:nvPr/>
+        </p:nvSpPr>
+        <p:spPr>
+          <a:xfrm>
+            <a:off x="2650506" y="4771753"/>
+            <a:ext cx="6890989" cy="923330"/>
+          </a:xfrm>
+          <a:prstGeom prst="rect">
+            <a:avLst/>
+          </a:prstGeom>
+          <a:noFill/>
+        </p:spPr>
+        <p:txBody>
+          <a:bodyPr wrap="none" rtlCol="0">
+            <a:spAutoFit/>
+          </a:bodyPr>
+          <a:lstStyle/>
+          <a:p>
+            <a:r>
+              <a:rPr lang="en-US" dirty="0"/>
+              <a:t>Barcode read sequence is used to split up sequencing data by specimen</a:t>
+            </a:r>
+          </a:p>
+          <a:p>
+            <a:endParaRPr lang="en-US" dirty="0"/>
+          </a:p>
+          <a:p>
+            <a:r>
+              <a:rPr lang="en-US" dirty="0"/>
+              <a:t>Performed prior to the start of this workflow</a:t>
+            </a:r>
+          </a:p>
+        </p:txBody>
+      </p:sp>
+      <p:sp>
+        <p:nvSpPr>
+          <p:cNvPr id="5" name="Footer Placeholder 4">
+            <a:extLst>
+              <a:ext uri="{FF2B5EF4-FFF2-40B4-BE49-F238E27FC236}">
+                <a16:creationId xmlns:a16="http://schemas.microsoft.com/office/drawing/2014/main" id="{4CE6B0A7-3656-5346-A5DF-7178CC960DFB}"/>
               </a:ext>
             </a:extLst>
           </p:cNvPr>
@@ -15509,18 +16354,30 @@
           <a:lstStyle/>
           <a:p>
             <a:r>
-              <a:rPr lang="en-US"/>
-              <a:t>FredHutch/wgs-duplex-seq</a:t>
-            </a:r>
-          </a:p>
-        </p:txBody>
-      </p:sp>
-      <p:sp>
-        <p:nvSpPr>
-          <p:cNvPr id="7" name="Slide Number Placeholder 6">
-            <a:extLst>
-              <a:ext uri="{FF2B5EF4-FFF2-40B4-BE49-F238E27FC236}">
-                <a16:creationId xmlns:a16="http://schemas.microsoft.com/office/drawing/2014/main" id="{AAB74A5C-6BEA-9E45-A0E9-5080540CBD97}"/>
+              <a:rPr lang="en-US" dirty="0" err="1"/>
+              <a:t>FredHutch</a:t>
+            </a:r>
+            <a:r>
+              <a:rPr lang="en-US" dirty="0"/>
+              <a:t>/</a:t>
+            </a:r>
+            <a:r>
+              <a:rPr lang="en-US" dirty="0" err="1"/>
+              <a:t>maddd</a:t>
+            </a:r>
+            <a:r>
+              <a:rPr lang="en-US" dirty="0"/>
+              <a:t>-seq</a:t>
+            </a:r>
+          </a:p>
+        </p:txBody>
+      </p:sp>
+      <p:sp>
+        <p:nvSpPr>
+          <p:cNvPr id="6" name="Slide Number Placeholder 5">
+            <a:extLst>
+              <a:ext uri="{FF2B5EF4-FFF2-40B4-BE49-F238E27FC236}">
+                <a16:creationId xmlns:a16="http://schemas.microsoft.com/office/drawing/2014/main" id="{5D5A5623-F894-8E42-8214-237E06C4A23C}"/>
               </a:ext>
             </a:extLst>
           </p:cNvPr>
@@ -15547,7 +16404,7 @@
     </p:spTree>
     <p:extLst>
       <p:ext uri="{BB962C8B-B14F-4D97-AF65-F5344CB8AC3E}">
-        <p14:creationId xmlns:p14="http://schemas.microsoft.com/office/powerpoint/2010/main" val="223706111"/>
+        <p14:creationId xmlns:p14="http://schemas.microsoft.com/office/powerpoint/2010/main" val="2759144718"/>
       </p:ext>
     </p:extLst>
   </p:cSld>
@@ -15579,7 +16436,7 @@
           <p:cNvPr id="2" name="Title 1">
             <a:extLst>
               <a:ext uri="{FF2B5EF4-FFF2-40B4-BE49-F238E27FC236}">
-                <a16:creationId xmlns:a16="http://schemas.microsoft.com/office/drawing/2014/main" id="{8CC2A2DF-1F4F-534F-8B08-6E40E84946C5}"/>
+                <a16:creationId xmlns:a16="http://schemas.microsoft.com/office/drawing/2014/main" id="{AC6FD664-81A8-BD45-A627-5D4B1DA18138}"/>
               </a:ext>
             </a:extLst>
           </p:cNvPr>
@@ -15597,7 +16454,7 @@
           <a:p>
             <a:r>
               <a:rPr lang="en-US" dirty="0"/>
-              <a:t>1. 3’ Quality Trimming</a:t>
+              <a:t>Analysis Overview</a:t>
             </a:r>
           </a:p>
         </p:txBody>
@@ -15607,7 +16464,7 @@
           <p:cNvPr id="3" name="Content Placeholder 2">
             <a:extLst>
               <a:ext uri="{FF2B5EF4-FFF2-40B4-BE49-F238E27FC236}">
-                <a16:creationId xmlns:a16="http://schemas.microsoft.com/office/drawing/2014/main" id="{4006880A-E7CC-0345-822B-69DAB8013FD0}"/>
+                <a16:creationId xmlns:a16="http://schemas.microsoft.com/office/drawing/2014/main" id="{E1AD62F1-93DA-BD4A-B764-23032EB29E1F}"/>
               </a:ext>
             </a:extLst>
           </p:cNvPr>
@@ -15620,73 +16477,76 @@
         </p:nvSpPr>
         <p:spPr/>
         <p:txBody>
-          <a:bodyPr>
-            <a:normAutofit fontScale="92500" lnSpcReduction="10000"/>
-          </a:bodyPr>
-          <a:lstStyle/>
-          <a:p>
-            <a:r>
-              <a:rPr lang="en-US" dirty="0"/>
-              <a:t>Perform quality trimming of the 3’ end of each read with </a:t>
-            </a:r>
-            <a:r>
-              <a:rPr lang="en-US" dirty="0" err="1">
-                <a:latin typeface="Courier New" panose="02070309020205020404" pitchFamily="49" charset="0"/>
-                <a:cs typeface="Courier New" panose="02070309020205020404" pitchFamily="49" charset="0"/>
-              </a:rPr>
-              <a:t>cutadapt</a:t>
-            </a:r>
-            <a:endParaRPr lang="en-US" dirty="0">
-              <a:latin typeface="Courier New" panose="02070309020205020404" pitchFamily="49" charset="0"/>
-              <a:cs typeface="Courier New" panose="02070309020205020404" pitchFamily="49" charset="0"/>
-            </a:endParaRPr>
-          </a:p>
-          <a:p>
-            <a:pPr lvl="1"/>
-            <a:r>
-              <a:rPr lang="en-US" dirty="0"/>
-              <a:t>Minimum q-score threshold (default: 20)</a:t>
-            </a:r>
-          </a:p>
-          <a:p>
-            <a:pPr lvl="1"/>
-            <a:r>
-              <a:rPr lang="en-US" dirty="0"/>
-              <a:t>Minimum read length is the same as the minimum alignment length (default: 40)</a:t>
-            </a:r>
-          </a:p>
-          <a:p>
-            <a:pPr lvl="1"/>
-            <a:r>
-              <a:rPr lang="en-US" dirty="0"/>
-              <a:t>Both reads in a pair must pass the filter</a:t>
-            </a:r>
-          </a:p>
-          <a:p>
-            <a:r>
-              <a:rPr lang="en-US" dirty="0"/>
-              <a:t>Outputs:</a:t>
-            </a:r>
-          </a:p>
-          <a:p>
-            <a:pPr lvl="1"/>
-            <a:r>
-              <a:rPr lang="en-US" dirty="0" err="1"/>
-              <a:t>FastQC</a:t>
-            </a:r>
-            <a:r>
-              <a:rPr lang="en-US" dirty="0"/>
-              <a:t> quality report for both input (unfiltered) and filtered FASTQ data, per specimen</a:t>
-            </a:r>
-          </a:p>
-        </p:txBody>
-      </p:sp>
-      <p:sp>
-        <p:nvSpPr>
-          <p:cNvPr id="6" name="Content Placeholder 5">
-            <a:extLst>
-              <a:ext uri="{FF2B5EF4-FFF2-40B4-BE49-F238E27FC236}">
-                <a16:creationId xmlns:a16="http://schemas.microsoft.com/office/drawing/2014/main" id="{2F938DD4-B80D-6244-9240-09CCB105998D}"/>
+          <a:bodyPr/>
+          <a:lstStyle/>
+          <a:p>
+            <a:pPr marL="514350" indent="-514350">
+              <a:buFont typeface="+mj-lt"/>
+              <a:buAutoNum type="arabicPeriod"/>
+            </a:pPr>
+            <a:r>
+              <a:rPr lang="en-US" dirty="0"/>
+              <a:t>3’ Quality Trimming</a:t>
+            </a:r>
+          </a:p>
+          <a:p>
+            <a:pPr marL="514350" indent="-514350">
+              <a:buFont typeface="+mj-lt"/>
+              <a:buAutoNum type="arabicPeriod"/>
+            </a:pPr>
+            <a:r>
+              <a:rPr lang="en-US" dirty="0"/>
+              <a:t>Barcode Processing</a:t>
+            </a:r>
+          </a:p>
+          <a:p>
+            <a:pPr marL="514350" indent="-514350">
+              <a:buFont typeface="+mj-lt"/>
+              <a:buAutoNum type="arabicPeriod"/>
+            </a:pPr>
+            <a:r>
+              <a:rPr lang="en-US" dirty="0"/>
+              <a:t>5’ End Trimming</a:t>
+            </a:r>
+          </a:p>
+          <a:p>
+            <a:pPr marL="514350" indent="-514350">
+              <a:buFont typeface="+mj-lt"/>
+              <a:buAutoNum type="arabicPeriod"/>
+            </a:pPr>
+            <a:r>
+              <a:rPr lang="en-US" dirty="0"/>
+              <a:t>Genome Alignment</a:t>
+            </a:r>
+          </a:p>
+          <a:p>
+            <a:pPr marL="514350" indent="-514350">
+              <a:buFont typeface="+mj-lt"/>
+              <a:buAutoNum type="arabicPeriod"/>
+            </a:pPr>
+            <a:r>
+              <a:rPr lang="en-US" dirty="0"/>
+              <a:t>Family Creation</a:t>
+            </a:r>
+          </a:p>
+          <a:p>
+            <a:pPr marL="514350" indent="-514350">
+              <a:buFont typeface="+mj-lt"/>
+              <a:buAutoNum type="arabicPeriod"/>
+            </a:pPr>
+            <a:r>
+              <a:rPr lang="en-US" dirty="0"/>
+              <a:t>Variant Calling</a:t>
+            </a:r>
+          </a:p>
+        </p:txBody>
+      </p:sp>
+      <p:sp>
+        <p:nvSpPr>
+          <p:cNvPr id="4" name="Content Placeholder 3">
+            <a:extLst>
+              <a:ext uri="{FF2B5EF4-FFF2-40B4-BE49-F238E27FC236}">
+                <a16:creationId xmlns:a16="http://schemas.microsoft.com/office/drawing/2014/main" id="{CC9BEA4B-F0B1-9042-8E95-AA32A62C2662}"/>
               </a:ext>
             </a:extLst>
           </p:cNvPr>
@@ -15699,9 +16559,7 @@
         </p:nvSpPr>
         <p:spPr/>
         <p:txBody>
-          <a:bodyPr>
-            <a:normAutofit fontScale="92500" lnSpcReduction="10000"/>
-          </a:bodyPr>
+          <a:bodyPr/>
           <a:lstStyle/>
           <a:p>
             <a:pPr marL="0" indent="0">
@@ -15717,67 +16575,33 @@
             </a:r>
           </a:p>
           <a:p>
-            <a:r>
-              <a:rPr lang="en-US" dirty="0"/>
-              <a:t>Module: </a:t>
-            </a:r>
-            <a:r>
-              <a:rPr lang="en-US" dirty="0" err="1">
-                <a:latin typeface="Courier New" panose="02070309020205020404" pitchFamily="49" charset="0"/>
-                <a:cs typeface="Courier New" panose="02070309020205020404" pitchFamily="49" charset="0"/>
-              </a:rPr>
-              <a:t>quality_wf</a:t>
-            </a:r>
-            <a:endParaRPr lang="en-US" dirty="0">
-              <a:latin typeface="Courier New" panose="02070309020205020404" pitchFamily="49" charset="0"/>
-              <a:cs typeface="Courier New" panose="02070309020205020404" pitchFamily="49" charset="0"/>
-            </a:endParaRPr>
-          </a:p>
-          <a:p>
-            <a:r>
-              <a:rPr lang="en-US" dirty="0"/>
-              <a:t>Parameter names: </a:t>
-            </a:r>
-          </a:p>
-          <a:p>
-            <a:pPr lvl="1"/>
-            <a:r>
-              <a:rPr lang="en-US" dirty="0" err="1">
-                <a:latin typeface="Courier New" panose="02070309020205020404" pitchFamily="49" charset="0"/>
-                <a:cs typeface="Courier New" panose="02070309020205020404" pitchFamily="49" charset="0"/>
-              </a:rPr>
-              <a:t>min_qvalue</a:t>
+            <a:pPr marL="0" indent="0">
+              <a:buNone/>
+            </a:pPr>
+            <a:r>
+              <a:rPr lang="en-US" dirty="0"/>
+              <a:t>Each of the numbered steps corresponds to a sub-workflow which is defined in the </a:t>
             </a:r>
             <a:r>
               <a:rPr lang="en-US" dirty="0">
                 <a:latin typeface="Courier New" panose="02070309020205020404" pitchFamily="49" charset="0"/>
                 <a:cs typeface="Courier New" panose="02070309020205020404" pitchFamily="49" charset="0"/>
               </a:rPr>
-              <a:t> </a:t>
-            </a:r>
-          </a:p>
-          <a:p>
-            <a:pPr lvl="1"/>
-            <a:r>
-              <a:rPr lang="en-US" dirty="0" err="1">
-                <a:latin typeface="Courier New" panose="02070309020205020404" pitchFamily="49" charset="0"/>
-                <a:cs typeface="Courier New" panose="02070309020205020404" pitchFamily="49" charset="0"/>
-              </a:rPr>
-              <a:t>min_align_score</a:t>
-            </a:r>
-            <a:endParaRPr lang="en-US" dirty="0">
-              <a:latin typeface="Courier New" panose="02070309020205020404" pitchFamily="49" charset="0"/>
-              <a:cs typeface="Courier New" panose="02070309020205020404" pitchFamily="49" charset="0"/>
-            </a:endParaRPr>
-          </a:p>
-        </p:txBody>
-      </p:sp>
-      <p:sp>
-        <p:nvSpPr>
-          <p:cNvPr id="4" name="Footer Placeholder 3">
-            <a:extLst>
-              <a:ext uri="{FF2B5EF4-FFF2-40B4-BE49-F238E27FC236}">
-                <a16:creationId xmlns:a16="http://schemas.microsoft.com/office/drawing/2014/main" id="{FCCEB5E1-5355-5745-9B11-958F91E1E449}"/>
+              <a:t>modules/</a:t>
+            </a:r>
+            <a:r>
+              <a:rPr lang="en-US" dirty="0"/>
+              <a:t> folder.</a:t>
+            </a:r>
+          </a:p>
+        </p:txBody>
+      </p:sp>
+      <p:sp>
+        <p:nvSpPr>
+          <p:cNvPr id="6" name="Footer Placeholder 5">
+            <a:extLst>
+              <a:ext uri="{FF2B5EF4-FFF2-40B4-BE49-F238E27FC236}">
+                <a16:creationId xmlns:a16="http://schemas.microsoft.com/office/drawing/2014/main" id="{9276BB44-EEB9-5549-BB60-7F079318E7A5}"/>
               </a:ext>
             </a:extLst>
           </p:cNvPr>
@@ -15794,18 +16618,30 @@
           <a:lstStyle/>
           <a:p>
             <a:r>
-              <a:rPr lang="en-US"/>
-              <a:t>FredHutch/wgs-duplex-seq</a:t>
-            </a:r>
-          </a:p>
-        </p:txBody>
-      </p:sp>
-      <p:sp>
-        <p:nvSpPr>
-          <p:cNvPr id="5" name="Slide Number Placeholder 4">
-            <a:extLst>
-              <a:ext uri="{FF2B5EF4-FFF2-40B4-BE49-F238E27FC236}">
-                <a16:creationId xmlns:a16="http://schemas.microsoft.com/office/drawing/2014/main" id="{E3433475-F05C-9F47-B920-482C45210BE4}"/>
+              <a:rPr lang="en-US" dirty="0" err="1"/>
+              <a:t>FredHutch</a:t>
+            </a:r>
+            <a:r>
+              <a:rPr lang="en-US" dirty="0"/>
+              <a:t>/</a:t>
+            </a:r>
+            <a:r>
+              <a:rPr lang="en-US" dirty="0" err="1"/>
+              <a:t>maddd</a:t>
+            </a:r>
+            <a:r>
+              <a:rPr lang="en-US" dirty="0"/>
+              <a:t>-seq</a:t>
+            </a:r>
+          </a:p>
+        </p:txBody>
+      </p:sp>
+      <p:sp>
+        <p:nvSpPr>
+          <p:cNvPr id="7" name="Slide Number Placeholder 6">
+            <a:extLst>
+              <a:ext uri="{FF2B5EF4-FFF2-40B4-BE49-F238E27FC236}">
+                <a16:creationId xmlns:a16="http://schemas.microsoft.com/office/drawing/2014/main" id="{AAB74A5C-6BEA-9E45-A0E9-5080540CBD97}"/>
               </a:ext>
             </a:extLst>
           </p:cNvPr>
@@ -15832,7 +16668,7 @@
     </p:spTree>
     <p:extLst>
       <p:ext uri="{BB962C8B-B14F-4D97-AF65-F5344CB8AC3E}">
-        <p14:creationId xmlns:p14="http://schemas.microsoft.com/office/powerpoint/2010/main" val="3666325339"/>
+        <p14:creationId xmlns:p14="http://schemas.microsoft.com/office/powerpoint/2010/main" val="223706111"/>
       </p:ext>
     </p:extLst>
   </p:cSld>
@@ -15864,7 +16700,7 @@
           <p:cNvPr id="2" name="Title 1">
             <a:extLst>
               <a:ext uri="{FF2B5EF4-FFF2-40B4-BE49-F238E27FC236}">
-                <a16:creationId xmlns:a16="http://schemas.microsoft.com/office/drawing/2014/main" id="{10837CF7-2A9F-9A4B-85EC-07221ABFD149}"/>
+                <a16:creationId xmlns:a16="http://schemas.microsoft.com/office/drawing/2014/main" id="{8CC2A2DF-1F4F-534F-8B08-6E40E84946C5}"/>
               </a:ext>
             </a:extLst>
           </p:cNvPr>
@@ -15882,7 +16718,7 @@
           <a:p>
             <a:r>
               <a:rPr lang="en-US" dirty="0"/>
-              <a:t>2. Barcode Processing</a:t>
+              <a:t>1. 3’ Quality Trimming</a:t>
             </a:r>
           </a:p>
         </p:txBody>
@@ -15892,7 +16728,7 @@
           <p:cNvPr id="3" name="Content Placeholder 2">
             <a:extLst>
               <a:ext uri="{FF2B5EF4-FFF2-40B4-BE49-F238E27FC236}">
-                <a16:creationId xmlns:a16="http://schemas.microsoft.com/office/drawing/2014/main" id="{A3299C52-D0E9-DF41-8F9F-C0C5515EC906}"/>
+                <a16:creationId xmlns:a16="http://schemas.microsoft.com/office/drawing/2014/main" id="{4006880A-E7CC-0345-822B-69DAB8013FD0}"/>
               </a:ext>
             </a:extLst>
           </p:cNvPr>
@@ -15905,30 +16741,63 @@
         </p:nvSpPr>
         <p:spPr/>
         <p:txBody>
-          <a:bodyPr/>
-          <a:lstStyle/>
-          <a:p>
-            <a:pPr marL="514350" indent="-514350">
-              <a:buFont typeface="+mj-lt"/>
-              <a:buAutoNum type="arabicPeriod"/>
-            </a:pPr>
-            <a:r>
-              <a:rPr lang="en-US" dirty="0"/>
-              <a:t>Remove the first N bases from R1 and R2, concatenate to form molecular barcode</a:t>
-            </a:r>
+          <a:bodyPr>
+            <a:normAutofit fontScale="92500" lnSpcReduction="10000"/>
+          </a:bodyPr>
+          <a:lstStyle/>
+          <a:p>
+            <a:r>
+              <a:rPr lang="en-US" dirty="0"/>
+              <a:t>Perform quality trimming of the 3’ end of each read with </a:t>
+            </a:r>
+            <a:r>
+              <a:rPr lang="en-US" dirty="0" err="1">
+                <a:latin typeface="Courier New" panose="02070309020205020404" pitchFamily="49" charset="0"/>
+                <a:cs typeface="Courier New" panose="02070309020205020404" pitchFamily="49" charset="0"/>
+              </a:rPr>
+              <a:t>cutadapt</a:t>
+            </a:r>
+            <a:endParaRPr lang="en-US" dirty="0">
+              <a:latin typeface="Courier New" panose="02070309020205020404" pitchFamily="49" charset="0"/>
+              <a:cs typeface="Courier New" panose="02070309020205020404" pitchFamily="49" charset="0"/>
+            </a:endParaRPr>
           </a:p>
           <a:p>
             <a:pPr lvl="1"/>
             <a:r>
               <a:rPr lang="en-US" dirty="0"/>
-              <a:t>Barcode length (default: 6)</a:t>
+              <a:t>Minimum q-score threshold (default: 20)</a:t>
             </a:r>
           </a:p>
           <a:p>
             <a:pPr lvl="1"/>
             <a:r>
               <a:rPr lang="en-US" dirty="0"/>
-              <a:t>Minimum sequence length after barcode removal (default: 40)</a:t>
+              <a:t>Minimum read length is the same as the minimum alignment length (default: 40)</a:t>
+            </a:r>
+          </a:p>
+          <a:p>
+            <a:pPr lvl="1"/>
+            <a:r>
+              <a:rPr lang="en-US" dirty="0"/>
+              <a:t>Both reads in a pair must pass the filter</a:t>
+            </a:r>
+          </a:p>
+          <a:p>
+            <a:r>
+              <a:rPr lang="en-US" dirty="0"/>
+              <a:t>Outputs:</a:t>
+            </a:r>
+          </a:p>
+          <a:p>
+            <a:pPr lvl="1"/>
+            <a:r>
+              <a:rPr lang="en-US" dirty="0" err="1"/>
+              <a:t>FastQC</a:t>
+            </a:r>
+            <a:r>
+              <a:rPr lang="en-US" dirty="0"/>
+              <a:t> quality report for both input (unfiltered) and filtered FASTQ data, per specimen</a:t>
             </a:r>
           </a:p>
         </p:txBody>
@@ -15938,7 +16807,7 @@
           <p:cNvPr id="6" name="Content Placeholder 5">
             <a:extLst>
               <a:ext uri="{FF2B5EF4-FFF2-40B4-BE49-F238E27FC236}">
-                <a16:creationId xmlns:a16="http://schemas.microsoft.com/office/drawing/2014/main" id="{02EB0F89-107E-D84C-AD1B-C1AD55693283}"/>
+                <a16:creationId xmlns:a16="http://schemas.microsoft.com/office/drawing/2014/main" id="{2F938DD4-B80D-6244-9240-09CCB105998D}"/>
               </a:ext>
             </a:extLst>
           </p:cNvPr>
@@ -15951,7 +16820,9 @@
         </p:nvSpPr>
         <p:spPr/>
         <p:txBody>
-          <a:bodyPr/>
+          <a:bodyPr>
+            <a:normAutofit fontScale="92500" lnSpcReduction="10000"/>
+          </a:bodyPr>
           <a:lstStyle/>
           <a:p>
             <a:pPr marL="0" indent="0">
@@ -15976,7 +16847,7 @@
                 <a:latin typeface="Courier New" panose="02070309020205020404" pitchFamily="49" charset="0"/>
                 <a:cs typeface="Courier New" panose="02070309020205020404" pitchFamily="49" charset="0"/>
               </a:rPr>
-              <a:t>barcodes_wf</a:t>
+              <a:t>quality_wf</a:t>
             </a:r>
             <a:endParaRPr lang="en-US" dirty="0">
               <a:latin typeface="Courier New" panose="02070309020205020404" pitchFamily="49" charset="0"/>
@@ -15996,12 +16867,15 @@
                 <a:latin typeface="Courier New" panose="02070309020205020404" pitchFamily="49" charset="0"/>
                 <a:cs typeface="Courier New" panose="02070309020205020404" pitchFamily="49" charset="0"/>
               </a:rPr>
-              <a:t>barcode_length</a:t>
-            </a:r>
-            <a:endParaRPr lang="en-US" dirty="0">
-              <a:latin typeface="Courier New" panose="02070309020205020404" pitchFamily="49" charset="0"/>
-              <a:cs typeface="Courier New" panose="02070309020205020404" pitchFamily="49" charset="0"/>
-            </a:endParaRPr>
+              <a:t>min_qvalue</a:t>
+            </a:r>
+            <a:r>
+              <a:rPr lang="en-US" dirty="0">
+                <a:latin typeface="Courier New" panose="02070309020205020404" pitchFamily="49" charset="0"/>
+                <a:cs typeface="Courier New" panose="02070309020205020404" pitchFamily="49" charset="0"/>
+              </a:rPr>
+              <a:t> </a:t>
+            </a:r>
           </a:p>
           <a:p>
             <a:pPr lvl="1"/>
@@ -16017,9 +16891,6 @@
               <a:cs typeface="Courier New" panose="02070309020205020404" pitchFamily="49" charset="0"/>
             </a:endParaRPr>
           </a:p>
-          <a:p>
-            <a:endParaRPr lang="en-US" dirty="0"/>
-          </a:p>
         </p:txBody>
       </p:sp>
       <p:sp>
@@ -16027,7 +16898,7 @@
           <p:cNvPr id="4" name="Footer Placeholder 3">
             <a:extLst>
               <a:ext uri="{FF2B5EF4-FFF2-40B4-BE49-F238E27FC236}">
-                <a16:creationId xmlns:a16="http://schemas.microsoft.com/office/drawing/2014/main" id="{3C3E1794-D0AA-5744-A10E-F47B0993154A}"/>
+                <a16:creationId xmlns:a16="http://schemas.microsoft.com/office/drawing/2014/main" id="{FCCEB5E1-5355-5745-9B11-958F91E1E449}"/>
               </a:ext>
             </a:extLst>
           </p:cNvPr>
@@ -16044,8 +16915,20 @@
           <a:lstStyle/>
           <a:p>
             <a:r>
-              <a:rPr lang="en-US"/>
-              <a:t>FredHutch/wgs-duplex-seq</a:t>
+              <a:rPr lang="en-US" dirty="0" err="1"/>
+              <a:t>FredHutch</a:t>
+            </a:r>
+            <a:r>
+              <a:rPr lang="en-US" dirty="0"/>
+              <a:t>/</a:t>
+            </a:r>
+            <a:r>
+              <a:rPr lang="en-US" dirty="0" err="1"/>
+              <a:t>maddd</a:t>
+            </a:r>
+            <a:r>
+              <a:rPr lang="en-US" dirty="0"/>
+              <a:t>-seq</a:t>
             </a:r>
           </a:p>
         </p:txBody>
@@ -16055,7 +16938,7 @@
           <p:cNvPr id="5" name="Slide Number Placeholder 4">
             <a:extLst>
               <a:ext uri="{FF2B5EF4-FFF2-40B4-BE49-F238E27FC236}">
-                <a16:creationId xmlns:a16="http://schemas.microsoft.com/office/drawing/2014/main" id="{37135FA6-728B-5B42-9E53-AB612313540A}"/>
+                <a16:creationId xmlns:a16="http://schemas.microsoft.com/office/drawing/2014/main" id="{E3433475-F05C-9F47-B920-482C45210BE4}"/>
               </a:ext>
             </a:extLst>
           </p:cNvPr>
@@ -16074,6 +16957,268 @@
             <a:fld id="{60E83D82-F696-1748-AD88-78C4469F76A5}" type="slidenum">
               <a:rPr lang="en-US" smtClean="0"/>
               <a:t>7</a:t>
+            </a:fld>
+            <a:endParaRPr lang="en-US"/>
+          </a:p>
+        </p:txBody>
+      </p:sp>
+    </p:spTree>
+    <p:extLst>
+      <p:ext uri="{BB962C8B-B14F-4D97-AF65-F5344CB8AC3E}">
+        <p14:creationId xmlns:p14="http://schemas.microsoft.com/office/powerpoint/2010/main" val="3666325339"/>
+      </p:ext>
+    </p:extLst>
+  </p:cSld>
+  <p:clrMapOvr>
+    <a:masterClrMapping/>
+  </p:clrMapOvr>
+</p:sld>
+</file>
+
+<file path=ppt/slides/slide8.xml><?xml version="1.0" encoding="utf-8"?>
+<p:sld xmlns:a="http://schemas.openxmlformats.org/drawingml/2006/main" xmlns:r="http://schemas.openxmlformats.org/officeDocument/2006/relationships" xmlns:p="http://schemas.openxmlformats.org/presentationml/2006/main">
+  <p:cSld>
+    <p:spTree>
+      <p:nvGrpSpPr>
+        <p:cNvPr id="1" name=""/>
+        <p:cNvGrpSpPr/>
+        <p:nvPr/>
+      </p:nvGrpSpPr>
+      <p:grpSpPr>
+        <a:xfrm>
+          <a:off x="0" y="0"/>
+          <a:ext cx="0" cy="0"/>
+          <a:chOff x="0" y="0"/>
+          <a:chExt cx="0" cy="0"/>
+        </a:xfrm>
+      </p:grpSpPr>
+      <p:sp>
+        <p:nvSpPr>
+          <p:cNvPr id="2" name="Title 1">
+            <a:extLst>
+              <a:ext uri="{FF2B5EF4-FFF2-40B4-BE49-F238E27FC236}">
+                <a16:creationId xmlns:a16="http://schemas.microsoft.com/office/drawing/2014/main" id="{10837CF7-2A9F-9A4B-85EC-07221ABFD149}"/>
+              </a:ext>
+            </a:extLst>
+          </p:cNvPr>
+          <p:cNvSpPr>
+            <a:spLocks noGrp="1"/>
+          </p:cNvSpPr>
+          <p:nvPr>
+            <p:ph type="title"/>
+          </p:nvPr>
+        </p:nvSpPr>
+        <p:spPr/>
+        <p:txBody>
+          <a:bodyPr/>
+          <a:lstStyle/>
+          <a:p>
+            <a:r>
+              <a:rPr lang="en-US" dirty="0"/>
+              <a:t>2. Barcode Processing</a:t>
+            </a:r>
+          </a:p>
+        </p:txBody>
+      </p:sp>
+      <p:sp>
+        <p:nvSpPr>
+          <p:cNvPr id="3" name="Content Placeholder 2">
+            <a:extLst>
+              <a:ext uri="{FF2B5EF4-FFF2-40B4-BE49-F238E27FC236}">
+                <a16:creationId xmlns:a16="http://schemas.microsoft.com/office/drawing/2014/main" id="{A3299C52-D0E9-DF41-8F9F-C0C5515EC906}"/>
+              </a:ext>
+            </a:extLst>
+          </p:cNvPr>
+          <p:cNvSpPr>
+            <a:spLocks noGrp="1"/>
+          </p:cNvSpPr>
+          <p:nvPr>
+            <p:ph sz="half" idx="1"/>
+          </p:nvPr>
+        </p:nvSpPr>
+        <p:spPr/>
+        <p:txBody>
+          <a:bodyPr/>
+          <a:lstStyle/>
+          <a:p>
+            <a:pPr marL="514350" indent="-514350">
+              <a:buFont typeface="+mj-lt"/>
+              <a:buAutoNum type="arabicPeriod"/>
+            </a:pPr>
+            <a:r>
+              <a:rPr lang="en-US" dirty="0"/>
+              <a:t>Remove the first N bases from R1 and R2, concatenate to form molecular barcode</a:t>
+            </a:r>
+          </a:p>
+          <a:p>
+            <a:pPr lvl="1"/>
+            <a:r>
+              <a:rPr lang="en-US" dirty="0"/>
+              <a:t>Barcode length (default: 6)</a:t>
+            </a:r>
+          </a:p>
+          <a:p>
+            <a:pPr lvl="1"/>
+            <a:r>
+              <a:rPr lang="en-US" dirty="0"/>
+              <a:t>Minimum sequence length after barcode removal (default: 40)</a:t>
+            </a:r>
+          </a:p>
+        </p:txBody>
+      </p:sp>
+      <p:sp>
+        <p:nvSpPr>
+          <p:cNvPr id="6" name="Content Placeholder 5">
+            <a:extLst>
+              <a:ext uri="{FF2B5EF4-FFF2-40B4-BE49-F238E27FC236}">
+                <a16:creationId xmlns:a16="http://schemas.microsoft.com/office/drawing/2014/main" id="{02EB0F89-107E-D84C-AD1B-C1AD55693283}"/>
+              </a:ext>
+            </a:extLst>
+          </p:cNvPr>
+          <p:cNvSpPr>
+            <a:spLocks noGrp="1"/>
+          </p:cNvSpPr>
+          <p:nvPr>
+            <p:ph sz="half" idx="2"/>
+          </p:nvPr>
+        </p:nvSpPr>
+        <p:spPr/>
+        <p:txBody>
+          <a:bodyPr/>
+          <a:lstStyle/>
+          <a:p>
+            <a:pPr marL="0" indent="0">
+              <a:buNone/>
+            </a:pPr>
+            <a:r>
+              <a:rPr lang="en-US" u="sng" dirty="0"/>
+              <a:t>Developer’s Note</a:t>
+            </a:r>
+            <a:r>
+              <a:rPr lang="en-US" dirty="0"/>
+              <a:t>:</a:t>
+            </a:r>
+          </a:p>
+          <a:p>
+            <a:r>
+              <a:rPr lang="en-US" dirty="0"/>
+              <a:t>Module: </a:t>
+            </a:r>
+            <a:r>
+              <a:rPr lang="en-US" dirty="0" err="1">
+                <a:latin typeface="Courier New" panose="02070309020205020404" pitchFamily="49" charset="0"/>
+                <a:cs typeface="Courier New" panose="02070309020205020404" pitchFamily="49" charset="0"/>
+              </a:rPr>
+              <a:t>barcodes_wf</a:t>
+            </a:r>
+            <a:endParaRPr lang="en-US" dirty="0">
+              <a:latin typeface="Courier New" panose="02070309020205020404" pitchFamily="49" charset="0"/>
+              <a:cs typeface="Courier New" panose="02070309020205020404" pitchFamily="49" charset="0"/>
+            </a:endParaRPr>
+          </a:p>
+          <a:p>
+            <a:r>
+              <a:rPr lang="en-US" dirty="0"/>
+              <a:t>Parameter names: </a:t>
+            </a:r>
+          </a:p>
+          <a:p>
+            <a:pPr lvl="1"/>
+            <a:r>
+              <a:rPr lang="en-US" dirty="0" err="1">
+                <a:latin typeface="Courier New" panose="02070309020205020404" pitchFamily="49" charset="0"/>
+                <a:cs typeface="Courier New" panose="02070309020205020404" pitchFamily="49" charset="0"/>
+              </a:rPr>
+              <a:t>barcode_length</a:t>
+            </a:r>
+            <a:endParaRPr lang="en-US" dirty="0">
+              <a:latin typeface="Courier New" panose="02070309020205020404" pitchFamily="49" charset="0"/>
+              <a:cs typeface="Courier New" panose="02070309020205020404" pitchFamily="49" charset="0"/>
+            </a:endParaRPr>
+          </a:p>
+          <a:p>
+            <a:pPr lvl="1"/>
+            <a:r>
+              <a:rPr lang="en-US" dirty="0" err="1">
+                <a:latin typeface="Courier New" panose="02070309020205020404" pitchFamily="49" charset="0"/>
+                <a:cs typeface="Courier New" panose="02070309020205020404" pitchFamily="49" charset="0"/>
+              </a:rPr>
+              <a:t>min_align_score</a:t>
+            </a:r>
+            <a:endParaRPr lang="en-US" dirty="0">
+              <a:latin typeface="Courier New" panose="02070309020205020404" pitchFamily="49" charset="0"/>
+              <a:cs typeface="Courier New" panose="02070309020205020404" pitchFamily="49" charset="0"/>
+            </a:endParaRPr>
+          </a:p>
+          <a:p>
+            <a:endParaRPr lang="en-US" dirty="0"/>
+          </a:p>
+        </p:txBody>
+      </p:sp>
+      <p:sp>
+        <p:nvSpPr>
+          <p:cNvPr id="4" name="Footer Placeholder 3">
+            <a:extLst>
+              <a:ext uri="{FF2B5EF4-FFF2-40B4-BE49-F238E27FC236}">
+                <a16:creationId xmlns:a16="http://schemas.microsoft.com/office/drawing/2014/main" id="{3C3E1794-D0AA-5744-A10E-F47B0993154A}"/>
+              </a:ext>
+            </a:extLst>
+          </p:cNvPr>
+          <p:cNvSpPr>
+            <a:spLocks noGrp="1"/>
+          </p:cNvSpPr>
+          <p:nvPr>
+            <p:ph type="ftr" sz="quarter" idx="11"/>
+          </p:nvPr>
+        </p:nvSpPr>
+        <p:spPr/>
+        <p:txBody>
+          <a:bodyPr/>
+          <a:lstStyle/>
+          <a:p>
+            <a:r>
+              <a:rPr lang="en-US" dirty="0" err="1"/>
+              <a:t>FredHutch</a:t>
+            </a:r>
+            <a:r>
+              <a:rPr lang="en-US" dirty="0"/>
+              <a:t>/</a:t>
+            </a:r>
+            <a:r>
+              <a:rPr lang="en-US" dirty="0" err="1"/>
+              <a:t>maddd</a:t>
+            </a:r>
+            <a:r>
+              <a:rPr lang="en-US" dirty="0"/>
+              <a:t>-seq</a:t>
+            </a:r>
+          </a:p>
+        </p:txBody>
+      </p:sp>
+      <p:sp>
+        <p:nvSpPr>
+          <p:cNvPr id="5" name="Slide Number Placeholder 4">
+            <a:extLst>
+              <a:ext uri="{FF2B5EF4-FFF2-40B4-BE49-F238E27FC236}">
+                <a16:creationId xmlns:a16="http://schemas.microsoft.com/office/drawing/2014/main" id="{37135FA6-728B-5B42-9E53-AB612313540A}"/>
+              </a:ext>
+            </a:extLst>
+          </p:cNvPr>
+          <p:cNvSpPr>
+            <a:spLocks noGrp="1"/>
+          </p:cNvSpPr>
+          <p:nvPr>
+            <p:ph type="sldNum" sz="quarter" idx="12"/>
+          </p:nvPr>
+        </p:nvSpPr>
+        <p:spPr/>
+        <p:txBody>
+          <a:bodyPr/>
+          <a:lstStyle/>
+          <a:p>
+            <a:fld id="{60E83D82-F696-1748-AD88-78C4469F76A5}" type="slidenum">
+              <a:rPr lang="en-US" smtClean="0"/>
+              <a:t>8</a:t>
             </a:fld>
             <a:endParaRPr lang="en-US"/>
           </a:p>
@@ -16671,296 +17816,6 @@
 </p:sld>
 </file>
 
-<file path=ppt/slides/slide8.xml><?xml version="1.0" encoding="utf-8"?>
-<p:sld xmlns:a="http://schemas.openxmlformats.org/drawingml/2006/main" xmlns:r="http://schemas.openxmlformats.org/officeDocument/2006/relationships" xmlns:p="http://schemas.openxmlformats.org/presentationml/2006/main">
-  <p:cSld>
-    <p:spTree>
-      <p:nvGrpSpPr>
-        <p:cNvPr id="1" name=""/>
-        <p:cNvGrpSpPr/>
-        <p:nvPr/>
-      </p:nvGrpSpPr>
-      <p:grpSpPr>
-        <a:xfrm>
-          <a:off x="0" y="0"/>
-          <a:ext cx="0" cy="0"/>
-          <a:chOff x="0" y="0"/>
-          <a:chExt cx="0" cy="0"/>
-        </a:xfrm>
-      </p:grpSpPr>
-      <p:sp>
-        <p:nvSpPr>
-          <p:cNvPr id="2" name="Title 1">
-            <a:extLst>
-              <a:ext uri="{FF2B5EF4-FFF2-40B4-BE49-F238E27FC236}">
-                <a16:creationId xmlns:a16="http://schemas.microsoft.com/office/drawing/2014/main" id="{10837CF7-2A9F-9A4B-85EC-07221ABFD149}"/>
-              </a:ext>
-            </a:extLst>
-          </p:cNvPr>
-          <p:cNvSpPr>
-            <a:spLocks noGrp="1"/>
-          </p:cNvSpPr>
-          <p:nvPr>
-            <p:ph type="title"/>
-          </p:nvPr>
-        </p:nvSpPr>
-        <p:spPr/>
-        <p:txBody>
-          <a:bodyPr/>
-          <a:lstStyle/>
-          <a:p>
-            <a:r>
-              <a:rPr lang="en-US" dirty="0"/>
-              <a:t>2. Barcode Processing</a:t>
-            </a:r>
-          </a:p>
-        </p:txBody>
-      </p:sp>
-      <p:sp>
-        <p:nvSpPr>
-          <p:cNvPr id="3" name="Content Placeholder 2">
-            <a:extLst>
-              <a:ext uri="{FF2B5EF4-FFF2-40B4-BE49-F238E27FC236}">
-                <a16:creationId xmlns:a16="http://schemas.microsoft.com/office/drawing/2014/main" id="{A3299C52-D0E9-DF41-8F9F-C0C5515EC906}"/>
-              </a:ext>
-            </a:extLst>
-          </p:cNvPr>
-          <p:cNvSpPr>
-            <a:spLocks noGrp="1"/>
-          </p:cNvSpPr>
-          <p:nvPr>
-            <p:ph sz="half" idx="1"/>
-          </p:nvPr>
-        </p:nvSpPr>
-        <p:spPr/>
-        <p:txBody>
-          <a:bodyPr>
-            <a:normAutofit fontScale="92500" lnSpcReduction="10000"/>
-          </a:bodyPr>
-          <a:lstStyle/>
-          <a:p>
-            <a:pPr marL="514350" indent="-514350">
-              <a:buFont typeface="+mj-lt"/>
-              <a:buAutoNum type="arabicPeriod" startAt="2"/>
-            </a:pPr>
-            <a:r>
-              <a:rPr lang="en-US" dirty="0"/>
-              <a:t>Correct barcode errors, merging barcodes with &lt;=X mismatches (default: 2)</a:t>
-            </a:r>
-          </a:p>
-          <a:p>
-            <a:pPr lvl="1"/>
-            <a:r>
-              <a:rPr lang="en-US" dirty="0"/>
-              <a:t>Remove any barcode containing N</a:t>
-            </a:r>
-          </a:p>
-          <a:p>
-            <a:pPr lvl="1"/>
-            <a:r>
-              <a:rPr lang="en-US" dirty="0"/>
-              <a:t>Remove any barcode containing homopolymers longer than Y </a:t>
-            </a:r>
-            <a:r>
-              <a:rPr lang="en-US" dirty="0" err="1"/>
-              <a:t>nts</a:t>
-            </a:r>
-            <a:r>
-              <a:rPr lang="en-US" dirty="0"/>
-              <a:t> (default 6)</a:t>
-            </a:r>
-          </a:p>
-          <a:p>
-            <a:pPr lvl="1"/>
-            <a:endParaRPr lang="en-US" dirty="0"/>
-          </a:p>
-          <a:p>
-            <a:r>
-              <a:rPr lang="en-US" dirty="0"/>
-              <a:t>Outputs:</a:t>
-            </a:r>
-          </a:p>
-          <a:p>
-            <a:pPr lvl="1"/>
-            <a:r>
-              <a:rPr lang="en-US" dirty="0" err="1"/>
-              <a:t>FastQC</a:t>
-            </a:r>
-            <a:r>
-              <a:rPr lang="en-US" dirty="0"/>
-              <a:t> quality report for barcode-trimmed reads</a:t>
-            </a:r>
-          </a:p>
-          <a:p>
-            <a:pPr lvl="1"/>
-            <a:r>
-              <a:rPr lang="en-US" dirty="0"/>
-              <a:t>Number of reads per uncorrected, filtered, and corrected barcode</a:t>
-            </a:r>
-          </a:p>
-        </p:txBody>
-      </p:sp>
-      <p:sp>
-        <p:nvSpPr>
-          <p:cNvPr id="6" name="Content Placeholder 5">
-            <a:extLst>
-              <a:ext uri="{FF2B5EF4-FFF2-40B4-BE49-F238E27FC236}">
-                <a16:creationId xmlns:a16="http://schemas.microsoft.com/office/drawing/2014/main" id="{02EB0F89-107E-D84C-AD1B-C1AD55693283}"/>
-              </a:ext>
-            </a:extLst>
-          </p:cNvPr>
-          <p:cNvSpPr>
-            <a:spLocks noGrp="1"/>
-          </p:cNvSpPr>
-          <p:nvPr>
-            <p:ph sz="half" idx="2"/>
-          </p:nvPr>
-        </p:nvSpPr>
-        <p:spPr/>
-        <p:txBody>
-          <a:bodyPr>
-            <a:normAutofit fontScale="92500" lnSpcReduction="10000"/>
-          </a:bodyPr>
-          <a:lstStyle/>
-          <a:p>
-            <a:pPr marL="0" indent="0">
-              <a:buNone/>
-            </a:pPr>
-            <a:r>
-              <a:rPr lang="en-US" u="sng" dirty="0"/>
-              <a:t>Developer’s Note</a:t>
-            </a:r>
-            <a:r>
-              <a:rPr lang="en-US" dirty="0"/>
-              <a:t>:</a:t>
-            </a:r>
-          </a:p>
-          <a:p>
-            <a:r>
-              <a:rPr lang="en-US" dirty="0"/>
-              <a:t>Module: </a:t>
-            </a:r>
-            <a:r>
-              <a:rPr lang="en-US" dirty="0" err="1">
-                <a:latin typeface="Courier New" panose="02070309020205020404" pitchFamily="49" charset="0"/>
-                <a:cs typeface="Courier New" panose="02070309020205020404" pitchFamily="49" charset="0"/>
-              </a:rPr>
-              <a:t>barcodes_wf</a:t>
-            </a:r>
-            <a:endParaRPr lang="en-US" dirty="0">
-              <a:latin typeface="Courier New" panose="02070309020205020404" pitchFamily="49" charset="0"/>
-              <a:cs typeface="Courier New" panose="02070309020205020404" pitchFamily="49" charset="0"/>
-            </a:endParaRPr>
-          </a:p>
-          <a:p>
-            <a:r>
-              <a:rPr lang="en-US" dirty="0"/>
-              <a:t>Parameter names: </a:t>
-            </a:r>
-          </a:p>
-          <a:p>
-            <a:pPr lvl="1"/>
-            <a:r>
-              <a:rPr lang="en-US" dirty="0" err="1">
-                <a:latin typeface="Courier New" panose="02070309020205020404" pitchFamily="49" charset="0"/>
-                <a:cs typeface="Courier New" panose="02070309020205020404" pitchFamily="49" charset="0"/>
-              </a:rPr>
-              <a:t>barcode_max_mismatch</a:t>
-            </a:r>
-            <a:endParaRPr lang="en-US" dirty="0">
-              <a:latin typeface="Courier New" panose="02070309020205020404" pitchFamily="49" charset="0"/>
-              <a:cs typeface="Courier New" panose="02070309020205020404" pitchFamily="49" charset="0"/>
-            </a:endParaRPr>
-          </a:p>
-          <a:p>
-            <a:pPr lvl="1"/>
-            <a:r>
-              <a:rPr lang="en-US" dirty="0" err="1">
-                <a:latin typeface="Courier New" panose="02070309020205020404" pitchFamily="49" charset="0"/>
-                <a:cs typeface="Courier New" panose="02070309020205020404" pitchFamily="49" charset="0"/>
-              </a:rPr>
-              <a:t>barcode_max_homopolymer</a:t>
-            </a:r>
-            <a:endParaRPr lang="en-US" dirty="0">
-              <a:latin typeface="Courier New" panose="02070309020205020404" pitchFamily="49" charset="0"/>
-              <a:cs typeface="Courier New" panose="02070309020205020404" pitchFamily="49" charset="0"/>
-            </a:endParaRPr>
-          </a:p>
-          <a:p>
-            <a:endParaRPr lang="en-US" dirty="0"/>
-          </a:p>
-        </p:txBody>
-      </p:sp>
-      <p:sp>
-        <p:nvSpPr>
-          <p:cNvPr id="4" name="Footer Placeholder 3">
-            <a:extLst>
-              <a:ext uri="{FF2B5EF4-FFF2-40B4-BE49-F238E27FC236}">
-                <a16:creationId xmlns:a16="http://schemas.microsoft.com/office/drawing/2014/main" id="{3C3E1794-D0AA-5744-A10E-F47B0993154A}"/>
-              </a:ext>
-            </a:extLst>
-          </p:cNvPr>
-          <p:cNvSpPr>
-            <a:spLocks noGrp="1"/>
-          </p:cNvSpPr>
-          <p:nvPr>
-            <p:ph type="ftr" sz="quarter" idx="11"/>
-          </p:nvPr>
-        </p:nvSpPr>
-        <p:spPr/>
-        <p:txBody>
-          <a:bodyPr/>
-          <a:lstStyle/>
-          <a:p>
-            <a:r>
-              <a:rPr lang="en-US"/>
-              <a:t>FredHutch/wgs-duplex-seq</a:t>
-            </a:r>
-          </a:p>
-        </p:txBody>
-      </p:sp>
-      <p:sp>
-        <p:nvSpPr>
-          <p:cNvPr id="5" name="Slide Number Placeholder 4">
-            <a:extLst>
-              <a:ext uri="{FF2B5EF4-FFF2-40B4-BE49-F238E27FC236}">
-                <a16:creationId xmlns:a16="http://schemas.microsoft.com/office/drawing/2014/main" id="{37135FA6-728B-5B42-9E53-AB612313540A}"/>
-              </a:ext>
-            </a:extLst>
-          </p:cNvPr>
-          <p:cNvSpPr>
-            <a:spLocks noGrp="1"/>
-          </p:cNvSpPr>
-          <p:nvPr>
-            <p:ph type="sldNum" sz="quarter" idx="12"/>
-          </p:nvPr>
-        </p:nvSpPr>
-        <p:spPr/>
-        <p:txBody>
-          <a:bodyPr/>
-          <a:lstStyle/>
-          <a:p>
-            <a:fld id="{60E83D82-F696-1748-AD88-78C4469F76A5}" type="slidenum">
-              <a:rPr lang="en-US" smtClean="0"/>
-              <a:t>8</a:t>
-            </a:fld>
-            <a:endParaRPr lang="en-US"/>
-          </a:p>
-        </p:txBody>
-      </p:sp>
-    </p:spTree>
-    <p:extLst>
-      <p:ext uri="{BB962C8B-B14F-4D97-AF65-F5344CB8AC3E}">
-        <p14:creationId xmlns:p14="http://schemas.microsoft.com/office/powerpoint/2010/main" val="61112623"/>
-      </p:ext>
-    </p:extLst>
-  </p:cSld>
-  <p:clrMapOvr>
-    <a:masterClrMapping/>
-  </p:clrMapOvr>
-</p:sld>
-</file>
-
 <file path=ppt/slides/slide9.xml><?xml version="1.0" encoding="utf-8"?>
 <p:sld xmlns:a="http://schemas.openxmlformats.org/drawingml/2006/main" xmlns:r="http://schemas.openxmlformats.org/officeDocument/2006/relationships" xmlns:p="http://schemas.openxmlformats.org/presentationml/2006/main">
   <p:cSld>
@@ -17008,10 +17863,10 @@
       </p:sp>
       <p:sp>
         <p:nvSpPr>
-          <p:cNvPr id="9" name="Content Placeholder 8">
-            <a:extLst>
-              <a:ext uri="{FF2B5EF4-FFF2-40B4-BE49-F238E27FC236}">
-                <a16:creationId xmlns:a16="http://schemas.microsoft.com/office/drawing/2014/main" id="{D4020358-B5A7-F848-B00D-162BAB73C723}"/>
+          <p:cNvPr id="3" name="Content Placeholder 2">
+            <a:extLst>
+              <a:ext uri="{FF2B5EF4-FFF2-40B4-BE49-F238E27FC236}">
+                <a16:creationId xmlns:a16="http://schemas.microsoft.com/office/drawing/2014/main" id="{A3299C52-D0E9-DF41-8F9F-C0C5515EC906}"/>
               </a:ext>
             </a:extLst>
           </p:cNvPr>
@@ -17025,7 +17880,71 @@
         <p:spPr/>
         <p:txBody>
           <a:bodyPr>
-            <a:normAutofit fontScale="92500" lnSpcReduction="10000"/>
+            <a:normAutofit/>
+          </a:bodyPr>
+          <a:lstStyle/>
+          <a:p>
+            <a:pPr marL="514350" indent="-514350">
+              <a:buFont typeface="+mj-lt"/>
+              <a:buAutoNum type="arabicPeriod" startAt="2"/>
+            </a:pPr>
+            <a:r>
+              <a:rPr lang="en-US" dirty="0"/>
+              <a:t>Correct barcode errors using a whitelist of known sequences, merging barcodes with &lt;=X mismatches (default: 2)</a:t>
+            </a:r>
+          </a:p>
+          <a:p>
+            <a:pPr marL="457200" lvl="1" indent="0">
+              <a:buNone/>
+            </a:pPr>
+            <a:endParaRPr lang="en-US" dirty="0"/>
+          </a:p>
+          <a:p>
+            <a:r>
+              <a:rPr lang="en-US" dirty="0"/>
+              <a:t>Outputs:</a:t>
+            </a:r>
+          </a:p>
+          <a:p>
+            <a:pPr lvl="1"/>
+            <a:r>
+              <a:rPr lang="en-US" dirty="0" err="1"/>
+              <a:t>FastQC</a:t>
+            </a:r>
+            <a:r>
+              <a:rPr lang="en-US" dirty="0"/>
+              <a:t> quality report for barcode-trimmed reads</a:t>
+            </a:r>
+          </a:p>
+          <a:p>
+            <a:pPr lvl="1"/>
+            <a:r>
+              <a:rPr lang="en-US" dirty="0"/>
+              <a:t>Number of reads per uncorrected, filtered, and corrected barcode</a:t>
+            </a:r>
+          </a:p>
+        </p:txBody>
+      </p:sp>
+      <p:sp>
+        <p:nvSpPr>
+          <p:cNvPr id="6" name="Content Placeholder 5">
+            <a:extLst>
+              <a:ext uri="{FF2B5EF4-FFF2-40B4-BE49-F238E27FC236}">
+                <a16:creationId xmlns:a16="http://schemas.microsoft.com/office/drawing/2014/main" id="{02EB0F89-107E-D84C-AD1B-C1AD55693283}"/>
+              </a:ext>
+            </a:extLst>
+          </p:cNvPr>
+          <p:cNvSpPr>
+            <a:spLocks noGrp="1"/>
+          </p:cNvSpPr>
+          <p:nvPr>
+            <p:ph sz="half" idx="2"/>
+          </p:nvPr>
+        </p:nvSpPr>
+        <p:spPr/>
+        <p:txBody>
+          <a:bodyPr>
+            <a:normAutofit/>
           </a:bodyPr>
           <a:lstStyle/>
           <a:p>
@@ -17033,55 +17952,60 @@
               <a:buNone/>
             </a:pPr>
             <a:r>
-              <a:rPr lang="en-US" dirty="0"/>
-              <a:t>Due to the computational challenge of comparing all barcode sequences, the following heuristic was applied:</a:t>
-            </a:r>
-          </a:p>
-          <a:p>
-            <a:pPr marL="514350" indent="-514350">
-              <a:buFont typeface="+mj-lt"/>
-              <a:buAutoNum type="arabicPeriod"/>
-            </a:pPr>
-            <a:r>
-              <a:rPr lang="en-US" dirty="0"/>
-              <a:t>Apply a minimizer function to group together similar sequences</a:t>
-            </a:r>
-          </a:p>
-          <a:p>
-            <a:pPr marL="514350" indent="-514350">
-              <a:buFont typeface="+mj-lt"/>
-              <a:buAutoNum type="arabicPeriod"/>
-            </a:pPr>
-            <a:r>
-              <a:rPr lang="en-US" dirty="0"/>
-              <a:t>Within each group, compare every pair of barcode sequences</a:t>
-            </a:r>
-          </a:p>
-          <a:p>
-            <a:pPr marL="514350" indent="-514350">
-              <a:buFont typeface="+mj-lt"/>
-              <a:buAutoNum type="arabicPeriod"/>
-            </a:pPr>
-            <a:r>
-              <a:rPr lang="en-US" dirty="0"/>
-              <a:t>When a match is found, merge the barcode with the </a:t>
-            </a:r>
-            <a:r>
-              <a:rPr lang="en-US" i="1" dirty="0"/>
-              <a:t>lower </a:t>
-            </a:r>
-            <a:r>
-              <a:rPr lang="en-US" dirty="0"/>
-              <a:t>count into the barcode with the </a:t>
-            </a:r>
-            <a:r>
-              <a:rPr lang="en-US" i="1" dirty="0"/>
-              <a:t>higher</a:t>
-            </a:r>
-            <a:r>
-              <a:rPr lang="en-US" dirty="0"/>
-              <a:t> count</a:t>
-            </a:r>
+              <a:rPr lang="en-US" u="sng" dirty="0"/>
+              <a:t>Developer’s Note</a:t>
+            </a:r>
+            <a:r>
+              <a:rPr lang="en-US" dirty="0"/>
+              <a:t>:</a:t>
+            </a:r>
+          </a:p>
+          <a:p>
+            <a:r>
+              <a:rPr lang="en-US" dirty="0"/>
+              <a:t>Module: </a:t>
+            </a:r>
+            <a:r>
+              <a:rPr lang="en-US" dirty="0" err="1">
+                <a:latin typeface="Courier New" panose="02070309020205020404" pitchFamily="49" charset="0"/>
+                <a:cs typeface="Courier New" panose="02070309020205020404" pitchFamily="49" charset="0"/>
+              </a:rPr>
+              <a:t>barcodes_wf</a:t>
+            </a:r>
+            <a:endParaRPr lang="en-US" dirty="0">
+              <a:latin typeface="Courier New" panose="02070309020205020404" pitchFamily="49" charset="0"/>
+              <a:cs typeface="Courier New" panose="02070309020205020404" pitchFamily="49" charset="0"/>
+            </a:endParaRPr>
+          </a:p>
+          <a:p>
+            <a:r>
+              <a:rPr lang="en-US" dirty="0"/>
+              <a:t>Parameter names: </a:t>
+            </a:r>
+          </a:p>
+          <a:p>
+            <a:pPr lvl="1"/>
+            <a:r>
+              <a:rPr lang="en-US" dirty="0">
+                <a:latin typeface="Courier New" panose="02070309020205020404" pitchFamily="49" charset="0"/>
+                <a:cs typeface="Courier New" panose="02070309020205020404" pitchFamily="49" charset="0"/>
+              </a:rPr>
+              <a:t>barcodes</a:t>
+            </a:r>
+          </a:p>
+          <a:p>
+            <a:pPr lvl="1"/>
+            <a:r>
+              <a:rPr lang="en-US" dirty="0" err="1">
+                <a:latin typeface="Courier New" panose="02070309020205020404" pitchFamily="49" charset="0"/>
+                <a:cs typeface="Courier New" panose="02070309020205020404" pitchFamily="49" charset="0"/>
+              </a:rPr>
+              <a:t>barcode_max_mismatch</a:t>
+            </a:r>
+            <a:endParaRPr lang="en-US" dirty="0">
+              <a:latin typeface="Courier New" panose="02070309020205020404" pitchFamily="49" charset="0"/>
+              <a:cs typeface="Courier New" panose="02070309020205020404" pitchFamily="49" charset="0"/>
+            </a:endParaRPr>
           </a:p>
         </p:txBody>
       </p:sp>
@@ -17107,8 +18031,20 @@
           <a:lstStyle/>
           <a:p>
             <a:r>
-              <a:rPr lang="en-US"/>
-              <a:t>FredHutch/wgs-duplex-seq</a:t>
+              <a:rPr lang="en-US" dirty="0" err="1"/>
+              <a:t>FredHutch</a:t>
+            </a:r>
+            <a:r>
+              <a:rPr lang="en-US" dirty="0"/>
+              <a:t>/</a:t>
+            </a:r>
+            <a:r>
+              <a:rPr lang="en-US" dirty="0" err="1"/>
+              <a:t>maddd</a:t>
+            </a:r>
+            <a:r>
+              <a:rPr lang="en-US" dirty="0"/>
+              <a:t>-seq</a:t>
             </a:r>
           </a:p>
         </p:txBody>
@@ -17142,1662 +18078,10 @@
           </a:p>
         </p:txBody>
       </p:sp>
-      <p:sp>
-        <p:nvSpPr>
-          <p:cNvPr id="11" name="Rectangle 10">
-            <a:extLst>
-              <a:ext uri="{FF2B5EF4-FFF2-40B4-BE49-F238E27FC236}">
-                <a16:creationId xmlns:a16="http://schemas.microsoft.com/office/drawing/2014/main" id="{C94C8DDF-FBEF-D54A-8DD5-726DADC78203}"/>
-              </a:ext>
-            </a:extLst>
-          </p:cNvPr>
-          <p:cNvSpPr/>
-          <p:nvPr/>
-        </p:nvSpPr>
-        <p:spPr>
-          <a:xfrm flipH="1">
-            <a:off x="7353293" y="2406314"/>
-            <a:ext cx="1661568" cy="221381"/>
-          </a:xfrm>
-          <a:prstGeom prst="rect">
-            <a:avLst/>
-          </a:prstGeom>
-          <a:solidFill>
-            <a:schemeClr val="bg2">
-              <a:alpha val="50000"/>
-            </a:schemeClr>
-          </a:solidFill>
-          <a:ln>
-            <a:solidFill>
-              <a:schemeClr val="tx1"/>
-            </a:solidFill>
-          </a:ln>
-        </p:spPr>
-        <p:style>
-          <a:lnRef idx="2">
-            <a:schemeClr val="accent2">
-              <a:shade val="50000"/>
-            </a:schemeClr>
-          </a:lnRef>
-          <a:fillRef idx="1">
-            <a:schemeClr val="accent2"/>
-          </a:fillRef>
-          <a:effectRef idx="0">
-            <a:schemeClr val="accent2"/>
-          </a:effectRef>
-          <a:fontRef idx="minor">
-            <a:schemeClr val="lt1"/>
-          </a:fontRef>
-        </p:style>
-        <p:txBody>
-          <a:bodyPr rtlCol="0" anchor="ctr"/>
-          <a:lstStyle/>
-          <a:p>
-            <a:pPr algn="ctr"/>
-            <a:r>
-              <a:rPr lang="en-US" dirty="0">
-                <a:solidFill>
-                  <a:schemeClr val="tx1"/>
-                </a:solidFill>
-              </a:rPr>
-              <a:t>ATCTCAGACATT</a:t>
-            </a:r>
-          </a:p>
-        </p:txBody>
-      </p:sp>
-      <p:sp>
-        <p:nvSpPr>
-          <p:cNvPr id="12" name="Rectangle 11">
-            <a:extLst>
-              <a:ext uri="{FF2B5EF4-FFF2-40B4-BE49-F238E27FC236}">
-                <a16:creationId xmlns:a16="http://schemas.microsoft.com/office/drawing/2014/main" id="{DC9D2ED1-229F-704F-9925-05A514185FD0}"/>
-              </a:ext>
-            </a:extLst>
-          </p:cNvPr>
-          <p:cNvSpPr/>
-          <p:nvPr/>
-        </p:nvSpPr>
-        <p:spPr>
-          <a:xfrm flipH="1">
-            <a:off x="7353293" y="2754093"/>
-            <a:ext cx="1661568" cy="221381"/>
-          </a:xfrm>
-          <a:prstGeom prst="rect">
-            <a:avLst/>
-          </a:prstGeom>
-          <a:solidFill>
-            <a:schemeClr val="bg2">
-              <a:alpha val="50000"/>
-            </a:schemeClr>
-          </a:solidFill>
-          <a:ln>
-            <a:solidFill>
-              <a:schemeClr val="tx1"/>
-            </a:solidFill>
-          </a:ln>
-        </p:spPr>
-        <p:style>
-          <a:lnRef idx="2">
-            <a:schemeClr val="accent2">
-              <a:shade val="50000"/>
-            </a:schemeClr>
-          </a:lnRef>
-          <a:fillRef idx="1">
-            <a:schemeClr val="accent2"/>
-          </a:fillRef>
-          <a:effectRef idx="0">
-            <a:schemeClr val="accent2"/>
-          </a:effectRef>
-          <a:fontRef idx="minor">
-            <a:schemeClr val="lt1"/>
-          </a:fontRef>
-        </p:style>
-        <p:txBody>
-          <a:bodyPr rtlCol="0" anchor="ctr"/>
-          <a:lstStyle/>
-          <a:p>
-            <a:pPr algn="ctr"/>
-            <a:r>
-              <a:rPr lang="en-US" dirty="0">
-                <a:solidFill>
-                  <a:schemeClr val="tx1"/>
-                </a:solidFill>
-              </a:rPr>
-              <a:t>GACATTATCTCA</a:t>
-            </a:r>
-          </a:p>
-        </p:txBody>
-      </p:sp>
-      <p:sp>
-        <p:nvSpPr>
-          <p:cNvPr id="13" name="Rectangle 12">
-            <a:extLst>
-              <a:ext uri="{FF2B5EF4-FFF2-40B4-BE49-F238E27FC236}">
-                <a16:creationId xmlns:a16="http://schemas.microsoft.com/office/drawing/2014/main" id="{5733F12E-36B5-4246-9D06-762BE68A3049}"/>
-              </a:ext>
-            </a:extLst>
-          </p:cNvPr>
-          <p:cNvSpPr/>
-          <p:nvPr/>
-        </p:nvSpPr>
-        <p:spPr>
-          <a:xfrm flipH="1">
-            <a:off x="7353293" y="3101872"/>
-            <a:ext cx="1661568" cy="221381"/>
-          </a:xfrm>
-          <a:prstGeom prst="rect">
-            <a:avLst/>
-          </a:prstGeom>
-          <a:solidFill>
-            <a:schemeClr val="bg2">
-              <a:alpha val="50000"/>
-            </a:schemeClr>
-          </a:solidFill>
-          <a:ln>
-            <a:solidFill>
-              <a:schemeClr val="tx1"/>
-            </a:solidFill>
-          </a:ln>
-        </p:spPr>
-        <p:style>
-          <a:lnRef idx="2">
-            <a:schemeClr val="accent2">
-              <a:shade val="50000"/>
-            </a:schemeClr>
-          </a:lnRef>
-          <a:fillRef idx="1">
-            <a:schemeClr val="accent2"/>
-          </a:fillRef>
-          <a:effectRef idx="0">
-            <a:schemeClr val="accent2"/>
-          </a:effectRef>
-          <a:fontRef idx="minor">
-            <a:schemeClr val="lt1"/>
-          </a:fontRef>
-        </p:style>
-        <p:txBody>
-          <a:bodyPr rtlCol="0" anchor="ctr"/>
-          <a:lstStyle/>
-          <a:p>
-            <a:pPr algn="ctr"/>
-            <a:r>
-              <a:rPr lang="en-US" dirty="0">
-                <a:solidFill>
-                  <a:schemeClr val="tx1"/>
-                </a:solidFill>
-              </a:rPr>
-              <a:t>ATATTCTCAGAC</a:t>
-            </a:r>
-          </a:p>
-        </p:txBody>
-      </p:sp>
-      <p:sp>
-        <p:nvSpPr>
-          <p:cNvPr id="14" name="Rectangle 13">
-            <a:extLst>
-              <a:ext uri="{FF2B5EF4-FFF2-40B4-BE49-F238E27FC236}">
-                <a16:creationId xmlns:a16="http://schemas.microsoft.com/office/drawing/2014/main" id="{824544E9-38E3-AC4C-983F-4B9D5F53FE46}"/>
-              </a:ext>
-            </a:extLst>
-          </p:cNvPr>
-          <p:cNvSpPr/>
-          <p:nvPr/>
-        </p:nvSpPr>
-        <p:spPr>
-          <a:xfrm flipH="1">
-            <a:off x="7353293" y="3449651"/>
-            <a:ext cx="1661568" cy="221381"/>
-          </a:xfrm>
-          <a:prstGeom prst="rect">
-            <a:avLst/>
-          </a:prstGeom>
-          <a:solidFill>
-            <a:schemeClr val="bg2">
-              <a:alpha val="50000"/>
-            </a:schemeClr>
-          </a:solidFill>
-          <a:ln>
-            <a:solidFill>
-              <a:schemeClr val="tx1"/>
-            </a:solidFill>
-          </a:ln>
-        </p:spPr>
-        <p:style>
-          <a:lnRef idx="2">
-            <a:schemeClr val="accent2">
-              <a:shade val="50000"/>
-            </a:schemeClr>
-          </a:lnRef>
-          <a:fillRef idx="1">
-            <a:schemeClr val="accent2"/>
-          </a:fillRef>
-          <a:effectRef idx="0">
-            <a:schemeClr val="accent2"/>
-          </a:effectRef>
-          <a:fontRef idx="minor">
-            <a:schemeClr val="lt1"/>
-          </a:fontRef>
-        </p:style>
-        <p:txBody>
-          <a:bodyPr rtlCol="0" anchor="ctr"/>
-          <a:lstStyle/>
-          <a:p>
-            <a:pPr algn="ctr"/>
-            <a:r>
-              <a:rPr lang="en-US" dirty="0">
-                <a:solidFill>
-                  <a:schemeClr val="tx1"/>
-                </a:solidFill>
-              </a:rPr>
-              <a:t>ATCTTAGACATT</a:t>
-            </a:r>
-          </a:p>
-        </p:txBody>
-      </p:sp>
-      <p:sp>
-        <p:nvSpPr>
-          <p:cNvPr id="15" name="Rectangle 14">
-            <a:extLst>
-              <a:ext uri="{FF2B5EF4-FFF2-40B4-BE49-F238E27FC236}">
-                <a16:creationId xmlns:a16="http://schemas.microsoft.com/office/drawing/2014/main" id="{A03CB8AD-A6AA-8645-A459-D99F38DD3F06}"/>
-              </a:ext>
-            </a:extLst>
-          </p:cNvPr>
-          <p:cNvSpPr/>
-          <p:nvPr/>
-        </p:nvSpPr>
-        <p:spPr>
-          <a:xfrm flipH="1">
-            <a:off x="7353293" y="3797430"/>
-            <a:ext cx="1661568" cy="221381"/>
-          </a:xfrm>
-          <a:prstGeom prst="rect">
-            <a:avLst/>
-          </a:prstGeom>
-          <a:solidFill>
-            <a:schemeClr val="bg2">
-              <a:alpha val="50000"/>
-            </a:schemeClr>
-          </a:solidFill>
-          <a:ln>
-            <a:solidFill>
-              <a:schemeClr val="tx1"/>
-            </a:solidFill>
-          </a:ln>
-        </p:spPr>
-        <p:style>
-          <a:lnRef idx="2">
-            <a:schemeClr val="accent2">
-              <a:shade val="50000"/>
-            </a:schemeClr>
-          </a:lnRef>
-          <a:fillRef idx="1">
-            <a:schemeClr val="accent2"/>
-          </a:fillRef>
-          <a:effectRef idx="0">
-            <a:schemeClr val="accent2"/>
-          </a:effectRef>
-          <a:fontRef idx="minor">
-            <a:schemeClr val="lt1"/>
-          </a:fontRef>
-        </p:style>
-        <p:txBody>
-          <a:bodyPr rtlCol="0" anchor="ctr"/>
-          <a:lstStyle/>
-          <a:p>
-            <a:pPr algn="ctr"/>
-            <a:r>
-              <a:rPr lang="en-US" dirty="0">
-                <a:solidFill>
-                  <a:schemeClr val="tx1"/>
-                </a:solidFill>
-              </a:rPr>
-              <a:t>GACATTATCTCT</a:t>
-            </a:r>
-          </a:p>
-        </p:txBody>
-      </p:sp>
-      <p:sp>
-        <p:nvSpPr>
-          <p:cNvPr id="16" name="Rectangle 15">
-            <a:extLst>
-              <a:ext uri="{FF2B5EF4-FFF2-40B4-BE49-F238E27FC236}">
-                <a16:creationId xmlns:a16="http://schemas.microsoft.com/office/drawing/2014/main" id="{335306AB-1848-BC4D-9BDB-0396E047380B}"/>
-              </a:ext>
-            </a:extLst>
-          </p:cNvPr>
-          <p:cNvSpPr/>
-          <p:nvPr/>
-        </p:nvSpPr>
-        <p:spPr>
-          <a:xfrm flipH="1">
-            <a:off x="7353293" y="4145209"/>
-            <a:ext cx="1661568" cy="221381"/>
-          </a:xfrm>
-          <a:prstGeom prst="rect">
-            <a:avLst/>
-          </a:prstGeom>
-          <a:solidFill>
-            <a:schemeClr val="bg2">
-              <a:alpha val="50000"/>
-            </a:schemeClr>
-          </a:solidFill>
-          <a:ln>
-            <a:solidFill>
-              <a:schemeClr val="tx1"/>
-            </a:solidFill>
-          </a:ln>
-        </p:spPr>
-        <p:style>
-          <a:lnRef idx="2">
-            <a:schemeClr val="accent2">
-              <a:shade val="50000"/>
-            </a:schemeClr>
-          </a:lnRef>
-          <a:fillRef idx="1">
-            <a:schemeClr val="accent2"/>
-          </a:fillRef>
-          <a:effectRef idx="0">
-            <a:schemeClr val="accent2"/>
-          </a:effectRef>
-          <a:fontRef idx="minor">
-            <a:schemeClr val="lt1"/>
-          </a:fontRef>
-        </p:style>
-        <p:txBody>
-          <a:bodyPr rtlCol="0" anchor="ctr"/>
-          <a:lstStyle/>
-          <a:p>
-            <a:pPr algn="ctr"/>
-            <a:r>
-              <a:rPr lang="en-US" dirty="0">
-                <a:solidFill>
-                  <a:schemeClr val="tx1"/>
-                </a:solidFill>
-              </a:rPr>
-              <a:t>ATCTCAGACATA</a:t>
-            </a:r>
-          </a:p>
-        </p:txBody>
-      </p:sp>
-      <p:sp>
-        <p:nvSpPr>
-          <p:cNvPr id="17" name="Rectangle 16">
-            <a:extLst>
-              <a:ext uri="{FF2B5EF4-FFF2-40B4-BE49-F238E27FC236}">
-                <a16:creationId xmlns:a16="http://schemas.microsoft.com/office/drawing/2014/main" id="{DF06FA9A-B644-164E-9056-50C1FCE6E15F}"/>
-              </a:ext>
-            </a:extLst>
-          </p:cNvPr>
-          <p:cNvSpPr/>
-          <p:nvPr/>
-        </p:nvSpPr>
-        <p:spPr>
-          <a:xfrm flipH="1">
-            <a:off x="9213724" y="2406314"/>
-            <a:ext cx="1010272" cy="221381"/>
-          </a:xfrm>
-          <a:prstGeom prst="rect">
-            <a:avLst/>
-          </a:prstGeom>
-          <a:solidFill>
-            <a:schemeClr val="accent5">
-              <a:alpha val="50000"/>
-            </a:schemeClr>
-          </a:solidFill>
-          <a:ln>
-            <a:solidFill>
-              <a:schemeClr val="tx1"/>
-            </a:solidFill>
-          </a:ln>
-        </p:spPr>
-        <p:style>
-          <a:lnRef idx="2">
-            <a:schemeClr val="accent2">
-              <a:shade val="50000"/>
-            </a:schemeClr>
-          </a:lnRef>
-          <a:fillRef idx="1">
-            <a:schemeClr val="accent2"/>
-          </a:fillRef>
-          <a:effectRef idx="0">
-            <a:schemeClr val="accent2"/>
-          </a:effectRef>
-          <a:fontRef idx="minor">
-            <a:schemeClr val="lt1"/>
-          </a:fontRef>
-        </p:style>
-        <p:txBody>
-          <a:bodyPr rtlCol="0" anchor="ctr"/>
-          <a:lstStyle/>
-          <a:p>
-            <a:pPr algn="ctr"/>
-            <a:r>
-              <a:rPr lang="en-US" dirty="0">
-                <a:solidFill>
-                  <a:schemeClr val="tx1"/>
-                </a:solidFill>
-              </a:rPr>
-              <a:t>ACCGCT</a:t>
-            </a:r>
-          </a:p>
-        </p:txBody>
-      </p:sp>
-      <p:sp>
-        <p:nvSpPr>
-          <p:cNvPr id="18" name="Rectangle 17">
-            <a:extLst>
-              <a:ext uri="{FF2B5EF4-FFF2-40B4-BE49-F238E27FC236}">
-                <a16:creationId xmlns:a16="http://schemas.microsoft.com/office/drawing/2014/main" id="{6E0A6EB2-7962-6C4E-9C67-27A304CBC2D8}"/>
-              </a:ext>
-            </a:extLst>
-          </p:cNvPr>
-          <p:cNvSpPr/>
-          <p:nvPr/>
-        </p:nvSpPr>
-        <p:spPr>
-          <a:xfrm flipH="1">
-            <a:off x="9213724" y="2754093"/>
-            <a:ext cx="1010272" cy="221381"/>
-          </a:xfrm>
-          <a:prstGeom prst="rect">
-            <a:avLst/>
-          </a:prstGeom>
-          <a:solidFill>
-            <a:schemeClr val="accent6">
-              <a:alpha val="50000"/>
-            </a:schemeClr>
-          </a:solidFill>
-          <a:ln>
-            <a:solidFill>
-              <a:schemeClr val="tx1"/>
-            </a:solidFill>
-          </a:ln>
-        </p:spPr>
-        <p:style>
-          <a:lnRef idx="2">
-            <a:schemeClr val="accent2">
-              <a:shade val="50000"/>
-            </a:schemeClr>
-          </a:lnRef>
-          <a:fillRef idx="1">
-            <a:schemeClr val="accent2"/>
-          </a:fillRef>
-          <a:effectRef idx="0">
-            <a:schemeClr val="accent2"/>
-          </a:effectRef>
-          <a:fontRef idx="minor">
-            <a:schemeClr val="lt1"/>
-          </a:fontRef>
-        </p:style>
-        <p:txBody>
-          <a:bodyPr rtlCol="0" anchor="ctr"/>
-          <a:lstStyle/>
-          <a:p>
-            <a:pPr algn="ctr"/>
-            <a:r>
-              <a:rPr lang="en-US" dirty="0">
-                <a:solidFill>
-                  <a:schemeClr val="tx1"/>
-                </a:solidFill>
-              </a:rPr>
-              <a:t>GCTACC</a:t>
-            </a:r>
-          </a:p>
-        </p:txBody>
-      </p:sp>
-      <p:sp>
-        <p:nvSpPr>
-          <p:cNvPr id="19" name="Rectangle 18">
-            <a:extLst>
-              <a:ext uri="{FF2B5EF4-FFF2-40B4-BE49-F238E27FC236}">
-                <a16:creationId xmlns:a16="http://schemas.microsoft.com/office/drawing/2014/main" id="{16A617C7-2324-5443-9747-1FCBB411F6D3}"/>
-              </a:ext>
-            </a:extLst>
-          </p:cNvPr>
-          <p:cNvSpPr/>
-          <p:nvPr/>
-        </p:nvSpPr>
-        <p:spPr>
-          <a:xfrm flipH="1">
-            <a:off x="9213724" y="3101872"/>
-            <a:ext cx="1010272" cy="221381"/>
-          </a:xfrm>
-          <a:prstGeom prst="rect">
-            <a:avLst/>
-          </a:prstGeom>
-          <a:solidFill>
-            <a:schemeClr val="bg2">
-              <a:alpha val="50000"/>
-            </a:schemeClr>
-          </a:solidFill>
-          <a:ln>
-            <a:solidFill>
-              <a:schemeClr val="tx1"/>
-            </a:solidFill>
-          </a:ln>
-        </p:spPr>
-        <p:style>
-          <a:lnRef idx="2">
-            <a:schemeClr val="accent2">
-              <a:shade val="50000"/>
-            </a:schemeClr>
-          </a:lnRef>
-          <a:fillRef idx="1">
-            <a:schemeClr val="accent2"/>
-          </a:fillRef>
-          <a:effectRef idx="0">
-            <a:schemeClr val="accent2"/>
-          </a:effectRef>
-          <a:fontRef idx="minor">
-            <a:schemeClr val="lt1"/>
-          </a:fontRef>
-        </p:style>
-        <p:txBody>
-          <a:bodyPr rtlCol="0" anchor="ctr"/>
-          <a:lstStyle/>
-          <a:p>
-            <a:pPr algn="ctr"/>
-            <a:r>
-              <a:rPr lang="en-US" dirty="0">
-                <a:solidFill>
-                  <a:schemeClr val="tx1"/>
-                </a:solidFill>
-              </a:rPr>
-              <a:t>AATTAA</a:t>
-            </a:r>
-          </a:p>
-        </p:txBody>
-      </p:sp>
-      <p:sp>
-        <p:nvSpPr>
-          <p:cNvPr id="20" name="Rectangle 19">
-            <a:extLst>
-              <a:ext uri="{FF2B5EF4-FFF2-40B4-BE49-F238E27FC236}">
-                <a16:creationId xmlns:a16="http://schemas.microsoft.com/office/drawing/2014/main" id="{2D303E5F-2F1F-5B46-9479-48BC4EBF0605}"/>
-              </a:ext>
-            </a:extLst>
-          </p:cNvPr>
-          <p:cNvSpPr/>
-          <p:nvPr/>
-        </p:nvSpPr>
-        <p:spPr>
-          <a:xfrm flipH="1">
-            <a:off x="9213724" y="3449651"/>
-            <a:ext cx="1010272" cy="221381"/>
-          </a:xfrm>
-          <a:prstGeom prst="rect">
-            <a:avLst/>
-          </a:prstGeom>
-          <a:solidFill>
-            <a:schemeClr val="bg2">
-              <a:alpha val="50000"/>
-            </a:schemeClr>
-          </a:solidFill>
-          <a:ln>
-            <a:solidFill>
-              <a:schemeClr val="tx1"/>
-            </a:solidFill>
-          </a:ln>
-        </p:spPr>
-        <p:style>
-          <a:lnRef idx="2">
-            <a:schemeClr val="accent2">
-              <a:shade val="50000"/>
-            </a:schemeClr>
-          </a:lnRef>
-          <a:fillRef idx="1">
-            <a:schemeClr val="accent2"/>
-          </a:fillRef>
-          <a:effectRef idx="0">
-            <a:schemeClr val="accent2"/>
-          </a:effectRef>
-          <a:fontRef idx="minor">
-            <a:schemeClr val="lt1"/>
-          </a:fontRef>
-        </p:style>
-        <p:txBody>
-          <a:bodyPr rtlCol="0" anchor="ctr"/>
-          <a:lstStyle/>
-          <a:p>
-            <a:pPr algn="ctr"/>
-            <a:r>
-              <a:rPr lang="en-US" dirty="0">
-                <a:solidFill>
-                  <a:schemeClr val="tx1"/>
-                </a:solidFill>
-              </a:rPr>
-              <a:t>ACTGCT</a:t>
-            </a:r>
-          </a:p>
-        </p:txBody>
-      </p:sp>
-      <p:sp>
-        <p:nvSpPr>
-          <p:cNvPr id="21" name="Rectangle 20">
-            <a:extLst>
-              <a:ext uri="{FF2B5EF4-FFF2-40B4-BE49-F238E27FC236}">
-                <a16:creationId xmlns:a16="http://schemas.microsoft.com/office/drawing/2014/main" id="{AE8B381B-8ACD-F44A-871C-483B174A5272}"/>
-              </a:ext>
-            </a:extLst>
-          </p:cNvPr>
-          <p:cNvSpPr/>
-          <p:nvPr/>
-        </p:nvSpPr>
-        <p:spPr>
-          <a:xfrm flipH="1">
-            <a:off x="9213724" y="3797430"/>
-            <a:ext cx="1010272" cy="221381"/>
-          </a:xfrm>
-          <a:prstGeom prst="rect">
-            <a:avLst/>
-          </a:prstGeom>
-          <a:solidFill>
-            <a:schemeClr val="accent6">
-              <a:alpha val="50000"/>
-            </a:schemeClr>
-          </a:solidFill>
-          <a:ln>
-            <a:solidFill>
-              <a:schemeClr val="tx1"/>
-            </a:solidFill>
-          </a:ln>
-        </p:spPr>
-        <p:style>
-          <a:lnRef idx="2">
-            <a:schemeClr val="accent2">
-              <a:shade val="50000"/>
-            </a:schemeClr>
-          </a:lnRef>
-          <a:fillRef idx="1">
-            <a:schemeClr val="accent2"/>
-          </a:fillRef>
-          <a:effectRef idx="0">
-            <a:schemeClr val="accent2"/>
-          </a:effectRef>
-          <a:fontRef idx="minor">
-            <a:schemeClr val="lt1"/>
-          </a:fontRef>
-        </p:style>
-        <p:txBody>
-          <a:bodyPr rtlCol="0" anchor="ctr"/>
-          <a:lstStyle/>
-          <a:p>
-            <a:pPr algn="ctr"/>
-            <a:r>
-              <a:rPr lang="en-US" dirty="0">
-                <a:solidFill>
-                  <a:schemeClr val="tx1"/>
-                </a:solidFill>
-              </a:rPr>
-              <a:t>GCTACC</a:t>
-            </a:r>
-          </a:p>
-        </p:txBody>
-      </p:sp>
-      <p:sp>
-        <p:nvSpPr>
-          <p:cNvPr id="22" name="Rectangle 21">
-            <a:extLst>
-              <a:ext uri="{FF2B5EF4-FFF2-40B4-BE49-F238E27FC236}">
-                <a16:creationId xmlns:a16="http://schemas.microsoft.com/office/drawing/2014/main" id="{B9193808-031E-5D47-A483-28C4E7070E37}"/>
-              </a:ext>
-            </a:extLst>
-          </p:cNvPr>
-          <p:cNvSpPr/>
-          <p:nvPr/>
-        </p:nvSpPr>
-        <p:spPr>
-          <a:xfrm flipH="1">
-            <a:off x="9213724" y="4145209"/>
-            <a:ext cx="1010272" cy="221381"/>
-          </a:xfrm>
-          <a:prstGeom prst="rect">
-            <a:avLst/>
-          </a:prstGeom>
-          <a:solidFill>
-            <a:schemeClr val="accent5">
-              <a:alpha val="50000"/>
-            </a:schemeClr>
-          </a:solidFill>
-          <a:ln>
-            <a:solidFill>
-              <a:schemeClr val="tx1"/>
-            </a:solidFill>
-          </a:ln>
-        </p:spPr>
-        <p:style>
-          <a:lnRef idx="2">
-            <a:schemeClr val="accent2">
-              <a:shade val="50000"/>
-            </a:schemeClr>
-          </a:lnRef>
-          <a:fillRef idx="1">
-            <a:schemeClr val="accent2"/>
-          </a:fillRef>
-          <a:effectRef idx="0">
-            <a:schemeClr val="accent2"/>
-          </a:effectRef>
-          <a:fontRef idx="minor">
-            <a:schemeClr val="lt1"/>
-          </a:fontRef>
-        </p:style>
-        <p:txBody>
-          <a:bodyPr rtlCol="0" anchor="ctr"/>
-          <a:lstStyle/>
-          <a:p>
-            <a:pPr algn="ctr"/>
-            <a:r>
-              <a:rPr lang="en-US" dirty="0">
-                <a:solidFill>
-                  <a:schemeClr val="tx1"/>
-                </a:solidFill>
-              </a:rPr>
-              <a:t>ACCGCT</a:t>
-            </a:r>
-          </a:p>
-        </p:txBody>
-      </p:sp>
-      <p:sp>
-        <p:nvSpPr>
-          <p:cNvPr id="23" name="Rectangle 22">
-            <a:extLst>
-              <a:ext uri="{FF2B5EF4-FFF2-40B4-BE49-F238E27FC236}">
-                <a16:creationId xmlns:a16="http://schemas.microsoft.com/office/drawing/2014/main" id="{EE589B26-B0F3-244B-A9C3-99E3B5ED8B9B}"/>
-              </a:ext>
-            </a:extLst>
-          </p:cNvPr>
-          <p:cNvSpPr/>
-          <p:nvPr/>
-        </p:nvSpPr>
-        <p:spPr>
-          <a:xfrm flipH="1">
-            <a:off x="10422859" y="2406314"/>
-            <a:ext cx="1010272" cy="221381"/>
-          </a:xfrm>
-          <a:prstGeom prst="rect">
-            <a:avLst/>
-          </a:prstGeom>
-          <a:solidFill>
-            <a:schemeClr val="accent2">
-              <a:alpha val="50000"/>
-            </a:schemeClr>
-          </a:solidFill>
-          <a:ln>
-            <a:solidFill>
-              <a:schemeClr val="tx1"/>
-            </a:solidFill>
-          </a:ln>
-        </p:spPr>
-        <p:style>
-          <a:lnRef idx="2">
-            <a:schemeClr val="accent2">
-              <a:shade val="50000"/>
-            </a:schemeClr>
-          </a:lnRef>
-          <a:fillRef idx="1">
-            <a:schemeClr val="accent2"/>
-          </a:fillRef>
-          <a:effectRef idx="0">
-            <a:schemeClr val="accent2"/>
-          </a:effectRef>
-          <a:fontRef idx="minor">
-            <a:schemeClr val="lt1"/>
-          </a:fontRef>
-        </p:style>
-        <p:txBody>
-          <a:bodyPr rtlCol="0" anchor="ctr"/>
-          <a:lstStyle/>
-          <a:p>
-            <a:pPr algn="ctr"/>
-            <a:r>
-              <a:rPr lang="en-US" dirty="0">
-                <a:solidFill>
-                  <a:schemeClr val="tx1"/>
-                </a:solidFill>
-              </a:rPr>
-              <a:t>TTAAAT</a:t>
-            </a:r>
-          </a:p>
-        </p:txBody>
-      </p:sp>
-      <p:sp>
-        <p:nvSpPr>
-          <p:cNvPr id="24" name="Rectangle 23">
-            <a:extLst>
-              <a:ext uri="{FF2B5EF4-FFF2-40B4-BE49-F238E27FC236}">
-                <a16:creationId xmlns:a16="http://schemas.microsoft.com/office/drawing/2014/main" id="{948E8E9F-434F-2240-AFA9-673F7C9B1EAC}"/>
-              </a:ext>
-            </a:extLst>
-          </p:cNvPr>
-          <p:cNvSpPr/>
-          <p:nvPr/>
-        </p:nvSpPr>
-        <p:spPr>
-          <a:xfrm flipH="1">
-            <a:off x="10422859" y="2754093"/>
-            <a:ext cx="1010272" cy="221381"/>
-          </a:xfrm>
-          <a:prstGeom prst="rect">
-            <a:avLst/>
-          </a:prstGeom>
-          <a:solidFill>
-            <a:schemeClr val="bg2">
-              <a:alpha val="50000"/>
-            </a:schemeClr>
-          </a:solidFill>
-          <a:ln>
-            <a:solidFill>
-              <a:schemeClr val="tx1"/>
-            </a:solidFill>
-          </a:ln>
-        </p:spPr>
-        <p:style>
-          <a:lnRef idx="2">
-            <a:schemeClr val="accent2">
-              <a:shade val="50000"/>
-            </a:schemeClr>
-          </a:lnRef>
-          <a:fillRef idx="1">
-            <a:schemeClr val="accent2"/>
-          </a:fillRef>
-          <a:effectRef idx="0">
-            <a:schemeClr val="accent2"/>
-          </a:effectRef>
-          <a:fontRef idx="minor">
-            <a:schemeClr val="lt1"/>
-          </a:fontRef>
-        </p:style>
-        <p:txBody>
-          <a:bodyPr rtlCol="0" anchor="ctr"/>
-          <a:lstStyle/>
-          <a:p>
-            <a:pPr algn="ctr"/>
-            <a:r>
-              <a:rPr lang="en-US" dirty="0">
-                <a:solidFill>
-                  <a:schemeClr val="tx1"/>
-                </a:solidFill>
-              </a:rPr>
-              <a:t>AATTTA</a:t>
-            </a:r>
-          </a:p>
-        </p:txBody>
-      </p:sp>
-      <p:sp>
-        <p:nvSpPr>
-          <p:cNvPr id="25" name="Rectangle 24">
-            <a:extLst>
-              <a:ext uri="{FF2B5EF4-FFF2-40B4-BE49-F238E27FC236}">
-                <a16:creationId xmlns:a16="http://schemas.microsoft.com/office/drawing/2014/main" id="{ABDABFE5-D725-6746-9E93-8DB09CC3B3A4}"/>
-              </a:ext>
-            </a:extLst>
-          </p:cNvPr>
-          <p:cNvSpPr/>
-          <p:nvPr/>
-        </p:nvSpPr>
-        <p:spPr>
-          <a:xfrm flipH="1">
-            <a:off x="10422859" y="3101872"/>
-            <a:ext cx="1010272" cy="221381"/>
-          </a:xfrm>
-          <a:prstGeom prst="rect">
-            <a:avLst/>
-          </a:prstGeom>
-          <a:solidFill>
-            <a:schemeClr val="bg2">
-              <a:alpha val="50000"/>
-            </a:schemeClr>
-          </a:solidFill>
-          <a:ln>
-            <a:solidFill>
-              <a:schemeClr val="tx1"/>
-            </a:solidFill>
-          </a:ln>
-        </p:spPr>
-        <p:style>
-          <a:lnRef idx="2">
-            <a:schemeClr val="accent2">
-              <a:shade val="50000"/>
-            </a:schemeClr>
-          </a:lnRef>
-          <a:fillRef idx="1">
-            <a:schemeClr val="accent2"/>
-          </a:fillRef>
-          <a:effectRef idx="0">
-            <a:schemeClr val="accent2"/>
-          </a:effectRef>
-          <a:fontRef idx="minor">
-            <a:schemeClr val="lt1"/>
-          </a:fontRef>
-        </p:style>
-        <p:txBody>
-          <a:bodyPr rtlCol="0" anchor="ctr"/>
-          <a:lstStyle/>
-          <a:p>
-            <a:pPr algn="ctr"/>
-            <a:r>
-              <a:rPr lang="en-US" dirty="0">
-                <a:solidFill>
-                  <a:schemeClr val="tx1"/>
-                </a:solidFill>
-              </a:rPr>
-              <a:t>TTCCGC</a:t>
-            </a:r>
-          </a:p>
-        </p:txBody>
-      </p:sp>
-      <p:sp>
-        <p:nvSpPr>
-          <p:cNvPr id="26" name="Rectangle 25">
-            <a:extLst>
-              <a:ext uri="{FF2B5EF4-FFF2-40B4-BE49-F238E27FC236}">
-                <a16:creationId xmlns:a16="http://schemas.microsoft.com/office/drawing/2014/main" id="{02A70A36-DC05-4848-B726-639EEC676FBD}"/>
-              </a:ext>
-            </a:extLst>
-          </p:cNvPr>
-          <p:cNvSpPr/>
-          <p:nvPr/>
-        </p:nvSpPr>
-        <p:spPr>
-          <a:xfrm flipH="1">
-            <a:off x="10422859" y="3449651"/>
-            <a:ext cx="1010272" cy="221381"/>
-          </a:xfrm>
-          <a:prstGeom prst="rect">
-            <a:avLst/>
-          </a:prstGeom>
-          <a:solidFill>
-            <a:schemeClr val="accent2">
-              <a:alpha val="50000"/>
-            </a:schemeClr>
-          </a:solidFill>
-          <a:ln>
-            <a:solidFill>
-              <a:schemeClr val="tx1"/>
-            </a:solidFill>
-          </a:ln>
-        </p:spPr>
-        <p:style>
-          <a:lnRef idx="2">
-            <a:schemeClr val="accent2">
-              <a:shade val="50000"/>
-            </a:schemeClr>
-          </a:lnRef>
-          <a:fillRef idx="1">
-            <a:schemeClr val="accent2"/>
-          </a:fillRef>
-          <a:effectRef idx="0">
-            <a:schemeClr val="accent2"/>
-          </a:effectRef>
-          <a:fontRef idx="minor">
-            <a:schemeClr val="lt1"/>
-          </a:fontRef>
-        </p:style>
-        <p:txBody>
-          <a:bodyPr rtlCol="0" anchor="ctr"/>
-          <a:lstStyle/>
-          <a:p>
-            <a:pPr algn="ctr"/>
-            <a:r>
-              <a:rPr lang="en-US" dirty="0">
-                <a:solidFill>
-                  <a:schemeClr val="tx1"/>
-                </a:solidFill>
-              </a:rPr>
-              <a:t>TTAAAT</a:t>
-            </a:r>
-          </a:p>
-        </p:txBody>
-      </p:sp>
-      <p:sp>
-        <p:nvSpPr>
-          <p:cNvPr id="27" name="Rectangle 26">
-            <a:extLst>
-              <a:ext uri="{FF2B5EF4-FFF2-40B4-BE49-F238E27FC236}">
-                <a16:creationId xmlns:a16="http://schemas.microsoft.com/office/drawing/2014/main" id="{5718229E-2F4F-BF46-9EE0-11F0811CE178}"/>
-              </a:ext>
-            </a:extLst>
-          </p:cNvPr>
-          <p:cNvSpPr/>
-          <p:nvPr/>
-        </p:nvSpPr>
-        <p:spPr>
-          <a:xfrm flipH="1">
-            <a:off x="10422859" y="3797430"/>
-            <a:ext cx="1010272" cy="221381"/>
-          </a:xfrm>
-          <a:prstGeom prst="rect">
-            <a:avLst/>
-          </a:prstGeom>
-          <a:solidFill>
-            <a:schemeClr val="bg2">
-              <a:alpha val="50000"/>
-            </a:schemeClr>
-          </a:solidFill>
-          <a:ln>
-            <a:solidFill>
-              <a:schemeClr val="tx1"/>
-            </a:solidFill>
-          </a:ln>
-        </p:spPr>
-        <p:style>
-          <a:lnRef idx="2">
-            <a:schemeClr val="accent2">
-              <a:shade val="50000"/>
-            </a:schemeClr>
-          </a:lnRef>
-          <a:fillRef idx="1">
-            <a:schemeClr val="accent2"/>
-          </a:fillRef>
-          <a:effectRef idx="0">
-            <a:schemeClr val="accent2"/>
-          </a:effectRef>
-          <a:fontRef idx="minor">
-            <a:schemeClr val="lt1"/>
-          </a:fontRef>
-        </p:style>
-        <p:txBody>
-          <a:bodyPr rtlCol="0" anchor="ctr"/>
-          <a:lstStyle/>
-          <a:p>
-            <a:pPr algn="ctr"/>
-            <a:r>
-              <a:rPr lang="en-US" dirty="0">
-                <a:solidFill>
-                  <a:schemeClr val="tx1"/>
-                </a:solidFill>
-              </a:rPr>
-              <a:t>AATTTT</a:t>
-            </a:r>
-          </a:p>
-        </p:txBody>
-      </p:sp>
-      <p:sp>
-        <p:nvSpPr>
-          <p:cNvPr id="28" name="Rectangle 27">
-            <a:extLst>
-              <a:ext uri="{FF2B5EF4-FFF2-40B4-BE49-F238E27FC236}">
-                <a16:creationId xmlns:a16="http://schemas.microsoft.com/office/drawing/2014/main" id="{86C66CFD-CA74-6A45-861E-4B02D27ED756}"/>
-              </a:ext>
-            </a:extLst>
-          </p:cNvPr>
-          <p:cNvSpPr/>
-          <p:nvPr/>
-        </p:nvSpPr>
-        <p:spPr>
-          <a:xfrm flipH="1">
-            <a:off x="10422859" y="4145209"/>
-            <a:ext cx="1010272" cy="221381"/>
-          </a:xfrm>
-          <a:prstGeom prst="rect">
-            <a:avLst/>
-          </a:prstGeom>
-          <a:solidFill>
-            <a:schemeClr val="bg2">
-              <a:alpha val="50000"/>
-            </a:schemeClr>
-          </a:solidFill>
-          <a:ln>
-            <a:solidFill>
-              <a:schemeClr val="tx1"/>
-            </a:solidFill>
-          </a:ln>
-        </p:spPr>
-        <p:style>
-          <a:lnRef idx="2">
-            <a:schemeClr val="accent2">
-              <a:shade val="50000"/>
-            </a:schemeClr>
-          </a:lnRef>
-          <a:fillRef idx="1">
-            <a:schemeClr val="accent2"/>
-          </a:fillRef>
-          <a:effectRef idx="0">
-            <a:schemeClr val="accent2"/>
-          </a:effectRef>
-          <a:fontRef idx="minor">
-            <a:schemeClr val="lt1"/>
-          </a:fontRef>
-        </p:style>
-        <p:txBody>
-          <a:bodyPr rtlCol="0" anchor="ctr"/>
-          <a:lstStyle/>
-          <a:p>
-            <a:pPr algn="ctr"/>
-            <a:r>
-              <a:rPr lang="en-US" dirty="0">
-                <a:solidFill>
-                  <a:schemeClr val="tx1"/>
-                </a:solidFill>
-              </a:rPr>
-              <a:t>TTAAAA</a:t>
-            </a:r>
-          </a:p>
-        </p:txBody>
-      </p:sp>
-      <p:sp>
-        <p:nvSpPr>
-          <p:cNvPr id="29" name="TextBox 28">
-            <a:extLst>
-              <a:ext uri="{FF2B5EF4-FFF2-40B4-BE49-F238E27FC236}">
-                <a16:creationId xmlns:a16="http://schemas.microsoft.com/office/drawing/2014/main" id="{D4A23DB4-5F33-3541-A916-F86E0333ED82}"/>
-              </a:ext>
-            </a:extLst>
-          </p:cNvPr>
-          <p:cNvSpPr txBox="1"/>
-          <p:nvPr/>
-        </p:nvSpPr>
-        <p:spPr>
-          <a:xfrm>
-            <a:off x="7708081" y="1963691"/>
-            <a:ext cx="951992" cy="369332"/>
-          </a:xfrm>
-          <a:prstGeom prst="rect">
-            <a:avLst/>
-          </a:prstGeom>
-          <a:noFill/>
-        </p:spPr>
-        <p:txBody>
-          <a:bodyPr wrap="none" rtlCol="0">
-            <a:spAutoFit/>
-          </a:bodyPr>
-          <a:lstStyle/>
-          <a:p>
-            <a:r>
-              <a:rPr lang="en-US" dirty="0"/>
-              <a:t>Barcode</a:t>
-            </a:r>
-          </a:p>
-        </p:txBody>
-      </p:sp>
-      <p:sp>
-        <p:nvSpPr>
-          <p:cNvPr id="30" name="TextBox 29">
-            <a:extLst>
-              <a:ext uri="{FF2B5EF4-FFF2-40B4-BE49-F238E27FC236}">
-                <a16:creationId xmlns:a16="http://schemas.microsoft.com/office/drawing/2014/main" id="{9769C61E-0450-1F46-A3A0-74C905E303BC}"/>
-              </a:ext>
-            </a:extLst>
-          </p:cNvPr>
-          <p:cNvSpPr txBox="1"/>
-          <p:nvPr/>
-        </p:nvSpPr>
-        <p:spPr>
-          <a:xfrm>
-            <a:off x="9069675" y="1963691"/>
-            <a:ext cx="1298369" cy="369332"/>
-          </a:xfrm>
-          <a:prstGeom prst="rect">
-            <a:avLst/>
-          </a:prstGeom>
-          <a:noFill/>
-        </p:spPr>
-        <p:txBody>
-          <a:bodyPr wrap="none" rtlCol="0">
-            <a:spAutoFit/>
-          </a:bodyPr>
-          <a:lstStyle/>
-          <a:p>
-            <a:r>
-              <a:rPr lang="en-US" dirty="0"/>
-              <a:t>Minimizer 1</a:t>
-            </a:r>
-          </a:p>
-        </p:txBody>
-      </p:sp>
-      <p:sp>
-        <p:nvSpPr>
-          <p:cNvPr id="31" name="TextBox 30">
-            <a:extLst>
-              <a:ext uri="{FF2B5EF4-FFF2-40B4-BE49-F238E27FC236}">
-                <a16:creationId xmlns:a16="http://schemas.microsoft.com/office/drawing/2014/main" id="{08837421-8D5E-AF4D-A8EA-160EBC196A1E}"/>
-              </a:ext>
-            </a:extLst>
-          </p:cNvPr>
-          <p:cNvSpPr txBox="1"/>
-          <p:nvPr/>
-        </p:nvSpPr>
-        <p:spPr>
-          <a:xfrm>
-            <a:off x="10278810" y="1963691"/>
-            <a:ext cx="1298369" cy="369332"/>
-          </a:xfrm>
-          <a:prstGeom prst="rect">
-            <a:avLst/>
-          </a:prstGeom>
-          <a:noFill/>
-        </p:spPr>
-        <p:txBody>
-          <a:bodyPr wrap="none" rtlCol="0">
-            <a:spAutoFit/>
-          </a:bodyPr>
-          <a:lstStyle/>
-          <a:p>
-            <a:r>
-              <a:rPr lang="en-US" dirty="0"/>
-              <a:t>Minimizer 2</a:t>
-            </a:r>
-          </a:p>
-        </p:txBody>
-      </p:sp>
-      <p:sp>
-        <p:nvSpPr>
-          <p:cNvPr id="34" name="Rectangle 33">
-            <a:extLst>
-              <a:ext uri="{FF2B5EF4-FFF2-40B4-BE49-F238E27FC236}">
-                <a16:creationId xmlns:a16="http://schemas.microsoft.com/office/drawing/2014/main" id="{D9FDBB08-A9AA-0C4F-A2E8-8346D3DC6A16}"/>
-              </a:ext>
-            </a:extLst>
-          </p:cNvPr>
-          <p:cNvSpPr/>
-          <p:nvPr/>
-        </p:nvSpPr>
-        <p:spPr>
-          <a:xfrm flipH="1">
-            <a:off x="6785810" y="2415730"/>
-            <a:ext cx="468052" cy="221381"/>
-          </a:xfrm>
-          <a:prstGeom prst="rect">
-            <a:avLst/>
-          </a:prstGeom>
-          <a:solidFill>
-            <a:schemeClr val="bg2">
-              <a:alpha val="50000"/>
-            </a:schemeClr>
-          </a:solidFill>
-          <a:ln>
-            <a:solidFill>
-              <a:schemeClr val="tx1"/>
-            </a:solidFill>
-          </a:ln>
-        </p:spPr>
-        <p:style>
-          <a:lnRef idx="2">
-            <a:schemeClr val="accent2">
-              <a:shade val="50000"/>
-            </a:schemeClr>
-          </a:lnRef>
-          <a:fillRef idx="1">
-            <a:schemeClr val="accent2"/>
-          </a:fillRef>
-          <a:effectRef idx="0">
-            <a:schemeClr val="accent2"/>
-          </a:effectRef>
-          <a:fontRef idx="minor">
-            <a:schemeClr val="lt1"/>
-          </a:fontRef>
-        </p:style>
-        <p:txBody>
-          <a:bodyPr rtlCol="0" anchor="ctr"/>
-          <a:lstStyle/>
-          <a:p>
-            <a:pPr algn="ctr"/>
-            <a:r>
-              <a:rPr lang="en-US" dirty="0">
-                <a:solidFill>
-                  <a:schemeClr val="tx1"/>
-                </a:solidFill>
-              </a:rPr>
-              <a:t>10</a:t>
-            </a:r>
-          </a:p>
-        </p:txBody>
-      </p:sp>
-      <p:sp>
-        <p:nvSpPr>
-          <p:cNvPr id="35" name="Rectangle 34">
-            <a:extLst>
-              <a:ext uri="{FF2B5EF4-FFF2-40B4-BE49-F238E27FC236}">
-                <a16:creationId xmlns:a16="http://schemas.microsoft.com/office/drawing/2014/main" id="{B9526275-953C-0741-A586-EC7201CDFC1A}"/>
-              </a:ext>
-            </a:extLst>
-          </p:cNvPr>
-          <p:cNvSpPr/>
-          <p:nvPr/>
-        </p:nvSpPr>
-        <p:spPr>
-          <a:xfrm flipH="1">
-            <a:off x="6785810" y="2763509"/>
-            <a:ext cx="468052" cy="221381"/>
-          </a:xfrm>
-          <a:prstGeom prst="rect">
-            <a:avLst/>
-          </a:prstGeom>
-          <a:solidFill>
-            <a:schemeClr val="bg2">
-              <a:alpha val="50000"/>
-            </a:schemeClr>
-          </a:solidFill>
-          <a:ln>
-            <a:solidFill>
-              <a:schemeClr val="tx1"/>
-            </a:solidFill>
-          </a:ln>
-        </p:spPr>
-        <p:style>
-          <a:lnRef idx="2">
-            <a:schemeClr val="accent2">
-              <a:shade val="50000"/>
-            </a:schemeClr>
-          </a:lnRef>
-          <a:fillRef idx="1">
-            <a:schemeClr val="accent2"/>
-          </a:fillRef>
-          <a:effectRef idx="0">
-            <a:schemeClr val="accent2"/>
-          </a:effectRef>
-          <a:fontRef idx="minor">
-            <a:schemeClr val="lt1"/>
-          </a:fontRef>
-        </p:style>
-        <p:txBody>
-          <a:bodyPr rtlCol="0" anchor="ctr"/>
-          <a:lstStyle/>
-          <a:p>
-            <a:pPr algn="ctr"/>
-            <a:r>
-              <a:rPr lang="en-US" dirty="0">
-                <a:solidFill>
-                  <a:schemeClr val="tx1"/>
-                </a:solidFill>
-              </a:rPr>
-              <a:t>5</a:t>
-            </a:r>
-          </a:p>
-        </p:txBody>
-      </p:sp>
-      <p:sp>
-        <p:nvSpPr>
-          <p:cNvPr id="36" name="Rectangle 35">
-            <a:extLst>
-              <a:ext uri="{FF2B5EF4-FFF2-40B4-BE49-F238E27FC236}">
-                <a16:creationId xmlns:a16="http://schemas.microsoft.com/office/drawing/2014/main" id="{D9D76485-F807-7545-A901-BE1CD89C9F50}"/>
-              </a:ext>
-            </a:extLst>
-          </p:cNvPr>
-          <p:cNvSpPr/>
-          <p:nvPr/>
-        </p:nvSpPr>
-        <p:spPr>
-          <a:xfrm flipH="1">
-            <a:off x="6785810" y="3111288"/>
-            <a:ext cx="468052" cy="221381"/>
-          </a:xfrm>
-          <a:prstGeom prst="rect">
-            <a:avLst/>
-          </a:prstGeom>
-          <a:solidFill>
-            <a:schemeClr val="bg2">
-              <a:alpha val="50000"/>
-            </a:schemeClr>
-          </a:solidFill>
-          <a:ln>
-            <a:solidFill>
-              <a:schemeClr val="tx1"/>
-            </a:solidFill>
-          </a:ln>
-        </p:spPr>
-        <p:style>
-          <a:lnRef idx="2">
-            <a:schemeClr val="accent2">
-              <a:shade val="50000"/>
-            </a:schemeClr>
-          </a:lnRef>
-          <a:fillRef idx="1">
-            <a:schemeClr val="accent2"/>
-          </a:fillRef>
-          <a:effectRef idx="0">
-            <a:schemeClr val="accent2"/>
-          </a:effectRef>
-          <a:fontRef idx="minor">
-            <a:schemeClr val="lt1"/>
-          </a:fontRef>
-        </p:style>
-        <p:txBody>
-          <a:bodyPr rtlCol="0" anchor="ctr"/>
-          <a:lstStyle/>
-          <a:p>
-            <a:pPr algn="ctr"/>
-            <a:r>
-              <a:rPr lang="en-US" dirty="0">
-                <a:solidFill>
-                  <a:schemeClr val="tx1"/>
-                </a:solidFill>
-              </a:rPr>
-              <a:t>3</a:t>
-            </a:r>
-          </a:p>
-        </p:txBody>
-      </p:sp>
-      <p:sp>
-        <p:nvSpPr>
-          <p:cNvPr id="37" name="Rectangle 36">
-            <a:extLst>
-              <a:ext uri="{FF2B5EF4-FFF2-40B4-BE49-F238E27FC236}">
-                <a16:creationId xmlns:a16="http://schemas.microsoft.com/office/drawing/2014/main" id="{3A178E09-E54B-8340-904A-39E899858BA0}"/>
-              </a:ext>
-            </a:extLst>
-          </p:cNvPr>
-          <p:cNvSpPr/>
-          <p:nvPr/>
-        </p:nvSpPr>
-        <p:spPr>
-          <a:xfrm flipH="1">
-            <a:off x="6785810" y="3459067"/>
-            <a:ext cx="468052" cy="221381"/>
-          </a:xfrm>
-          <a:prstGeom prst="rect">
-            <a:avLst/>
-          </a:prstGeom>
-          <a:solidFill>
-            <a:schemeClr val="bg2">
-              <a:alpha val="50000"/>
-            </a:schemeClr>
-          </a:solidFill>
-          <a:ln>
-            <a:solidFill>
-              <a:schemeClr val="tx1"/>
-            </a:solidFill>
-          </a:ln>
-        </p:spPr>
-        <p:style>
-          <a:lnRef idx="2">
-            <a:schemeClr val="accent2">
-              <a:shade val="50000"/>
-            </a:schemeClr>
-          </a:lnRef>
-          <a:fillRef idx="1">
-            <a:schemeClr val="accent2"/>
-          </a:fillRef>
-          <a:effectRef idx="0">
-            <a:schemeClr val="accent2"/>
-          </a:effectRef>
-          <a:fontRef idx="minor">
-            <a:schemeClr val="lt1"/>
-          </a:fontRef>
-        </p:style>
-        <p:txBody>
-          <a:bodyPr rtlCol="0" anchor="ctr"/>
-          <a:lstStyle/>
-          <a:p>
-            <a:pPr algn="ctr"/>
-            <a:r>
-              <a:rPr lang="en-US" dirty="0">
-                <a:solidFill>
-                  <a:schemeClr val="tx1"/>
-                </a:solidFill>
-              </a:rPr>
-              <a:t>1</a:t>
-            </a:r>
-          </a:p>
-        </p:txBody>
-      </p:sp>
-      <p:sp>
-        <p:nvSpPr>
-          <p:cNvPr id="38" name="Rectangle 37">
-            <a:extLst>
-              <a:ext uri="{FF2B5EF4-FFF2-40B4-BE49-F238E27FC236}">
-                <a16:creationId xmlns:a16="http://schemas.microsoft.com/office/drawing/2014/main" id="{BF0B46A1-0C29-8C48-8520-6AFFC544B609}"/>
-              </a:ext>
-            </a:extLst>
-          </p:cNvPr>
-          <p:cNvSpPr/>
-          <p:nvPr/>
-        </p:nvSpPr>
-        <p:spPr>
-          <a:xfrm flipH="1">
-            <a:off x="6785810" y="3806846"/>
-            <a:ext cx="468052" cy="221381"/>
-          </a:xfrm>
-          <a:prstGeom prst="rect">
-            <a:avLst/>
-          </a:prstGeom>
-          <a:solidFill>
-            <a:schemeClr val="bg2">
-              <a:alpha val="50000"/>
-            </a:schemeClr>
-          </a:solidFill>
-          <a:ln>
-            <a:solidFill>
-              <a:schemeClr val="tx1"/>
-            </a:solidFill>
-          </a:ln>
-        </p:spPr>
-        <p:style>
-          <a:lnRef idx="2">
-            <a:schemeClr val="accent2">
-              <a:shade val="50000"/>
-            </a:schemeClr>
-          </a:lnRef>
-          <a:fillRef idx="1">
-            <a:schemeClr val="accent2"/>
-          </a:fillRef>
-          <a:effectRef idx="0">
-            <a:schemeClr val="accent2"/>
-          </a:effectRef>
-          <a:fontRef idx="minor">
-            <a:schemeClr val="lt1"/>
-          </a:fontRef>
-        </p:style>
-        <p:txBody>
-          <a:bodyPr rtlCol="0" anchor="ctr"/>
-          <a:lstStyle/>
-          <a:p>
-            <a:pPr algn="ctr"/>
-            <a:r>
-              <a:rPr lang="en-US" dirty="0">
-                <a:solidFill>
-                  <a:schemeClr val="tx1"/>
-                </a:solidFill>
-              </a:rPr>
-              <a:t>1</a:t>
-            </a:r>
-          </a:p>
-        </p:txBody>
-      </p:sp>
-      <p:sp>
-        <p:nvSpPr>
-          <p:cNvPr id="39" name="Rectangle 38">
-            <a:extLst>
-              <a:ext uri="{FF2B5EF4-FFF2-40B4-BE49-F238E27FC236}">
-                <a16:creationId xmlns:a16="http://schemas.microsoft.com/office/drawing/2014/main" id="{D6DC6CA5-F8C4-9B40-A63B-13CB13E844F1}"/>
-              </a:ext>
-            </a:extLst>
-          </p:cNvPr>
-          <p:cNvSpPr/>
-          <p:nvPr/>
-        </p:nvSpPr>
-        <p:spPr>
-          <a:xfrm flipH="1">
-            <a:off x="6785810" y="4154625"/>
-            <a:ext cx="468052" cy="221381"/>
-          </a:xfrm>
-          <a:prstGeom prst="rect">
-            <a:avLst/>
-          </a:prstGeom>
-          <a:solidFill>
-            <a:schemeClr val="bg2">
-              <a:alpha val="50000"/>
-            </a:schemeClr>
-          </a:solidFill>
-          <a:ln>
-            <a:solidFill>
-              <a:schemeClr val="tx1"/>
-            </a:solidFill>
-          </a:ln>
-        </p:spPr>
-        <p:style>
-          <a:lnRef idx="2">
-            <a:schemeClr val="accent2">
-              <a:shade val="50000"/>
-            </a:schemeClr>
-          </a:lnRef>
-          <a:fillRef idx="1">
-            <a:schemeClr val="accent2"/>
-          </a:fillRef>
-          <a:effectRef idx="0">
-            <a:schemeClr val="accent2"/>
-          </a:effectRef>
-          <a:fontRef idx="minor">
-            <a:schemeClr val="lt1"/>
-          </a:fontRef>
-        </p:style>
-        <p:txBody>
-          <a:bodyPr rtlCol="0" anchor="ctr"/>
-          <a:lstStyle/>
-          <a:p>
-            <a:pPr algn="ctr"/>
-            <a:r>
-              <a:rPr lang="en-US" dirty="0">
-                <a:solidFill>
-                  <a:schemeClr val="tx1"/>
-                </a:solidFill>
-              </a:rPr>
-              <a:t>1</a:t>
-            </a:r>
-          </a:p>
-        </p:txBody>
-      </p:sp>
-      <p:sp>
-        <p:nvSpPr>
-          <p:cNvPr id="40" name="TextBox 39">
-            <a:extLst>
-              <a:ext uri="{FF2B5EF4-FFF2-40B4-BE49-F238E27FC236}">
-                <a16:creationId xmlns:a16="http://schemas.microsoft.com/office/drawing/2014/main" id="{2A515E40-5B2A-194A-BAFF-32D2D98C86E5}"/>
-              </a:ext>
-            </a:extLst>
-          </p:cNvPr>
-          <p:cNvSpPr txBox="1"/>
-          <p:nvPr/>
-        </p:nvSpPr>
-        <p:spPr>
-          <a:xfrm>
-            <a:off x="6909185" y="1963691"/>
-            <a:ext cx="300082" cy="369332"/>
-          </a:xfrm>
-          <a:prstGeom prst="rect">
-            <a:avLst/>
-          </a:prstGeom>
-          <a:noFill/>
-        </p:spPr>
-        <p:txBody>
-          <a:bodyPr wrap="none" rtlCol="0">
-            <a:spAutoFit/>
-          </a:bodyPr>
-          <a:lstStyle/>
-          <a:p>
-            <a:r>
-              <a:rPr lang="en-US" dirty="0"/>
-              <a:t>#</a:t>
-            </a:r>
-          </a:p>
-        </p:txBody>
-      </p:sp>
     </p:spTree>
     <p:extLst>
       <p:ext uri="{BB962C8B-B14F-4D97-AF65-F5344CB8AC3E}">
-        <p14:creationId xmlns:p14="http://schemas.microsoft.com/office/powerpoint/2010/main" val="1647388338"/>
+        <p14:creationId xmlns:p14="http://schemas.microsoft.com/office/powerpoint/2010/main" val="61112623"/>
       </p:ext>
     </p:extLst>
   </p:cSld>

--- a/docs/process.schematic.pptx
+++ b/docs/process.schematic.pptx
@@ -5,7 +5,7 @@
     <p:sldMasterId id="2147483648" r:id="rId1"/>
   </p:sldMasterIdLst>
   <p:notesMasterIdLst>
-    <p:notesMasterId r:id="rId21"/>
+    <p:notesMasterId r:id="rId22"/>
   </p:notesMasterIdLst>
   <p:sldIdLst>
     <p:sldId id="256" r:id="rId2"/>
@@ -21,12 +21,13 @@
     <p:sldId id="272" r:id="rId12"/>
     <p:sldId id="273" r:id="rId13"/>
     <p:sldId id="277" r:id="rId14"/>
-    <p:sldId id="274" r:id="rId15"/>
-    <p:sldId id="278" r:id="rId16"/>
-    <p:sldId id="279" r:id="rId17"/>
-    <p:sldId id="280" r:id="rId18"/>
-    <p:sldId id="281" r:id="rId19"/>
-    <p:sldId id="282" r:id="rId20"/>
+    <p:sldId id="284" r:id="rId15"/>
+    <p:sldId id="274" r:id="rId16"/>
+    <p:sldId id="278" r:id="rId17"/>
+    <p:sldId id="279" r:id="rId18"/>
+    <p:sldId id="280" r:id="rId19"/>
+    <p:sldId id="281" r:id="rId20"/>
+    <p:sldId id="282" r:id="rId21"/>
   </p:sldIdLst>
   <p:sldSz cx="12192000" cy="6858000"/>
   <p:notesSz cx="6858000" cy="9144000"/>
@@ -631,7 +632,7 @@
           <a:p>
             <a:fld id="{436C1B53-1093-E142-9806-F45EF48F8440}" type="slidenum">
               <a:rPr lang="en-US" smtClean="0"/>
-              <a:t>19</a:t>
+              <a:t>20</a:t>
             </a:fld>
             <a:endParaRPr lang="en-US"/>
           </a:p>
@@ -6902,16 +6903,21 @@
             <p:ph sz="half" idx="1"/>
           </p:nvPr>
         </p:nvSpPr>
-        <p:spPr/>
+        <p:spPr>
+          <a:xfrm>
+            <a:off x="838200" y="1825624"/>
+            <a:ext cx="5181600" cy="4351335"/>
+          </a:xfrm>
+        </p:spPr>
         <p:txBody>
           <a:bodyPr>
-            <a:normAutofit fontScale="85000" lnSpcReduction="20000"/>
+            <a:normAutofit fontScale="92500" lnSpcReduction="20000"/>
           </a:bodyPr>
           <a:lstStyle/>
           <a:p>
             <a:pPr marL="514350" indent="-514350">
               <a:buFont typeface="+mj-lt"/>
-              <a:buAutoNum type="arabicPeriod" startAt="3"/>
+              <a:buAutoNum type="arabicPeriod" startAt="2"/>
             </a:pPr>
             <a:r>
               <a:rPr lang="en-US" dirty="0"/>
@@ -6940,20 +6946,18 @@
             </a:r>
           </a:p>
           <a:p>
-            <a:pPr marL="514350" indent="-514350">
-              <a:buFont typeface="+mj-lt"/>
-              <a:buAutoNum type="arabicPeriod" startAt="4"/>
+            <a:pPr marL="0" indent="0">
+              <a:buNone/>
             </a:pPr>
-            <a:r>
-              <a:rPr lang="en-US" dirty="0"/>
-              <a:t>The SSC sequence pairs are then realigned to the reference genome</a:t>
-            </a:r>
-          </a:p>
-          <a:p>
-            <a:pPr lvl="1"/>
-            <a:r>
-              <a:rPr lang="en-US" dirty="0"/>
-              <a:t>Any change in alignment position after SSC creation will result in that family being filtered out of the dataset</a:t>
+            <a:endParaRPr lang="en-US" i="1" dirty="0"/>
+          </a:p>
+          <a:p>
+            <a:pPr marL="0" indent="0">
+              <a:buNone/>
+            </a:pPr>
+            <a:r>
+              <a:rPr lang="en-US" i="1" dirty="0"/>
+              <a:t>(continues)</a:t>
             </a:r>
           </a:p>
           <a:p>
@@ -6983,7 +6987,7 @@
         <p:spPr/>
         <p:txBody>
           <a:bodyPr>
-            <a:normAutofit fontScale="85000" lnSpcReduction="20000"/>
+            <a:normAutofit fontScale="92500" lnSpcReduction="20000"/>
           </a:bodyPr>
           <a:lstStyle/>
           <a:p>
@@ -7042,37 +7046,6 @@
               <a:latin typeface="Courier New" panose="02070309020205020404" pitchFamily="49" charset="0"/>
               <a:cs typeface="Courier New" panose="02070309020205020404" pitchFamily="49" charset="0"/>
             </a:endParaRPr>
-          </a:p>
-          <a:p>
-            <a:pPr marL="0" indent="0">
-              <a:buNone/>
-            </a:pPr>
-            <a:r>
-              <a:rPr lang="en-US" u="sng" dirty="0"/>
-              <a:t>Technician’s Note</a:t>
-            </a:r>
-            <a:r>
-              <a:rPr lang="en-US" dirty="0"/>
-              <a:t>:</a:t>
-            </a:r>
-          </a:p>
-          <a:p>
-            <a:r>
-              <a:rPr lang="en-US" dirty="0"/>
-              <a:t>R1-fwd/R2-rev = “positive strand”</a:t>
-            </a:r>
-          </a:p>
-          <a:p>
-            <a:r>
-              <a:rPr lang="en-US" dirty="0"/>
-              <a:t>R2-fwd/R1-rev = “negative strand”</a:t>
-            </a:r>
-          </a:p>
-          <a:p>
-            <a:endParaRPr lang="en-US" dirty="0"/>
-          </a:p>
-          <a:p>
-            <a:endParaRPr lang="en-US" dirty="0"/>
           </a:p>
           <a:p>
             <a:endParaRPr lang="en-US" dirty="0"/>
@@ -8120,7 +8093,7 @@
           <p:cNvPr id="2" name="Title 1">
             <a:extLst>
               <a:ext uri="{FF2B5EF4-FFF2-40B4-BE49-F238E27FC236}">
-                <a16:creationId xmlns:a16="http://schemas.microsoft.com/office/drawing/2014/main" id="{D460C36F-18BC-9C43-A097-63DE5E7F3CB0}"/>
+                <a16:creationId xmlns:a16="http://schemas.microsoft.com/office/drawing/2014/main" id="{1AE46C7F-4307-AC49-BE5A-8E04228A5AC9}"/>
               </a:ext>
             </a:extLst>
           </p:cNvPr>
@@ -8138,17 +8111,17 @@
           <a:p>
             <a:r>
               <a:rPr lang="en-US" dirty="0"/>
-              <a:t>6. Variant Calling</a:t>
-            </a:r>
-          </a:p>
-        </p:txBody>
-      </p:sp>
-      <p:sp>
-        <p:nvSpPr>
-          <p:cNvPr id="6" name="Content Placeholder 5">
-            <a:extLst>
-              <a:ext uri="{FF2B5EF4-FFF2-40B4-BE49-F238E27FC236}">
-                <a16:creationId xmlns:a16="http://schemas.microsoft.com/office/drawing/2014/main" id="{0928D617-A66E-4449-ACFF-1C43A1B83F5D}"/>
+              <a:t>5. Family Creation</a:t>
+            </a:r>
+          </a:p>
+        </p:txBody>
+      </p:sp>
+      <p:sp>
+        <p:nvSpPr>
+          <p:cNvPr id="3" name="Content Placeholder 2">
+            <a:extLst>
+              <a:ext uri="{FF2B5EF4-FFF2-40B4-BE49-F238E27FC236}">
+                <a16:creationId xmlns:a16="http://schemas.microsoft.com/office/drawing/2014/main" id="{63ED4C1A-353C-6346-AF52-139AF28DD1A1}"/>
               </a:ext>
             </a:extLst>
           </p:cNvPr>
@@ -8159,117 +8132,56 @@
             <p:ph sz="half" idx="1"/>
           </p:nvPr>
         </p:nvSpPr>
-        <p:spPr/>
+        <p:spPr>
+          <a:xfrm>
+            <a:off x="838200" y="1825625"/>
+            <a:ext cx="5181600" cy="3102929"/>
+          </a:xfrm>
+        </p:spPr>
         <p:txBody>
           <a:bodyPr>
-            <a:normAutofit fontScale="62500" lnSpcReduction="20000"/>
+            <a:normAutofit/>
           </a:bodyPr>
           <a:lstStyle/>
           <a:p>
             <a:pPr marL="514350" indent="-514350">
               <a:buFont typeface="+mj-lt"/>
-              <a:buAutoNum type="arabicPeriod"/>
+              <a:buAutoNum type="arabicPeriod" startAt="3"/>
             </a:pPr>
             <a:r>
               <a:rPr lang="en-US" dirty="0"/>
-              <a:t>Families are filtered by a minimum number of reads per SSC (both positive </a:t>
-            </a:r>
-            <a:r>
-              <a:rPr lang="en-US" i="1" dirty="0"/>
-              <a:t>and</a:t>
-            </a:r>
-            <a:r>
-              <a:rPr lang="en-US" dirty="0"/>
-              <a:t> negative strand)</a:t>
-            </a:r>
-          </a:p>
-          <a:p>
-            <a:pPr marL="514350" indent="-514350">
-              <a:buFont typeface="+mj-lt"/>
-              <a:buAutoNum type="arabicPeriod"/>
-            </a:pPr>
-            <a:r>
-              <a:rPr lang="en-US" dirty="0"/>
-              <a:t>Double-strand consensus (DSC) sequences are called from each pair of SSCs</a:t>
-            </a:r>
-          </a:p>
-          <a:p>
-            <a:pPr marL="514350" indent="-514350">
-              <a:buFont typeface="+mj-lt"/>
-              <a:buAutoNum type="arabicPeriod"/>
-            </a:pPr>
-            <a:r>
-              <a:rPr lang="en-US" dirty="0"/>
-              <a:t>Mutations and adducts are called from the SSC data</a:t>
+              <a:t>The SSC sequence pairs are then realigned to the reference genome</a:t>
             </a:r>
           </a:p>
           <a:p>
             <a:pPr lvl="1"/>
             <a:r>
               <a:rPr lang="en-US" dirty="0"/>
-              <a:t>The user may specify a set of positions which will be masked from mutation/adduct calling</a:t>
-            </a:r>
-          </a:p>
-          <a:p>
-            <a:pPr marL="514350" indent="-514350">
-              <a:buFont typeface="+mj-lt"/>
-              <a:buAutoNum type="arabicPeriod"/>
+              <a:t>Any change in alignment position after SSC creation of &gt;X </a:t>
+            </a:r>
+            <a:r>
+              <a:rPr lang="en-US" dirty="0" err="1"/>
+              <a:t>nts</a:t>
+            </a:r>
+            <a:r>
+              <a:rPr lang="en-US" dirty="0"/>
+              <a:t> will result in that family being filtered out of the dataset</a:t>
+            </a:r>
+          </a:p>
+          <a:p>
+            <a:pPr marL="457200" lvl="1" indent="0">
+              <a:buNone/>
             </a:pPr>
             <a:endParaRPr lang="en-US" dirty="0"/>
           </a:p>
-          <a:p>
-            <a:pPr marL="0" indent="0">
-              <a:buNone/>
-            </a:pPr>
-            <a:r>
-              <a:rPr lang="en-US" dirty="0"/>
-              <a:t>Outputs:</a:t>
-            </a:r>
-          </a:p>
-          <a:p>
-            <a:r>
-              <a:rPr lang="en-US" dirty="0"/>
-              <a:t>Mutation and adduct rate</a:t>
-            </a:r>
-          </a:p>
-          <a:p>
-            <a:r>
-              <a:rPr lang="en-US" dirty="0"/>
-              <a:t>Aligned SSC and DSC reads (BAM)</a:t>
-            </a:r>
-          </a:p>
-          <a:p>
-            <a:r>
-              <a:rPr lang="en-US" dirty="0"/>
-              <a:t>Location of all mutations and adducts (VCF)</a:t>
-            </a:r>
-          </a:p>
-          <a:p>
-            <a:pPr marL="0" indent="0">
-              <a:buNone/>
-            </a:pPr>
-            <a:endParaRPr lang="en-US" i="1" dirty="0"/>
-          </a:p>
-          <a:p>
-            <a:pPr marL="0" indent="0">
-              <a:buNone/>
-            </a:pPr>
-            <a:r>
-              <a:rPr lang="en-US" i="1" dirty="0"/>
-              <a:t>(continues)</a:t>
-            </a:r>
-          </a:p>
-          <a:p>
-            <a:endParaRPr lang="en-US" dirty="0"/>
-          </a:p>
-        </p:txBody>
-      </p:sp>
-      <p:sp>
-        <p:nvSpPr>
-          <p:cNvPr id="7" name="Content Placeholder 6">
-            <a:extLst>
-              <a:ext uri="{FF2B5EF4-FFF2-40B4-BE49-F238E27FC236}">
-                <a16:creationId xmlns:a16="http://schemas.microsoft.com/office/drawing/2014/main" id="{B0CC2FDB-9676-F444-BE4D-DC77A7FA015F}"/>
+        </p:txBody>
+      </p:sp>
+      <p:sp>
+        <p:nvSpPr>
+          <p:cNvPr id="6" name="Content Placeholder 5">
+            <a:extLst>
+              <a:ext uri="{FF2B5EF4-FFF2-40B4-BE49-F238E27FC236}">
+                <a16:creationId xmlns:a16="http://schemas.microsoft.com/office/drawing/2014/main" id="{7897A0A9-2003-A841-AADF-3DD8B68E5AB3}"/>
               </a:ext>
             </a:extLst>
           </p:cNvPr>
@@ -8283,7 +8195,7 @@
         <p:spPr/>
         <p:txBody>
           <a:bodyPr>
-            <a:normAutofit fontScale="62500" lnSpcReduction="20000"/>
+            <a:normAutofit/>
           </a:bodyPr>
           <a:lstStyle/>
           <a:p>
@@ -8329,30 +8241,13 @@
                 <a:latin typeface="Courier New" panose="02070309020205020404" pitchFamily="49" charset="0"/>
                 <a:cs typeface="Courier New" panose="02070309020205020404" pitchFamily="49" charset="0"/>
               </a:rPr>
-              <a:t>min_reads</a:t>
+              <a:t>max_realign_offset</a:t>
             </a:r>
             <a:endParaRPr lang="en-US" dirty="0">
               <a:latin typeface="Courier New" panose="02070309020205020404" pitchFamily="49" charset="0"/>
               <a:cs typeface="Courier New" panose="02070309020205020404" pitchFamily="49" charset="0"/>
             </a:endParaRPr>
           </a:p>
-          <a:p>
-            <a:pPr lvl="1"/>
-            <a:r>
-              <a:rPr lang="en-US" dirty="0" err="1">
-                <a:latin typeface="Courier New" panose="02070309020205020404" pitchFamily="49" charset="0"/>
-                <a:cs typeface="Courier New" panose="02070309020205020404" pitchFamily="49" charset="0"/>
-              </a:rPr>
-              <a:t>ignore_coordinates_vcf</a:t>
-            </a:r>
-            <a:endParaRPr lang="en-US" dirty="0">
-              <a:latin typeface="Courier New" panose="02070309020205020404" pitchFamily="49" charset="0"/>
-              <a:cs typeface="Courier New" panose="02070309020205020404" pitchFamily="49" charset="0"/>
-            </a:endParaRPr>
-          </a:p>
-          <a:p>
-            <a:endParaRPr lang="en-US" dirty="0"/>
-          </a:p>
         </p:txBody>
       </p:sp>
       <p:sp>
@@ -8360,7 +8255,7 @@
           <p:cNvPr id="4" name="Footer Placeholder 3">
             <a:extLst>
               <a:ext uri="{FF2B5EF4-FFF2-40B4-BE49-F238E27FC236}">
-                <a16:creationId xmlns:a16="http://schemas.microsoft.com/office/drawing/2014/main" id="{623F4300-D3DE-7E46-97A9-18CCA3FD1153}"/>
+                <a16:creationId xmlns:a16="http://schemas.microsoft.com/office/drawing/2014/main" id="{67F33B6F-AE3A-344F-99FD-40F414667FEE}"/>
               </a:ext>
             </a:extLst>
           </p:cNvPr>
@@ -8400,7 +8295,7 @@
           <p:cNvPr id="5" name="Slide Number Placeholder 4">
             <a:extLst>
               <a:ext uri="{FF2B5EF4-FFF2-40B4-BE49-F238E27FC236}">
-                <a16:creationId xmlns:a16="http://schemas.microsoft.com/office/drawing/2014/main" id="{9F81779B-77B2-BD45-B2B6-3500D215E80C}"/>
+                <a16:creationId xmlns:a16="http://schemas.microsoft.com/office/drawing/2014/main" id="{56A98841-4CB7-7A41-B11C-5AF533E1D058}"/>
               </a:ext>
             </a:extLst>
           </p:cNvPr>
@@ -8424,10 +8319,947 @@
           </a:p>
         </p:txBody>
       </p:sp>
+      <p:cxnSp>
+        <p:nvCxnSpPr>
+          <p:cNvPr id="7" name="Straight Connector 6">
+            <a:extLst>
+              <a:ext uri="{FF2B5EF4-FFF2-40B4-BE49-F238E27FC236}">
+                <a16:creationId xmlns:a16="http://schemas.microsoft.com/office/drawing/2014/main" id="{8CEF3768-4AA1-594F-8E54-CAB3355D86AF}"/>
+              </a:ext>
+            </a:extLst>
+          </p:cNvPr>
+          <p:cNvCxnSpPr>
+            <a:cxnSpLocks/>
+          </p:cNvCxnSpPr>
+          <p:nvPr/>
+        </p:nvCxnSpPr>
+        <p:spPr>
+          <a:xfrm>
+            <a:off x="6651057" y="6176963"/>
+            <a:ext cx="4702743" cy="0"/>
+          </a:xfrm>
+          <a:prstGeom prst="line">
+            <a:avLst/>
+          </a:prstGeom>
+          <a:ln w="19050">
+            <a:solidFill>
+              <a:schemeClr val="tx1"/>
+            </a:solidFill>
+          </a:ln>
+        </p:spPr>
+        <p:style>
+          <a:lnRef idx="1">
+            <a:schemeClr val="accent1"/>
+          </a:lnRef>
+          <a:fillRef idx="0">
+            <a:schemeClr val="accent1"/>
+          </a:fillRef>
+          <a:effectRef idx="0">
+            <a:schemeClr val="accent1"/>
+          </a:effectRef>
+          <a:fontRef idx="minor">
+            <a:schemeClr val="tx1"/>
+          </a:fontRef>
+        </p:style>
+      </p:cxnSp>
+      <p:cxnSp>
+        <p:nvCxnSpPr>
+          <p:cNvPr id="8" name="Straight Connector 7">
+            <a:extLst>
+              <a:ext uri="{FF2B5EF4-FFF2-40B4-BE49-F238E27FC236}">
+                <a16:creationId xmlns:a16="http://schemas.microsoft.com/office/drawing/2014/main" id="{1BE987DB-0CC8-C941-B377-39B058EF34D9}"/>
+              </a:ext>
+            </a:extLst>
+          </p:cNvPr>
+          <p:cNvCxnSpPr>
+            <a:cxnSpLocks/>
+          </p:cNvCxnSpPr>
+          <p:nvPr/>
+        </p:nvCxnSpPr>
+        <p:spPr>
+          <a:xfrm flipH="1">
+            <a:off x="11280809" y="6176963"/>
+            <a:ext cx="911191" cy="0"/>
+          </a:xfrm>
+          <a:prstGeom prst="line">
+            <a:avLst/>
+          </a:prstGeom>
+          <a:ln w="19050">
+            <a:solidFill>
+              <a:schemeClr val="tx1"/>
+            </a:solidFill>
+            <a:prstDash val="dashDot"/>
+          </a:ln>
+        </p:spPr>
+        <p:style>
+          <a:lnRef idx="1">
+            <a:schemeClr val="accent1"/>
+          </a:lnRef>
+          <a:fillRef idx="0">
+            <a:schemeClr val="accent1"/>
+          </a:fillRef>
+          <a:effectRef idx="0">
+            <a:schemeClr val="accent1"/>
+          </a:effectRef>
+          <a:fontRef idx="minor">
+            <a:schemeClr val="tx1"/>
+          </a:fontRef>
+        </p:style>
+      </p:cxnSp>
+      <p:cxnSp>
+        <p:nvCxnSpPr>
+          <p:cNvPr id="9" name="Straight Connector 8">
+            <a:extLst>
+              <a:ext uri="{FF2B5EF4-FFF2-40B4-BE49-F238E27FC236}">
+                <a16:creationId xmlns:a16="http://schemas.microsoft.com/office/drawing/2014/main" id="{4FD8B8E4-CDE0-0140-A807-A0A7F15DA2C0}"/>
+              </a:ext>
+            </a:extLst>
+          </p:cNvPr>
+          <p:cNvCxnSpPr>
+            <a:cxnSpLocks/>
+          </p:cNvCxnSpPr>
+          <p:nvPr/>
+        </p:nvCxnSpPr>
+        <p:spPr>
+          <a:xfrm flipH="1">
+            <a:off x="5739866" y="6176963"/>
+            <a:ext cx="911191" cy="0"/>
+          </a:xfrm>
+          <a:prstGeom prst="line">
+            <a:avLst/>
+          </a:prstGeom>
+          <a:ln w="19050">
+            <a:solidFill>
+              <a:schemeClr val="tx1"/>
+            </a:solidFill>
+            <a:prstDash val="dashDot"/>
+          </a:ln>
+        </p:spPr>
+        <p:style>
+          <a:lnRef idx="1">
+            <a:schemeClr val="accent1"/>
+          </a:lnRef>
+          <a:fillRef idx="0">
+            <a:schemeClr val="accent1"/>
+          </a:fillRef>
+          <a:effectRef idx="0">
+            <a:schemeClr val="accent1"/>
+          </a:effectRef>
+          <a:fontRef idx="minor">
+            <a:schemeClr val="tx1"/>
+          </a:fontRef>
+        </p:style>
+      </p:cxnSp>
+      <p:sp>
+        <p:nvSpPr>
+          <p:cNvPr id="10" name="Pentagon 9">
+            <a:extLst>
+              <a:ext uri="{FF2B5EF4-FFF2-40B4-BE49-F238E27FC236}">
+                <a16:creationId xmlns:a16="http://schemas.microsoft.com/office/drawing/2014/main" id="{4E77091E-7487-E541-A08B-96D01FC63D01}"/>
+              </a:ext>
+            </a:extLst>
+          </p:cNvPr>
+          <p:cNvSpPr/>
+          <p:nvPr/>
+        </p:nvSpPr>
+        <p:spPr>
+          <a:xfrm>
+            <a:off x="7446344" y="5430562"/>
+            <a:ext cx="1505874" cy="160604"/>
+          </a:xfrm>
+          <a:prstGeom prst="homePlate">
+            <a:avLst/>
+          </a:prstGeom>
+        </p:spPr>
+        <p:style>
+          <a:lnRef idx="2">
+            <a:schemeClr val="accent1">
+              <a:shade val="50000"/>
+            </a:schemeClr>
+          </a:lnRef>
+          <a:fillRef idx="1">
+            <a:schemeClr val="accent1"/>
+          </a:fillRef>
+          <a:effectRef idx="0">
+            <a:schemeClr val="accent1"/>
+          </a:effectRef>
+          <a:fontRef idx="minor">
+            <a:schemeClr val="lt1"/>
+          </a:fontRef>
+        </p:style>
+        <p:txBody>
+          <a:bodyPr rtlCol="0" anchor="ctr"/>
+          <a:lstStyle/>
+          <a:p>
+            <a:pPr algn="ctr"/>
+            <a:r>
+              <a:rPr lang="en-US" sz="1100" dirty="0"/>
+              <a:t>R1</a:t>
+            </a:r>
+          </a:p>
+        </p:txBody>
+      </p:sp>
+      <p:sp>
+        <p:nvSpPr>
+          <p:cNvPr id="11" name="Pentagon 10">
+            <a:extLst>
+              <a:ext uri="{FF2B5EF4-FFF2-40B4-BE49-F238E27FC236}">
+                <a16:creationId xmlns:a16="http://schemas.microsoft.com/office/drawing/2014/main" id="{5A69D227-F8F0-4A40-92A8-78CBE2520D45}"/>
+              </a:ext>
+            </a:extLst>
+          </p:cNvPr>
+          <p:cNvSpPr/>
+          <p:nvPr/>
+        </p:nvSpPr>
+        <p:spPr>
+          <a:xfrm>
+            <a:off x="7446344" y="5681562"/>
+            <a:ext cx="1050101" cy="154004"/>
+          </a:xfrm>
+          <a:prstGeom prst="homePlate">
+            <a:avLst/>
+          </a:prstGeom>
+        </p:spPr>
+        <p:style>
+          <a:lnRef idx="2">
+            <a:schemeClr val="accent1">
+              <a:shade val="50000"/>
+            </a:schemeClr>
+          </a:lnRef>
+          <a:fillRef idx="1">
+            <a:schemeClr val="accent1"/>
+          </a:fillRef>
+          <a:effectRef idx="0">
+            <a:schemeClr val="accent1"/>
+          </a:effectRef>
+          <a:fontRef idx="minor">
+            <a:schemeClr val="lt1"/>
+          </a:fontRef>
+        </p:style>
+        <p:txBody>
+          <a:bodyPr rtlCol="0" anchor="ctr"/>
+          <a:lstStyle/>
+          <a:p>
+            <a:pPr algn="ctr"/>
+            <a:r>
+              <a:rPr lang="en-US" sz="1100" dirty="0"/>
+              <a:t>R2</a:t>
+            </a:r>
+          </a:p>
+        </p:txBody>
+      </p:sp>
+      <p:sp>
+        <p:nvSpPr>
+          <p:cNvPr id="12" name="Pentagon 11">
+            <a:extLst>
+              <a:ext uri="{FF2B5EF4-FFF2-40B4-BE49-F238E27FC236}">
+                <a16:creationId xmlns:a16="http://schemas.microsoft.com/office/drawing/2014/main" id="{C82B62D2-A661-F34E-8CC5-8DF5346D9399}"/>
+              </a:ext>
+            </a:extLst>
+          </p:cNvPr>
+          <p:cNvSpPr/>
+          <p:nvPr/>
+        </p:nvSpPr>
+        <p:spPr>
+          <a:xfrm>
+            <a:off x="7446345" y="5925962"/>
+            <a:ext cx="1164256" cy="160605"/>
+          </a:xfrm>
+          <a:prstGeom prst="homePlate">
+            <a:avLst/>
+          </a:prstGeom>
+        </p:spPr>
+        <p:style>
+          <a:lnRef idx="2">
+            <a:schemeClr val="accent1">
+              <a:shade val="50000"/>
+            </a:schemeClr>
+          </a:lnRef>
+          <a:fillRef idx="1">
+            <a:schemeClr val="accent1"/>
+          </a:fillRef>
+          <a:effectRef idx="0">
+            <a:schemeClr val="accent1"/>
+          </a:effectRef>
+          <a:fontRef idx="minor">
+            <a:schemeClr val="lt1"/>
+          </a:fontRef>
+        </p:style>
+        <p:txBody>
+          <a:bodyPr rtlCol="0" anchor="ctr"/>
+          <a:lstStyle/>
+          <a:p>
+            <a:pPr algn="ctr"/>
+            <a:r>
+              <a:rPr lang="en-US" sz="1100" dirty="0"/>
+              <a:t>R2</a:t>
+            </a:r>
+          </a:p>
+        </p:txBody>
+      </p:sp>
+      <p:sp>
+        <p:nvSpPr>
+          <p:cNvPr id="13" name="Pentagon 12">
+            <a:extLst>
+              <a:ext uri="{FF2B5EF4-FFF2-40B4-BE49-F238E27FC236}">
+                <a16:creationId xmlns:a16="http://schemas.microsoft.com/office/drawing/2014/main" id="{1BF3C8B0-825C-E04C-9EF7-1538D0F56A61}"/>
+              </a:ext>
+            </a:extLst>
+          </p:cNvPr>
+          <p:cNvSpPr/>
+          <p:nvPr/>
+        </p:nvSpPr>
+        <p:spPr>
+          <a:xfrm>
+            <a:off x="7446344" y="5179562"/>
+            <a:ext cx="1391653" cy="154004"/>
+          </a:xfrm>
+          <a:prstGeom prst="homePlate">
+            <a:avLst/>
+          </a:prstGeom>
+        </p:spPr>
+        <p:style>
+          <a:lnRef idx="2">
+            <a:schemeClr val="accent1">
+              <a:shade val="50000"/>
+            </a:schemeClr>
+          </a:lnRef>
+          <a:fillRef idx="1">
+            <a:schemeClr val="accent1"/>
+          </a:fillRef>
+          <a:effectRef idx="0">
+            <a:schemeClr val="accent1"/>
+          </a:effectRef>
+          <a:fontRef idx="minor">
+            <a:schemeClr val="lt1"/>
+          </a:fontRef>
+        </p:style>
+        <p:txBody>
+          <a:bodyPr rtlCol="0" anchor="ctr"/>
+          <a:lstStyle/>
+          <a:p>
+            <a:pPr algn="ctr"/>
+            <a:r>
+              <a:rPr lang="en-US" sz="1100" dirty="0"/>
+              <a:t>R1</a:t>
+            </a:r>
+          </a:p>
+        </p:txBody>
+      </p:sp>
+      <p:sp>
+        <p:nvSpPr>
+          <p:cNvPr id="14" name="Pentagon 13">
+            <a:extLst>
+              <a:ext uri="{FF2B5EF4-FFF2-40B4-BE49-F238E27FC236}">
+                <a16:creationId xmlns:a16="http://schemas.microsoft.com/office/drawing/2014/main" id="{3A04B4EC-4F9A-074C-8301-C7D8BBABD73F}"/>
+              </a:ext>
+            </a:extLst>
+          </p:cNvPr>
+          <p:cNvSpPr/>
+          <p:nvPr/>
+        </p:nvSpPr>
+        <p:spPr>
+          <a:xfrm>
+            <a:off x="7446344" y="4928562"/>
+            <a:ext cx="1189121" cy="154004"/>
+          </a:xfrm>
+          <a:prstGeom prst="homePlate">
+            <a:avLst/>
+          </a:prstGeom>
+        </p:spPr>
+        <p:style>
+          <a:lnRef idx="2">
+            <a:schemeClr val="accent1">
+              <a:shade val="50000"/>
+            </a:schemeClr>
+          </a:lnRef>
+          <a:fillRef idx="1">
+            <a:schemeClr val="accent1"/>
+          </a:fillRef>
+          <a:effectRef idx="0">
+            <a:schemeClr val="accent1"/>
+          </a:effectRef>
+          <a:fontRef idx="minor">
+            <a:schemeClr val="lt1"/>
+          </a:fontRef>
+        </p:style>
+        <p:txBody>
+          <a:bodyPr rtlCol="0" anchor="ctr"/>
+          <a:lstStyle/>
+          <a:p>
+            <a:pPr algn="ctr"/>
+            <a:r>
+              <a:rPr lang="en-US" sz="1100" dirty="0"/>
+              <a:t>R1</a:t>
+            </a:r>
+          </a:p>
+        </p:txBody>
+      </p:sp>
+      <p:sp>
+        <p:nvSpPr>
+          <p:cNvPr id="15" name="Pentagon 14">
+            <a:extLst>
+              <a:ext uri="{FF2B5EF4-FFF2-40B4-BE49-F238E27FC236}">
+                <a16:creationId xmlns:a16="http://schemas.microsoft.com/office/drawing/2014/main" id="{0C0357FF-5352-B24D-8BF2-226736943397}"/>
+              </a:ext>
+            </a:extLst>
+          </p:cNvPr>
+          <p:cNvSpPr/>
+          <p:nvPr/>
+        </p:nvSpPr>
+        <p:spPr>
+          <a:xfrm flipH="1">
+            <a:off x="9339570" y="5430562"/>
+            <a:ext cx="1248620" cy="160604"/>
+          </a:xfrm>
+          <a:prstGeom prst="homePlate">
+            <a:avLst/>
+          </a:prstGeom>
+        </p:spPr>
+        <p:style>
+          <a:lnRef idx="2">
+            <a:schemeClr val="accent1">
+              <a:shade val="50000"/>
+            </a:schemeClr>
+          </a:lnRef>
+          <a:fillRef idx="1">
+            <a:schemeClr val="accent1"/>
+          </a:fillRef>
+          <a:effectRef idx="0">
+            <a:schemeClr val="accent1"/>
+          </a:effectRef>
+          <a:fontRef idx="minor">
+            <a:schemeClr val="lt1"/>
+          </a:fontRef>
+        </p:style>
+        <p:txBody>
+          <a:bodyPr rtlCol="0" anchor="ctr"/>
+          <a:lstStyle/>
+          <a:p>
+            <a:pPr algn="ctr"/>
+            <a:r>
+              <a:rPr lang="en-US" sz="1100" dirty="0"/>
+              <a:t>R2</a:t>
+            </a:r>
+          </a:p>
+        </p:txBody>
+      </p:sp>
+      <p:sp>
+        <p:nvSpPr>
+          <p:cNvPr id="16" name="Pentagon 15">
+            <a:extLst>
+              <a:ext uri="{FF2B5EF4-FFF2-40B4-BE49-F238E27FC236}">
+                <a16:creationId xmlns:a16="http://schemas.microsoft.com/office/drawing/2014/main" id="{C8C3972C-AB46-764E-A002-BEADB94AECAA}"/>
+              </a:ext>
+            </a:extLst>
+          </p:cNvPr>
+          <p:cNvSpPr/>
+          <p:nvPr/>
+        </p:nvSpPr>
+        <p:spPr>
+          <a:xfrm flipH="1">
+            <a:off x="9196538" y="5681562"/>
+            <a:ext cx="1391653" cy="154004"/>
+          </a:xfrm>
+          <a:prstGeom prst="homePlate">
+            <a:avLst/>
+          </a:prstGeom>
+        </p:spPr>
+        <p:style>
+          <a:lnRef idx="2">
+            <a:schemeClr val="accent1">
+              <a:shade val="50000"/>
+            </a:schemeClr>
+          </a:lnRef>
+          <a:fillRef idx="1">
+            <a:schemeClr val="accent1"/>
+          </a:fillRef>
+          <a:effectRef idx="0">
+            <a:schemeClr val="accent1"/>
+          </a:effectRef>
+          <a:fontRef idx="minor">
+            <a:schemeClr val="lt1"/>
+          </a:fontRef>
+        </p:style>
+        <p:txBody>
+          <a:bodyPr rtlCol="0" anchor="ctr"/>
+          <a:lstStyle/>
+          <a:p>
+            <a:pPr algn="ctr"/>
+            <a:r>
+              <a:rPr lang="en-US" sz="1100" dirty="0"/>
+              <a:t>R1</a:t>
+            </a:r>
+          </a:p>
+        </p:txBody>
+      </p:sp>
+      <p:sp>
+        <p:nvSpPr>
+          <p:cNvPr id="17" name="Pentagon 16">
+            <a:extLst>
+              <a:ext uri="{FF2B5EF4-FFF2-40B4-BE49-F238E27FC236}">
+                <a16:creationId xmlns:a16="http://schemas.microsoft.com/office/drawing/2014/main" id="{B5C71C98-CC8E-8441-8676-CD88EC15F6ED}"/>
+              </a:ext>
+            </a:extLst>
+          </p:cNvPr>
+          <p:cNvSpPr/>
+          <p:nvPr/>
+        </p:nvSpPr>
+        <p:spPr>
+          <a:xfrm flipH="1">
+            <a:off x="9339569" y="5919362"/>
+            <a:ext cx="1248621" cy="167205"/>
+          </a:xfrm>
+          <a:prstGeom prst="homePlate">
+            <a:avLst/>
+          </a:prstGeom>
+        </p:spPr>
+        <p:style>
+          <a:lnRef idx="2">
+            <a:schemeClr val="accent1">
+              <a:shade val="50000"/>
+            </a:schemeClr>
+          </a:lnRef>
+          <a:fillRef idx="1">
+            <a:schemeClr val="accent1"/>
+          </a:fillRef>
+          <a:effectRef idx="0">
+            <a:schemeClr val="accent1"/>
+          </a:effectRef>
+          <a:fontRef idx="minor">
+            <a:schemeClr val="lt1"/>
+          </a:fontRef>
+        </p:style>
+        <p:txBody>
+          <a:bodyPr rtlCol="0" anchor="ctr"/>
+          <a:lstStyle/>
+          <a:p>
+            <a:pPr algn="ctr"/>
+            <a:r>
+              <a:rPr lang="en-US" sz="1100" dirty="0"/>
+              <a:t>R1</a:t>
+            </a:r>
+          </a:p>
+        </p:txBody>
+      </p:sp>
+      <p:sp>
+        <p:nvSpPr>
+          <p:cNvPr id="18" name="Pentagon 17">
+            <a:extLst>
+              <a:ext uri="{FF2B5EF4-FFF2-40B4-BE49-F238E27FC236}">
+                <a16:creationId xmlns:a16="http://schemas.microsoft.com/office/drawing/2014/main" id="{33BEEA6A-BFA2-9B4A-AAD0-CCF70904BED8}"/>
+              </a:ext>
+            </a:extLst>
+          </p:cNvPr>
+          <p:cNvSpPr/>
+          <p:nvPr/>
+        </p:nvSpPr>
+        <p:spPr>
+          <a:xfrm flipH="1">
+            <a:off x="9022817" y="5179562"/>
+            <a:ext cx="1565373" cy="154003"/>
+          </a:xfrm>
+          <a:prstGeom prst="homePlate">
+            <a:avLst/>
+          </a:prstGeom>
+        </p:spPr>
+        <p:style>
+          <a:lnRef idx="2">
+            <a:schemeClr val="accent1">
+              <a:shade val="50000"/>
+            </a:schemeClr>
+          </a:lnRef>
+          <a:fillRef idx="1">
+            <a:schemeClr val="accent1"/>
+          </a:fillRef>
+          <a:effectRef idx="0">
+            <a:schemeClr val="accent1"/>
+          </a:effectRef>
+          <a:fontRef idx="minor">
+            <a:schemeClr val="lt1"/>
+          </a:fontRef>
+        </p:style>
+        <p:txBody>
+          <a:bodyPr rtlCol="0" anchor="ctr"/>
+          <a:lstStyle/>
+          <a:p>
+            <a:pPr algn="ctr"/>
+            <a:r>
+              <a:rPr lang="en-US" sz="1100" dirty="0"/>
+              <a:t>R2</a:t>
+            </a:r>
+          </a:p>
+        </p:txBody>
+      </p:sp>
+      <p:sp>
+        <p:nvSpPr>
+          <p:cNvPr id="19" name="Pentagon 18">
+            <a:extLst>
+              <a:ext uri="{FF2B5EF4-FFF2-40B4-BE49-F238E27FC236}">
+                <a16:creationId xmlns:a16="http://schemas.microsoft.com/office/drawing/2014/main" id="{6D1F2D13-230A-9F44-BCBC-F70F13A9B1C3}"/>
+              </a:ext>
+            </a:extLst>
+          </p:cNvPr>
+          <p:cNvSpPr/>
+          <p:nvPr/>
+        </p:nvSpPr>
+        <p:spPr>
+          <a:xfrm flipH="1">
+            <a:off x="9196538" y="4928562"/>
+            <a:ext cx="1391653" cy="154004"/>
+          </a:xfrm>
+          <a:prstGeom prst="homePlate">
+            <a:avLst/>
+          </a:prstGeom>
+        </p:spPr>
+        <p:style>
+          <a:lnRef idx="2">
+            <a:schemeClr val="accent1">
+              <a:shade val="50000"/>
+            </a:schemeClr>
+          </a:lnRef>
+          <a:fillRef idx="1">
+            <a:schemeClr val="accent1"/>
+          </a:fillRef>
+          <a:effectRef idx="0">
+            <a:schemeClr val="accent1"/>
+          </a:effectRef>
+          <a:fontRef idx="minor">
+            <a:schemeClr val="lt1"/>
+          </a:fontRef>
+        </p:style>
+        <p:txBody>
+          <a:bodyPr rtlCol="0" anchor="ctr"/>
+          <a:lstStyle/>
+          <a:p>
+            <a:pPr algn="ctr"/>
+            <a:r>
+              <a:rPr lang="en-US" sz="1100" dirty="0"/>
+              <a:t>R2</a:t>
+            </a:r>
+          </a:p>
+        </p:txBody>
+      </p:sp>
+      <p:sp>
+        <p:nvSpPr>
+          <p:cNvPr id="20" name="Left Brace 19">
+            <a:extLst>
+              <a:ext uri="{FF2B5EF4-FFF2-40B4-BE49-F238E27FC236}">
+                <a16:creationId xmlns:a16="http://schemas.microsoft.com/office/drawing/2014/main" id="{68729F8A-1E5D-4846-A1D5-9E12ABB60672}"/>
+              </a:ext>
+            </a:extLst>
+          </p:cNvPr>
+          <p:cNvSpPr/>
+          <p:nvPr/>
+        </p:nvSpPr>
+        <p:spPr>
+          <a:xfrm>
+            <a:off x="7228574" y="4899258"/>
+            <a:ext cx="169645" cy="723808"/>
+          </a:xfrm>
+          <a:prstGeom prst="leftBrace">
+            <a:avLst/>
+          </a:prstGeom>
+        </p:spPr>
+        <p:style>
+          <a:lnRef idx="1">
+            <a:schemeClr val="accent1"/>
+          </a:lnRef>
+          <a:fillRef idx="0">
+            <a:schemeClr val="accent1"/>
+          </a:fillRef>
+          <a:effectRef idx="0">
+            <a:schemeClr val="accent1"/>
+          </a:effectRef>
+          <a:fontRef idx="minor">
+            <a:schemeClr val="tx1"/>
+          </a:fontRef>
+        </p:style>
+        <p:txBody>
+          <a:bodyPr rtlCol="0" anchor="ctr"/>
+          <a:lstStyle/>
+          <a:p>
+            <a:pPr algn="ctr"/>
+            <a:endParaRPr lang="en-US"/>
+          </a:p>
+        </p:txBody>
+      </p:sp>
+      <p:sp>
+        <p:nvSpPr>
+          <p:cNvPr id="21" name="TextBox 20">
+            <a:extLst>
+              <a:ext uri="{FF2B5EF4-FFF2-40B4-BE49-F238E27FC236}">
+                <a16:creationId xmlns:a16="http://schemas.microsoft.com/office/drawing/2014/main" id="{61B24425-830B-874F-AD9F-907093B758B5}"/>
+              </a:ext>
+            </a:extLst>
+          </p:cNvPr>
+          <p:cNvSpPr txBox="1"/>
+          <p:nvPr/>
+        </p:nvSpPr>
+        <p:spPr>
+          <a:xfrm>
+            <a:off x="6403863" y="5054207"/>
+            <a:ext cx="851323" cy="369332"/>
+          </a:xfrm>
+          <a:prstGeom prst="rect">
+            <a:avLst/>
+          </a:prstGeom>
+          <a:noFill/>
+        </p:spPr>
+        <p:txBody>
+          <a:bodyPr wrap="none" rtlCol="0">
+            <a:spAutoFit/>
+          </a:bodyPr>
+          <a:lstStyle/>
+          <a:p>
+            <a:r>
+              <a:rPr lang="en-US" dirty="0"/>
+              <a:t>R1-fwd</a:t>
+            </a:r>
+          </a:p>
+        </p:txBody>
+      </p:sp>
+      <p:sp>
+        <p:nvSpPr>
+          <p:cNvPr id="22" name="TextBox 21">
+            <a:extLst>
+              <a:ext uri="{FF2B5EF4-FFF2-40B4-BE49-F238E27FC236}">
+                <a16:creationId xmlns:a16="http://schemas.microsoft.com/office/drawing/2014/main" id="{9139A354-56D6-E14C-93B8-D48B3B076C98}"/>
+              </a:ext>
+            </a:extLst>
+          </p:cNvPr>
+          <p:cNvSpPr txBox="1"/>
+          <p:nvPr/>
+        </p:nvSpPr>
+        <p:spPr>
+          <a:xfrm>
+            <a:off x="6407875" y="5679775"/>
+            <a:ext cx="851323" cy="369332"/>
+          </a:xfrm>
+          <a:prstGeom prst="rect">
+            <a:avLst/>
+          </a:prstGeom>
+          <a:noFill/>
+        </p:spPr>
+        <p:txBody>
+          <a:bodyPr wrap="none" rtlCol="0">
+            <a:spAutoFit/>
+          </a:bodyPr>
+          <a:lstStyle/>
+          <a:p>
+            <a:r>
+              <a:rPr lang="en-US" dirty="0"/>
+              <a:t>R2-fwd</a:t>
+            </a:r>
+          </a:p>
+        </p:txBody>
+      </p:sp>
+      <p:sp>
+        <p:nvSpPr>
+          <p:cNvPr id="23" name="Left Brace 22">
+            <a:extLst>
+              <a:ext uri="{FF2B5EF4-FFF2-40B4-BE49-F238E27FC236}">
+                <a16:creationId xmlns:a16="http://schemas.microsoft.com/office/drawing/2014/main" id="{AD88451A-B6EB-934B-AE8A-785BB27C78BA}"/>
+              </a:ext>
+            </a:extLst>
+          </p:cNvPr>
+          <p:cNvSpPr/>
+          <p:nvPr/>
+        </p:nvSpPr>
+        <p:spPr>
+          <a:xfrm>
+            <a:off x="7228573" y="5681562"/>
+            <a:ext cx="167785" cy="417036"/>
+          </a:xfrm>
+          <a:prstGeom prst="leftBrace">
+            <a:avLst/>
+          </a:prstGeom>
+        </p:spPr>
+        <p:style>
+          <a:lnRef idx="1">
+            <a:schemeClr val="accent1"/>
+          </a:lnRef>
+          <a:fillRef idx="0">
+            <a:schemeClr val="accent1"/>
+          </a:fillRef>
+          <a:effectRef idx="0">
+            <a:schemeClr val="accent1"/>
+          </a:effectRef>
+          <a:fontRef idx="minor">
+            <a:schemeClr val="tx1"/>
+          </a:fontRef>
+        </p:style>
+        <p:txBody>
+          <a:bodyPr rtlCol="0" anchor="ctr"/>
+          <a:lstStyle/>
+          <a:p>
+            <a:pPr algn="ctr"/>
+            <a:endParaRPr lang="en-US"/>
+          </a:p>
+        </p:txBody>
+      </p:sp>
+      <p:sp>
+        <p:nvSpPr>
+          <p:cNvPr id="24" name="Left Brace 23">
+            <a:extLst>
+              <a:ext uri="{FF2B5EF4-FFF2-40B4-BE49-F238E27FC236}">
+                <a16:creationId xmlns:a16="http://schemas.microsoft.com/office/drawing/2014/main" id="{4D3D9AC9-F3FF-4542-B3C5-844CEF9E64E3}"/>
+              </a:ext>
+            </a:extLst>
+          </p:cNvPr>
+          <p:cNvSpPr/>
+          <p:nvPr/>
+        </p:nvSpPr>
+        <p:spPr>
+          <a:xfrm flipH="1">
+            <a:off x="10576817" y="4901045"/>
+            <a:ext cx="169645" cy="723808"/>
+          </a:xfrm>
+          <a:prstGeom prst="leftBrace">
+            <a:avLst/>
+          </a:prstGeom>
+        </p:spPr>
+        <p:style>
+          <a:lnRef idx="1">
+            <a:schemeClr val="accent1"/>
+          </a:lnRef>
+          <a:fillRef idx="0">
+            <a:schemeClr val="accent1"/>
+          </a:fillRef>
+          <a:effectRef idx="0">
+            <a:schemeClr val="accent1"/>
+          </a:effectRef>
+          <a:fontRef idx="minor">
+            <a:schemeClr val="tx1"/>
+          </a:fontRef>
+        </p:style>
+        <p:txBody>
+          <a:bodyPr rtlCol="0" anchor="ctr"/>
+          <a:lstStyle/>
+          <a:p>
+            <a:pPr algn="ctr"/>
+            <a:endParaRPr lang="en-US"/>
+          </a:p>
+        </p:txBody>
+      </p:sp>
+      <p:sp>
+        <p:nvSpPr>
+          <p:cNvPr id="25" name="TextBox 24">
+            <a:extLst>
+              <a:ext uri="{FF2B5EF4-FFF2-40B4-BE49-F238E27FC236}">
+                <a16:creationId xmlns:a16="http://schemas.microsoft.com/office/drawing/2014/main" id="{B46B67EC-4CEC-1F44-AB59-CB59676ED83E}"/>
+              </a:ext>
+            </a:extLst>
+          </p:cNvPr>
+          <p:cNvSpPr txBox="1"/>
+          <p:nvPr/>
+        </p:nvSpPr>
+        <p:spPr>
+          <a:xfrm flipH="1">
+            <a:off x="10801262" y="5055994"/>
+            <a:ext cx="792846" cy="369332"/>
+          </a:xfrm>
+          <a:prstGeom prst="rect">
+            <a:avLst/>
+          </a:prstGeom>
+          <a:noFill/>
+        </p:spPr>
+        <p:txBody>
+          <a:bodyPr wrap="none" rtlCol="0">
+            <a:spAutoFit/>
+          </a:bodyPr>
+          <a:lstStyle/>
+          <a:p>
+            <a:r>
+              <a:rPr lang="en-US" dirty="0"/>
+              <a:t>R2-rev</a:t>
+            </a:r>
+          </a:p>
+        </p:txBody>
+      </p:sp>
+      <p:sp>
+        <p:nvSpPr>
+          <p:cNvPr id="26" name="TextBox 25">
+            <a:extLst>
+              <a:ext uri="{FF2B5EF4-FFF2-40B4-BE49-F238E27FC236}">
+                <a16:creationId xmlns:a16="http://schemas.microsoft.com/office/drawing/2014/main" id="{FB270255-6409-A942-91D2-8CB6D8B8E9DF}"/>
+              </a:ext>
+            </a:extLst>
+          </p:cNvPr>
+          <p:cNvSpPr txBox="1"/>
+          <p:nvPr/>
+        </p:nvSpPr>
+        <p:spPr>
+          <a:xfrm flipH="1">
+            <a:off x="10805274" y="5681562"/>
+            <a:ext cx="792846" cy="369332"/>
+          </a:xfrm>
+          <a:prstGeom prst="rect">
+            <a:avLst/>
+          </a:prstGeom>
+          <a:noFill/>
+        </p:spPr>
+        <p:txBody>
+          <a:bodyPr wrap="none" rtlCol="0">
+            <a:spAutoFit/>
+          </a:bodyPr>
+          <a:lstStyle/>
+          <a:p>
+            <a:r>
+              <a:rPr lang="en-US" dirty="0"/>
+              <a:t>R1-rev</a:t>
+            </a:r>
+          </a:p>
+        </p:txBody>
+      </p:sp>
+      <p:sp>
+        <p:nvSpPr>
+          <p:cNvPr id="27" name="Left Brace 26">
+            <a:extLst>
+              <a:ext uri="{FF2B5EF4-FFF2-40B4-BE49-F238E27FC236}">
+                <a16:creationId xmlns:a16="http://schemas.microsoft.com/office/drawing/2014/main" id="{52563906-3AD9-2645-A051-819C26A32B92}"/>
+              </a:ext>
+            </a:extLst>
+          </p:cNvPr>
+          <p:cNvSpPr/>
+          <p:nvPr/>
+        </p:nvSpPr>
+        <p:spPr>
+          <a:xfrm flipH="1">
+            <a:off x="10576816" y="5683349"/>
+            <a:ext cx="167785" cy="417036"/>
+          </a:xfrm>
+          <a:prstGeom prst="leftBrace">
+            <a:avLst/>
+          </a:prstGeom>
+        </p:spPr>
+        <p:style>
+          <a:lnRef idx="1">
+            <a:schemeClr val="accent1"/>
+          </a:lnRef>
+          <a:fillRef idx="0">
+            <a:schemeClr val="accent1"/>
+          </a:fillRef>
+          <a:effectRef idx="0">
+            <a:schemeClr val="accent1"/>
+          </a:effectRef>
+          <a:fontRef idx="minor">
+            <a:schemeClr val="tx1"/>
+          </a:fontRef>
+        </p:style>
+        <p:txBody>
+          <a:bodyPr rtlCol="0" anchor="ctr"/>
+          <a:lstStyle/>
+          <a:p>
+            <a:pPr algn="ctr"/>
+            <a:endParaRPr lang="en-US"/>
+          </a:p>
+        </p:txBody>
+      </p:sp>
     </p:spTree>
     <p:extLst>
       <p:ext uri="{BB962C8B-B14F-4D97-AF65-F5344CB8AC3E}">
-        <p14:creationId xmlns:p14="http://schemas.microsoft.com/office/powerpoint/2010/main" val="2080484195"/>
+        <p14:creationId xmlns:p14="http://schemas.microsoft.com/office/powerpoint/2010/main" val="964547885"/>
       </p:ext>
     </p:extLst>
   </p:cSld>
@@ -8501,22 +9333,9 @@
         <p:spPr/>
         <p:txBody>
           <a:bodyPr>
-            <a:normAutofit/>
+            <a:normAutofit fontScale="62500" lnSpcReduction="20000"/>
           </a:bodyPr>
           <a:lstStyle/>
-          <a:p>
-            <a:pPr marL="0" indent="0">
-              <a:buNone/>
-            </a:pPr>
-            <a:r>
-              <a:rPr lang="en-US" u="sng" dirty="0"/>
-              <a:t>Implementation Notes</a:t>
-            </a:r>
-            <a:r>
-              <a:rPr lang="en-US" dirty="0"/>
-              <a:t>:</a:t>
-            </a:r>
-          </a:p>
           <a:p>
             <a:pPr marL="514350" indent="-514350">
               <a:buFont typeface="+mj-lt"/>
@@ -8524,7 +9343,76 @@
             </a:pPr>
             <a:r>
               <a:rPr lang="en-US" dirty="0"/>
-              <a:t>DSCs only extend across the region which contains both positive and negative strand SSC data</a:t>
+              <a:t>Families are filtered by a minimum number of reads per SSC (both positive </a:t>
+            </a:r>
+            <a:r>
+              <a:rPr lang="en-US" i="1" dirty="0"/>
+              <a:t>and</a:t>
+            </a:r>
+            <a:r>
+              <a:rPr lang="en-US" dirty="0"/>
+              <a:t> negative strand)</a:t>
+            </a:r>
+          </a:p>
+          <a:p>
+            <a:pPr marL="514350" indent="-514350">
+              <a:buFont typeface="+mj-lt"/>
+              <a:buAutoNum type="arabicPeriod"/>
+            </a:pPr>
+            <a:r>
+              <a:rPr lang="en-US" dirty="0"/>
+              <a:t>Double-strand consensus (DSC) sequences are called from each pair of SSCs</a:t>
+            </a:r>
+          </a:p>
+          <a:p>
+            <a:pPr marL="514350" indent="-514350">
+              <a:buFont typeface="+mj-lt"/>
+              <a:buAutoNum type="arabicPeriod"/>
+            </a:pPr>
+            <a:r>
+              <a:rPr lang="en-US" dirty="0"/>
+              <a:t>Mutations and adducts are called from the SSC data</a:t>
+            </a:r>
+          </a:p>
+          <a:p>
+            <a:pPr lvl="1"/>
+            <a:r>
+              <a:rPr lang="en-US" dirty="0"/>
+              <a:t>The user may specify a set of positions which will be masked from mutation/adduct calling</a:t>
+            </a:r>
+          </a:p>
+          <a:p>
+            <a:pPr marL="514350" indent="-514350">
+              <a:buFont typeface="+mj-lt"/>
+              <a:buAutoNum type="arabicPeriod"/>
+            </a:pPr>
+            <a:endParaRPr lang="en-US" dirty="0"/>
+          </a:p>
+          <a:p>
+            <a:pPr marL="0" indent="0">
+              <a:buNone/>
+            </a:pPr>
+            <a:r>
+              <a:rPr lang="en-US" dirty="0"/>
+              <a:t>Outputs:</a:t>
+            </a:r>
+          </a:p>
+          <a:p>
+            <a:r>
+              <a:rPr lang="en-US" dirty="0"/>
+              <a:t>Mutation and adduct rate</a:t>
+            </a:r>
+          </a:p>
+          <a:p>
+            <a:r>
+              <a:rPr lang="en-US" dirty="0"/>
+              <a:t>Aligned SSC and DSC reads (BAM)</a:t>
+            </a:r>
+          </a:p>
+          <a:p>
+            <a:r>
+              <a:rPr lang="en-US" dirty="0"/>
+              <a:t>Location of all mutations and adducts (VCF)</a:t>
             </a:r>
           </a:p>
           <a:p>
@@ -8537,28 +9425,103 @@
             <a:pPr marL="0" indent="0">
               <a:buNone/>
             </a:pPr>
-            <a:endParaRPr lang="en-US" i="1" dirty="0"/>
-          </a:p>
+            <a:r>
+              <a:rPr lang="en-US" i="1" dirty="0"/>
+              <a:t>(continues)</a:t>
+            </a:r>
+          </a:p>
+          <a:p>
+            <a:endParaRPr lang="en-US" dirty="0"/>
+          </a:p>
+        </p:txBody>
+      </p:sp>
+      <p:sp>
+        <p:nvSpPr>
+          <p:cNvPr id="7" name="Content Placeholder 6">
+            <a:extLst>
+              <a:ext uri="{FF2B5EF4-FFF2-40B4-BE49-F238E27FC236}">
+                <a16:creationId xmlns:a16="http://schemas.microsoft.com/office/drawing/2014/main" id="{B0CC2FDB-9676-F444-BE4D-DC77A7FA015F}"/>
+              </a:ext>
+            </a:extLst>
+          </p:cNvPr>
+          <p:cNvSpPr>
+            <a:spLocks noGrp="1"/>
+          </p:cNvSpPr>
+          <p:nvPr>
+            <p:ph sz="half" idx="2"/>
+          </p:nvPr>
+        </p:nvSpPr>
+        <p:spPr/>
+        <p:txBody>
+          <a:bodyPr>
+            <a:normAutofit fontScale="62500" lnSpcReduction="20000"/>
+          </a:bodyPr>
+          <a:lstStyle/>
           <a:p>
             <a:pPr marL="0" indent="0">
               <a:buNone/>
             </a:pPr>
-            <a:endParaRPr lang="en-US" i="1" dirty="0"/>
-          </a:p>
-          <a:p>
-            <a:pPr marL="0" indent="0">
-              <a:buNone/>
-            </a:pPr>
-            <a:r>
-              <a:rPr lang="en-US" i="1" dirty="0"/>
-              <a:t>(continues)</a:t>
-            </a:r>
-          </a:p>
-          <a:p>
-            <a:pPr marL="514350" indent="-514350">
-              <a:buFont typeface="+mj-lt"/>
-              <a:buAutoNum type="arabicPeriod"/>
-            </a:pPr>
+            <a:r>
+              <a:rPr lang="en-US" u="sng" dirty="0"/>
+              <a:t>Developer’s Note</a:t>
+            </a:r>
+            <a:r>
+              <a:rPr lang="en-US" dirty="0"/>
+              <a:t>:</a:t>
+            </a:r>
+          </a:p>
+          <a:p>
+            <a:r>
+              <a:rPr lang="en-US" dirty="0"/>
+              <a:t>Module: </a:t>
+            </a:r>
+            <a:r>
+              <a:rPr lang="en-US" dirty="0" err="1">
+                <a:latin typeface="Courier New" panose="02070309020205020404" pitchFamily="49" charset="0"/>
+                <a:cs typeface="Courier New" panose="02070309020205020404" pitchFamily="49" charset="0"/>
+              </a:rPr>
+              <a:t>family_wf</a:t>
+            </a:r>
+            <a:endParaRPr lang="en-US" dirty="0">
+              <a:latin typeface="Courier New" panose="02070309020205020404" pitchFamily="49" charset="0"/>
+              <a:cs typeface="Courier New" panose="02070309020205020404" pitchFamily="49" charset="0"/>
+            </a:endParaRPr>
+          </a:p>
+          <a:p>
+            <a:r>
+              <a:rPr lang="en-US" dirty="0"/>
+              <a:t>Parameter names: </a:t>
+            </a:r>
+          </a:p>
+          <a:p>
+            <a:pPr lvl="1"/>
+            <a:r>
+              <a:rPr lang="en-US" dirty="0" err="1">
+                <a:latin typeface="Courier New" panose="02070309020205020404" pitchFamily="49" charset="0"/>
+                <a:cs typeface="Courier New" panose="02070309020205020404" pitchFamily="49" charset="0"/>
+              </a:rPr>
+              <a:t>min_reads</a:t>
+            </a:r>
+            <a:endParaRPr lang="en-US" dirty="0">
+              <a:latin typeface="Courier New" panose="02070309020205020404" pitchFamily="49" charset="0"/>
+              <a:cs typeface="Courier New" panose="02070309020205020404" pitchFamily="49" charset="0"/>
+            </a:endParaRPr>
+          </a:p>
+          <a:p>
+            <a:pPr lvl="1"/>
+            <a:r>
+              <a:rPr lang="en-US" dirty="0" err="1">
+                <a:latin typeface="Courier New" panose="02070309020205020404" pitchFamily="49" charset="0"/>
+                <a:cs typeface="Courier New" panose="02070309020205020404" pitchFamily="49" charset="0"/>
+              </a:rPr>
+              <a:t>ignore_coordinates_vcf</a:t>
+            </a:r>
+            <a:endParaRPr lang="en-US" dirty="0">
+              <a:latin typeface="Courier New" panose="02070309020205020404" pitchFamily="49" charset="0"/>
+              <a:cs typeface="Courier New" panose="02070309020205020404" pitchFamily="49" charset="0"/>
+            </a:endParaRPr>
+          </a:p>
+          <a:p>
             <a:endParaRPr lang="en-US" dirty="0"/>
           </a:p>
         </p:txBody>
@@ -8627,6 +9590,214 @@
             <a:fld id="{60E83D82-F696-1748-AD88-78C4469F76A5}" type="slidenum">
               <a:rPr lang="en-US" smtClean="0"/>
               <a:t>15</a:t>
+            </a:fld>
+            <a:endParaRPr lang="en-US"/>
+          </a:p>
+        </p:txBody>
+      </p:sp>
+    </p:spTree>
+    <p:extLst>
+      <p:ext uri="{BB962C8B-B14F-4D97-AF65-F5344CB8AC3E}">
+        <p14:creationId xmlns:p14="http://schemas.microsoft.com/office/powerpoint/2010/main" val="2080484195"/>
+      </p:ext>
+    </p:extLst>
+  </p:cSld>
+  <p:clrMapOvr>
+    <a:masterClrMapping/>
+  </p:clrMapOvr>
+</p:sld>
+</file>
+
+<file path=ppt/slides/slide16.xml><?xml version="1.0" encoding="utf-8"?>
+<p:sld xmlns:a="http://schemas.openxmlformats.org/drawingml/2006/main" xmlns:r="http://schemas.openxmlformats.org/officeDocument/2006/relationships" xmlns:p="http://schemas.openxmlformats.org/presentationml/2006/main">
+  <p:cSld>
+    <p:spTree>
+      <p:nvGrpSpPr>
+        <p:cNvPr id="1" name=""/>
+        <p:cNvGrpSpPr/>
+        <p:nvPr/>
+      </p:nvGrpSpPr>
+      <p:grpSpPr>
+        <a:xfrm>
+          <a:off x="0" y="0"/>
+          <a:ext cx="0" cy="0"/>
+          <a:chOff x="0" y="0"/>
+          <a:chExt cx="0" cy="0"/>
+        </a:xfrm>
+      </p:grpSpPr>
+      <p:sp>
+        <p:nvSpPr>
+          <p:cNvPr id="2" name="Title 1">
+            <a:extLst>
+              <a:ext uri="{FF2B5EF4-FFF2-40B4-BE49-F238E27FC236}">
+                <a16:creationId xmlns:a16="http://schemas.microsoft.com/office/drawing/2014/main" id="{D460C36F-18BC-9C43-A097-63DE5E7F3CB0}"/>
+              </a:ext>
+            </a:extLst>
+          </p:cNvPr>
+          <p:cNvSpPr>
+            <a:spLocks noGrp="1"/>
+          </p:cNvSpPr>
+          <p:nvPr>
+            <p:ph type="title"/>
+          </p:nvPr>
+        </p:nvSpPr>
+        <p:spPr/>
+        <p:txBody>
+          <a:bodyPr/>
+          <a:lstStyle/>
+          <a:p>
+            <a:r>
+              <a:rPr lang="en-US" dirty="0"/>
+              <a:t>6. Variant Calling</a:t>
+            </a:r>
+          </a:p>
+        </p:txBody>
+      </p:sp>
+      <p:sp>
+        <p:nvSpPr>
+          <p:cNvPr id="6" name="Content Placeholder 5">
+            <a:extLst>
+              <a:ext uri="{FF2B5EF4-FFF2-40B4-BE49-F238E27FC236}">
+                <a16:creationId xmlns:a16="http://schemas.microsoft.com/office/drawing/2014/main" id="{0928D617-A66E-4449-ACFF-1C43A1B83F5D}"/>
+              </a:ext>
+            </a:extLst>
+          </p:cNvPr>
+          <p:cNvSpPr>
+            <a:spLocks noGrp="1"/>
+          </p:cNvSpPr>
+          <p:nvPr>
+            <p:ph sz="half" idx="1"/>
+          </p:nvPr>
+        </p:nvSpPr>
+        <p:spPr/>
+        <p:txBody>
+          <a:bodyPr>
+            <a:normAutofit/>
+          </a:bodyPr>
+          <a:lstStyle/>
+          <a:p>
+            <a:pPr marL="0" indent="0">
+              <a:buNone/>
+            </a:pPr>
+            <a:r>
+              <a:rPr lang="en-US" u="sng" dirty="0"/>
+              <a:t>Implementation Notes</a:t>
+            </a:r>
+            <a:r>
+              <a:rPr lang="en-US" dirty="0"/>
+              <a:t>:</a:t>
+            </a:r>
+          </a:p>
+          <a:p>
+            <a:pPr marL="514350" indent="-514350">
+              <a:buFont typeface="+mj-lt"/>
+              <a:buAutoNum type="arabicPeriod"/>
+            </a:pPr>
+            <a:r>
+              <a:rPr lang="en-US" dirty="0"/>
+              <a:t>DSCs only extend across the region which contains both positive and negative strand SSC data</a:t>
+            </a:r>
+          </a:p>
+          <a:p>
+            <a:pPr marL="0" indent="0">
+              <a:buNone/>
+            </a:pPr>
+            <a:endParaRPr lang="en-US" i="1" dirty="0"/>
+          </a:p>
+          <a:p>
+            <a:pPr marL="0" indent="0">
+              <a:buNone/>
+            </a:pPr>
+            <a:endParaRPr lang="en-US" i="1" dirty="0"/>
+          </a:p>
+          <a:p>
+            <a:pPr marL="0" indent="0">
+              <a:buNone/>
+            </a:pPr>
+            <a:endParaRPr lang="en-US" i="1" dirty="0"/>
+          </a:p>
+          <a:p>
+            <a:pPr marL="0" indent="0">
+              <a:buNone/>
+            </a:pPr>
+            <a:r>
+              <a:rPr lang="en-US" i="1" dirty="0"/>
+              <a:t>(continues)</a:t>
+            </a:r>
+          </a:p>
+          <a:p>
+            <a:pPr marL="514350" indent="-514350">
+              <a:buFont typeface="+mj-lt"/>
+              <a:buAutoNum type="arabicPeriod"/>
+            </a:pPr>
+            <a:endParaRPr lang="en-US" dirty="0"/>
+          </a:p>
+        </p:txBody>
+      </p:sp>
+      <p:sp>
+        <p:nvSpPr>
+          <p:cNvPr id="4" name="Footer Placeholder 3">
+            <a:extLst>
+              <a:ext uri="{FF2B5EF4-FFF2-40B4-BE49-F238E27FC236}">
+                <a16:creationId xmlns:a16="http://schemas.microsoft.com/office/drawing/2014/main" id="{623F4300-D3DE-7E46-97A9-18CCA3FD1153}"/>
+              </a:ext>
+            </a:extLst>
+          </p:cNvPr>
+          <p:cNvSpPr>
+            <a:spLocks noGrp="1"/>
+          </p:cNvSpPr>
+          <p:nvPr>
+            <p:ph type="ftr" sz="quarter" idx="11"/>
+          </p:nvPr>
+        </p:nvSpPr>
+        <p:spPr/>
+        <p:txBody>
+          <a:bodyPr/>
+          <a:lstStyle/>
+          <a:p>
+            <a:r>
+              <a:rPr lang="en-US" dirty="0" err="1"/>
+              <a:t>FredHutch</a:t>
+            </a:r>
+            <a:r>
+              <a:rPr lang="en-US" dirty="0"/>
+              <a:t>/</a:t>
+            </a:r>
+            <a:r>
+              <a:rPr lang="en-US" dirty="0" err="1"/>
+              <a:t>maddd</a:t>
+            </a:r>
+            <a:r>
+              <a:rPr lang="en-US" dirty="0"/>
+              <a:t>-seq</a:t>
+            </a:r>
+          </a:p>
+        </p:txBody>
+      </p:sp>
+      <p:sp>
+        <p:nvSpPr>
+          <p:cNvPr id="5" name="Slide Number Placeholder 4">
+            <a:extLst>
+              <a:ext uri="{FF2B5EF4-FFF2-40B4-BE49-F238E27FC236}">
+                <a16:creationId xmlns:a16="http://schemas.microsoft.com/office/drawing/2014/main" id="{9F81779B-77B2-BD45-B2B6-3500D215E80C}"/>
+              </a:ext>
+            </a:extLst>
+          </p:cNvPr>
+          <p:cNvSpPr>
+            <a:spLocks noGrp="1"/>
+          </p:cNvSpPr>
+          <p:nvPr>
+            <p:ph type="sldNum" sz="quarter" idx="12"/>
+          </p:nvPr>
+        </p:nvSpPr>
+        <p:spPr/>
+        <p:txBody>
+          <a:bodyPr/>
+          <a:lstStyle/>
+          <a:p>
+            <a:fld id="{60E83D82-F696-1748-AD88-78C4469F76A5}" type="slidenum">
+              <a:rPr lang="en-US" smtClean="0"/>
+              <a:t>16</a:t>
             </a:fld>
             <a:endParaRPr lang="en-US"/>
           </a:p>
@@ -9266,7 +10437,7 @@
 </p:sld>
 </file>
 
-<file path=ppt/slides/slide16.xml><?xml version="1.0" encoding="utf-8"?>
+<file path=ppt/slides/slide17.xml><?xml version="1.0" encoding="utf-8"?>
 <p:sld xmlns:a="http://schemas.openxmlformats.org/drawingml/2006/main" xmlns:r="http://schemas.openxmlformats.org/officeDocument/2006/relationships" xmlns:p="http://schemas.openxmlformats.org/presentationml/2006/main">
   <p:cSld>
     <p:spTree>
@@ -9462,7 +10633,7 @@
           <a:p>
             <a:fld id="{60E83D82-F696-1748-AD88-78C4469F76A5}" type="slidenum">
               <a:rPr lang="en-US" smtClean="0"/>
-              <a:t>16</a:t>
+              <a:t>17</a:t>
             </a:fld>
             <a:endParaRPr lang="en-US"/>
           </a:p>
@@ -10209,976 +11380,6 @@
     <p:extLst>
       <p:ext uri="{BB962C8B-B14F-4D97-AF65-F5344CB8AC3E}">
         <p14:creationId xmlns:p14="http://schemas.microsoft.com/office/powerpoint/2010/main" val="4116918029"/>
-      </p:ext>
-    </p:extLst>
-  </p:cSld>
-  <p:clrMapOvr>
-    <a:masterClrMapping/>
-  </p:clrMapOvr>
-</p:sld>
-</file>
-
-<file path=ppt/slides/slide17.xml><?xml version="1.0" encoding="utf-8"?>
-<p:sld xmlns:a="http://schemas.openxmlformats.org/drawingml/2006/main" xmlns:r="http://schemas.openxmlformats.org/officeDocument/2006/relationships" xmlns:p="http://schemas.openxmlformats.org/presentationml/2006/main">
-  <p:cSld>
-    <p:spTree>
-      <p:nvGrpSpPr>
-        <p:cNvPr id="1" name=""/>
-        <p:cNvGrpSpPr/>
-        <p:nvPr/>
-      </p:nvGrpSpPr>
-      <p:grpSpPr>
-        <a:xfrm>
-          <a:off x="0" y="0"/>
-          <a:ext cx="0" cy="0"/>
-          <a:chOff x="0" y="0"/>
-          <a:chExt cx="0" cy="0"/>
-        </a:xfrm>
-      </p:grpSpPr>
-      <p:sp>
-        <p:nvSpPr>
-          <p:cNvPr id="2" name="Title 1">
-            <a:extLst>
-              <a:ext uri="{FF2B5EF4-FFF2-40B4-BE49-F238E27FC236}">
-                <a16:creationId xmlns:a16="http://schemas.microsoft.com/office/drawing/2014/main" id="{D460C36F-18BC-9C43-A097-63DE5E7F3CB0}"/>
-              </a:ext>
-            </a:extLst>
-          </p:cNvPr>
-          <p:cNvSpPr>
-            <a:spLocks noGrp="1"/>
-          </p:cNvSpPr>
-          <p:nvPr>
-            <p:ph type="title"/>
-          </p:nvPr>
-        </p:nvSpPr>
-        <p:spPr/>
-        <p:txBody>
-          <a:bodyPr/>
-          <a:lstStyle/>
-          <a:p>
-            <a:r>
-              <a:rPr lang="en-US" dirty="0"/>
-              <a:t>6. Variant Calling</a:t>
-            </a:r>
-          </a:p>
-        </p:txBody>
-      </p:sp>
-      <p:sp>
-        <p:nvSpPr>
-          <p:cNvPr id="6" name="Content Placeholder 5">
-            <a:extLst>
-              <a:ext uri="{FF2B5EF4-FFF2-40B4-BE49-F238E27FC236}">
-                <a16:creationId xmlns:a16="http://schemas.microsoft.com/office/drawing/2014/main" id="{0928D617-A66E-4449-ACFF-1C43A1B83F5D}"/>
-              </a:ext>
-            </a:extLst>
-          </p:cNvPr>
-          <p:cNvSpPr>
-            <a:spLocks noGrp="1"/>
-          </p:cNvSpPr>
-          <p:nvPr>
-            <p:ph sz="half" idx="1"/>
-          </p:nvPr>
-        </p:nvSpPr>
-        <p:spPr/>
-        <p:txBody>
-          <a:bodyPr>
-            <a:normAutofit fontScale="85000" lnSpcReduction="20000"/>
-          </a:bodyPr>
-          <a:lstStyle/>
-          <a:p>
-            <a:pPr marL="0" indent="0">
-              <a:buNone/>
-            </a:pPr>
-            <a:r>
-              <a:rPr lang="en-US" u="sng" dirty="0"/>
-              <a:t>Implementation Notes</a:t>
-            </a:r>
-            <a:r>
-              <a:rPr lang="en-US" dirty="0"/>
-              <a:t>:</a:t>
-            </a:r>
-          </a:p>
-          <a:p>
-            <a:pPr marL="514350" indent="-514350">
-              <a:buFont typeface="+mj-lt"/>
-              <a:buAutoNum type="arabicPeriod" startAt="3"/>
-            </a:pPr>
-            <a:r>
-              <a:rPr lang="en-US" dirty="0"/>
-              <a:t>Adducts called from the SSC data will be represented by the IUPAC code for ambiguous nucleotides</a:t>
-            </a:r>
-          </a:p>
-          <a:p>
-            <a:pPr lvl="1"/>
-            <a:r>
-              <a:rPr lang="en-US" dirty="0">
-                <a:latin typeface="Courier New" panose="02070309020205020404" pitchFamily="49" charset="0"/>
-                <a:cs typeface="Courier New" panose="02070309020205020404" pitchFamily="49" charset="0"/>
-              </a:rPr>
-              <a:t>R=A/G</a:t>
-            </a:r>
-          </a:p>
-          <a:p>
-            <a:pPr lvl="1"/>
-            <a:r>
-              <a:rPr lang="en-US" dirty="0">
-                <a:latin typeface="Courier New" panose="02070309020205020404" pitchFamily="49" charset="0"/>
-                <a:cs typeface="Courier New" panose="02070309020205020404" pitchFamily="49" charset="0"/>
-              </a:rPr>
-              <a:t>Y=C/T</a:t>
-            </a:r>
-          </a:p>
-          <a:p>
-            <a:pPr lvl="1"/>
-            <a:r>
-              <a:rPr lang="en-US" dirty="0">
-                <a:latin typeface="Courier New" panose="02070309020205020404" pitchFamily="49" charset="0"/>
-                <a:cs typeface="Courier New" panose="02070309020205020404" pitchFamily="49" charset="0"/>
-              </a:rPr>
-              <a:t>S=G/C</a:t>
-            </a:r>
-          </a:p>
-          <a:p>
-            <a:pPr lvl="1"/>
-            <a:r>
-              <a:rPr lang="en-US" dirty="0">
-                <a:latin typeface="Courier New" panose="02070309020205020404" pitchFamily="49" charset="0"/>
-                <a:cs typeface="Courier New" panose="02070309020205020404" pitchFamily="49" charset="0"/>
-              </a:rPr>
-              <a:t>W=A/T</a:t>
-            </a:r>
-          </a:p>
-          <a:p>
-            <a:pPr lvl="1"/>
-            <a:r>
-              <a:rPr lang="en-US" dirty="0">
-                <a:latin typeface="Courier New" panose="02070309020205020404" pitchFamily="49" charset="0"/>
-                <a:cs typeface="Courier New" panose="02070309020205020404" pitchFamily="49" charset="0"/>
-              </a:rPr>
-              <a:t>K=C/T</a:t>
-            </a:r>
-          </a:p>
-          <a:p>
-            <a:pPr lvl="1"/>
-            <a:r>
-              <a:rPr lang="en-US" dirty="0">
-                <a:latin typeface="Courier New" panose="02070309020205020404" pitchFamily="49" charset="0"/>
-                <a:cs typeface="Courier New" panose="02070309020205020404" pitchFamily="49" charset="0"/>
-              </a:rPr>
-              <a:t>M=A/C</a:t>
-            </a:r>
-          </a:p>
-          <a:p>
-            <a:pPr marL="514350" indent="-514350">
-              <a:buFont typeface="+mj-lt"/>
-              <a:buAutoNum type="arabicPeriod" startAt="3"/>
-            </a:pPr>
-            <a:endParaRPr lang="en-US" dirty="0"/>
-          </a:p>
-          <a:p>
-            <a:pPr marL="514350" indent="-514350">
-              <a:buFont typeface="+mj-lt"/>
-              <a:buAutoNum type="arabicPeriod" startAt="3"/>
-            </a:pPr>
-            <a:endParaRPr lang="en-US" dirty="0"/>
-          </a:p>
-          <a:p>
-            <a:pPr marL="0" indent="0">
-              <a:buNone/>
-            </a:pPr>
-            <a:r>
-              <a:rPr lang="en-US" i="1" dirty="0"/>
-              <a:t>(continues)</a:t>
-            </a:r>
-            <a:endParaRPr lang="en-US" dirty="0">
-              <a:latin typeface="Courier New" panose="02070309020205020404" pitchFamily="49" charset="0"/>
-              <a:cs typeface="Courier New" panose="02070309020205020404" pitchFamily="49" charset="0"/>
-            </a:endParaRPr>
-          </a:p>
-        </p:txBody>
-      </p:sp>
-      <p:sp>
-        <p:nvSpPr>
-          <p:cNvPr id="4" name="Footer Placeholder 3">
-            <a:extLst>
-              <a:ext uri="{FF2B5EF4-FFF2-40B4-BE49-F238E27FC236}">
-                <a16:creationId xmlns:a16="http://schemas.microsoft.com/office/drawing/2014/main" id="{623F4300-D3DE-7E46-97A9-18CCA3FD1153}"/>
-              </a:ext>
-            </a:extLst>
-          </p:cNvPr>
-          <p:cNvSpPr>
-            <a:spLocks noGrp="1"/>
-          </p:cNvSpPr>
-          <p:nvPr>
-            <p:ph type="ftr" sz="quarter" idx="11"/>
-          </p:nvPr>
-        </p:nvSpPr>
-        <p:spPr/>
-        <p:txBody>
-          <a:bodyPr/>
-          <a:lstStyle/>
-          <a:p>
-            <a:r>
-              <a:rPr lang="en-US" dirty="0" err="1"/>
-              <a:t>FredHutch</a:t>
-            </a:r>
-            <a:r>
-              <a:rPr lang="en-US" dirty="0"/>
-              <a:t>/</a:t>
-            </a:r>
-            <a:r>
-              <a:rPr lang="en-US" dirty="0" err="1"/>
-              <a:t>maddd</a:t>
-            </a:r>
-            <a:r>
-              <a:rPr lang="en-US" dirty="0"/>
-              <a:t>-seq</a:t>
-            </a:r>
-          </a:p>
-        </p:txBody>
-      </p:sp>
-      <p:sp>
-        <p:nvSpPr>
-          <p:cNvPr id="5" name="Slide Number Placeholder 4">
-            <a:extLst>
-              <a:ext uri="{FF2B5EF4-FFF2-40B4-BE49-F238E27FC236}">
-                <a16:creationId xmlns:a16="http://schemas.microsoft.com/office/drawing/2014/main" id="{9F81779B-77B2-BD45-B2B6-3500D215E80C}"/>
-              </a:ext>
-            </a:extLst>
-          </p:cNvPr>
-          <p:cNvSpPr>
-            <a:spLocks noGrp="1"/>
-          </p:cNvSpPr>
-          <p:nvPr>
-            <p:ph type="sldNum" sz="quarter" idx="12"/>
-          </p:nvPr>
-        </p:nvSpPr>
-        <p:spPr/>
-        <p:txBody>
-          <a:bodyPr/>
-          <a:lstStyle/>
-          <a:p>
-            <a:fld id="{60E83D82-F696-1748-AD88-78C4469F76A5}" type="slidenum">
-              <a:rPr lang="en-US" smtClean="0"/>
-              <a:t>17</a:t>
-            </a:fld>
-            <a:endParaRPr lang="en-US"/>
-          </a:p>
-        </p:txBody>
-      </p:sp>
-      <p:sp>
-        <p:nvSpPr>
-          <p:cNvPr id="9" name="Pentagon 8">
-            <a:extLst>
-              <a:ext uri="{FF2B5EF4-FFF2-40B4-BE49-F238E27FC236}">
-                <a16:creationId xmlns:a16="http://schemas.microsoft.com/office/drawing/2014/main" id="{E3843B6E-FC4B-D542-B388-3DCF0E5EA2B6}"/>
-              </a:ext>
-            </a:extLst>
-          </p:cNvPr>
-          <p:cNvSpPr/>
-          <p:nvPr/>
-        </p:nvSpPr>
-        <p:spPr>
-          <a:xfrm>
-            <a:off x="7421478" y="3075382"/>
-            <a:ext cx="1626083" cy="236607"/>
-          </a:xfrm>
-          <a:prstGeom prst="homePlate">
-            <a:avLst/>
-          </a:prstGeom>
-        </p:spPr>
-        <p:style>
-          <a:lnRef idx="2">
-            <a:schemeClr val="accent1">
-              <a:shade val="50000"/>
-            </a:schemeClr>
-          </a:lnRef>
-          <a:fillRef idx="1">
-            <a:schemeClr val="accent1"/>
-          </a:fillRef>
-          <a:effectRef idx="0">
-            <a:schemeClr val="accent1"/>
-          </a:effectRef>
-          <a:fontRef idx="minor">
-            <a:schemeClr val="lt1"/>
-          </a:fontRef>
-        </p:style>
-        <p:txBody>
-          <a:bodyPr rtlCol="0" anchor="ctr"/>
-          <a:lstStyle/>
-          <a:p>
-            <a:r>
-              <a:rPr lang="en-US" sz="1100" dirty="0">
-                <a:latin typeface="Courier New" panose="02070309020205020404" pitchFamily="49" charset="0"/>
-                <a:cs typeface="Courier New" panose="02070309020205020404" pitchFamily="49" charset="0"/>
-              </a:rPr>
-              <a:t>AC</a:t>
-            </a:r>
-            <a:r>
-              <a:rPr lang="en-US" sz="1100" b="1" dirty="0">
-                <a:solidFill>
-                  <a:schemeClr val="bg1"/>
-                </a:solidFill>
-                <a:latin typeface="Courier New" panose="02070309020205020404" pitchFamily="49" charset="0"/>
-                <a:cs typeface="Courier New" panose="02070309020205020404" pitchFamily="49" charset="0"/>
-              </a:rPr>
-              <a:t>C</a:t>
-            </a:r>
-            <a:r>
-              <a:rPr lang="en-US" sz="1100" dirty="0">
-                <a:latin typeface="Courier New" panose="02070309020205020404" pitchFamily="49" charset="0"/>
-                <a:cs typeface="Courier New" panose="02070309020205020404" pitchFamily="49" charset="0"/>
-              </a:rPr>
-              <a:t>ATCCGACTATCGG</a:t>
-            </a:r>
-          </a:p>
-        </p:txBody>
-      </p:sp>
-      <p:sp>
-        <p:nvSpPr>
-          <p:cNvPr id="10" name="Pentagon 9">
-            <a:extLst>
-              <a:ext uri="{FF2B5EF4-FFF2-40B4-BE49-F238E27FC236}">
-                <a16:creationId xmlns:a16="http://schemas.microsoft.com/office/drawing/2014/main" id="{06EF1038-F2C9-AC4B-B613-B68D644DF2AD}"/>
-              </a:ext>
-            </a:extLst>
-          </p:cNvPr>
-          <p:cNvSpPr/>
-          <p:nvPr/>
-        </p:nvSpPr>
-        <p:spPr>
-          <a:xfrm>
-            <a:off x="7421479" y="2807490"/>
-            <a:ext cx="1284045" cy="226884"/>
-          </a:xfrm>
-          <a:prstGeom prst="homePlate">
-            <a:avLst/>
-          </a:prstGeom>
-        </p:spPr>
-        <p:style>
-          <a:lnRef idx="2">
-            <a:schemeClr val="accent1">
-              <a:shade val="50000"/>
-            </a:schemeClr>
-          </a:lnRef>
-          <a:fillRef idx="1">
-            <a:schemeClr val="accent1"/>
-          </a:fillRef>
-          <a:effectRef idx="0">
-            <a:schemeClr val="accent1"/>
-          </a:effectRef>
-          <a:fontRef idx="minor">
-            <a:schemeClr val="lt1"/>
-          </a:fontRef>
-        </p:style>
-        <p:txBody>
-          <a:bodyPr rtlCol="0" anchor="ctr"/>
-          <a:lstStyle/>
-          <a:p>
-            <a:r>
-              <a:rPr lang="en-US" sz="1100" dirty="0">
-                <a:latin typeface="Courier New" panose="02070309020205020404" pitchFamily="49" charset="0"/>
-                <a:cs typeface="Courier New" panose="02070309020205020404" pitchFamily="49" charset="0"/>
-              </a:rPr>
-              <a:t>AC</a:t>
-            </a:r>
-            <a:r>
-              <a:rPr lang="en-US" sz="1100" b="1" dirty="0">
-                <a:latin typeface="Courier New" panose="02070309020205020404" pitchFamily="49" charset="0"/>
-                <a:cs typeface="Courier New" panose="02070309020205020404" pitchFamily="49" charset="0"/>
-              </a:rPr>
-              <a:t>G</a:t>
-            </a:r>
-            <a:r>
-              <a:rPr lang="en-US" sz="1100" dirty="0">
-                <a:latin typeface="Courier New" panose="02070309020205020404" pitchFamily="49" charset="0"/>
-                <a:cs typeface="Courier New" panose="02070309020205020404" pitchFamily="49" charset="0"/>
-              </a:rPr>
-              <a:t>ATCCGACTA</a:t>
-            </a:r>
-          </a:p>
-        </p:txBody>
-      </p:sp>
-      <p:sp>
-        <p:nvSpPr>
-          <p:cNvPr id="11" name="Pentagon 10">
-            <a:extLst>
-              <a:ext uri="{FF2B5EF4-FFF2-40B4-BE49-F238E27FC236}">
-                <a16:creationId xmlns:a16="http://schemas.microsoft.com/office/drawing/2014/main" id="{59DBB4C7-9C2A-8649-9BD0-00DFA83B6DE6}"/>
-              </a:ext>
-            </a:extLst>
-          </p:cNvPr>
-          <p:cNvSpPr/>
-          <p:nvPr/>
-        </p:nvSpPr>
-        <p:spPr>
-          <a:xfrm flipH="1">
-            <a:off x="9102947" y="3072082"/>
-            <a:ext cx="1348293" cy="236607"/>
-          </a:xfrm>
-          <a:prstGeom prst="homePlate">
-            <a:avLst/>
-          </a:prstGeom>
-        </p:spPr>
-        <p:style>
-          <a:lnRef idx="2">
-            <a:schemeClr val="accent1">
-              <a:shade val="50000"/>
-            </a:schemeClr>
-          </a:lnRef>
-          <a:fillRef idx="1">
-            <a:schemeClr val="accent1"/>
-          </a:fillRef>
-          <a:effectRef idx="0">
-            <a:schemeClr val="accent1"/>
-          </a:effectRef>
-          <a:fontRef idx="minor">
-            <a:schemeClr val="lt1"/>
-          </a:fontRef>
-        </p:style>
-        <p:txBody>
-          <a:bodyPr rtlCol="0" anchor="ctr"/>
-          <a:lstStyle/>
-          <a:p>
-            <a:pPr algn="r"/>
-            <a:r>
-              <a:rPr lang="en-US" sz="1100" dirty="0">
-                <a:latin typeface="Courier New" panose="02070309020205020404" pitchFamily="49" charset="0"/>
-                <a:cs typeface="Courier New" panose="02070309020205020404" pitchFamily="49" charset="0"/>
-              </a:rPr>
-              <a:t>CAGACTAGAAAA</a:t>
-            </a:r>
-          </a:p>
-        </p:txBody>
-      </p:sp>
-      <p:sp>
-        <p:nvSpPr>
-          <p:cNvPr id="12" name="Pentagon 11">
-            <a:extLst>
-              <a:ext uri="{FF2B5EF4-FFF2-40B4-BE49-F238E27FC236}">
-                <a16:creationId xmlns:a16="http://schemas.microsoft.com/office/drawing/2014/main" id="{AFFB0A94-9FDB-2B44-B2B1-AA387ED71B64}"/>
-              </a:ext>
-            </a:extLst>
-          </p:cNvPr>
-          <p:cNvSpPr/>
-          <p:nvPr/>
-        </p:nvSpPr>
-        <p:spPr>
-          <a:xfrm flipH="1">
-            <a:off x="8959915" y="2807490"/>
-            <a:ext cx="1502744" cy="226884"/>
-          </a:xfrm>
-          <a:prstGeom prst="homePlate">
-            <a:avLst/>
-          </a:prstGeom>
-        </p:spPr>
-        <p:style>
-          <a:lnRef idx="2">
-            <a:schemeClr val="accent1">
-              <a:shade val="50000"/>
-            </a:schemeClr>
-          </a:lnRef>
-          <a:fillRef idx="1">
-            <a:schemeClr val="accent1"/>
-          </a:fillRef>
-          <a:effectRef idx="0">
-            <a:schemeClr val="accent1"/>
-          </a:effectRef>
-          <a:fontRef idx="minor">
-            <a:schemeClr val="lt1"/>
-          </a:fontRef>
-        </p:style>
-        <p:txBody>
-          <a:bodyPr rtlCol="0" anchor="ctr"/>
-          <a:lstStyle/>
-          <a:p>
-            <a:pPr algn="r"/>
-            <a:r>
-              <a:rPr lang="en-US" sz="1100" dirty="0">
-                <a:latin typeface="Courier New" panose="02070309020205020404" pitchFamily="49" charset="0"/>
-                <a:cs typeface="Courier New" panose="02070309020205020404" pitchFamily="49" charset="0"/>
-              </a:rPr>
-              <a:t>CGCAGACTAGAAAA</a:t>
-            </a:r>
-          </a:p>
-        </p:txBody>
-      </p:sp>
-      <p:sp>
-        <p:nvSpPr>
-          <p:cNvPr id="13" name="Pentagon 12">
-            <a:extLst>
-              <a:ext uri="{FF2B5EF4-FFF2-40B4-BE49-F238E27FC236}">
-                <a16:creationId xmlns:a16="http://schemas.microsoft.com/office/drawing/2014/main" id="{83484A4F-7F29-924D-B4A6-E96670444B93}"/>
-              </a:ext>
-            </a:extLst>
-          </p:cNvPr>
-          <p:cNvSpPr/>
-          <p:nvPr/>
-        </p:nvSpPr>
-        <p:spPr>
-          <a:xfrm>
-            <a:off x="7421479" y="3356120"/>
-            <a:ext cx="1284045" cy="226884"/>
-          </a:xfrm>
-          <a:prstGeom prst="homePlate">
-            <a:avLst/>
-          </a:prstGeom>
-          <a:solidFill>
-            <a:schemeClr val="accent2"/>
-          </a:solidFill>
-        </p:spPr>
-        <p:style>
-          <a:lnRef idx="2">
-            <a:schemeClr val="accent1">
-              <a:shade val="50000"/>
-            </a:schemeClr>
-          </a:lnRef>
-          <a:fillRef idx="1">
-            <a:schemeClr val="accent1"/>
-          </a:fillRef>
-          <a:effectRef idx="0">
-            <a:schemeClr val="accent1"/>
-          </a:effectRef>
-          <a:fontRef idx="minor">
-            <a:schemeClr val="lt1"/>
-          </a:fontRef>
-        </p:style>
-        <p:txBody>
-          <a:bodyPr rtlCol="0" anchor="ctr"/>
-          <a:lstStyle/>
-          <a:p>
-            <a:r>
-              <a:rPr lang="en-US" sz="1100" dirty="0">
-                <a:latin typeface="Courier New" panose="02070309020205020404" pitchFamily="49" charset="0"/>
-                <a:cs typeface="Courier New" panose="02070309020205020404" pitchFamily="49" charset="0"/>
-              </a:rPr>
-              <a:t>AC</a:t>
-            </a:r>
-            <a:r>
-              <a:rPr lang="en-US" sz="1100" b="1" dirty="0">
-                <a:solidFill>
-                  <a:schemeClr val="bg1"/>
-                </a:solidFill>
-                <a:latin typeface="Courier New" panose="02070309020205020404" pitchFamily="49" charset="0"/>
-                <a:cs typeface="Courier New" panose="02070309020205020404" pitchFamily="49" charset="0"/>
-              </a:rPr>
-              <a:t>S</a:t>
-            </a:r>
-            <a:r>
-              <a:rPr lang="en-US" sz="1100" dirty="0">
-                <a:latin typeface="Courier New" panose="02070309020205020404" pitchFamily="49" charset="0"/>
-                <a:cs typeface="Courier New" panose="02070309020205020404" pitchFamily="49" charset="0"/>
-              </a:rPr>
-              <a:t>ATCCGACTA</a:t>
-            </a:r>
-          </a:p>
-        </p:txBody>
-      </p:sp>
-      <p:sp>
-        <p:nvSpPr>
-          <p:cNvPr id="14" name="Pentagon 13">
-            <a:extLst>
-              <a:ext uri="{FF2B5EF4-FFF2-40B4-BE49-F238E27FC236}">
-                <a16:creationId xmlns:a16="http://schemas.microsoft.com/office/drawing/2014/main" id="{FF36FFD7-FABB-6F45-85E3-CE86DA2029C2}"/>
-              </a:ext>
-            </a:extLst>
-          </p:cNvPr>
-          <p:cNvSpPr/>
-          <p:nvPr/>
-        </p:nvSpPr>
-        <p:spPr>
-          <a:xfrm flipH="1">
-            <a:off x="9102947" y="3346397"/>
-            <a:ext cx="1348293" cy="236607"/>
-          </a:xfrm>
-          <a:prstGeom prst="homePlate">
-            <a:avLst/>
-          </a:prstGeom>
-          <a:solidFill>
-            <a:schemeClr val="accent2"/>
-          </a:solidFill>
-        </p:spPr>
-        <p:style>
-          <a:lnRef idx="2">
-            <a:schemeClr val="accent1">
-              <a:shade val="50000"/>
-            </a:schemeClr>
-          </a:lnRef>
-          <a:fillRef idx="1">
-            <a:schemeClr val="accent1"/>
-          </a:fillRef>
-          <a:effectRef idx="0">
-            <a:schemeClr val="accent1"/>
-          </a:effectRef>
-          <a:fontRef idx="minor">
-            <a:schemeClr val="lt1"/>
-          </a:fontRef>
-        </p:style>
-        <p:txBody>
-          <a:bodyPr rtlCol="0" anchor="ctr"/>
-          <a:lstStyle/>
-          <a:p>
-            <a:pPr algn="r"/>
-            <a:r>
-              <a:rPr lang="en-US" sz="1100" dirty="0">
-                <a:latin typeface="Courier New" panose="02070309020205020404" pitchFamily="49" charset="0"/>
-                <a:cs typeface="Courier New" panose="02070309020205020404" pitchFamily="49" charset="0"/>
-              </a:rPr>
-              <a:t>CAGACTAGAAAA</a:t>
-            </a:r>
-          </a:p>
-        </p:txBody>
-      </p:sp>
-      <p:sp>
-        <p:nvSpPr>
-          <p:cNvPr id="18" name="Pentagon 17">
-            <a:extLst>
-              <a:ext uri="{FF2B5EF4-FFF2-40B4-BE49-F238E27FC236}">
-                <a16:creationId xmlns:a16="http://schemas.microsoft.com/office/drawing/2014/main" id="{A22EA1DF-A6B2-C04F-BA1C-7C0E66C89E57}"/>
-              </a:ext>
-            </a:extLst>
-          </p:cNvPr>
-          <p:cNvSpPr/>
-          <p:nvPr/>
-        </p:nvSpPr>
-        <p:spPr>
-          <a:xfrm>
-            <a:off x="7421479" y="3617412"/>
-            <a:ext cx="3190407" cy="236607"/>
-          </a:xfrm>
-          <a:prstGeom prst="homePlate">
-            <a:avLst/>
-          </a:prstGeom>
-          <a:solidFill>
-            <a:schemeClr val="accent2"/>
-          </a:solidFill>
-        </p:spPr>
-        <p:style>
-          <a:lnRef idx="2">
-            <a:schemeClr val="accent1">
-              <a:shade val="50000"/>
-            </a:schemeClr>
-          </a:lnRef>
-          <a:fillRef idx="1">
-            <a:schemeClr val="accent1"/>
-          </a:fillRef>
-          <a:effectRef idx="0">
-            <a:schemeClr val="accent1"/>
-          </a:effectRef>
-          <a:fontRef idx="minor">
-            <a:schemeClr val="lt1"/>
-          </a:fontRef>
-        </p:style>
-        <p:txBody>
-          <a:bodyPr rtlCol="0" anchor="ctr"/>
-          <a:lstStyle/>
-          <a:p>
-            <a:r>
-              <a:rPr lang="en-US" sz="1100" dirty="0">
-                <a:latin typeface="Courier New" panose="02070309020205020404" pitchFamily="49" charset="0"/>
-                <a:cs typeface="Courier New" panose="02070309020205020404" pitchFamily="49" charset="0"/>
-              </a:rPr>
-              <a:t>ACGATCCGACTACCGACATACGCAGACTAGAAAA</a:t>
-            </a:r>
-          </a:p>
-        </p:txBody>
-      </p:sp>
-      <p:sp>
-        <p:nvSpPr>
-          <p:cNvPr id="3" name="TextBox 2">
-            <a:extLst>
-              <a:ext uri="{FF2B5EF4-FFF2-40B4-BE49-F238E27FC236}">
-                <a16:creationId xmlns:a16="http://schemas.microsoft.com/office/drawing/2014/main" id="{A9AAB505-8735-0D41-B170-FCBB44323ABD}"/>
-              </a:ext>
-            </a:extLst>
-          </p:cNvPr>
-          <p:cNvSpPr txBox="1"/>
-          <p:nvPr/>
-        </p:nvSpPr>
-        <p:spPr>
-          <a:xfrm>
-            <a:off x="7018548" y="3640476"/>
-            <a:ext cx="387414" cy="276999"/>
-          </a:xfrm>
-          <a:prstGeom prst="rect">
-            <a:avLst/>
-          </a:prstGeom>
-          <a:noFill/>
-        </p:spPr>
-        <p:txBody>
-          <a:bodyPr wrap="none" rtlCol="0">
-            <a:spAutoFit/>
-          </a:bodyPr>
-          <a:lstStyle/>
-          <a:p>
-            <a:r>
-              <a:rPr lang="en-US" sz="1200" dirty="0"/>
-              <a:t>Ref</a:t>
-            </a:r>
-          </a:p>
-        </p:txBody>
-      </p:sp>
-      <p:sp>
-        <p:nvSpPr>
-          <p:cNvPr id="7" name="TextBox 6">
-            <a:extLst>
-              <a:ext uri="{FF2B5EF4-FFF2-40B4-BE49-F238E27FC236}">
-                <a16:creationId xmlns:a16="http://schemas.microsoft.com/office/drawing/2014/main" id="{59536009-12A1-3143-B21F-BDD56E07557F}"/>
-              </a:ext>
-            </a:extLst>
-          </p:cNvPr>
-          <p:cNvSpPr txBox="1"/>
-          <p:nvPr/>
-        </p:nvSpPr>
-        <p:spPr>
-          <a:xfrm>
-            <a:off x="6729174" y="2807490"/>
-            <a:ext cx="676788" cy="276999"/>
-          </a:xfrm>
-          <a:prstGeom prst="rect">
-            <a:avLst/>
-          </a:prstGeom>
-          <a:noFill/>
-        </p:spPr>
-        <p:txBody>
-          <a:bodyPr wrap="none" rtlCol="0">
-            <a:spAutoFit/>
-          </a:bodyPr>
-          <a:lstStyle/>
-          <a:p>
-            <a:r>
-              <a:rPr lang="en-US" sz="1200" dirty="0"/>
-              <a:t>SSC-pos</a:t>
-            </a:r>
-          </a:p>
-        </p:txBody>
-      </p:sp>
-      <p:sp>
-        <p:nvSpPr>
-          <p:cNvPr id="19" name="TextBox 18">
-            <a:extLst>
-              <a:ext uri="{FF2B5EF4-FFF2-40B4-BE49-F238E27FC236}">
-                <a16:creationId xmlns:a16="http://schemas.microsoft.com/office/drawing/2014/main" id="{2ABA8D44-30E6-394D-B60E-7F6AA7A9B054}"/>
-              </a:ext>
-            </a:extLst>
-          </p:cNvPr>
-          <p:cNvSpPr txBox="1"/>
-          <p:nvPr/>
-        </p:nvSpPr>
-        <p:spPr>
-          <a:xfrm>
-            <a:off x="6722762" y="3085152"/>
-            <a:ext cx="683200" cy="276999"/>
-          </a:xfrm>
-          <a:prstGeom prst="rect">
-            <a:avLst/>
-          </a:prstGeom>
-          <a:noFill/>
-        </p:spPr>
-        <p:txBody>
-          <a:bodyPr wrap="none" rtlCol="0">
-            <a:spAutoFit/>
-          </a:bodyPr>
-          <a:lstStyle/>
-          <a:p>
-            <a:r>
-              <a:rPr lang="en-US" sz="1200" dirty="0"/>
-              <a:t>SSC-neg</a:t>
-            </a:r>
-          </a:p>
-        </p:txBody>
-      </p:sp>
-      <p:sp>
-        <p:nvSpPr>
-          <p:cNvPr id="20" name="TextBox 19">
-            <a:extLst>
-              <a:ext uri="{FF2B5EF4-FFF2-40B4-BE49-F238E27FC236}">
-                <a16:creationId xmlns:a16="http://schemas.microsoft.com/office/drawing/2014/main" id="{8C50FD61-9EEC-E34C-9D71-C627B1826215}"/>
-              </a:ext>
-            </a:extLst>
-          </p:cNvPr>
-          <p:cNvSpPr txBox="1"/>
-          <p:nvPr/>
-        </p:nvSpPr>
-        <p:spPr>
-          <a:xfrm>
-            <a:off x="6974434" y="3362814"/>
-            <a:ext cx="431528" cy="276999"/>
-          </a:xfrm>
-          <a:prstGeom prst="rect">
-            <a:avLst/>
-          </a:prstGeom>
-          <a:noFill/>
-        </p:spPr>
-        <p:txBody>
-          <a:bodyPr wrap="none" rtlCol="0">
-            <a:spAutoFit/>
-          </a:bodyPr>
-          <a:lstStyle/>
-          <a:p>
-            <a:r>
-              <a:rPr lang="en-US" sz="1200" dirty="0"/>
-              <a:t>DSC</a:t>
-            </a:r>
-          </a:p>
-        </p:txBody>
-      </p:sp>
-      <p:cxnSp>
-        <p:nvCxnSpPr>
-          <p:cNvPr id="21" name="Straight Connector 20">
-            <a:extLst>
-              <a:ext uri="{FF2B5EF4-FFF2-40B4-BE49-F238E27FC236}">
-                <a16:creationId xmlns:a16="http://schemas.microsoft.com/office/drawing/2014/main" id="{849AA9B1-6DA3-7C48-AA36-E2280ACE9B9C}"/>
-              </a:ext>
-            </a:extLst>
-          </p:cNvPr>
-          <p:cNvCxnSpPr/>
-          <p:nvPr/>
-        </p:nvCxnSpPr>
-        <p:spPr>
-          <a:xfrm>
-            <a:off x="7657698" y="2698671"/>
-            <a:ext cx="0" cy="1328286"/>
-          </a:xfrm>
-          <a:prstGeom prst="line">
-            <a:avLst/>
-          </a:prstGeom>
-          <a:ln>
-            <a:prstDash val="dash"/>
-          </a:ln>
-        </p:spPr>
-        <p:style>
-          <a:lnRef idx="1">
-            <a:schemeClr val="dk1"/>
-          </a:lnRef>
-          <a:fillRef idx="0">
-            <a:schemeClr val="dk1"/>
-          </a:fillRef>
-          <a:effectRef idx="0">
-            <a:schemeClr val="dk1"/>
-          </a:effectRef>
-          <a:fontRef idx="minor">
-            <a:schemeClr val="tx1"/>
-          </a:fontRef>
-        </p:style>
-      </p:cxnSp>
-      <p:cxnSp>
-        <p:nvCxnSpPr>
-          <p:cNvPr id="22" name="Straight Connector 21">
-            <a:extLst>
-              <a:ext uri="{FF2B5EF4-FFF2-40B4-BE49-F238E27FC236}">
-                <a16:creationId xmlns:a16="http://schemas.microsoft.com/office/drawing/2014/main" id="{0D7D28BF-D647-D541-8B11-9539593FAE6F}"/>
-              </a:ext>
-            </a:extLst>
-          </p:cNvPr>
-          <p:cNvCxnSpPr/>
-          <p:nvPr/>
-        </p:nvCxnSpPr>
-        <p:spPr>
-          <a:xfrm>
-            <a:off x="7774661" y="2698671"/>
-            <a:ext cx="0" cy="1328286"/>
-          </a:xfrm>
-          <a:prstGeom prst="line">
-            <a:avLst/>
-          </a:prstGeom>
-          <a:ln>
-            <a:prstDash val="dash"/>
-          </a:ln>
-        </p:spPr>
-        <p:style>
-          <a:lnRef idx="1">
-            <a:schemeClr val="dk1"/>
-          </a:lnRef>
-          <a:fillRef idx="0">
-            <a:schemeClr val="dk1"/>
-          </a:fillRef>
-          <a:effectRef idx="0">
-            <a:schemeClr val="dk1"/>
-          </a:effectRef>
-          <a:fontRef idx="minor">
-            <a:schemeClr val="tx1"/>
-          </a:fontRef>
-        </p:style>
-      </p:cxnSp>
-      <p:cxnSp>
-        <p:nvCxnSpPr>
-          <p:cNvPr id="36" name="Straight Arrow Connector 35">
-            <a:extLst>
-              <a:ext uri="{FF2B5EF4-FFF2-40B4-BE49-F238E27FC236}">
-                <a16:creationId xmlns:a16="http://schemas.microsoft.com/office/drawing/2014/main" id="{44E54EDF-440F-B74D-891A-C520B64C22F8}"/>
-              </a:ext>
-            </a:extLst>
-          </p:cNvPr>
-          <p:cNvCxnSpPr/>
-          <p:nvPr/>
-        </p:nvCxnSpPr>
-        <p:spPr>
-          <a:xfrm flipV="1">
-            <a:off x="7716911" y="3933809"/>
-            <a:ext cx="0" cy="641296"/>
-          </a:xfrm>
-          <a:prstGeom prst="straightConnector1">
-            <a:avLst/>
-          </a:prstGeom>
-          <a:ln>
-            <a:tailEnd type="triangle"/>
-          </a:ln>
-        </p:spPr>
-        <p:style>
-          <a:lnRef idx="1">
-            <a:schemeClr val="accent1"/>
-          </a:lnRef>
-          <a:fillRef idx="0">
-            <a:schemeClr val="accent1"/>
-          </a:fillRef>
-          <a:effectRef idx="0">
-            <a:schemeClr val="accent1"/>
-          </a:effectRef>
-          <a:fontRef idx="minor">
-            <a:schemeClr val="tx1"/>
-          </a:fontRef>
-        </p:style>
-      </p:cxnSp>
-      <p:sp>
-        <p:nvSpPr>
-          <p:cNvPr id="37" name="TextBox 36">
-            <a:extLst>
-              <a:ext uri="{FF2B5EF4-FFF2-40B4-BE49-F238E27FC236}">
-                <a16:creationId xmlns:a16="http://schemas.microsoft.com/office/drawing/2014/main" id="{A7A0156B-D89B-AC44-9D59-EC5552D9A028}"/>
-              </a:ext>
-            </a:extLst>
-          </p:cNvPr>
-          <p:cNvSpPr txBox="1"/>
-          <p:nvPr/>
-        </p:nvSpPr>
-        <p:spPr>
-          <a:xfrm>
-            <a:off x="7235170" y="4535753"/>
-            <a:ext cx="857927" cy="369332"/>
-          </a:xfrm>
-          <a:prstGeom prst="rect">
-            <a:avLst/>
-          </a:prstGeom>
-          <a:noFill/>
-        </p:spPr>
-        <p:txBody>
-          <a:bodyPr wrap="none" rtlCol="0">
-            <a:spAutoFit/>
-          </a:bodyPr>
-          <a:lstStyle/>
-          <a:p>
-            <a:r>
-              <a:rPr lang="en-US" dirty="0"/>
-              <a:t>Adduct</a:t>
-            </a:r>
-          </a:p>
-        </p:txBody>
-      </p:sp>
-    </p:spTree>
-    <p:extLst>
-      <p:ext uri="{BB962C8B-B14F-4D97-AF65-F5344CB8AC3E}">
-        <p14:creationId xmlns:p14="http://schemas.microsoft.com/office/powerpoint/2010/main" val="3724974812"/>
       </p:ext>
     </p:extLst>
   </p:cSld>
@@ -11252,7 +11453,7 @@
         <p:spPr/>
         <p:txBody>
           <a:bodyPr>
-            <a:normAutofit/>
+            <a:normAutofit fontScale="85000" lnSpcReduction="20000"/>
           </a:bodyPr>
           <a:lstStyle/>
           <a:p>
@@ -11271,11 +11472,94 @@
           <a:p>
             <a:pPr marL="514350" indent="-514350">
               <a:buFont typeface="+mj-lt"/>
-              <a:buAutoNum type="arabicPeriod" startAt="4"/>
+              <a:buAutoNum type="arabicPeriod" startAt="3"/>
             </a:pPr>
             <a:r>
               <a:rPr lang="en-US" dirty="0"/>
-              <a:t>Overlapping reads will be counted as only a single mutation or adduct</a:t>
+              <a:t>Adducts called from the SSC data will be represented by the IUPAC code for ambiguous nucleotides</a:t>
+            </a:r>
+          </a:p>
+          <a:p>
+            <a:pPr lvl="1"/>
+            <a:r>
+              <a:rPr lang="en-US" dirty="0">
+                <a:latin typeface="Courier New" panose="02070309020205020404" pitchFamily="49" charset="0"/>
+                <a:cs typeface="Courier New" panose="02070309020205020404" pitchFamily="49" charset="0"/>
+              </a:rPr>
+              <a:t>R=A/G</a:t>
+            </a:r>
+          </a:p>
+          <a:p>
+            <a:pPr lvl="1"/>
+            <a:r>
+              <a:rPr lang="en-US" dirty="0">
+                <a:latin typeface="Courier New" panose="02070309020205020404" pitchFamily="49" charset="0"/>
+                <a:cs typeface="Courier New" panose="02070309020205020404" pitchFamily="49" charset="0"/>
+              </a:rPr>
+              <a:t>Y=C/T</a:t>
+            </a:r>
+          </a:p>
+          <a:p>
+            <a:pPr lvl="1"/>
+            <a:r>
+              <a:rPr lang="en-US" dirty="0">
+                <a:latin typeface="Courier New" panose="02070309020205020404" pitchFamily="49" charset="0"/>
+                <a:cs typeface="Courier New" panose="02070309020205020404" pitchFamily="49" charset="0"/>
+              </a:rPr>
+              <a:t>S=G/C</a:t>
+            </a:r>
+          </a:p>
+          <a:p>
+            <a:pPr lvl="1"/>
+            <a:r>
+              <a:rPr lang="en-US" dirty="0">
+                <a:latin typeface="Courier New" panose="02070309020205020404" pitchFamily="49" charset="0"/>
+                <a:cs typeface="Courier New" panose="02070309020205020404" pitchFamily="49" charset="0"/>
+              </a:rPr>
+              <a:t>W=A/T</a:t>
+            </a:r>
+          </a:p>
+          <a:p>
+            <a:pPr lvl="1"/>
+            <a:r>
+              <a:rPr lang="en-US" dirty="0">
+                <a:latin typeface="Courier New" panose="02070309020205020404" pitchFamily="49" charset="0"/>
+                <a:cs typeface="Courier New" panose="02070309020205020404" pitchFamily="49" charset="0"/>
+              </a:rPr>
+              <a:t>K=C/T</a:t>
+            </a:r>
+          </a:p>
+          <a:p>
+            <a:pPr lvl="1"/>
+            <a:r>
+              <a:rPr lang="en-US" dirty="0">
+                <a:latin typeface="Courier New" panose="02070309020205020404" pitchFamily="49" charset="0"/>
+                <a:cs typeface="Courier New" panose="02070309020205020404" pitchFamily="49" charset="0"/>
+              </a:rPr>
+              <a:t>M=A/C</a:t>
+            </a:r>
+          </a:p>
+          <a:p>
+            <a:pPr marL="514350" indent="-514350">
+              <a:buFont typeface="+mj-lt"/>
+              <a:buAutoNum type="arabicPeriod" startAt="3"/>
+            </a:pPr>
+            <a:endParaRPr lang="en-US" dirty="0"/>
+          </a:p>
+          <a:p>
+            <a:pPr marL="514350" indent="-514350">
+              <a:buFont typeface="+mj-lt"/>
+              <a:buAutoNum type="arabicPeriod" startAt="3"/>
+            </a:pPr>
+            <a:endParaRPr lang="en-US" dirty="0"/>
+          </a:p>
+          <a:p>
+            <a:pPr marL="0" indent="0">
+              <a:buNone/>
+            </a:pPr>
+            <a:r>
+              <a:rPr lang="en-US" i="1" dirty="0"/>
+              <a:t>(continues)</a:t>
             </a:r>
             <a:endParaRPr lang="en-US" dirty="0">
               <a:latin typeface="Courier New" panose="02070309020205020404" pitchFamily="49" charset="0"/>
@@ -11355,10 +11639,10 @@
       </p:sp>
       <p:sp>
         <p:nvSpPr>
-          <p:cNvPr id="13" name="Pentagon 12">
-            <a:extLst>
-              <a:ext uri="{FF2B5EF4-FFF2-40B4-BE49-F238E27FC236}">
-                <a16:creationId xmlns:a16="http://schemas.microsoft.com/office/drawing/2014/main" id="{83484A4F-7F29-924D-B4A6-E96670444B93}"/>
+          <p:cNvPr id="9" name="Pentagon 8">
+            <a:extLst>
+              <a:ext uri="{FF2B5EF4-FFF2-40B4-BE49-F238E27FC236}">
+                <a16:creationId xmlns:a16="http://schemas.microsoft.com/office/drawing/2014/main" id="{E3843B6E-FC4B-D542-B388-3DCF0E5EA2B6}"/>
               </a:ext>
             </a:extLst>
           </p:cNvPr>
@@ -11367,15 +11651,12 @@
         </p:nvSpPr>
         <p:spPr>
           <a:xfrm>
-            <a:off x="7421479" y="3356120"/>
-            <a:ext cx="1284045" cy="226884"/>
+            <a:off x="7421478" y="3075382"/>
+            <a:ext cx="1626083" cy="236607"/>
           </a:xfrm>
           <a:prstGeom prst="homePlate">
             <a:avLst/>
           </a:prstGeom>
-          <a:solidFill>
-            <a:schemeClr val="accent2"/>
-          </a:solidFill>
         </p:spPr>
         <p:style>
           <a:lnRef idx="2">
@@ -11405,45 +11686,31 @@
               <a:t>AC</a:t>
             </a:r>
             <a:r>
-              <a:rPr lang="en-US" sz="1100" dirty="0">
+              <a:rPr lang="en-US" sz="1100" b="1" dirty="0">
                 <a:solidFill>
                   <a:schemeClr val="bg1"/>
                 </a:solidFill>
                 <a:latin typeface="Courier New" panose="02070309020205020404" pitchFamily="49" charset="0"/>
                 <a:cs typeface="Courier New" panose="02070309020205020404" pitchFamily="49" charset="0"/>
               </a:rPr>
-              <a:t>G</a:t>
+              <a:t>C</a:t>
             </a:r>
             <a:r>
               <a:rPr lang="en-US" sz="1100" dirty="0">
                 <a:latin typeface="Courier New" panose="02070309020205020404" pitchFamily="49" charset="0"/>
                 <a:cs typeface="Courier New" panose="02070309020205020404" pitchFamily="49" charset="0"/>
               </a:rPr>
-              <a:t>ATCCGAC</a:t>
-            </a:r>
-            <a:r>
-              <a:rPr lang="en-US" sz="1100" b="1" dirty="0">
-                <a:latin typeface="Courier New" panose="02070309020205020404" pitchFamily="49" charset="0"/>
-                <a:cs typeface="Courier New" panose="02070309020205020404" pitchFamily="49" charset="0"/>
-              </a:rPr>
-              <a:t>A</a:t>
-            </a:r>
-            <a:r>
-              <a:rPr lang="en-US" sz="1100" dirty="0">
-                <a:latin typeface="Courier New" panose="02070309020205020404" pitchFamily="49" charset="0"/>
-                <a:cs typeface="Courier New" panose="02070309020205020404" pitchFamily="49" charset="0"/>
-              </a:rPr>
-              <a:t>A</a:t>
-            </a:r>
-          </a:p>
-        </p:txBody>
-      </p:sp>
-      <p:sp>
-        <p:nvSpPr>
-          <p:cNvPr id="14" name="Pentagon 13">
-            <a:extLst>
-              <a:ext uri="{FF2B5EF4-FFF2-40B4-BE49-F238E27FC236}">
-                <a16:creationId xmlns:a16="http://schemas.microsoft.com/office/drawing/2014/main" id="{FF36FFD7-FABB-6F45-85E3-CE86DA2029C2}"/>
+              <a:t>ATCCGACTATCGG</a:t>
+            </a:r>
+          </a:p>
+        </p:txBody>
+      </p:sp>
+      <p:sp>
+        <p:nvSpPr>
+          <p:cNvPr id="10" name="Pentagon 9">
+            <a:extLst>
+              <a:ext uri="{FF2B5EF4-FFF2-40B4-BE49-F238E27FC236}">
+                <a16:creationId xmlns:a16="http://schemas.microsoft.com/office/drawing/2014/main" id="{06EF1038-F2C9-AC4B-B613-B68D644DF2AD}"/>
               </a:ext>
             </a:extLst>
           </p:cNvPr>
@@ -11451,16 +11718,13 @@
           <p:nvPr/>
         </p:nvSpPr>
         <p:spPr>
-          <a:xfrm flipH="1">
-            <a:off x="8024918" y="3048012"/>
-            <a:ext cx="1348293" cy="236607"/>
+          <a:xfrm>
+            <a:off x="7421479" y="2807490"/>
+            <a:ext cx="1284045" cy="226884"/>
           </a:xfrm>
           <a:prstGeom prst="homePlate">
             <a:avLst/>
           </a:prstGeom>
-          <a:solidFill>
-            <a:schemeClr val="accent2"/>
-          </a:solidFill>
         </p:spPr>
         <p:style>
           <a:lnRef idx="2">
@@ -11482,37 +11746,36 @@
           <a:bodyPr rtlCol="0" anchor="ctr"/>
           <a:lstStyle/>
           <a:p>
-            <a:pPr algn="r"/>
             <a:r>
               <a:rPr lang="en-US" sz="1100" dirty="0">
                 <a:latin typeface="Courier New" panose="02070309020205020404" pitchFamily="49" charset="0"/>
                 <a:cs typeface="Courier New" panose="02070309020205020404" pitchFamily="49" charset="0"/>
               </a:rPr>
-              <a:t>C</a:t>
+              <a:t>AC</a:t>
             </a:r>
             <a:r>
               <a:rPr lang="en-US" sz="1100" b="1" dirty="0">
                 <a:latin typeface="Courier New" panose="02070309020205020404" pitchFamily="49" charset="0"/>
                 <a:cs typeface="Courier New" panose="02070309020205020404" pitchFamily="49" charset="0"/>
               </a:rPr>
-              <a:t>A</a:t>
+              <a:t>G</a:t>
             </a:r>
             <a:r>
               <a:rPr lang="en-US" sz="1100" dirty="0">
                 <a:latin typeface="Courier New" panose="02070309020205020404" pitchFamily="49" charset="0"/>
                 <a:cs typeface="Courier New" panose="02070309020205020404" pitchFamily="49" charset="0"/>
               </a:rPr>
-              <a:t>ACCGACATAC</a:t>
-            </a:r>
-          </a:p>
-        </p:txBody>
-      </p:sp>
-      <p:sp>
-        <p:nvSpPr>
-          <p:cNvPr id="18" name="Pentagon 17">
-            <a:extLst>
-              <a:ext uri="{FF2B5EF4-FFF2-40B4-BE49-F238E27FC236}">
-                <a16:creationId xmlns:a16="http://schemas.microsoft.com/office/drawing/2014/main" id="{A22EA1DF-A6B2-C04F-BA1C-7C0E66C89E57}"/>
+              <a:t>ATCCGACTA</a:t>
+            </a:r>
+          </a:p>
+        </p:txBody>
+      </p:sp>
+      <p:sp>
+        <p:nvSpPr>
+          <p:cNvPr id="11" name="Pentagon 10">
+            <a:extLst>
+              <a:ext uri="{FF2B5EF4-FFF2-40B4-BE49-F238E27FC236}">
+                <a16:creationId xmlns:a16="http://schemas.microsoft.com/office/drawing/2014/main" id="{59DBB4C7-9C2A-8649-9BD0-00DFA83B6DE6}"/>
               </a:ext>
             </a:extLst>
           </p:cNvPr>
@@ -11520,16 +11783,13 @@
           <p:nvPr/>
         </p:nvSpPr>
         <p:spPr>
-          <a:xfrm>
-            <a:off x="7421480" y="3617412"/>
-            <a:ext cx="2020904" cy="236607"/>
+          <a:xfrm flipH="1">
+            <a:off x="9102947" y="3072082"/>
+            <a:ext cx="1348293" cy="236607"/>
           </a:xfrm>
           <a:prstGeom prst="homePlate">
             <a:avLst/>
           </a:prstGeom>
-          <a:solidFill>
-            <a:schemeClr val="accent2"/>
-          </a:solidFill>
         </p:spPr>
         <p:style>
           <a:lnRef idx="2">
@@ -11551,12 +11811,245 @@
           <a:bodyPr rtlCol="0" anchor="ctr"/>
           <a:lstStyle/>
           <a:p>
+            <a:pPr algn="r"/>
             <a:r>
               <a:rPr lang="en-US" sz="1100" dirty="0">
                 <a:latin typeface="Courier New" panose="02070309020205020404" pitchFamily="49" charset="0"/>
                 <a:cs typeface="Courier New" panose="02070309020205020404" pitchFamily="49" charset="0"/>
               </a:rPr>
-              <a:t>ACGATCCGACTACCGACATAC</a:t>
+              <a:t>CAGACTAGAAAA</a:t>
+            </a:r>
+          </a:p>
+        </p:txBody>
+      </p:sp>
+      <p:sp>
+        <p:nvSpPr>
+          <p:cNvPr id="12" name="Pentagon 11">
+            <a:extLst>
+              <a:ext uri="{FF2B5EF4-FFF2-40B4-BE49-F238E27FC236}">
+                <a16:creationId xmlns:a16="http://schemas.microsoft.com/office/drawing/2014/main" id="{AFFB0A94-9FDB-2B44-B2B1-AA387ED71B64}"/>
+              </a:ext>
+            </a:extLst>
+          </p:cNvPr>
+          <p:cNvSpPr/>
+          <p:nvPr/>
+        </p:nvSpPr>
+        <p:spPr>
+          <a:xfrm flipH="1">
+            <a:off x="8959915" y="2807490"/>
+            <a:ext cx="1502744" cy="226884"/>
+          </a:xfrm>
+          <a:prstGeom prst="homePlate">
+            <a:avLst/>
+          </a:prstGeom>
+        </p:spPr>
+        <p:style>
+          <a:lnRef idx="2">
+            <a:schemeClr val="accent1">
+              <a:shade val="50000"/>
+            </a:schemeClr>
+          </a:lnRef>
+          <a:fillRef idx="1">
+            <a:schemeClr val="accent1"/>
+          </a:fillRef>
+          <a:effectRef idx="0">
+            <a:schemeClr val="accent1"/>
+          </a:effectRef>
+          <a:fontRef idx="minor">
+            <a:schemeClr val="lt1"/>
+          </a:fontRef>
+        </p:style>
+        <p:txBody>
+          <a:bodyPr rtlCol="0" anchor="ctr"/>
+          <a:lstStyle/>
+          <a:p>
+            <a:pPr algn="r"/>
+            <a:r>
+              <a:rPr lang="en-US" sz="1100" dirty="0">
+                <a:latin typeface="Courier New" panose="02070309020205020404" pitchFamily="49" charset="0"/>
+                <a:cs typeface="Courier New" panose="02070309020205020404" pitchFamily="49" charset="0"/>
+              </a:rPr>
+              <a:t>CGCAGACTAGAAAA</a:t>
+            </a:r>
+          </a:p>
+        </p:txBody>
+      </p:sp>
+      <p:sp>
+        <p:nvSpPr>
+          <p:cNvPr id="13" name="Pentagon 12">
+            <a:extLst>
+              <a:ext uri="{FF2B5EF4-FFF2-40B4-BE49-F238E27FC236}">
+                <a16:creationId xmlns:a16="http://schemas.microsoft.com/office/drawing/2014/main" id="{83484A4F-7F29-924D-B4A6-E96670444B93}"/>
+              </a:ext>
+            </a:extLst>
+          </p:cNvPr>
+          <p:cNvSpPr/>
+          <p:nvPr/>
+        </p:nvSpPr>
+        <p:spPr>
+          <a:xfrm>
+            <a:off x="7421479" y="3356120"/>
+            <a:ext cx="1284045" cy="226884"/>
+          </a:xfrm>
+          <a:prstGeom prst="homePlate">
+            <a:avLst/>
+          </a:prstGeom>
+          <a:solidFill>
+            <a:schemeClr val="accent2"/>
+          </a:solidFill>
+        </p:spPr>
+        <p:style>
+          <a:lnRef idx="2">
+            <a:schemeClr val="accent1">
+              <a:shade val="50000"/>
+            </a:schemeClr>
+          </a:lnRef>
+          <a:fillRef idx="1">
+            <a:schemeClr val="accent1"/>
+          </a:fillRef>
+          <a:effectRef idx="0">
+            <a:schemeClr val="accent1"/>
+          </a:effectRef>
+          <a:fontRef idx="minor">
+            <a:schemeClr val="lt1"/>
+          </a:fontRef>
+        </p:style>
+        <p:txBody>
+          <a:bodyPr rtlCol="0" anchor="ctr"/>
+          <a:lstStyle/>
+          <a:p>
+            <a:r>
+              <a:rPr lang="en-US" sz="1100" dirty="0">
+                <a:latin typeface="Courier New" panose="02070309020205020404" pitchFamily="49" charset="0"/>
+                <a:cs typeface="Courier New" panose="02070309020205020404" pitchFamily="49" charset="0"/>
+              </a:rPr>
+              <a:t>AC</a:t>
+            </a:r>
+            <a:r>
+              <a:rPr lang="en-US" sz="1100" b="1" dirty="0">
+                <a:solidFill>
+                  <a:schemeClr val="bg1"/>
+                </a:solidFill>
+                <a:latin typeface="Courier New" panose="02070309020205020404" pitchFamily="49" charset="0"/>
+                <a:cs typeface="Courier New" panose="02070309020205020404" pitchFamily="49" charset="0"/>
+              </a:rPr>
+              <a:t>S</a:t>
+            </a:r>
+            <a:r>
+              <a:rPr lang="en-US" sz="1100" dirty="0">
+                <a:latin typeface="Courier New" panose="02070309020205020404" pitchFamily="49" charset="0"/>
+                <a:cs typeface="Courier New" panose="02070309020205020404" pitchFamily="49" charset="0"/>
+              </a:rPr>
+              <a:t>ATCCGACTA</a:t>
+            </a:r>
+          </a:p>
+        </p:txBody>
+      </p:sp>
+      <p:sp>
+        <p:nvSpPr>
+          <p:cNvPr id="14" name="Pentagon 13">
+            <a:extLst>
+              <a:ext uri="{FF2B5EF4-FFF2-40B4-BE49-F238E27FC236}">
+                <a16:creationId xmlns:a16="http://schemas.microsoft.com/office/drawing/2014/main" id="{FF36FFD7-FABB-6F45-85E3-CE86DA2029C2}"/>
+              </a:ext>
+            </a:extLst>
+          </p:cNvPr>
+          <p:cNvSpPr/>
+          <p:nvPr/>
+        </p:nvSpPr>
+        <p:spPr>
+          <a:xfrm flipH="1">
+            <a:off x="9102947" y="3346397"/>
+            <a:ext cx="1348293" cy="236607"/>
+          </a:xfrm>
+          <a:prstGeom prst="homePlate">
+            <a:avLst/>
+          </a:prstGeom>
+          <a:solidFill>
+            <a:schemeClr val="accent2"/>
+          </a:solidFill>
+        </p:spPr>
+        <p:style>
+          <a:lnRef idx="2">
+            <a:schemeClr val="accent1">
+              <a:shade val="50000"/>
+            </a:schemeClr>
+          </a:lnRef>
+          <a:fillRef idx="1">
+            <a:schemeClr val="accent1"/>
+          </a:fillRef>
+          <a:effectRef idx="0">
+            <a:schemeClr val="accent1"/>
+          </a:effectRef>
+          <a:fontRef idx="minor">
+            <a:schemeClr val="lt1"/>
+          </a:fontRef>
+        </p:style>
+        <p:txBody>
+          <a:bodyPr rtlCol="0" anchor="ctr"/>
+          <a:lstStyle/>
+          <a:p>
+            <a:pPr algn="r"/>
+            <a:r>
+              <a:rPr lang="en-US" sz="1100" dirty="0">
+                <a:latin typeface="Courier New" panose="02070309020205020404" pitchFamily="49" charset="0"/>
+                <a:cs typeface="Courier New" panose="02070309020205020404" pitchFamily="49" charset="0"/>
+              </a:rPr>
+              <a:t>CAGACTAGAAAA</a:t>
+            </a:r>
+          </a:p>
+        </p:txBody>
+      </p:sp>
+      <p:sp>
+        <p:nvSpPr>
+          <p:cNvPr id="18" name="Pentagon 17">
+            <a:extLst>
+              <a:ext uri="{FF2B5EF4-FFF2-40B4-BE49-F238E27FC236}">
+                <a16:creationId xmlns:a16="http://schemas.microsoft.com/office/drawing/2014/main" id="{A22EA1DF-A6B2-C04F-BA1C-7C0E66C89E57}"/>
+              </a:ext>
+            </a:extLst>
+          </p:cNvPr>
+          <p:cNvSpPr/>
+          <p:nvPr/>
+        </p:nvSpPr>
+        <p:spPr>
+          <a:xfrm>
+            <a:off x="7421479" y="3617412"/>
+            <a:ext cx="3190407" cy="236607"/>
+          </a:xfrm>
+          <a:prstGeom prst="homePlate">
+            <a:avLst/>
+          </a:prstGeom>
+          <a:solidFill>
+            <a:schemeClr val="accent2"/>
+          </a:solidFill>
+        </p:spPr>
+        <p:style>
+          <a:lnRef idx="2">
+            <a:schemeClr val="accent1">
+              <a:shade val="50000"/>
+            </a:schemeClr>
+          </a:lnRef>
+          <a:fillRef idx="1">
+            <a:schemeClr val="accent1"/>
+          </a:fillRef>
+          <a:effectRef idx="0">
+            <a:schemeClr val="accent1"/>
+          </a:effectRef>
+          <a:fontRef idx="minor">
+            <a:schemeClr val="lt1"/>
+          </a:fontRef>
+        </p:style>
+        <p:txBody>
+          <a:bodyPr rtlCol="0" anchor="ctr"/>
+          <a:lstStyle/>
+          <a:p>
+            <a:r>
+              <a:rPr lang="en-US" sz="1100" dirty="0">
+                <a:latin typeface="Courier New" panose="02070309020205020404" pitchFamily="49" charset="0"/>
+                <a:cs typeface="Courier New" panose="02070309020205020404" pitchFamily="49" charset="0"/>
+              </a:rPr>
+              <a:t>ACGATCCGACTACCGACATACGCAGACTAGAAAA</a:t>
             </a:r>
           </a:p>
         </p:txBody>
@@ -11598,6 +12091,76 @@
       </p:sp>
       <p:sp>
         <p:nvSpPr>
+          <p:cNvPr id="7" name="TextBox 6">
+            <a:extLst>
+              <a:ext uri="{FF2B5EF4-FFF2-40B4-BE49-F238E27FC236}">
+                <a16:creationId xmlns:a16="http://schemas.microsoft.com/office/drawing/2014/main" id="{59536009-12A1-3143-B21F-BDD56E07557F}"/>
+              </a:ext>
+            </a:extLst>
+          </p:cNvPr>
+          <p:cNvSpPr txBox="1"/>
+          <p:nvPr/>
+        </p:nvSpPr>
+        <p:spPr>
+          <a:xfrm>
+            <a:off x="6729174" y="2807490"/>
+            <a:ext cx="676788" cy="276999"/>
+          </a:xfrm>
+          <a:prstGeom prst="rect">
+            <a:avLst/>
+          </a:prstGeom>
+          <a:noFill/>
+        </p:spPr>
+        <p:txBody>
+          <a:bodyPr wrap="none" rtlCol="0">
+            <a:spAutoFit/>
+          </a:bodyPr>
+          <a:lstStyle/>
+          <a:p>
+            <a:r>
+              <a:rPr lang="en-US" sz="1200" dirty="0"/>
+              <a:t>SSC-pos</a:t>
+            </a:r>
+          </a:p>
+        </p:txBody>
+      </p:sp>
+      <p:sp>
+        <p:nvSpPr>
+          <p:cNvPr id="19" name="TextBox 18">
+            <a:extLst>
+              <a:ext uri="{FF2B5EF4-FFF2-40B4-BE49-F238E27FC236}">
+                <a16:creationId xmlns:a16="http://schemas.microsoft.com/office/drawing/2014/main" id="{2ABA8D44-30E6-394D-B60E-7F6AA7A9B054}"/>
+              </a:ext>
+            </a:extLst>
+          </p:cNvPr>
+          <p:cNvSpPr txBox="1"/>
+          <p:nvPr/>
+        </p:nvSpPr>
+        <p:spPr>
+          <a:xfrm>
+            <a:off x="6722762" y="3085152"/>
+            <a:ext cx="683200" cy="276999"/>
+          </a:xfrm>
+          <a:prstGeom prst="rect">
+            <a:avLst/>
+          </a:prstGeom>
+          <a:noFill/>
+        </p:spPr>
+        <p:txBody>
+          <a:bodyPr wrap="none" rtlCol="0">
+            <a:spAutoFit/>
+          </a:bodyPr>
+          <a:lstStyle/>
+          <a:p>
+            <a:r>
+              <a:rPr lang="en-US" sz="1200" dirty="0"/>
+              <a:t>SSC-neg</a:t>
+            </a:r>
+          </a:p>
+        </p:txBody>
+      </p:sp>
+      <p:sp>
+        <p:nvSpPr>
           <p:cNvPr id="20" name="TextBox 19">
             <a:extLst>
               <a:ext uri="{FF2B5EF4-FFF2-40B4-BE49-F238E27FC236}">
@@ -11645,7 +12208,7 @@
         </p:nvCxnSpPr>
         <p:spPr>
           <a:xfrm>
-            <a:off x="8437344" y="2698671"/>
+            <a:off x="7657698" y="2698671"/>
             <a:ext cx="0" cy="1328286"/>
           </a:xfrm>
           <a:prstGeom prst="line">
@@ -11684,7 +12247,7 @@
         </p:nvCxnSpPr>
         <p:spPr>
           <a:xfrm>
-            <a:off x="8342551" y="2698671"/>
+            <a:off x="7774661" y="2698671"/>
             <a:ext cx="0" cy="1328286"/>
           </a:xfrm>
           <a:prstGeom prst="line">
@@ -11709,10 +12272,84 @@
           </a:fontRef>
         </p:style>
       </p:cxnSp>
+      <p:cxnSp>
+        <p:nvCxnSpPr>
+          <p:cNvPr id="36" name="Straight Arrow Connector 35">
+            <a:extLst>
+              <a:ext uri="{FF2B5EF4-FFF2-40B4-BE49-F238E27FC236}">
+                <a16:creationId xmlns:a16="http://schemas.microsoft.com/office/drawing/2014/main" id="{44E54EDF-440F-B74D-891A-C520B64C22F8}"/>
+              </a:ext>
+            </a:extLst>
+          </p:cNvPr>
+          <p:cNvCxnSpPr/>
+          <p:nvPr/>
+        </p:nvCxnSpPr>
+        <p:spPr>
+          <a:xfrm flipV="1">
+            <a:off x="7716911" y="3933809"/>
+            <a:ext cx="0" cy="641296"/>
+          </a:xfrm>
+          <a:prstGeom prst="straightConnector1">
+            <a:avLst/>
+          </a:prstGeom>
+          <a:ln>
+            <a:tailEnd type="triangle"/>
+          </a:ln>
+        </p:spPr>
+        <p:style>
+          <a:lnRef idx="1">
+            <a:schemeClr val="accent1"/>
+          </a:lnRef>
+          <a:fillRef idx="0">
+            <a:schemeClr val="accent1"/>
+          </a:fillRef>
+          <a:effectRef idx="0">
+            <a:schemeClr val="accent1"/>
+          </a:effectRef>
+          <a:fontRef idx="minor">
+            <a:schemeClr val="tx1"/>
+          </a:fontRef>
+        </p:style>
+      </p:cxnSp>
+      <p:sp>
+        <p:nvSpPr>
+          <p:cNvPr id="37" name="TextBox 36">
+            <a:extLst>
+              <a:ext uri="{FF2B5EF4-FFF2-40B4-BE49-F238E27FC236}">
+                <a16:creationId xmlns:a16="http://schemas.microsoft.com/office/drawing/2014/main" id="{A7A0156B-D89B-AC44-9D59-EC5552D9A028}"/>
+              </a:ext>
+            </a:extLst>
+          </p:cNvPr>
+          <p:cNvSpPr txBox="1"/>
+          <p:nvPr/>
+        </p:nvSpPr>
+        <p:spPr>
+          <a:xfrm>
+            <a:off x="7235170" y="4535753"/>
+            <a:ext cx="857927" cy="369332"/>
+          </a:xfrm>
+          <a:prstGeom prst="rect">
+            <a:avLst/>
+          </a:prstGeom>
+          <a:noFill/>
+        </p:spPr>
+        <p:txBody>
+          <a:bodyPr wrap="none" rtlCol="0">
+            <a:spAutoFit/>
+          </a:bodyPr>
+          <a:lstStyle/>
+          <a:p>
+            <a:r>
+              <a:rPr lang="en-US" dirty="0"/>
+              <a:t>Adduct</a:t>
+            </a:r>
+          </a:p>
+        </p:txBody>
+      </p:sp>
     </p:spTree>
     <p:extLst>
       <p:ext uri="{BB962C8B-B14F-4D97-AF65-F5344CB8AC3E}">
-        <p14:creationId xmlns:p14="http://schemas.microsoft.com/office/powerpoint/2010/main" val="1385535680"/>
+        <p14:creationId xmlns:p14="http://schemas.microsoft.com/office/powerpoint/2010/main" val="3724974812"/>
       </p:ext>
     </p:extLst>
   </p:cSld>
@@ -11805,26 +12442,11 @@
           <a:p>
             <a:pPr marL="514350" indent="-514350">
               <a:buFont typeface="+mj-lt"/>
-              <a:buAutoNum type="arabicPeriod" startAt="5"/>
+              <a:buAutoNum type="arabicPeriod" startAt="4"/>
             </a:pPr>
             <a:r>
               <a:rPr lang="en-US" dirty="0"/>
-              <a:t>Positions which have mismatches to the reference on both strands will be called as </a:t>
-            </a:r>
-            <a:r>
-              <a:rPr lang="en-US" i="1" dirty="0"/>
-              <a:t>both</a:t>
-            </a:r>
-            <a:r>
-              <a:rPr lang="en-US" dirty="0"/>
-              <a:t> a mutation and an adduct</a:t>
-            </a:r>
-          </a:p>
-          <a:p>
-            <a:pPr lvl="1"/>
-            <a:r>
-              <a:rPr lang="en-US" dirty="0"/>
-              <a:t>The base on the positive strand will be marked as the mutation, and the base on the negative strand will be marked as the adduct</a:t>
+              <a:t>Overlapping reads will be counted as only a single mutation or adduct</a:t>
             </a:r>
             <a:endParaRPr lang="en-US" dirty="0">
               <a:latin typeface="Courier New" panose="02070309020205020404" pitchFamily="49" charset="0"/>
@@ -11904,10 +12526,10 @@
       </p:sp>
       <p:sp>
         <p:nvSpPr>
-          <p:cNvPr id="9" name="Pentagon 8">
-            <a:extLst>
-              <a:ext uri="{FF2B5EF4-FFF2-40B4-BE49-F238E27FC236}">
-                <a16:creationId xmlns:a16="http://schemas.microsoft.com/office/drawing/2014/main" id="{E3843B6E-FC4B-D542-B388-3DCF0E5EA2B6}"/>
+          <p:cNvPr id="13" name="Pentagon 12">
+            <a:extLst>
+              <a:ext uri="{FF2B5EF4-FFF2-40B4-BE49-F238E27FC236}">
+                <a16:creationId xmlns:a16="http://schemas.microsoft.com/office/drawing/2014/main" id="{83484A4F-7F29-924D-B4A6-E96670444B93}"/>
               </a:ext>
             </a:extLst>
           </p:cNvPr>
@@ -11916,12 +12538,15 @@
         </p:nvSpPr>
         <p:spPr>
           <a:xfrm>
-            <a:off x="7421478" y="3075382"/>
-            <a:ext cx="1626083" cy="236607"/>
+            <a:off x="7421479" y="3356120"/>
+            <a:ext cx="1284045" cy="226884"/>
           </a:xfrm>
           <a:prstGeom prst="homePlate">
             <a:avLst/>
           </a:prstGeom>
+          <a:solidFill>
+            <a:schemeClr val="accent2"/>
+          </a:solidFill>
         </p:spPr>
         <p:style>
           <a:lnRef idx="2">
@@ -11951,31 +12576,45 @@
               <a:t>AC</a:t>
             </a:r>
             <a:r>
-              <a:rPr lang="en-US" sz="1100" b="1" dirty="0">
+              <a:rPr lang="en-US" sz="1100" dirty="0">
                 <a:solidFill>
                   <a:schemeClr val="bg1"/>
                 </a:solidFill>
                 <a:latin typeface="Courier New" panose="02070309020205020404" pitchFamily="49" charset="0"/>
                 <a:cs typeface="Courier New" panose="02070309020205020404" pitchFamily="49" charset="0"/>
               </a:rPr>
-              <a:t>C</a:t>
+              <a:t>G</a:t>
             </a:r>
             <a:r>
               <a:rPr lang="en-US" sz="1100" dirty="0">
                 <a:latin typeface="Courier New" panose="02070309020205020404" pitchFamily="49" charset="0"/>
                 <a:cs typeface="Courier New" panose="02070309020205020404" pitchFamily="49" charset="0"/>
               </a:rPr>
-              <a:t>ATCCGACTATCGG</a:t>
-            </a:r>
-          </a:p>
-        </p:txBody>
-      </p:sp>
-      <p:sp>
-        <p:nvSpPr>
-          <p:cNvPr id="10" name="Pentagon 9">
-            <a:extLst>
-              <a:ext uri="{FF2B5EF4-FFF2-40B4-BE49-F238E27FC236}">
-                <a16:creationId xmlns:a16="http://schemas.microsoft.com/office/drawing/2014/main" id="{06EF1038-F2C9-AC4B-B613-B68D644DF2AD}"/>
+              <a:t>ATCCGAC</a:t>
+            </a:r>
+            <a:r>
+              <a:rPr lang="en-US" sz="1100" b="1" dirty="0">
+                <a:latin typeface="Courier New" panose="02070309020205020404" pitchFamily="49" charset="0"/>
+                <a:cs typeface="Courier New" panose="02070309020205020404" pitchFamily="49" charset="0"/>
+              </a:rPr>
+              <a:t>A</a:t>
+            </a:r>
+            <a:r>
+              <a:rPr lang="en-US" sz="1100" dirty="0">
+                <a:latin typeface="Courier New" panose="02070309020205020404" pitchFamily="49" charset="0"/>
+                <a:cs typeface="Courier New" panose="02070309020205020404" pitchFamily="49" charset="0"/>
+              </a:rPr>
+              <a:t>A</a:t>
+            </a:r>
+          </a:p>
+        </p:txBody>
+      </p:sp>
+      <p:sp>
+        <p:nvSpPr>
+          <p:cNvPr id="14" name="Pentagon 13">
+            <a:extLst>
+              <a:ext uri="{FF2B5EF4-FFF2-40B4-BE49-F238E27FC236}">
+                <a16:creationId xmlns:a16="http://schemas.microsoft.com/office/drawing/2014/main" id="{FF36FFD7-FABB-6F45-85E3-CE86DA2029C2}"/>
               </a:ext>
             </a:extLst>
           </p:cNvPr>
@@ -11983,13 +12622,16 @@
           <p:nvPr/>
         </p:nvSpPr>
         <p:spPr>
-          <a:xfrm>
-            <a:off x="7421479" y="2807490"/>
-            <a:ext cx="1284045" cy="226884"/>
+          <a:xfrm flipH="1">
+            <a:off x="8024918" y="3048012"/>
+            <a:ext cx="1348293" cy="236607"/>
           </a:xfrm>
           <a:prstGeom prst="homePlate">
             <a:avLst/>
           </a:prstGeom>
+          <a:solidFill>
+            <a:schemeClr val="accent2"/>
+          </a:solidFill>
         </p:spPr>
         <p:style>
           <a:lnRef idx="2">
@@ -12011,12 +12653,13 @@
           <a:bodyPr rtlCol="0" anchor="ctr"/>
           <a:lstStyle/>
           <a:p>
+            <a:pPr algn="r"/>
             <a:r>
               <a:rPr lang="en-US" sz="1100" dirty="0">
                 <a:latin typeface="Courier New" panose="02070309020205020404" pitchFamily="49" charset="0"/>
                 <a:cs typeface="Courier New" panose="02070309020205020404" pitchFamily="49" charset="0"/>
               </a:rPr>
-              <a:t>AC</a:t>
+              <a:t>C</a:t>
             </a:r>
             <a:r>
               <a:rPr lang="en-US" sz="1100" b="1" dirty="0">
@@ -12030,17 +12673,17 @@
                 <a:latin typeface="Courier New" panose="02070309020205020404" pitchFamily="49" charset="0"/>
                 <a:cs typeface="Courier New" panose="02070309020205020404" pitchFamily="49" charset="0"/>
               </a:rPr>
-              <a:t>ATCCGACTA</a:t>
-            </a:r>
-          </a:p>
-        </p:txBody>
-      </p:sp>
-      <p:sp>
-        <p:nvSpPr>
-          <p:cNvPr id="11" name="Pentagon 10">
-            <a:extLst>
-              <a:ext uri="{FF2B5EF4-FFF2-40B4-BE49-F238E27FC236}">
-                <a16:creationId xmlns:a16="http://schemas.microsoft.com/office/drawing/2014/main" id="{59DBB4C7-9C2A-8649-9BD0-00DFA83B6DE6}"/>
+              <a:t>ACCGACATAC</a:t>
+            </a:r>
+          </a:p>
+        </p:txBody>
+      </p:sp>
+      <p:sp>
+        <p:nvSpPr>
+          <p:cNvPr id="18" name="Pentagon 17">
+            <a:extLst>
+              <a:ext uri="{FF2B5EF4-FFF2-40B4-BE49-F238E27FC236}">
+                <a16:creationId xmlns:a16="http://schemas.microsoft.com/office/drawing/2014/main" id="{A22EA1DF-A6B2-C04F-BA1C-7C0E66C89E57}"/>
               </a:ext>
             </a:extLst>
           </p:cNvPr>
@@ -12048,13 +12691,16 @@
           <p:nvPr/>
         </p:nvSpPr>
         <p:spPr>
-          <a:xfrm flipH="1">
-            <a:off x="9102947" y="3072082"/>
-            <a:ext cx="1348293" cy="236607"/>
+          <a:xfrm>
+            <a:off x="7421480" y="3617412"/>
+            <a:ext cx="2020904" cy="236607"/>
           </a:xfrm>
           <a:prstGeom prst="homePlate">
             <a:avLst/>
           </a:prstGeom>
+          <a:solidFill>
+            <a:schemeClr val="accent2"/>
+          </a:solidFill>
         </p:spPr>
         <p:style>
           <a:lnRef idx="2">
@@ -12076,245 +12722,12 @@
           <a:bodyPr rtlCol="0" anchor="ctr"/>
           <a:lstStyle/>
           <a:p>
-            <a:pPr algn="r"/>
             <a:r>
               <a:rPr lang="en-US" sz="1100" dirty="0">
                 <a:latin typeface="Courier New" panose="02070309020205020404" pitchFamily="49" charset="0"/>
                 <a:cs typeface="Courier New" panose="02070309020205020404" pitchFamily="49" charset="0"/>
               </a:rPr>
-              <a:t>CAGACTAGAAAA</a:t>
-            </a:r>
-          </a:p>
-        </p:txBody>
-      </p:sp>
-      <p:sp>
-        <p:nvSpPr>
-          <p:cNvPr id="12" name="Pentagon 11">
-            <a:extLst>
-              <a:ext uri="{FF2B5EF4-FFF2-40B4-BE49-F238E27FC236}">
-                <a16:creationId xmlns:a16="http://schemas.microsoft.com/office/drawing/2014/main" id="{AFFB0A94-9FDB-2B44-B2B1-AA387ED71B64}"/>
-              </a:ext>
-            </a:extLst>
-          </p:cNvPr>
-          <p:cNvSpPr/>
-          <p:nvPr/>
-        </p:nvSpPr>
-        <p:spPr>
-          <a:xfrm flipH="1">
-            <a:off x="8959915" y="2807490"/>
-            <a:ext cx="1502744" cy="226884"/>
-          </a:xfrm>
-          <a:prstGeom prst="homePlate">
-            <a:avLst/>
-          </a:prstGeom>
-        </p:spPr>
-        <p:style>
-          <a:lnRef idx="2">
-            <a:schemeClr val="accent1">
-              <a:shade val="50000"/>
-            </a:schemeClr>
-          </a:lnRef>
-          <a:fillRef idx="1">
-            <a:schemeClr val="accent1"/>
-          </a:fillRef>
-          <a:effectRef idx="0">
-            <a:schemeClr val="accent1"/>
-          </a:effectRef>
-          <a:fontRef idx="minor">
-            <a:schemeClr val="lt1"/>
-          </a:fontRef>
-        </p:style>
-        <p:txBody>
-          <a:bodyPr rtlCol="0" anchor="ctr"/>
-          <a:lstStyle/>
-          <a:p>
-            <a:pPr algn="r"/>
-            <a:r>
-              <a:rPr lang="en-US" sz="1100" dirty="0">
-                <a:latin typeface="Courier New" panose="02070309020205020404" pitchFamily="49" charset="0"/>
-                <a:cs typeface="Courier New" panose="02070309020205020404" pitchFamily="49" charset="0"/>
-              </a:rPr>
-              <a:t>CGCAGACTAGAAAA</a:t>
-            </a:r>
-          </a:p>
-        </p:txBody>
-      </p:sp>
-      <p:sp>
-        <p:nvSpPr>
-          <p:cNvPr id="13" name="Pentagon 12">
-            <a:extLst>
-              <a:ext uri="{FF2B5EF4-FFF2-40B4-BE49-F238E27FC236}">
-                <a16:creationId xmlns:a16="http://schemas.microsoft.com/office/drawing/2014/main" id="{83484A4F-7F29-924D-B4A6-E96670444B93}"/>
-              </a:ext>
-            </a:extLst>
-          </p:cNvPr>
-          <p:cNvSpPr/>
-          <p:nvPr/>
-        </p:nvSpPr>
-        <p:spPr>
-          <a:xfrm>
-            <a:off x="7421479" y="3356120"/>
-            <a:ext cx="1284045" cy="226884"/>
-          </a:xfrm>
-          <a:prstGeom prst="homePlate">
-            <a:avLst/>
-          </a:prstGeom>
-          <a:solidFill>
-            <a:schemeClr val="accent2"/>
-          </a:solidFill>
-        </p:spPr>
-        <p:style>
-          <a:lnRef idx="2">
-            <a:schemeClr val="accent1">
-              <a:shade val="50000"/>
-            </a:schemeClr>
-          </a:lnRef>
-          <a:fillRef idx="1">
-            <a:schemeClr val="accent1"/>
-          </a:fillRef>
-          <a:effectRef idx="0">
-            <a:schemeClr val="accent1"/>
-          </a:effectRef>
-          <a:fontRef idx="minor">
-            <a:schemeClr val="lt1"/>
-          </a:fontRef>
-        </p:style>
-        <p:txBody>
-          <a:bodyPr rtlCol="0" anchor="ctr"/>
-          <a:lstStyle/>
-          <a:p>
-            <a:r>
-              <a:rPr lang="en-US" sz="1100" dirty="0">
-                <a:latin typeface="Courier New" panose="02070309020205020404" pitchFamily="49" charset="0"/>
-                <a:cs typeface="Courier New" panose="02070309020205020404" pitchFamily="49" charset="0"/>
-              </a:rPr>
-              <a:t>AC</a:t>
-            </a:r>
-            <a:r>
-              <a:rPr lang="en-US" sz="1100" b="1" dirty="0">
-                <a:solidFill>
-                  <a:schemeClr val="bg1"/>
-                </a:solidFill>
-                <a:latin typeface="Courier New" panose="02070309020205020404" pitchFamily="49" charset="0"/>
-                <a:cs typeface="Courier New" panose="02070309020205020404" pitchFamily="49" charset="0"/>
-              </a:rPr>
-              <a:t>M</a:t>
-            </a:r>
-            <a:r>
-              <a:rPr lang="en-US" sz="1100" dirty="0">
-                <a:latin typeface="Courier New" panose="02070309020205020404" pitchFamily="49" charset="0"/>
-                <a:cs typeface="Courier New" panose="02070309020205020404" pitchFamily="49" charset="0"/>
-              </a:rPr>
-              <a:t>ATCCGACTA</a:t>
-            </a:r>
-          </a:p>
-        </p:txBody>
-      </p:sp>
-      <p:sp>
-        <p:nvSpPr>
-          <p:cNvPr id="14" name="Pentagon 13">
-            <a:extLst>
-              <a:ext uri="{FF2B5EF4-FFF2-40B4-BE49-F238E27FC236}">
-                <a16:creationId xmlns:a16="http://schemas.microsoft.com/office/drawing/2014/main" id="{FF36FFD7-FABB-6F45-85E3-CE86DA2029C2}"/>
-              </a:ext>
-            </a:extLst>
-          </p:cNvPr>
-          <p:cNvSpPr/>
-          <p:nvPr/>
-        </p:nvSpPr>
-        <p:spPr>
-          <a:xfrm flipH="1">
-            <a:off x="9102947" y="3346397"/>
-            <a:ext cx="1348293" cy="236607"/>
-          </a:xfrm>
-          <a:prstGeom prst="homePlate">
-            <a:avLst/>
-          </a:prstGeom>
-          <a:solidFill>
-            <a:schemeClr val="accent2"/>
-          </a:solidFill>
-        </p:spPr>
-        <p:style>
-          <a:lnRef idx="2">
-            <a:schemeClr val="accent1">
-              <a:shade val="50000"/>
-            </a:schemeClr>
-          </a:lnRef>
-          <a:fillRef idx="1">
-            <a:schemeClr val="accent1"/>
-          </a:fillRef>
-          <a:effectRef idx="0">
-            <a:schemeClr val="accent1"/>
-          </a:effectRef>
-          <a:fontRef idx="minor">
-            <a:schemeClr val="lt1"/>
-          </a:fontRef>
-        </p:style>
-        <p:txBody>
-          <a:bodyPr rtlCol="0" anchor="ctr"/>
-          <a:lstStyle/>
-          <a:p>
-            <a:pPr algn="r"/>
-            <a:r>
-              <a:rPr lang="en-US" sz="1100" dirty="0">
-                <a:latin typeface="Courier New" panose="02070309020205020404" pitchFamily="49" charset="0"/>
-                <a:cs typeface="Courier New" panose="02070309020205020404" pitchFamily="49" charset="0"/>
-              </a:rPr>
-              <a:t>CAGACTAGAAAA</a:t>
-            </a:r>
-          </a:p>
-        </p:txBody>
-      </p:sp>
-      <p:sp>
-        <p:nvSpPr>
-          <p:cNvPr id="18" name="Pentagon 17">
-            <a:extLst>
-              <a:ext uri="{FF2B5EF4-FFF2-40B4-BE49-F238E27FC236}">
-                <a16:creationId xmlns:a16="http://schemas.microsoft.com/office/drawing/2014/main" id="{A22EA1DF-A6B2-C04F-BA1C-7C0E66C89E57}"/>
-              </a:ext>
-            </a:extLst>
-          </p:cNvPr>
-          <p:cNvSpPr/>
-          <p:nvPr/>
-        </p:nvSpPr>
-        <p:spPr>
-          <a:xfrm>
-            <a:off x="7421479" y="3617412"/>
-            <a:ext cx="3190407" cy="236607"/>
-          </a:xfrm>
-          <a:prstGeom prst="homePlate">
-            <a:avLst/>
-          </a:prstGeom>
-          <a:solidFill>
-            <a:schemeClr val="accent2"/>
-          </a:solidFill>
-        </p:spPr>
-        <p:style>
-          <a:lnRef idx="2">
-            <a:schemeClr val="accent1">
-              <a:shade val="50000"/>
-            </a:schemeClr>
-          </a:lnRef>
-          <a:fillRef idx="1">
-            <a:schemeClr val="accent1"/>
-          </a:fillRef>
-          <a:effectRef idx="0">
-            <a:schemeClr val="accent1"/>
-          </a:effectRef>
-          <a:fontRef idx="minor">
-            <a:schemeClr val="lt1"/>
-          </a:fontRef>
-        </p:style>
-        <p:txBody>
-          <a:bodyPr rtlCol="0" anchor="ctr"/>
-          <a:lstStyle/>
-          <a:p>
-            <a:r>
-              <a:rPr lang="en-US" sz="1100" dirty="0">
-                <a:latin typeface="Courier New" panose="02070309020205020404" pitchFamily="49" charset="0"/>
-                <a:cs typeface="Courier New" panose="02070309020205020404" pitchFamily="49" charset="0"/>
-              </a:rPr>
-              <a:t>ACGATCCGACTACCGACATACGCAGACTAGAAAA</a:t>
+              <a:t>ACGATCCGACTACCGACATAC</a:t>
             </a:r>
           </a:p>
         </p:txBody>
@@ -12356,10 +12769,10 @@
       </p:sp>
       <p:sp>
         <p:nvSpPr>
-          <p:cNvPr id="7" name="TextBox 6">
-            <a:extLst>
-              <a:ext uri="{FF2B5EF4-FFF2-40B4-BE49-F238E27FC236}">
-                <a16:creationId xmlns:a16="http://schemas.microsoft.com/office/drawing/2014/main" id="{59536009-12A1-3143-B21F-BDD56E07557F}"/>
+          <p:cNvPr id="20" name="TextBox 19">
+            <a:extLst>
+              <a:ext uri="{FF2B5EF4-FFF2-40B4-BE49-F238E27FC236}">
+                <a16:creationId xmlns:a16="http://schemas.microsoft.com/office/drawing/2014/main" id="{8C50FD61-9EEC-E34C-9D71-C627B1826215}"/>
               </a:ext>
             </a:extLst>
           </p:cNvPr>
@@ -12368,8 +12781,8 @@
         </p:nvSpPr>
         <p:spPr>
           <a:xfrm>
-            <a:off x="6729174" y="2807490"/>
-            <a:ext cx="676788" cy="276999"/>
+            <a:off x="6974434" y="3362814"/>
+            <a:ext cx="431528" cy="276999"/>
           </a:xfrm>
           <a:prstGeom prst="rect">
             <a:avLst/>
@@ -12384,76 +12797,6 @@
           <a:p>
             <a:r>
               <a:rPr lang="en-US" sz="1200" dirty="0"/>
-              <a:t>SSC-pos</a:t>
-            </a:r>
-          </a:p>
-        </p:txBody>
-      </p:sp>
-      <p:sp>
-        <p:nvSpPr>
-          <p:cNvPr id="19" name="TextBox 18">
-            <a:extLst>
-              <a:ext uri="{FF2B5EF4-FFF2-40B4-BE49-F238E27FC236}">
-                <a16:creationId xmlns:a16="http://schemas.microsoft.com/office/drawing/2014/main" id="{2ABA8D44-30E6-394D-B60E-7F6AA7A9B054}"/>
-              </a:ext>
-            </a:extLst>
-          </p:cNvPr>
-          <p:cNvSpPr txBox="1"/>
-          <p:nvPr/>
-        </p:nvSpPr>
-        <p:spPr>
-          <a:xfrm>
-            <a:off x="6722762" y="3085152"/>
-            <a:ext cx="683200" cy="276999"/>
-          </a:xfrm>
-          <a:prstGeom prst="rect">
-            <a:avLst/>
-          </a:prstGeom>
-          <a:noFill/>
-        </p:spPr>
-        <p:txBody>
-          <a:bodyPr wrap="none" rtlCol="0">
-            <a:spAutoFit/>
-          </a:bodyPr>
-          <a:lstStyle/>
-          <a:p>
-            <a:r>
-              <a:rPr lang="en-US" sz="1200" dirty="0"/>
-              <a:t>SSC-neg</a:t>
-            </a:r>
-          </a:p>
-        </p:txBody>
-      </p:sp>
-      <p:sp>
-        <p:nvSpPr>
-          <p:cNvPr id="20" name="TextBox 19">
-            <a:extLst>
-              <a:ext uri="{FF2B5EF4-FFF2-40B4-BE49-F238E27FC236}">
-                <a16:creationId xmlns:a16="http://schemas.microsoft.com/office/drawing/2014/main" id="{8C50FD61-9EEC-E34C-9D71-C627B1826215}"/>
-              </a:ext>
-            </a:extLst>
-          </p:cNvPr>
-          <p:cNvSpPr txBox="1"/>
-          <p:nvPr/>
-        </p:nvSpPr>
-        <p:spPr>
-          <a:xfrm>
-            <a:off x="6974434" y="3362814"/>
-            <a:ext cx="431528" cy="276999"/>
-          </a:xfrm>
-          <a:prstGeom prst="rect">
-            <a:avLst/>
-          </a:prstGeom>
-          <a:noFill/>
-        </p:spPr>
-        <p:txBody>
-          <a:bodyPr wrap="none" rtlCol="0">
-            <a:spAutoFit/>
-          </a:bodyPr>
-          <a:lstStyle/>
-          <a:p>
-            <a:r>
-              <a:rPr lang="en-US" sz="1200" dirty="0"/>
               <a:t>DSC</a:t>
             </a:r>
           </a:p>
@@ -12473,7 +12816,7 @@
         </p:nvCxnSpPr>
         <p:spPr>
           <a:xfrm>
-            <a:off x="7657698" y="2698671"/>
+            <a:off x="8437344" y="2698671"/>
             <a:ext cx="0" cy="1328286"/>
           </a:xfrm>
           <a:prstGeom prst="line">
@@ -12512,7 +12855,7 @@
         </p:nvCxnSpPr>
         <p:spPr>
           <a:xfrm>
-            <a:off x="7774661" y="2698671"/>
+            <a:off x="8342551" y="2698671"/>
             <a:ext cx="0" cy="1328286"/>
           </a:xfrm>
           <a:prstGeom prst="line">
@@ -12537,84 +12880,10 @@
           </a:fontRef>
         </p:style>
       </p:cxnSp>
-      <p:cxnSp>
-        <p:nvCxnSpPr>
-          <p:cNvPr id="36" name="Straight Arrow Connector 35">
-            <a:extLst>
-              <a:ext uri="{FF2B5EF4-FFF2-40B4-BE49-F238E27FC236}">
-                <a16:creationId xmlns:a16="http://schemas.microsoft.com/office/drawing/2014/main" id="{44E54EDF-440F-B74D-891A-C520B64C22F8}"/>
-              </a:ext>
-            </a:extLst>
-          </p:cNvPr>
-          <p:cNvCxnSpPr/>
-          <p:nvPr/>
-        </p:nvCxnSpPr>
-        <p:spPr>
-          <a:xfrm flipV="1">
-            <a:off x="7716911" y="3933809"/>
-            <a:ext cx="0" cy="641296"/>
-          </a:xfrm>
-          <a:prstGeom prst="straightConnector1">
-            <a:avLst/>
-          </a:prstGeom>
-          <a:ln>
-            <a:tailEnd type="triangle"/>
-          </a:ln>
-        </p:spPr>
-        <p:style>
-          <a:lnRef idx="1">
-            <a:schemeClr val="accent1"/>
-          </a:lnRef>
-          <a:fillRef idx="0">
-            <a:schemeClr val="accent1"/>
-          </a:fillRef>
-          <a:effectRef idx="0">
-            <a:schemeClr val="accent1"/>
-          </a:effectRef>
-          <a:fontRef idx="minor">
-            <a:schemeClr val="tx1"/>
-          </a:fontRef>
-        </p:style>
-      </p:cxnSp>
-      <p:sp>
-        <p:nvSpPr>
-          <p:cNvPr id="37" name="TextBox 36">
-            <a:extLst>
-              <a:ext uri="{FF2B5EF4-FFF2-40B4-BE49-F238E27FC236}">
-                <a16:creationId xmlns:a16="http://schemas.microsoft.com/office/drawing/2014/main" id="{A7A0156B-D89B-AC44-9D59-EC5552D9A028}"/>
-              </a:ext>
-            </a:extLst>
-          </p:cNvPr>
-          <p:cNvSpPr txBox="1"/>
-          <p:nvPr/>
-        </p:nvSpPr>
-        <p:spPr>
-          <a:xfrm>
-            <a:off x="7235170" y="4535753"/>
-            <a:ext cx="3012235" cy="369332"/>
-          </a:xfrm>
-          <a:prstGeom prst="rect">
-            <a:avLst/>
-          </a:prstGeom>
-          <a:noFill/>
-        </p:spPr>
-        <p:txBody>
-          <a:bodyPr wrap="none" rtlCol="0">
-            <a:spAutoFit/>
-          </a:bodyPr>
-          <a:lstStyle/>
-          <a:p>
-            <a:r>
-              <a:rPr lang="en-US" dirty="0"/>
-              <a:t>Combined Mutation &amp; Adduct</a:t>
-            </a:r>
-          </a:p>
-        </p:txBody>
-      </p:sp>
     </p:spTree>
     <p:extLst>
       <p:ext uri="{BB962C8B-B14F-4D97-AF65-F5344CB8AC3E}">
-        <p14:creationId xmlns:p14="http://schemas.microsoft.com/office/powerpoint/2010/main" val="3453074766"/>
+        <p14:creationId xmlns:p14="http://schemas.microsoft.com/office/powerpoint/2010/main" val="1385535680"/>
       </p:ext>
     </p:extLst>
   </p:cSld>
@@ -13453,6 +13722,908 @@
     <p:extLst>
       <p:ext uri="{BB962C8B-B14F-4D97-AF65-F5344CB8AC3E}">
         <p14:creationId xmlns:p14="http://schemas.microsoft.com/office/powerpoint/2010/main" val="1732069887"/>
+      </p:ext>
+    </p:extLst>
+  </p:cSld>
+  <p:clrMapOvr>
+    <a:masterClrMapping/>
+  </p:clrMapOvr>
+</p:sld>
+</file>
+
+<file path=ppt/slides/slide20.xml><?xml version="1.0" encoding="utf-8"?>
+<p:sld xmlns:a="http://schemas.openxmlformats.org/drawingml/2006/main" xmlns:r="http://schemas.openxmlformats.org/officeDocument/2006/relationships" xmlns:p="http://schemas.openxmlformats.org/presentationml/2006/main">
+  <p:cSld>
+    <p:spTree>
+      <p:nvGrpSpPr>
+        <p:cNvPr id="1" name=""/>
+        <p:cNvGrpSpPr/>
+        <p:nvPr/>
+      </p:nvGrpSpPr>
+      <p:grpSpPr>
+        <a:xfrm>
+          <a:off x="0" y="0"/>
+          <a:ext cx="0" cy="0"/>
+          <a:chOff x="0" y="0"/>
+          <a:chExt cx="0" cy="0"/>
+        </a:xfrm>
+      </p:grpSpPr>
+      <p:sp>
+        <p:nvSpPr>
+          <p:cNvPr id="2" name="Title 1">
+            <a:extLst>
+              <a:ext uri="{FF2B5EF4-FFF2-40B4-BE49-F238E27FC236}">
+                <a16:creationId xmlns:a16="http://schemas.microsoft.com/office/drawing/2014/main" id="{D460C36F-18BC-9C43-A097-63DE5E7F3CB0}"/>
+              </a:ext>
+            </a:extLst>
+          </p:cNvPr>
+          <p:cNvSpPr>
+            <a:spLocks noGrp="1"/>
+          </p:cNvSpPr>
+          <p:nvPr>
+            <p:ph type="title"/>
+          </p:nvPr>
+        </p:nvSpPr>
+        <p:spPr/>
+        <p:txBody>
+          <a:bodyPr/>
+          <a:lstStyle/>
+          <a:p>
+            <a:r>
+              <a:rPr lang="en-US" dirty="0"/>
+              <a:t>6. Variant Calling</a:t>
+            </a:r>
+          </a:p>
+        </p:txBody>
+      </p:sp>
+      <p:sp>
+        <p:nvSpPr>
+          <p:cNvPr id="6" name="Content Placeholder 5">
+            <a:extLst>
+              <a:ext uri="{FF2B5EF4-FFF2-40B4-BE49-F238E27FC236}">
+                <a16:creationId xmlns:a16="http://schemas.microsoft.com/office/drawing/2014/main" id="{0928D617-A66E-4449-ACFF-1C43A1B83F5D}"/>
+              </a:ext>
+            </a:extLst>
+          </p:cNvPr>
+          <p:cNvSpPr>
+            <a:spLocks noGrp="1"/>
+          </p:cNvSpPr>
+          <p:nvPr>
+            <p:ph sz="half" idx="1"/>
+          </p:nvPr>
+        </p:nvSpPr>
+        <p:spPr/>
+        <p:txBody>
+          <a:bodyPr>
+            <a:normAutofit/>
+          </a:bodyPr>
+          <a:lstStyle/>
+          <a:p>
+            <a:pPr marL="0" indent="0">
+              <a:buNone/>
+            </a:pPr>
+            <a:r>
+              <a:rPr lang="en-US" u="sng" dirty="0"/>
+              <a:t>Implementation Notes</a:t>
+            </a:r>
+            <a:r>
+              <a:rPr lang="en-US" dirty="0"/>
+              <a:t>:</a:t>
+            </a:r>
+          </a:p>
+          <a:p>
+            <a:pPr marL="514350" indent="-514350">
+              <a:buFont typeface="+mj-lt"/>
+              <a:buAutoNum type="arabicPeriod" startAt="5"/>
+            </a:pPr>
+            <a:r>
+              <a:rPr lang="en-US" dirty="0"/>
+              <a:t>Positions which have mismatches to the reference on both strands will be called as </a:t>
+            </a:r>
+            <a:r>
+              <a:rPr lang="en-US" i="1" dirty="0"/>
+              <a:t>both</a:t>
+            </a:r>
+            <a:r>
+              <a:rPr lang="en-US" dirty="0"/>
+              <a:t> a mutation and an adduct</a:t>
+            </a:r>
+          </a:p>
+          <a:p>
+            <a:pPr lvl="1"/>
+            <a:r>
+              <a:rPr lang="en-US" dirty="0"/>
+              <a:t>The base on the positive strand will be marked as the mutation, and the base on the negative strand will be marked as the adduct</a:t>
+            </a:r>
+            <a:endParaRPr lang="en-US" dirty="0">
+              <a:latin typeface="Courier New" panose="02070309020205020404" pitchFamily="49" charset="0"/>
+              <a:cs typeface="Courier New" panose="02070309020205020404" pitchFamily="49" charset="0"/>
+            </a:endParaRPr>
+          </a:p>
+        </p:txBody>
+      </p:sp>
+      <p:sp>
+        <p:nvSpPr>
+          <p:cNvPr id="4" name="Footer Placeholder 3">
+            <a:extLst>
+              <a:ext uri="{FF2B5EF4-FFF2-40B4-BE49-F238E27FC236}">
+                <a16:creationId xmlns:a16="http://schemas.microsoft.com/office/drawing/2014/main" id="{623F4300-D3DE-7E46-97A9-18CCA3FD1153}"/>
+              </a:ext>
+            </a:extLst>
+          </p:cNvPr>
+          <p:cNvSpPr>
+            <a:spLocks noGrp="1"/>
+          </p:cNvSpPr>
+          <p:nvPr>
+            <p:ph type="ftr" sz="quarter" idx="11"/>
+          </p:nvPr>
+        </p:nvSpPr>
+        <p:spPr/>
+        <p:txBody>
+          <a:bodyPr/>
+          <a:lstStyle/>
+          <a:p>
+            <a:r>
+              <a:rPr lang="en-US" dirty="0" err="1"/>
+              <a:t>FredHutch</a:t>
+            </a:r>
+            <a:r>
+              <a:rPr lang="en-US" dirty="0"/>
+              <a:t>/</a:t>
+            </a:r>
+            <a:r>
+              <a:rPr lang="en-US" dirty="0" err="1"/>
+              <a:t>maddd</a:t>
+            </a:r>
+            <a:r>
+              <a:rPr lang="en-US" dirty="0"/>
+              <a:t>-seq</a:t>
+            </a:r>
+          </a:p>
+        </p:txBody>
+      </p:sp>
+      <p:sp>
+        <p:nvSpPr>
+          <p:cNvPr id="5" name="Slide Number Placeholder 4">
+            <a:extLst>
+              <a:ext uri="{FF2B5EF4-FFF2-40B4-BE49-F238E27FC236}">
+                <a16:creationId xmlns:a16="http://schemas.microsoft.com/office/drawing/2014/main" id="{9F81779B-77B2-BD45-B2B6-3500D215E80C}"/>
+              </a:ext>
+            </a:extLst>
+          </p:cNvPr>
+          <p:cNvSpPr>
+            <a:spLocks noGrp="1"/>
+          </p:cNvSpPr>
+          <p:nvPr>
+            <p:ph type="sldNum" sz="quarter" idx="12"/>
+          </p:nvPr>
+        </p:nvSpPr>
+        <p:spPr/>
+        <p:txBody>
+          <a:bodyPr/>
+          <a:lstStyle/>
+          <a:p>
+            <a:fld id="{60E83D82-F696-1748-AD88-78C4469F76A5}" type="slidenum">
+              <a:rPr lang="en-US" smtClean="0"/>
+              <a:t>20</a:t>
+            </a:fld>
+            <a:endParaRPr lang="en-US"/>
+          </a:p>
+        </p:txBody>
+      </p:sp>
+      <p:sp>
+        <p:nvSpPr>
+          <p:cNvPr id="9" name="Pentagon 8">
+            <a:extLst>
+              <a:ext uri="{FF2B5EF4-FFF2-40B4-BE49-F238E27FC236}">
+                <a16:creationId xmlns:a16="http://schemas.microsoft.com/office/drawing/2014/main" id="{E3843B6E-FC4B-D542-B388-3DCF0E5EA2B6}"/>
+              </a:ext>
+            </a:extLst>
+          </p:cNvPr>
+          <p:cNvSpPr/>
+          <p:nvPr/>
+        </p:nvSpPr>
+        <p:spPr>
+          <a:xfrm>
+            <a:off x="7421478" y="3075382"/>
+            <a:ext cx="1626083" cy="236607"/>
+          </a:xfrm>
+          <a:prstGeom prst="homePlate">
+            <a:avLst/>
+          </a:prstGeom>
+        </p:spPr>
+        <p:style>
+          <a:lnRef idx="2">
+            <a:schemeClr val="accent1">
+              <a:shade val="50000"/>
+            </a:schemeClr>
+          </a:lnRef>
+          <a:fillRef idx="1">
+            <a:schemeClr val="accent1"/>
+          </a:fillRef>
+          <a:effectRef idx="0">
+            <a:schemeClr val="accent1"/>
+          </a:effectRef>
+          <a:fontRef idx="minor">
+            <a:schemeClr val="lt1"/>
+          </a:fontRef>
+        </p:style>
+        <p:txBody>
+          <a:bodyPr rtlCol="0" anchor="ctr"/>
+          <a:lstStyle/>
+          <a:p>
+            <a:r>
+              <a:rPr lang="en-US" sz="1100" dirty="0">
+                <a:latin typeface="Courier New" panose="02070309020205020404" pitchFamily="49" charset="0"/>
+                <a:cs typeface="Courier New" panose="02070309020205020404" pitchFamily="49" charset="0"/>
+              </a:rPr>
+              <a:t>AC</a:t>
+            </a:r>
+            <a:r>
+              <a:rPr lang="en-US" sz="1100" b="1" dirty="0">
+                <a:solidFill>
+                  <a:schemeClr val="bg1"/>
+                </a:solidFill>
+                <a:latin typeface="Courier New" panose="02070309020205020404" pitchFamily="49" charset="0"/>
+                <a:cs typeface="Courier New" panose="02070309020205020404" pitchFamily="49" charset="0"/>
+              </a:rPr>
+              <a:t>C</a:t>
+            </a:r>
+            <a:r>
+              <a:rPr lang="en-US" sz="1100" dirty="0">
+                <a:latin typeface="Courier New" panose="02070309020205020404" pitchFamily="49" charset="0"/>
+                <a:cs typeface="Courier New" panose="02070309020205020404" pitchFamily="49" charset="0"/>
+              </a:rPr>
+              <a:t>ATCCGACTATCGG</a:t>
+            </a:r>
+          </a:p>
+        </p:txBody>
+      </p:sp>
+      <p:sp>
+        <p:nvSpPr>
+          <p:cNvPr id="10" name="Pentagon 9">
+            <a:extLst>
+              <a:ext uri="{FF2B5EF4-FFF2-40B4-BE49-F238E27FC236}">
+                <a16:creationId xmlns:a16="http://schemas.microsoft.com/office/drawing/2014/main" id="{06EF1038-F2C9-AC4B-B613-B68D644DF2AD}"/>
+              </a:ext>
+            </a:extLst>
+          </p:cNvPr>
+          <p:cNvSpPr/>
+          <p:nvPr/>
+        </p:nvSpPr>
+        <p:spPr>
+          <a:xfrm>
+            <a:off x="7421479" y="2807490"/>
+            <a:ext cx="1284045" cy="226884"/>
+          </a:xfrm>
+          <a:prstGeom prst="homePlate">
+            <a:avLst/>
+          </a:prstGeom>
+        </p:spPr>
+        <p:style>
+          <a:lnRef idx="2">
+            <a:schemeClr val="accent1">
+              <a:shade val="50000"/>
+            </a:schemeClr>
+          </a:lnRef>
+          <a:fillRef idx="1">
+            <a:schemeClr val="accent1"/>
+          </a:fillRef>
+          <a:effectRef idx="0">
+            <a:schemeClr val="accent1"/>
+          </a:effectRef>
+          <a:fontRef idx="minor">
+            <a:schemeClr val="lt1"/>
+          </a:fontRef>
+        </p:style>
+        <p:txBody>
+          <a:bodyPr rtlCol="0" anchor="ctr"/>
+          <a:lstStyle/>
+          <a:p>
+            <a:r>
+              <a:rPr lang="en-US" sz="1100" dirty="0">
+                <a:latin typeface="Courier New" panose="02070309020205020404" pitchFamily="49" charset="0"/>
+                <a:cs typeface="Courier New" panose="02070309020205020404" pitchFamily="49" charset="0"/>
+              </a:rPr>
+              <a:t>AC</a:t>
+            </a:r>
+            <a:r>
+              <a:rPr lang="en-US" sz="1100" b="1" dirty="0">
+                <a:latin typeface="Courier New" panose="02070309020205020404" pitchFamily="49" charset="0"/>
+                <a:cs typeface="Courier New" panose="02070309020205020404" pitchFamily="49" charset="0"/>
+              </a:rPr>
+              <a:t>A</a:t>
+            </a:r>
+            <a:r>
+              <a:rPr lang="en-US" sz="1100" dirty="0">
+                <a:latin typeface="Courier New" panose="02070309020205020404" pitchFamily="49" charset="0"/>
+                <a:cs typeface="Courier New" panose="02070309020205020404" pitchFamily="49" charset="0"/>
+              </a:rPr>
+              <a:t>ATCCGACTA</a:t>
+            </a:r>
+          </a:p>
+        </p:txBody>
+      </p:sp>
+      <p:sp>
+        <p:nvSpPr>
+          <p:cNvPr id="11" name="Pentagon 10">
+            <a:extLst>
+              <a:ext uri="{FF2B5EF4-FFF2-40B4-BE49-F238E27FC236}">
+                <a16:creationId xmlns:a16="http://schemas.microsoft.com/office/drawing/2014/main" id="{59DBB4C7-9C2A-8649-9BD0-00DFA83B6DE6}"/>
+              </a:ext>
+            </a:extLst>
+          </p:cNvPr>
+          <p:cNvSpPr/>
+          <p:nvPr/>
+        </p:nvSpPr>
+        <p:spPr>
+          <a:xfrm flipH="1">
+            <a:off x="9102947" y="3072082"/>
+            <a:ext cx="1348293" cy="236607"/>
+          </a:xfrm>
+          <a:prstGeom prst="homePlate">
+            <a:avLst/>
+          </a:prstGeom>
+        </p:spPr>
+        <p:style>
+          <a:lnRef idx="2">
+            <a:schemeClr val="accent1">
+              <a:shade val="50000"/>
+            </a:schemeClr>
+          </a:lnRef>
+          <a:fillRef idx="1">
+            <a:schemeClr val="accent1"/>
+          </a:fillRef>
+          <a:effectRef idx="0">
+            <a:schemeClr val="accent1"/>
+          </a:effectRef>
+          <a:fontRef idx="minor">
+            <a:schemeClr val="lt1"/>
+          </a:fontRef>
+        </p:style>
+        <p:txBody>
+          <a:bodyPr rtlCol="0" anchor="ctr"/>
+          <a:lstStyle/>
+          <a:p>
+            <a:pPr algn="r"/>
+            <a:r>
+              <a:rPr lang="en-US" sz="1100" dirty="0">
+                <a:latin typeface="Courier New" panose="02070309020205020404" pitchFamily="49" charset="0"/>
+                <a:cs typeface="Courier New" panose="02070309020205020404" pitchFamily="49" charset="0"/>
+              </a:rPr>
+              <a:t>CAGACTAGAAAA</a:t>
+            </a:r>
+          </a:p>
+        </p:txBody>
+      </p:sp>
+      <p:sp>
+        <p:nvSpPr>
+          <p:cNvPr id="12" name="Pentagon 11">
+            <a:extLst>
+              <a:ext uri="{FF2B5EF4-FFF2-40B4-BE49-F238E27FC236}">
+                <a16:creationId xmlns:a16="http://schemas.microsoft.com/office/drawing/2014/main" id="{AFFB0A94-9FDB-2B44-B2B1-AA387ED71B64}"/>
+              </a:ext>
+            </a:extLst>
+          </p:cNvPr>
+          <p:cNvSpPr/>
+          <p:nvPr/>
+        </p:nvSpPr>
+        <p:spPr>
+          <a:xfrm flipH="1">
+            <a:off x="8959915" y="2807490"/>
+            <a:ext cx="1502744" cy="226884"/>
+          </a:xfrm>
+          <a:prstGeom prst="homePlate">
+            <a:avLst/>
+          </a:prstGeom>
+        </p:spPr>
+        <p:style>
+          <a:lnRef idx="2">
+            <a:schemeClr val="accent1">
+              <a:shade val="50000"/>
+            </a:schemeClr>
+          </a:lnRef>
+          <a:fillRef idx="1">
+            <a:schemeClr val="accent1"/>
+          </a:fillRef>
+          <a:effectRef idx="0">
+            <a:schemeClr val="accent1"/>
+          </a:effectRef>
+          <a:fontRef idx="minor">
+            <a:schemeClr val="lt1"/>
+          </a:fontRef>
+        </p:style>
+        <p:txBody>
+          <a:bodyPr rtlCol="0" anchor="ctr"/>
+          <a:lstStyle/>
+          <a:p>
+            <a:pPr algn="r"/>
+            <a:r>
+              <a:rPr lang="en-US" sz="1100" dirty="0">
+                <a:latin typeface="Courier New" panose="02070309020205020404" pitchFamily="49" charset="0"/>
+                <a:cs typeface="Courier New" panose="02070309020205020404" pitchFamily="49" charset="0"/>
+              </a:rPr>
+              <a:t>CGCAGACTAGAAAA</a:t>
+            </a:r>
+          </a:p>
+        </p:txBody>
+      </p:sp>
+      <p:sp>
+        <p:nvSpPr>
+          <p:cNvPr id="13" name="Pentagon 12">
+            <a:extLst>
+              <a:ext uri="{FF2B5EF4-FFF2-40B4-BE49-F238E27FC236}">
+                <a16:creationId xmlns:a16="http://schemas.microsoft.com/office/drawing/2014/main" id="{83484A4F-7F29-924D-B4A6-E96670444B93}"/>
+              </a:ext>
+            </a:extLst>
+          </p:cNvPr>
+          <p:cNvSpPr/>
+          <p:nvPr/>
+        </p:nvSpPr>
+        <p:spPr>
+          <a:xfrm>
+            <a:off x="7421479" y="3356120"/>
+            <a:ext cx="1284045" cy="226884"/>
+          </a:xfrm>
+          <a:prstGeom prst="homePlate">
+            <a:avLst/>
+          </a:prstGeom>
+          <a:solidFill>
+            <a:schemeClr val="accent2"/>
+          </a:solidFill>
+        </p:spPr>
+        <p:style>
+          <a:lnRef idx="2">
+            <a:schemeClr val="accent1">
+              <a:shade val="50000"/>
+            </a:schemeClr>
+          </a:lnRef>
+          <a:fillRef idx="1">
+            <a:schemeClr val="accent1"/>
+          </a:fillRef>
+          <a:effectRef idx="0">
+            <a:schemeClr val="accent1"/>
+          </a:effectRef>
+          <a:fontRef idx="minor">
+            <a:schemeClr val="lt1"/>
+          </a:fontRef>
+        </p:style>
+        <p:txBody>
+          <a:bodyPr rtlCol="0" anchor="ctr"/>
+          <a:lstStyle/>
+          <a:p>
+            <a:r>
+              <a:rPr lang="en-US" sz="1100" dirty="0">
+                <a:latin typeface="Courier New" panose="02070309020205020404" pitchFamily="49" charset="0"/>
+                <a:cs typeface="Courier New" panose="02070309020205020404" pitchFamily="49" charset="0"/>
+              </a:rPr>
+              <a:t>AC</a:t>
+            </a:r>
+            <a:r>
+              <a:rPr lang="en-US" sz="1100" b="1" dirty="0">
+                <a:solidFill>
+                  <a:schemeClr val="bg1"/>
+                </a:solidFill>
+                <a:latin typeface="Courier New" panose="02070309020205020404" pitchFamily="49" charset="0"/>
+                <a:cs typeface="Courier New" panose="02070309020205020404" pitchFamily="49" charset="0"/>
+              </a:rPr>
+              <a:t>M</a:t>
+            </a:r>
+            <a:r>
+              <a:rPr lang="en-US" sz="1100" dirty="0">
+                <a:latin typeface="Courier New" panose="02070309020205020404" pitchFamily="49" charset="0"/>
+                <a:cs typeface="Courier New" panose="02070309020205020404" pitchFamily="49" charset="0"/>
+              </a:rPr>
+              <a:t>ATCCGACTA</a:t>
+            </a:r>
+          </a:p>
+        </p:txBody>
+      </p:sp>
+      <p:sp>
+        <p:nvSpPr>
+          <p:cNvPr id="14" name="Pentagon 13">
+            <a:extLst>
+              <a:ext uri="{FF2B5EF4-FFF2-40B4-BE49-F238E27FC236}">
+                <a16:creationId xmlns:a16="http://schemas.microsoft.com/office/drawing/2014/main" id="{FF36FFD7-FABB-6F45-85E3-CE86DA2029C2}"/>
+              </a:ext>
+            </a:extLst>
+          </p:cNvPr>
+          <p:cNvSpPr/>
+          <p:nvPr/>
+        </p:nvSpPr>
+        <p:spPr>
+          <a:xfrm flipH="1">
+            <a:off x="9102947" y="3346397"/>
+            <a:ext cx="1348293" cy="236607"/>
+          </a:xfrm>
+          <a:prstGeom prst="homePlate">
+            <a:avLst/>
+          </a:prstGeom>
+          <a:solidFill>
+            <a:schemeClr val="accent2"/>
+          </a:solidFill>
+        </p:spPr>
+        <p:style>
+          <a:lnRef idx="2">
+            <a:schemeClr val="accent1">
+              <a:shade val="50000"/>
+            </a:schemeClr>
+          </a:lnRef>
+          <a:fillRef idx="1">
+            <a:schemeClr val="accent1"/>
+          </a:fillRef>
+          <a:effectRef idx="0">
+            <a:schemeClr val="accent1"/>
+          </a:effectRef>
+          <a:fontRef idx="minor">
+            <a:schemeClr val="lt1"/>
+          </a:fontRef>
+        </p:style>
+        <p:txBody>
+          <a:bodyPr rtlCol="0" anchor="ctr"/>
+          <a:lstStyle/>
+          <a:p>
+            <a:pPr algn="r"/>
+            <a:r>
+              <a:rPr lang="en-US" sz="1100" dirty="0">
+                <a:latin typeface="Courier New" panose="02070309020205020404" pitchFamily="49" charset="0"/>
+                <a:cs typeface="Courier New" panose="02070309020205020404" pitchFamily="49" charset="0"/>
+              </a:rPr>
+              <a:t>CAGACTAGAAAA</a:t>
+            </a:r>
+          </a:p>
+        </p:txBody>
+      </p:sp>
+      <p:sp>
+        <p:nvSpPr>
+          <p:cNvPr id="18" name="Pentagon 17">
+            <a:extLst>
+              <a:ext uri="{FF2B5EF4-FFF2-40B4-BE49-F238E27FC236}">
+                <a16:creationId xmlns:a16="http://schemas.microsoft.com/office/drawing/2014/main" id="{A22EA1DF-A6B2-C04F-BA1C-7C0E66C89E57}"/>
+              </a:ext>
+            </a:extLst>
+          </p:cNvPr>
+          <p:cNvSpPr/>
+          <p:nvPr/>
+        </p:nvSpPr>
+        <p:spPr>
+          <a:xfrm>
+            <a:off x="7421479" y="3617412"/>
+            <a:ext cx="3190407" cy="236607"/>
+          </a:xfrm>
+          <a:prstGeom prst="homePlate">
+            <a:avLst/>
+          </a:prstGeom>
+          <a:solidFill>
+            <a:schemeClr val="accent2"/>
+          </a:solidFill>
+        </p:spPr>
+        <p:style>
+          <a:lnRef idx="2">
+            <a:schemeClr val="accent1">
+              <a:shade val="50000"/>
+            </a:schemeClr>
+          </a:lnRef>
+          <a:fillRef idx="1">
+            <a:schemeClr val="accent1"/>
+          </a:fillRef>
+          <a:effectRef idx="0">
+            <a:schemeClr val="accent1"/>
+          </a:effectRef>
+          <a:fontRef idx="minor">
+            <a:schemeClr val="lt1"/>
+          </a:fontRef>
+        </p:style>
+        <p:txBody>
+          <a:bodyPr rtlCol="0" anchor="ctr"/>
+          <a:lstStyle/>
+          <a:p>
+            <a:r>
+              <a:rPr lang="en-US" sz="1100" dirty="0">
+                <a:latin typeface="Courier New" panose="02070309020205020404" pitchFamily="49" charset="0"/>
+                <a:cs typeface="Courier New" panose="02070309020205020404" pitchFamily="49" charset="0"/>
+              </a:rPr>
+              <a:t>ACGATCCGACTACCGACATACGCAGACTAGAAAA</a:t>
+            </a:r>
+          </a:p>
+        </p:txBody>
+      </p:sp>
+      <p:sp>
+        <p:nvSpPr>
+          <p:cNvPr id="3" name="TextBox 2">
+            <a:extLst>
+              <a:ext uri="{FF2B5EF4-FFF2-40B4-BE49-F238E27FC236}">
+                <a16:creationId xmlns:a16="http://schemas.microsoft.com/office/drawing/2014/main" id="{A9AAB505-8735-0D41-B170-FCBB44323ABD}"/>
+              </a:ext>
+            </a:extLst>
+          </p:cNvPr>
+          <p:cNvSpPr txBox="1"/>
+          <p:nvPr/>
+        </p:nvSpPr>
+        <p:spPr>
+          <a:xfrm>
+            <a:off x="7018548" y="3640476"/>
+            <a:ext cx="387414" cy="276999"/>
+          </a:xfrm>
+          <a:prstGeom prst="rect">
+            <a:avLst/>
+          </a:prstGeom>
+          <a:noFill/>
+        </p:spPr>
+        <p:txBody>
+          <a:bodyPr wrap="none" rtlCol="0">
+            <a:spAutoFit/>
+          </a:bodyPr>
+          <a:lstStyle/>
+          <a:p>
+            <a:r>
+              <a:rPr lang="en-US" sz="1200" dirty="0"/>
+              <a:t>Ref</a:t>
+            </a:r>
+          </a:p>
+        </p:txBody>
+      </p:sp>
+      <p:sp>
+        <p:nvSpPr>
+          <p:cNvPr id="7" name="TextBox 6">
+            <a:extLst>
+              <a:ext uri="{FF2B5EF4-FFF2-40B4-BE49-F238E27FC236}">
+                <a16:creationId xmlns:a16="http://schemas.microsoft.com/office/drawing/2014/main" id="{59536009-12A1-3143-B21F-BDD56E07557F}"/>
+              </a:ext>
+            </a:extLst>
+          </p:cNvPr>
+          <p:cNvSpPr txBox="1"/>
+          <p:nvPr/>
+        </p:nvSpPr>
+        <p:spPr>
+          <a:xfrm>
+            <a:off x="6729174" y="2807490"/>
+            <a:ext cx="676788" cy="276999"/>
+          </a:xfrm>
+          <a:prstGeom prst="rect">
+            <a:avLst/>
+          </a:prstGeom>
+          <a:noFill/>
+        </p:spPr>
+        <p:txBody>
+          <a:bodyPr wrap="none" rtlCol="0">
+            <a:spAutoFit/>
+          </a:bodyPr>
+          <a:lstStyle/>
+          <a:p>
+            <a:r>
+              <a:rPr lang="en-US" sz="1200" dirty="0"/>
+              <a:t>SSC-pos</a:t>
+            </a:r>
+          </a:p>
+        </p:txBody>
+      </p:sp>
+      <p:sp>
+        <p:nvSpPr>
+          <p:cNvPr id="19" name="TextBox 18">
+            <a:extLst>
+              <a:ext uri="{FF2B5EF4-FFF2-40B4-BE49-F238E27FC236}">
+                <a16:creationId xmlns:a16="http://schemas.microsoft.com/office/drawing/2014/main" id="{2ABA8D44-30E6-394D-B60E-7F6AA7A9B054}"/>
+              </a:ext>
+            </a:extLst>
+          </p:cNvPr>
+          <p:cNvSpPr txBox="1"/>
+          <p:nvPr/>
+        </p:nvSpPr>
+        <p:spPr>
+          <a:xfrm>
+            <a:off x="6722762" y="3085152"/>
+            <a:ext cx="683200" cy="276999"/>
+          </a:xfrm>
+          <a:prstGeom prst="rect">
+            <a:avLst/>
+          </a:prstGeom>
+          <a:noFill/>
+        </p:spPr>
+        <p:txBody>
+          <a:bodyPr wrap="none" rtlCol="0">
+            <a:spAutoFit/>
+          </a:bodyPr>
+          <a:lstStyle/>
+          <a:p>
+            <a:r>
+              <a:rPr lang="en-US" sz="1200" dirty="0"/>
+              <a:t>SSC-neg</a:t>
+            </a:r>
+          </a:p>
+        </p:txBody>
+      </p:sp>
+      <p:sp>
+        <p:nvSpPr>
+          <p:cNvPr id="20" name="TextBox 19">
+            <a:extLst>
+              <a:ext uri="{FF2B5EF4-FFF2-40B4-BE49-F238E27FC236}">
+                <a16:creationId xmlns:a16="http://schemas.microsoft.com/office/drawing/2014/main" id="{8C50FD61-9EEC-E34C-9D71-C627B1826215}"/>
+              </a:ext>
+            </a:extLst>
+          </p:cNvPr>
+          <p:cNvSpPr txBox="1"/>
+          <p:nvPr/>
+        </p:nvSpPr>
+        <p:spPr>
+          <a:xfrm>
+            <a:off x="6974434" y="3362814"/>
+            <a:ext cx="431528" cy="276999"/>
+          </a:xfrm>
+          <a:prstGeom prst="rect">
+            <a:avLst/>
+          </a:prstGeom>
+          <a:noFill/>
+        </p:spPr>
+        <p:txBody>
+          <a:bodyPr wrap="none" rtlCol="0">
+            <a:spAutoFit/>
+          </a:bodyPr>
+          <a:lstStyle/>
+          <a:p>
+            <a:r>
+              <a:rPr lang="en-US" sz="1200" dirty="0"/>
+              <a:t>DSC</a:t>
+            </a:r>
+          </a:p>
+        </p:txBody>
+      </p:sp>
+      <p:cxnSp>
+        <p:nvCxnSpPr>
+          <p:cNvPr id="21" name="Straight Connector 20">
+            <a:extLst>
+              <a:ext uri="{FF2B5EF4-FFF2-40B4-BE49-F238E27FC236}">
+                <a16:creationId xmlns:a16="http://schemas.microsoft.com/office/drawing/2014/main" id="{849AA9B1-6DA3-7C48-AA36-E2280ACE9B9C}"/>
+              </a:ext>
+            </a:extLst>
+          </p:cNvPr>
+          <p:cNvCxnSpPr/>
+          <p:nvPr/>
+        </p:nvCxnSpPr>
+        <p:spPr>
+          <a:xfrm>
+            <a:off x="7657698" y="2698671"/>
+            <a:ext cx="0" cy="1328286"/>
+          </a:xfrm>
+          <a:prstGeom prst="line">
+            <a:avLst/>
+          </a:prstGeom>
+          <a:ln>
+            <a:prstDash val="dash"/>
+          </a:ln>
+        </p:spPr>
+        <p:style>
+          <a:lnRef idx="1">
+            <a:schemeClr val="dk1"/>
+          </a:lnRef>
+          <a:fillRef idx="0">
+            <a:schemeClr val="dk1"/>
+          </a:fillRef>
+          <a:effectRef idx="0">
+            <a:schemeClr val="dk1"/>
+          </a:effectRef>
+          <a:fontRef idx="minor">
+            <a:schemeClr val="tx1"/>
+          </a:fontRef>
+        </p:style>
+      </p:cxnSp>
+      <p:cxnSp>
+        <p:nvCxnSpPr>
+          <p:cNvPr id="22" name="Straight Connector 21">
+            <a:extLst>
+              <a:ext uri="{FF2B5EF4-FFF2-40B4-BE49-F238E27FC236}">
+                <a16:creationId xmlns:a16="http://schemas.microsoft.com/office/drawing/2014/main" id="{0D7D28BF-D647-D541-8B11-9539593FAE6F}"/>
+              </a:ext>
+            </a:extLst>
+          </p:cNvPr>
+          <p:cNvCxnSpPr/>
+          <p:nvPr/>
+        </p:nvCxnSpPr>
+        <p:spPr>
+          <a:xfrm>
+            <a:off x="7774661" y="2698671"/>
+            <a:ext cx="0" cy="1328286"/>
+          </a:xfrm>
+          <a:prstGeom prst="line">
+            <a:avLst/>
+          </a:prstGeom>
+          <a:ln>
+            <a:prstDash val="dash"/>
+          </a:ln>
+        </p:spPr>
+        <p:style>
+          <a:lnRef idx="1">
+            <a:schemeClr val="dk1"/>
+          </a:lnRef>
+          <a:fillRef idx="0">
+            <a:schemeClr val="dk1"/>
+          </a:fillRef>
+          <a:effectRef idx="0">
+            <a:schemeClr val="dk1"/>
+          </a:effectRef>
+          <a:fontRef idx="minor">
+            <a:schemeClr val="tx1"/>
+          </a:fontRef>
+        </p:style>
+      </p:cxnSp>
+      <p:cxnSp>
+        <p:nvCxnSpPr>
+          <p:cNvPr id="36" name="Straight Arrow Connector 35">
+            <a:extLst>
+              <a:ext uri="{FF2B5EF4-FFF2-40B4-BE49-F238E27FC236}">
+                <a16:creationId xmlns:a16="http://schemas.microsoft.com/office/drawing/2014/main" id="{44E54EDF-440F-B74D-891A-C520B64C22F8}"/>
+              </a:ext>
+            </a:extLst>
+          </p:cNvPr>
+          <p:cNvCxnSpPr/>
+          <p:nvPr/>
+        </p:nvCxnSpPr>
+        <p:spPr>
+          <a:xfrm flipV="1">
+            <a:off x="7716911" y="3933809"/>
+            <a:ext cx="0" cy="641296"/>
+          </a:xfrm>
+          <a:prstGeom prst="straightConnector1">
+            <a:avLst/>
+          </a:prstGeom>
+          <a:ln>
+            <a:tailEnd type="triangle"/>
+          </a:ln>
+        </p:spPr>
+        <p:style>
+          <a:lnRef idx="1">
+            <a:schemeClr val="accent1"/>
+          </a:lnRef>
+          <a:fillRef idx="0">
+            <a:schemeClr val="accent1"/>
+          </a:fillRef>
+          <a:effectRef idx="0">
+            <a:schemeClr val="accent1"/>
+          </a:effectRef>
+          <a:fontRef idx="minor">
+            <a:schemeClr val="tx1"/>
+          </a:fontRef>
+        </p:style>
+      </p:cxnSp>
+      <p:sp>
+        <p:nvSpPr>
+          <p:cNvPr id="37" name="TextBox 36">
+            <a:extLst>
+              <a:ext uri="{FF2B5EF4-FFF2-40B4-BE49-F238E27FC236}">
+                <a16:creationId xmlns:a16="http://schemas.microsoft.com/office/drawing/2014/main" id="{A7A0156B-D89B-AC44-9D59-EC5552D9A028}"/>
+              </a:ext>
+            </a:extLst>
+          </p:cNvPr>
+          <p:cNvSpPr txBox="1"/>
+          <p:nvPr/>
+        </p:nvSpPr>
+        <p:spPr>
+          <a:xfrm>
+            <a:off x="7235170" y="4535753"/>
+            <a:ext cx="3012235" cy="369332"/>
+          </a:xfrm>
+          <a:prstGeom prst="rect">
+            <a:avLst/>
+          </a:prstGeom>
+          <a:noFill/>
+        </p:spPr>
+        <p:txBody>
+          <a:bodyPr wrap="none" rtlCol="0">
+            <a:spAutoFit/>
+          </a:bodyPr>
+          <a:lstStyle/>
+          <a:p>
+            <a:r>
+              <a:rPr lang="en-US" dirty="0"/>
+              <a:t>Combined Mutation &amp; Adduct</a:t>
+            </a:r>
+          </a:p>
+        </p:txBody>
+      </p:sp>
+    </p:spTree>
+    <p:extLst>
+      <p:ext uri="{BB962C8B-B14F-4D97-AF65-F5344CB8AC3E}">
+        <p14:creationId xmlns:p14="http://schemas.microsoft.com/office/powerpoint/2010/main" val="3453074766"/>
       </p:ext>
     </p:extLst>
   </p:cSld>

--- a/docs/process.schematic.pptx
+++ b/docs/process.schematic.pptx
@@ -5,7 +5,7 @@
     <p:sldMasterId id="2147483648" r:id="rId1"/>
   </p:sldMasterIdLst>
   <p:notesMasterIdLst>
-    <p:notesMasterId r:id="rId22"/>
+    <p:notesMasterId r:id="rId23"/>
   </p:notesMasterIdLst>
   <p:sldIdLst>
     <p:sldId id="256" r:id="rId2"/>
@@ -28,6 +28,7 @@
     <p:sldId id="280" r:id="rId19"/>
     <p:sldId id="281" r:id="rId20"/>
     <p:sldId id="282" r:id="rId21"/>
+    <p:sldId id="285" r:id="rId22"/>
   </p:sldIdLst>
   <p:sldSz cx="12192000" cy="6858000"/>
   <p:notesSz cx="6858000" cy="9144000"/>
@@ -216,7 +217,7 @@
           <a:p>
             <a:fld id="{ED805A29-ECA1-A944-BAFD-5BB34D4EF19B}" type="datetimeFigureOut">
               <a:rPr lang="en-US" smtClean="0"/>
-              <a:t>11/1/21</a:t>
+              <a:t>1/14/22</a:t>
             </a:fld>
             <a:endParaRPr lang="en-US"/>
           </a:p>
@@ -651,6 +652,90 @@
 </p:notes>
 </file>
 
+<file path=ppt/notesSlides/notesSlide3.xml><?xml version="1.0" encoding="utf-8"?>
+<p:notes xmlns:a="http://schemas.openxmlformats.org/drawingml/2006/main" xmlns:r="http://schemas.openxmlformats.org/officeDocument/2006/relationships" xmlns:p="http://schemas.openxmlformats.org/presentationml/2006/main">
+  <p:cSld>
+    <p:spTree>
+      <p:nvGrpSpPr>
+        <p:cNvPr id="1" name=""/>
+        <p:cNvGrpSpPr/>
+        <p:nvPr/>
+      </p:nvGrpSpPr>
+      <p:grpSpPr>
+        <a:xfrm>
+          <a:off x="0" y="0"/>
+          <a:ext cx="0" cy="0"/>
+          <a:chOff x="0" y="0"/>
+          <a:chExt cx="0" cy="0"/>
+        </a:xfrm>
+      </p:grpSpPr>
+      <p:sp>
+        <p:nvSpPr>
+          <p:cNvPr id="2" name="Slide Image Placeholder 1"/>
+          <p:cNvSpPr>
+            <a:spLocks noGrp="1" noRot="1" noChangeAspect="1"/>
+          </p:cNvSpPr>
+          <p:nvPr>
+            <p:ph type="sldImg"/>
+          </p:nvPr>
+        </p:nvSpPr>
+        <p:spPr/>
+      </p:sp>
+      <p:sp>
+        <p:nvSpPr>
+          <p:cNvPr id="3" name="Notes Placeholder 2"/>
+          <p:cNvSpPr>
+            <a:spLocks noGrp="1"/>
+          </p:cNvSpPr>
+          <p:nvPr>
+            <p:ph type="body" idx="1"/>
+          </p:nvPr>
+        </p:nvSpPr>
+        <p:spPr/>
+        <p:txBody>
+          <a:bodyPr/>
+          <a:lstStyle/>
+          <a:p>
+            <a:endParaRPr lang="en-US" dirty="0"/>
+          </a:p>
+        </p:txBody>
+      </p:sp>
+      <p:sp>
+        <p:nvSpPr>
+          <p:cNvPr id="4" name="Slide Number Placeholder 3"/>
+          <p:cNvSpPr>
+            <a:spLocks noGrp="1"/>
+          </p:cNvSpPr>
+          <p:nvPr>
+            <p:ph type="sldNum" sz="quarter" idx="5"/>
+          </p:nvPr>
+        </p:nvSpPr>
+        <p:spPr/>
+        <p:txBody>
+          <a:bodyPr/>
+          <a:lstStyle/>
+          <a:p>
+            <a:fld id="{436C1B53-1093-E142-9806-F45EF48F8440}" type="slidenum">
+              <a:rPr lang="en-US" smtClean="0"/>
+              <a:t>21</a:t>
+            </a:fld>
+            <a:endParaRPr lang="en-US"/>
+          </a:p>
+        </p:txBody>
+      </p:sp>
+    </p:spTree>
+    <p:extLst>
+      <p:ext uri="{BB962C8B-B14F-4D97-AF65-F5344CB8AC3E}">
+        <p14:creationId xmlns:p14="http://schemas.microsoft.com/office/powerpoint/2010/main" val="856678127"/>
+      </p:ext>
+    </p:extLst>
+  </p:cSld>
+  <p:clrMapOvr>
+    <a:masterClrMapping/>
+  </p:clrMapOvr>
+</p:notes>
+</file>
+
 <file path=ppt/slideLayouts/slideLayout1.xml><?xml version="1.0" encoding="utf-8"?>
 <p:sldLayout xmlns:a="http://schemas.openxmlformats.org/drawingml/2006/main" xmlns:r="http://schemas.openxmlformats.org/officeDocument/2006/relationships" xmlns:p="http://schemas.openxmlformats.org/presentationml/2006/main" type="title" preserve="1">
   <p:cSld name="Title Slide">
@@ -798,7 +883,7 @@
           <a:p>
             <a:fld id="{2762710F-7B71-5741-A4DA-97084D19EE9E}" type="datetime1">
               <a:rPr lang="en-US" smtClean="0"/>
-              <a:t>11/1/21</a:t>
+              <a:t>1/14/22</a:t>
             </a:fld>
             <a:endParaRPr lang="en-US"/>
           </a:p>
@@ -1011,7 +1096,7 @@
           <a:p>
             <a:fld id="{4F37A560-0B87-6942-A0F1-7806C8F31B17}" type="datetime1">
               <a:rPr lang="en-US" smtClean="0"/>
-              <a:t>11/1/21</a:t>
+              <a:t>1/14/22</a:t>
             </a:fld>
             <a:endParaRPr lang="en-US"/>
           </a:p>
@@ -1234,7 +1319,7 @@
           <a:p>
             <a:fld id="{4CA0F0FB-C91D-D345-A72B-57B6954759A1}" type="datetime1">
               <a:rPr lang="en-US" smtClean="0"/>
-              <a:t>11/1/21</a:t>
+              <a:t>1/14/22</a:t>
             </a:fld>
             <a:endParaRPr lang="en-US"/>
           </a:p>
@@ -1447,7 +1532,7 @@
           <a:p>
             <a:fld id="{52C4366B-212D-FC43-9404-CD0588E3CB3B}" type="datetime1">
               <a:rPr lang="en-US" smtClean="0"/>
-              <a:t>11/1/21</a:t>
+              <a:t>1/14/22</a:t>
             </a:fld>
             <a:endParaRPr lang="en-US"/>
           </a:p>
@@ -1737,7 +1822,7 @@
           <a:p>
             <a:fld id="{7A377B1F-2101-AD49-B8CA-D9DA77C92BBF}" type="datetime1">
               <a:rPr lang="en-US" smtClean="0"/>
-              <a:t>11/1/21</a:t>
+              <a:t>1/14/22</a:t>
             </a:fld>
             <a:endParaRPr lang="en-US"/>
           </a:p>
@@ -2017,7 +2102,7 @@
           <a:p>
             <a:fld id="{A74118CB-0C80-3743-BE54-8D354C4C3B5F}" type="datetime1">
               <a:rPr lang="en-US" smtClean="0"/>
-              <a:t>11/1/21</a:t>
+              <a:t>1/14/22</a:t>
             </a:fld>
             <a:endParaRPr lang="en-US"/>
           </a:p>
@@ -2444,7 +2529,7 @@
           <a:p>
             <a:fld id="{B2F2EF88-F01A-EE4E-9EB8-415FE46F95C3}" type="datetime1">
               <a:rPr lang="en-US" smtClean="0"/>
-              <a:t>11/1/21</a:t>
+              <a:t>1/14/22</a:t>
             </a:fld>
             <a:endParaRPr lang="en-US"/>
           </a:p>
@@ -2600,7 +2685,7 @@
           <a:p>
             <a:fld id="{BE079B49-7EE7-834D-A8C6-44CF093EFDF8}" type="datetime1">
               <a:rPr lang="en-US" smtClean="0"/>
-              <a:t>11/1/21</a:t>
+              <a:t>1/14/22</a:t>
             </a:fld>
             <a:endParaRPr lang="en-US"/>
           </a:p>
@@ -2728,7 +2813,7 @@
           <a:p>
             <a:fld id="{DBE1043A-0A16-294D-BC5C-954A5357040B}" type="datetime1">
               <a:rPr lang="en-US" smtClean="0"/>
-              <a:t>11/1/21</a:t>
+              <a:t>1/14/22</a:t>
             </a:fld>
             <a:endParaRPr lang="en-US"/>
           </a:p>
@@ -3054,7 +3139,7 @@
           <a:p>
             <a:fld id="{B8EBB7C6-5174-E949-8F06-D3E4C9450E71}" type="datetime1">
               <a:rPr lang="en-US" smtClean="0"/>
-              <a:t>11/1/21</a:t>
+              <a:t>1/14/22</a:t>
             </a:fld>
             <a:endParaRPr lang="en-US"/>
           </a:p>
@@ -3357,7 +3442,7 @@
           <a:p>
             <a:fld id="{6217816C-C2E3-BA4C-8A5D-1DEF43028B29}" type="datetime1">
               <a:rPr lang="en-US" smtClean="0"/>
-              <a:t>11/1/21</a:t>
+              <a:t>1/14/22</a:t>
             </a:fld>
             <a:endParaRPr lang="en-US"/>
           </a:p>
@@ -3613,7 +3698,7 @@
           <a:p>
             <a:fld id="{D0AA2695-A865-F94B-BD21-4956635BBCDF}" type="datetime1">
               <a:rPr lang="en-US" smtClean="0"/>
-              <a:t>11/1/21</a:t>
+              <a:t>1/14/22</a:t>
             </a:fld>
             <a:endParaRPr lang="en-US"/>
           </a:p>
@@ -4069,7 +4154,7 @@
           <a:p>
             <a:r>
               <a:rPr lang="en-US" b="1" dirty="0"/>
-              <a:t>WGS Duplex Seq</a:t>
+              <a:t>MADDD-seq</a:t>
             </a:r>
             <a:endParaRPr lang="en-US" dirty="0"/>
           </a:p>
@@ -4104,15 +4189,15 @@
           <a:p>
             <a:r>
               <a:rPr lang="en-US" dirty="0"/>
-              <a:t>Updated: November 1</a:t>
+              <a:t>Updated: January 14</a:t>
             </a:r>
             <a:r>
               <a:rPr lang="en-US" baseline="30000" dirty="0"/>
-              <a:t>st</a:t>
-            </a:r>
-            <a:r>
-              <a:rPr lang="en-US" dirty="0"/>
-              <a:t>, 2021</a:t>
+              <a:t>th</a:t>
+            </a:r>
+            <a:r>
+              <a:rPr lang="en-US" dirty="0"/>
+              <a:t>, 2022</a:t>
             </a:r>
           </a:p>
         </p:txBody>
@@ -4191,24 +4276,21 @@
             <p:ph sz="half" idx="1"/>
           </p:nvPr>
         </p:nvSpPr>
-        <p:spPr/>
+        <p:spPr>
+          <a:xfrm>
+            <a:off x="838199" y="1825625"/>
+            <a:ext cx="6790751" cy="4351338"/>
+          </a:xfrm>
+        </p:spPr>
         <p:txBody>
           <a:bodyPr>
-            <a:normAutofit/>
+            <a:normAutofit fontScale="92500"/>
           </a:bodyPr>
           <a:lstStyle/>
           <a:p>
             <a:r>
               <a:rPr lang="en-US" dirty="0"/>
-              <a:t>Remove an additional N bases (default: 5 </a:t>
-            </a:r>
-            <a:r>
-              <a:rPr lang="en-US" dirty="0" err="1"/>
-              <a:t>nts</a:t>
-            </a:r>
-            <a:r>
-              <a:rPr lang="en-US" dirty="0"/>
-              <a:t>) from the 5’ end of each read with </a:t>
+              <a:t>Remove an additional N bases (default: 5) from the 5’ end of each read with </a:t>
             </a:r>
             <a:r>
               <a:rPr lang="en-US" dirty="0" err="1">
@@ -4252,6 +4334,55 @@
               <a:rPr lang="en-US" dirty="0"/>
               <a:t> quality report trimmed FASTQ data, per specimen</a:t>
             </a:r>
+          </a:p>
+          <a:p>
+            <a:pPr lvl="2"/>
+            <a:r>
+              <a:rPr lang="en-US" dirty="0">
+                <a:latin typeface="Courier New" panose="02070309020205020404" pitchFamily="49" charset="0"/>
+                <a:cs typeface="Courier New" panose="02070309020205020404" pitchFamily="49" charset="0"/>
+              </a:rPr>
+              <a:t>3_end_trimmed/</a:t>
+            </a:r>
+            <a:r>
+              <a:rPr lang="en-US" dirty="0" err="1">
+                <a:latin typeface="Courier New" panose="02070309020205020404" pitchFamily="49" charset="0"/>
+                <a:cs typeface="Courier New" panose="02070309020205020404" pitchFamily="49" charset="0"/>
+              </a:rPr>
+              <a:t>multiqc_report.html</a:t>
+            </a:r>
+            <a:endParaRPr lang="en-US" dirty="0">
+              <a:latin typeface="Courier New" panose="02070309020205020404" pitchFamily="49" charset="0"/>
+              <a:cs typeface="Courier New" panose="02070309020205020404" pitchFamily="49" charset="0"/>
+            </a:endParaRPr>
+          </a:p>
+          <a:p>
+            <a:pPr lvl="1"/>
+            <a:r>
+              <a:rPr lang="en-US" dirty="0"/>
+              <a:t>Trimmed reads in FASTQ format</a:t>
+            </a:r>
+          </a:p>
+          <a:p>
+            <a:pPr lvl="2"/>
+            <a:r>
+              <a:rPr lang="en-US" dirty="0">
+                <a:latin typeface="Courier New" panose="02070309020205020404" pitchFamily="49" charset="0"/>
+                <a:cs typeface="Courier New" panose="02070309020205020404" pitchFamily="49" charset="0"/>
+              </a:rPr>
+              <a:t>3_end_trimmed/&lt;SPECIMEN&gt;/*.</a:t>
+            </a:r>
+            <a:r>
+              <a:rPr lang="en-US" dirty="0" err="1">
+                <a:latin typeface="Courier New" panose="02070309020205020404" pitchFamily="49" charset="0"/>
+                <a:cs typeface="Courier New" panose="02070309020205020404" pitchFamily="49" charset="0"/>
+              </a:rPr>
+              <a:t>trimmed.fastq.gz</a:t>
+            </a:r>
+            <a:endParaRPr lang="en-US" dirty="0">
+              <a:latin typeface="Courier New" panose="02070309020205020404" pitchFamily="49" charset="0"/>
+              <a:cs typeface="Courier New" panose="02070309020205020404" pitchFamily="49" charset="0"/>
+            </a:endParaRPr>
           </a:p>
           <a:p>
             <a:endParaRPr lang="en-US" dirty="0"/>
@@ -4274,10 +4405,15 @@
             <p:ph sz="half" idx="2"/>
           </p:nvPr>
         </p:nvSpPr>
-        <p:spPr/>
+        <p:spPr>
+          <a:xfrm>
+            <a:off x="7628952" y="1825625"/>
+            <a:ext cx="3724847" cy="2991864"/>
+          </a:xfrm>
+        </p:spPr>
         <p:txBody>
           <a:bodyPr>
-            <a:normAutofit/>
+            <a:normAutofit fontScale="92500"/>
           </a:bodyPr>
           <a:lstStyle/>
           <a:p>
@@ -4429,7 +4565,7 @@
         </p:nvSpPr>
         <p:spPr>
           <a:xfrm>
-            <a:off x="9206981" y="4820600"/>
+            <a:off x="10239415" y="4820599"/>
             <a:ext cx="823431" cy="369332"/>
           </a:xfrm>
           <a:prstGeom prst="rect">
@@ -4464,7 +4600,7 @@
         </p:nvSpPr>
         <p:spPr>
           <a:xfrm>
-            <a:off x="6805522" y="4820600"/>
+            <a:off x="7837956" y="4820599"/>
             <a:ext cx="823431" cy="369332"/>
           </a:xfrm>
           <a:prstGeom prst="rect">
@@ -4499,7 +4635,7 @@
         </p:nvSpPr>
         <p:spPr>
           <a:xfrm>
-            <a:off x="8556326" y="5355955"/>
+            <a:off x="9588760" y="5355954"/>
             <a:ext cx="1317333" cy="86498"/>
           </a:xfrm>
           <a:prstGeom prst="rect">
@@ -4545,7 +4681,7 @@
         </p:nvSpPr>
         <p:spPr>
           <a:xfrm>
-            <a:off x="6962275" y="5362939"/>
+            <a:off x="7994709" y="5362938"/>
             <a:ext cx="1317333" cy="86497"/>
           </a:xfrm>
           <a:prstGeom prst="rect">
@@ -4591,7 +4727,7 @@
         </p:nvSpPr>
         <p:spPr>
           <a:xfrm rot="5400000">
-            <a:off x="6673686" y="5545273"/>
+            <a:off x="7706120" y="5545272"/>
             <a:ext cx="211420" cy="365759"/>
           </a:xfrm>
           <a:prstGeom prst="rightBrace">
@@ -4635,7 +4771,7 @@
         </p:nvSpPr>
         <p:spPr>
           <a:xfrm>
-            <a:off x="6596516" y="5362939"/>
+            <a:off x="7628950" y="5362938"/>
             <a:ext cx="365760" cy="86497"/>
           </a:xfrm>
           <a:prstGeom prst="rect">
@@ -4686,7 +4822,7 @@
         </p:nvSpPr>
         <p:spPr>
           <a:xfrm rot="5400000">
-            <a:off x="9950829" y="5545273"/>
+            <a:off x="10983263" y="5545272"/>
             <a:ext cx="211420" cy="365759"/>
           </a:xfrm>
           <a:prstGeom prst="rightBrace">
@@ -4730,7 +4866,7 @@
         </p:nvSpPr>
         <p:spPr>
           <a:xfrm>
-            <a:off x="9873659" y="5355955"/>
+            <a:off x="10906093" y="5355954"/>
             <a:ext cx="365760" cy="86497"/>
           </a:xfrm>
           <a:prstGeom prst="rect">
@@ -4781,7 +4917,7 @@
         </p:nvSpPr>
         <p:spPr>
           <a:xfrm flipH="1">
-            <a:off x="10535385" y="5359448"/>
+            <a:off x="11567819" y="5359447"/>
             <a:ext cx="441648" cy="86497"/>
           </a:xfrm>
           <a:prstGeom prst="rect">
@@ -4832,7 +4968,7 @@
         </p:nvSpPr>
         <p:spPr>
           <a:xfrm>
-            <a:off x="10531458" y="4817490"/>
+            <a:off x="11563892" y="4817489"/>
             <a:ext cx="498470" cy="369332"/>
           </a:xfrm>
           <a:prstGeom prst="rect">
@@ -4927,16 +5063,25 @@
             <p:ph sz="half" idx="1"/>
           </p:nvPr>
         </p:nvSpPr>
-        <p:spPr/>
+        <p:spPr>
+          <a:xfrm>
+            <a:off x="838200" y="1825625"/>
+            <a:ext cx="6444114" cy="4351338"/>
+          </a:xfrm>
+        </p:spPr>
         <p:txBody>
           <a:bodyPr>
-            <a:normAutofit fontScale="92500" lnSpcReduction="20000"/>
+            <a:normAutofit fontScale="55000" lnSpcReduction="20000"/>
           </a:bodyPr>
           <a:lstStyle/>
           <a:p>
-            <a:r>
-              <a:rPr lang="en-US" dirty="0"/>
-              <a:t>Align each pair of reads against the reference genome</a:t>
+            <a:pPr marL="514350" indent="-514350">
+              <a:buFont typeface="+mj-lt"/>
+              <a:buAutoNum type="arabicPeriod"/>
+            </a:pPr>
+            <a:r>
+              <a:rPr lang="en-US" dirty="0"/>
+              <a:t>Align each pair of reads against the reference genome;</a:t>
             </a:r>
           </a:p>
           <a:p>
@@ -4954,10 +5099,33 @@
             </a:r>
           </a:p>
           <a:p>
-            <a:pPr lvl="1"/>
-            <a:r>
-              <a:rPr lang="en-US" dirty="0"/>
-              <a:t>Optionally mask to genome capture regions with user-provided BED file</a:t>
+            <a:pPr marL="514350" indent="-514350">
+              <a:buFont typeface="+mj-lt"/>
+              <a:buAutoNum type="arabicPeriod"/>
+            </a:pPr>
+            <a:r>
+              <a:rPr lang="en-US" dirty="0"/>
+              <a:t>If a set of target regions has been provided (BED format), remove any reads which do not fall into that region;</a:t>
+            </a:r>
+          </a:p>
+          <a:p>
+            <a:pPr marL="514350" indent="-514350">
+              <a:buFont typeface="+mj-lt"/>
+              <a:buAutoNum type="arabicPeriod"/>
+            </a:pPr>
+            <a:r>
+              <a:rPr lang="en-US" dirty="0"/>
+              <a:t>Trim all reads so that they are no longer than the distance to the 5’ end of the paired read (to trim bases which extend into the 5’ trimmed region);</a:t>
+            </a:r>
+          </a:p>
+          <a:p>
+            <a:pPr marL="514350" indent="-514350">
+              <a:buFont typeface="+mj-lt"/>
+              <a:buAutoNum type="arabicPeriod"/>
+            </a:pPr>
+            <a:r>
+              <a:rPr lang="en-US" dirty="0"/>
+              <a:t>Re-align all trimmed reads to the reference genome.</a:t>
             </a:r>
           </a:p>
           <a:p>
@@ -4976,6 +5144,98 @@
               <a:rPr lang="en-US" dirty="0"/>
               <a:t>Summary of the number of reads aligned to each chromosome per specimen</a:t>
             </a:r>
+          </a:p>
+          <a:p>
+            <a:pPr lvl="2"/>
+            <a:r>
+              <a:rPr lang="en-US" dirty="0">
+                <a:latin typeface="Courier New" panose="02070309020205020404" pitchFamily="49" charset="0"/>
+                <a:cs typeface="Courier New" panose="02070309020205020404" pitchFamily="49" charset="0"/>
+              </a:rPr>
+              <a:t>4_aligned/</a:t>
+            </a:r>
+            <a:r>
+              <a:rPr lang="en-US" dirty="0" err="1">
+                <a:latin typeface="Courier New" panose="02070309020205020404" pitchFamily="49" charset="0"/>
+                <a:cs typeface="Courier New" panose="02070309020205020404" pitchFamily="49" charset="0"/>
+              </a:rPr>
+              <a:t>multiqc_report.html</a:t>
+            </a:r>
+            <a:endParaRPr lang="en-US" dirty="0">
+              <a:latin typeface="Courier New" panose="02070309020205020404" pitchFamily="49" charset="0"/>
+              <a:cs typeface="Courier New" panose="02070309020205020404" pitchFamily="49" charset="0"/>
+            </a:endParaRPr>
+          </a:p>
+          <a:p>
+            <a:pPr lvl="1"/>
+            <a:r>
+              <a:rPr lang="en-US" dirty="0"/>
+              <a:t>Trimmed reads in FASTQ format</a:t>
+            </a:r>
+          </a:p>
+          <a:p>
+            <a:pPr lvl="2"/>
+            <a:r>
+              <a:rPr lang="en-US" dirty="0">
+                <a:latin typeface="Courier New" panose="02070309020205020404" pitchFamily="49" charset="0"/>
+                <a:cs typeface="Courier New" panose="02070309020205020404" pitchFamily="49" charset="0"/>
+              </a:rPr>
+              <a:t>4_aligned/</a:t>
+            </a:r>
+            <a:r>
+              <a:rPr lang="en-US" dirty="0" err="1">
+                <a:latin typeface="Courier New" panose="02070309020205020404" pitchFamily="49" charset="0"/>
+                <a:cs typeface="Courier New" panose="02070309020205020404" pitchFamily="49" charset="0"/>
+              </a:rPr>
+              <a:t>trim_overhang</a:t>
+            </a:r>
+            <a:r>
+              <a:rPr lang="en-US" dirty="0">
+                <a:latin typeface="Courier New" panose="02070309020205020404" pitchFamily="49" charset="0"/>
+                <a:cs typeface="Courier New" panose="02070309020205020404" pitchFamily="49" charset="0"/>
+              </a:rPr>
+              <a:t>/&lt;SPECIMEN&gt;/*.</a:t>
+            </a:r>
+            <a:r>
+              <a:rPr lang="en-US" dirty="0" err="1">
+                <a:latin typeface="Courier New" panose="02070309020205020404" pitchFamily="49" charset="0"/>
+                <a:cs typeface="Courier New" panose="02070309020205020404" pitchFamily="49" charset="0"/>
+              </a:rPr>
+              <a:t>fastq.gz</a:t>
+            </a:r>
+            <a:endParaRPr lang="en-US" dirty="0"/>
+          </a:p>
+          <a:p>
+            <a:pPr lvl="1"/>
+            <a:r>
+              <a:rPr lang="en-US" dirty="0"/>
+              <a:t>Aligned reads in BAM format</a:t>
+            </a:r>
+          </a:p>
+          <a:p>
+            <a:pPr lvl="2"/>
+            <a:r>
+              <a:rPr lang="en-US" dirty="0">
+                <a:latin typeface="Courier New" panose="02070309020205020404" pitchFamily="49" charset="0"/>
+                <a:cs typeface="Courier New" panose="02070309020205020404" pitchFamily="49" charset="0"/>
+              </a:rPr>
+              <a:t>4_aligned/reads/&lt;SPECIMEN&gt;.</a:t>
+            </a:r>
+            <a:r>
+              <a:rPr lang="en-US" dirty="0" err="1">
+                <a:latin typeface="Courier New" panose="02070309020205020404" pitchFamily="49" charset="0"/>
+                <a:cs typeface="Courier New" panose="02070309020205020404" pitchFamily="49" charset="0"/>
+              </a:rPr>
+              <a:t>aligned.bam</a:t>
+            </a:r>
+            <a:r>
+              <a:rPr lang="en-US" dirty="0">
+                <a:latin typeface="Courier New" panose="02070309020205020404" pitchFamily="49" charset="0"/>
+                <a:cs typeface="Courier New" panose="02070309020205020404" pitchFamily="49" charset="0"/>
+              </a:rPr>
+              <a:t>[.bai]</a:t>
+            </a:r>
+            <a:endParaRPr lang="en-US" dirty="0"/>
           </a:p>
         </p:txBody>
       </p:sp>
@@ -4995,10 +5255,15 @@
             <p:ph sz="half" idx="2"/>
           </p:nvPr>
         </p:nvSpPr>
-        <p:spPr/>
+        <p:spPr>
+          <a:xfrm>
+            <a:off x="7282314" y="1825625"/>
+            <a:ext cx="4071486" cy="4351338"/>
+          </a:xfrm>
+        </p:spPr>
         <p:txBody>
           <a:bodyPr>
-            <a:normAutofit fontScale="92500" lnSpcReduction="20000"/>
+            <a:normAutofit fontScale="55000" lnSpcReduction="20000"/>
           </a:bodyPr>
           <a:lstStyle/>
           <a:p>
@@ -8135,12 +8400,12 @@
         <p:spPr>
           <a:xfrm>
             <a:off x="838200" y="1825625"/>
-            <a:ext cx="5181600" cy="3102929"/>
+            <a:ext cx="5181600" cy="4223482"/>
           </a:xfrm>
         </p:spPr>
         <p:txBody>
           <a:bodyPr>
-            <a:normAutofit/>
+            <a:normAutofit fontScale="70000" lnSpcReduction="20000"/>
           </a:bodyPr>
           <a:lstStyle/>
           <a:p>
@@ -8167,6 +8432,83 @@
               <a:rPr lang="en-US" dirty="0"/>
               <a:t> will result in that family being filtered out of the dataset</a:t>
             </a:r>
+          </a:p>
+          <a:p>
+            <a:pPr lvl="1"/>
+            <a:endParaRPr lang="en-US" dirty="0"/>
+          </a:p>
+          <a:p>
+            <a:pPr marL="0" indent="0">
+              <a:buNone/>
+            </a:pPr>
+            <a:r>
+              <a:rPr lang="en-US" dirty="0"/>
+              <a:t>Outputs:</a:t>
+            </a:r>
+          </a:p>
+          <a:p>
+            <a:r>
+              <a:rPr lang="en-US" dirty="0"/>
+              <a:t>Aligned SSC read pairs from both strands</a:t>
+            </a:r>
+          </a:p>
+          <a:p>
+            <a:pPr lvl="1"/>
+            <a:r>
+              <a:rPr lang="en-US" sz="1700" dirty="0">
+                <a:latin typeface="Courier New" panose="02070309020205020404" pitchFamily="49" charset="0"/>
+                <a:cs typeface="Courier New" panose="02070309020205020404" pitchFamily="49" charset="0"/>
+              </a:rPr>
+              <a:t>5_all_SSC/&lt;SPECIMEN&gt;/[POS|NEG].</a:t>
+            </a:r>
+            <a:r>
+              <a:rPr lang="en-US" sz="1700" dirty="0" err="1">
+                <a:latin typeface="Courier New" panose="02070309020205020404" pitchFamily="49" charset="0"/>
+                <a:cs typeface="Courier New" panose="02070309020205020404" pitchFamily="49" charset="0"/>
+              </a:rPr>
+              <a:t>SSC.bam</a:t>
+            </a:r>
+            <a:r>
+              <a:rPr lang="en-US" sz="1700" dirty="0">
+                <a:latin typeface="Courier New" panose="02070309020205020404" pitchFamily="49" charset="0"/>
+                <a:cs typeface="Courier New" panose="02070309020205020404" pitchFamily="49" charset="0"/>
+              </a:rPr>
+              <a:t>[.bai]</a:t>
+            </a:r>
+          </a:p>
+          <a:p>
+            <a:r>
+              <a:rPr lang="en-US" dirty="0"/>
+              <a:t>Table listing the complete information for each family:</a:t>
+            </a:r>
+          </a:p>
+          <a:p>
+            <a:pPr lvl="1"/>
+            <a:r>
+              <a:rPr lang="en-US" dirty="0"/>
+              <a:t>ID, chromosome, barcode, start position, end position,  number of reads on each strand</a:t>
+            </a:r>
+          </a:p>
+          <a:p>
+            <a:pPr lvl="1"/>
+            <a:r>
+              <a:rPr lang="en-US" sz="2000" dirty="0">
+                <a:latin typeface="Courier New" panose="02070309020205020404" pitchFamily="49" charset="0"/>
+                <a:cs typeface="Courier New" panose="02070309020205020404" pitchFamily="49" charset="0"/>
+              </a:rPr>
+              <a:t>5_all_SSC/&lt;SPECIMEN&gt;/</a:t>
+            </a:r>
+            <a:r>
+              <a:rPr lang="en-US" sz="2000" dirty="0" err="1">
+                <a:latin typeface="Courier New" panose="02070309020205020404" pitchFamily="49" charset="0"/>
+                <a:cs typeface="Courier New" panose="02070309020205020404" pitchFamily="49" charset="0"/>
+              </a:rPr>
+              <a:t>SSC.details.csv.gz</a:t>
+            </a:r>
+            <a:endParaRPr lang="en-US" sz="2000" dirty="0">
+              <a:latin typeface="Courier New" panose="02070309020205020404" pitchFamily="49" charset="0"/>
+              <a:cs typeface="Courier New" panose="02070309020205020404" pitchFamily="49" charset="0"/>
+            </a:endParaRPr>
           </a:p>
           <a:p>
             <a:pPr marL="457200" lvl="1" indent="0">
@@ -8195,7 +8537,7 @@
         <p:spPr/>
         <p:txBody>
           <a:bodyPr>
-            <a:normAutofit/>
+            <a:normAutofit fontScale="70000" lnSpcReduction="20000"/>
           </a:bodyPr>
           <a:lstStyle/>
           <a:p>
@@ -14624,6 +14966,457 @@
     <p:extLst>
       <p:ext uri="{BB962C8B-B14F-4D97-AF65-F5344CB8AC3E}">
         <p14:creationId xmlns:p14="http://schemas.microsoft.com/office/powerpoint/2010/main" val="3453074766"/>
+      </p:ext>
+    </p:extLst>
+  </p:cSld>
+  <p:clrMapOvr>
+    <a:masterClrMapping/>
+  </p:clrMapOvr>
+</p:sld>
+</file>
+
+<file path=ppt/slides/slide21.xml><?xml version="1.0" encoding="utf-8"?>
+<p:sld xmlns:a="http://schemas.openxmlformats.org/drawingml/2006/main" xmlns:r="http://schemas.openxmlformats.org/officeDocument/2006/relationships" xmlns:p="http://schemas.openxmlformats.org/presentationml/2006/main">
+  <p:cSld>
+    <p:spTree>
+      <p:nvGrpSpPr>
+        <p:cNvPr id="1" name=""/>
+        <p:cNvGrpSpPr/>
+        <p:nvPr/>
+      </p:nvGrpSpPr>
+      <p:grpSpPr>
+        <a:xfrm>
+          <a:off x="0" y="0"/>
+          <a:ext cx="0" cy="0"/>
+          <a:chOff x="0" y="0"/>
+          <a:chExt cx="0" cy="0"/>
+        </a:xfrm>
+      </p:grpSpPr>
+      <p:sp>
+        <p:nvSpPr>
+          <p:cNvPr id="2" name="Title 1">
+            <a:extLst>
+              <a:ext uri="{FF2B5EF4-FFF2-40B4-BE49-F238E27FC236}">
+                <a16:creationId xmlns:a16="http://schemas.microsoft.com/office/drawing/2014/main" id="{D460C36F-18BC-9C43-A097-63DE5E7F3CB0}"/>
+              </a:ext>
+            </a:extLst>
+          </p:cNvPr>
+          <p:cNvSpPr>
+            <a:spLocks noGrp="1"/>
+          </p:cNvSpPr>
+          <p:nvPr>
+            <p:ph type="title"/>
+          </p:nvPr>
+        </p:nvSpPr>
+        <p:spPr/>
+        <p:txBody>
+          <a:bodyPr/>
+          <a:lstStyle/>
+          <a:p>
+            <a:r>
+              <a:rPr lang="en-US" dirty="0"/>
+              <a:t>6. Variant Calling</a:t>
+            </a:r>
+          </a:p>
+        </p:txBody>
+      </p:sp>
+      <p:sp>
+        <p:nvSpPr>
+          <p:cNvPr id="6" name="Content Placeholder 5">
+            <a:extLst>
+              <a:ext uri="{FF2B5EF4-FFF2-40B4-BE49-F238E27FC236}">
+                <a16:creationId xmlns:a16="http://schemas.microsoft.com/office/drawing/2014/main" id="{0928D617-A66E-4449-ACFF-1C43A1B83F5D}"/>
+              </a:ext>
+            </a:extLst>
+          </p:cNvPr>
+          <p:cNvSpPr>
+            <a:spLocks noGrp="1"/>
+          </p:cNvSpPr>
+          <p:nvPr>
+            <p:ph sz="half" idx="1"/>
+          </p:nvPr>
+        </p:nvSpPr>
+        <p:spPr>
+          <a:xfrm>
+            <a:off x="838200" y="1825625"/>
+            <a:ext cx="10515600" cy="4351338"/>
+          </a:xfrm>
+        </p:spPr>
+        <p:txBody>
+          <a:bodyPr>
+            <a:normAutofit fontScale="40000" lnSpcReduction="20000"/>
+          </a:bodyPr>
+          <a:lstStyle/>
+          <a:p>
+            <a:pPr marL="0" indent="0">
+              <a:buNone/>
+            </a:pPr>
+            <a:r>
+              <a:rPr lang="en-US" u="sng" dirty="0"/>
+              <a:t>Outputs</a:t>
+            </a:r>
+            <a:r>
+              <a:rPr lang="en-US" dirty="0"/>
+              <a:t>:</a:t>
+            </a:r>
+          </a:p>
+          <a:p>
+            <a:r>
+              <a:rPr lang="en-US" dirty="0"/>
+              <a:t>Aligned DSC and SSC reads</a:t>
+            </a:r>
+          </a:p>
+          <a:p>
+            <a:pPr lvl="1"/>
+            <a:r>
+              <a:rPr lang="en-US" dirty="0">
+                <a:latin typeface="Courier New" panose="02070309020205020404" pitchFamily="49" charset="0"/>
+                <a:cs typeface="Courier New" panose="02070309020205020404" pitchFamily="49" charset="0"/>
+              </a:rPr>
+              <a:t>6_filtered_SSC/&lt;SPECIMEN&gt;/alignments/{DSC,NEG.SSC,POS.SSC}.bam[.bai]</a:t>
+            </a:r>
+          </a:p>
+          <a:p>
+            <a:r>
+              <a:rPr lang="en-US" dirty="0"/>
+              <a:t>Custom tabular summary of all mutations</a:t>
+            </a:r>
+          </a:p>
+          <a:p>
+            <a:pPr lvl="1"/>
+            <a:r>
+              <a:rPr lang="en-US" dirty="0"/>
+              <a:t>Columns: </a:t>
+            </a:r>
+            <a:r>
+              <a:rPr lang="en-US" dirty="0" err="1"/>
+              <a:t>chrom</a:t>
+            </a:r>
+            <a:r>
+              <a:rPr lang="en-US" dirty="0"/>
+              <a:t>, pos, ref, depth, </a:t>
+            </a:r>
+            <a:r>
+              <a:rPr lang="en-US" dirty="0" err="1"/>
+              <a:t>mutation_count</a:t>
+            </a:r>
+            <a:r>
+              <a:rPr lang="en-US" dirty="0"/>
+              <a:t>, A, T, C, G, </a:t>
+            </a:r>
+            <a:r>
+              <a:rPr lang="en-US" dirty="0" err="1"/>
+              <a:t>mutation_classes</a:t>
+            </a:r>
+            <a:endParaRPr lang="en-US" dirty="0"/>
+          </a:p>
+          <a:p>
+            <a:pPr lvl="1"/>
+            <a:r>
+              <a:rPr lang="en-US" sz="2500" dirty="0">
+                <a:latin typeface="Courier New" panose="02070309020205020404" pitchFamily="49" charset="0"/>
+                <a:cs typeface="Courier New" panose="02070309020205020404" pitchFamily="49" charset="0"/>
+              </a:rPr>
+              <a:t>6_filtered_SSC/&lt;SPECIMEN&gt;/stats/&lt;SPECIMEN&gt;.</a:t>
+            </a:r>
+            <a:r>
+              <a:rPr lang="en-US" sz="2500" dirty="0" err="1">
+                <a:latin typeface="Courier New" panose="02070309020205020404" pitchFamily="49" charset="0"/>
+                <a:cs typeface="Courier New" panose="02070309020205020404" pitchFamily="49" charset="0"/>
+              </a:rPr>
+              <a:t>tsv.gz</a:t>
+            </a:r>
+            <a:endParaRPr lang="en-US" sz="2500" dirty="0">
+              <a:latin typeface="Courier New" panose="02070309020205020404" pitchFamily="49" charset="0"/>
+              <a:cs typeface="Courier New" panose="02070309020205020404" pitchFamily="49" charset="0"/>
+            </a:endParaRPr>
+          </a:p>
+          <a:p>
+            <a:r>
+              <a:rPr lang="en-US" dirty="0"/>
+              <a:t>Standard summary of aligned DSCs in pileup and VCF</a:t>
+            </a:r>
+          </a:p>
+          <a:p>
+            <a:pPr lvl="1"/>
+            <a:r>
+              <a:rPr lang="en-US" sz="2500" dirty="0">
+                <a:latin typeface="Courier New" panose="02070309020205020404" pitchFamily="49" charset="0"/>
+                <a:cs typeface="Courier New" panose="02070309020205020404" pitchFamily="49" charset="0"/>
+              </a:rPr>
+              <a:t>6_filtered_SSC/&lt;SPECIMEN&gt;/alignments/DSC.{pileup, </a:t>
+            </a:r>
+            <a:r>
+              <a:rPr lang="en-US" sz="2500" dirty="0" err="1">
+                <a:latin typeface="Courier New" panose="02070309020205020404" pitchFamily="49" charset="0"/>
+                <a:cs typeface="Courier New" panose="02070309020205020404" pitchFamily="49" charset="0"/>
+              </a:rPr>
+              <a:t>vcf</a:t>
+            </a:r>
+            <a:r>
+              <a:rPr lang="en-US" sz="2500" dirty="0">
+                <a:latin typeface="Courier New" panose="02070309020205020404" pitchFamily="49" charset="0"/>
+                <a:cs typeface="Courier New" panose="02070309020205020404" pitchFamily="49" charset="0"/>
+              </a:rPr>
+              <a:t>}.</a:t>
+            </a:r>
+            <a:r>
+              <a:rPr lang="en-US" sz="2500" dirty="0" err="1">
+                <a:latin typeface="Courier New" panose="02070309020205020404" pitchFamily="49" charset="0"/>
+                <a:cs typeface="Courier New" panose="02070309020205020404" pitchFamily="49" charset="0"/>
+              </a:rPr>
+              <a:t>gz</a:t>
+            </a:r>
+            <a:endParaRPr lang="en-US" sz="2500" dirty="0">
+              <a:latin typeface="Courier New" panose="02070309020205020404" pitchFamily="49" charset="0"/>
+              <a:cs typeface="Courier New" panose="02070309020205020404" pitchFamily="49" charset="0"/>
+            </a:endParaRPr>
+          </a:p>
+          <a:p>
+            <a:r>
+              <a:rPr lang="en-US" dirty="0"/>
+              <a:t>Tabular summary of all SSCs which passed the filter, including number of reads, position, and read length</a:t>
+            </a:r>
+          </a:p>
+          <a:p>
+            <a:pPr lvl="1"/>
+            <a:r>
+              <a:rPr lang="en-US" sz="2500" dirty="0">
+                <a:latin typeface="Courier New" panose="02070309020205020404" pitchFamily="49" charset="0"/>
+                <a:cs typeface="Courier New" panose="02070309020205020404" pitchFamily="49" charset="0"/>
+              </a:rPr>
+              <a:t>6_filtered_SSC/&lt;SPECIMEN&gt;/stats/&lt;SPECIMEN&gt;.</a:t>
+            </a:r>
+            <a:r>
+              <a:rPr lang="en-US" sz="2500" dirty="0" err="1">
+                <a:latin typeface="Courier New" panose="02070309020205020404" pitchFamily="49" charset="0"/>
+                <a:cs typeface="Courier New" panose="02070309020205020404" pitchFamily="49" charset="0"/>
+              </a:rPr>
+              <a:t>SSC.csv.gz</a:t>
+            </a:r>
+            <a:endParaRPr lang="en-US" sz="2500" dirty="0">
+              <a:latin typeface="Courier New" panose="02070309020205020404" pitchFamily="49" charset="0"/>
+              <a:cs typeface="Courier New" panose="02070309020205020404" pitchFamily="49" charset="0"/>
+            </a:endParaRPr>
+          </a:p>
+          <a:p>
+            <a:r>
+              <a:rPr lang="en-US" dirty="0"/>
+              <a:t>Summary of the number of adducts on the basis of what bases were changed</a:t>
+            </a:r>
+          </a:p>
+          <a:p>
+            <a:pPr lvl="1"/>
+            <a:r>
+              <a:rPr lang="en-US" sz="2500" dirty="0">
+                <a:latin typeface="Courier New" panose="02070309020205020404" pitchFamily="49" charset="0"/>
+                <a:cs typeface="Courier New" panose="02070309020205020404" pitchFamily="49" charset="0"/>
+              </a:rPr>
+              <a:t>6_filtered_SSC/&lt;SPECIMEN&gt;/stats/&lt;SPECIMEN&gt;.</a:t>
+            </a:r>
+            <a:r>
+              <a:rPr lang="en-US" sz="2500" dirty="0" err="1">
+                <a:latin typeface="Courier New" panose="02070309020205020404" pitchFamily="49" charset="0"/>
+                <a:cs typeface="Courier New" panose="02070309020205020404" pitchFamily="49" charset="0"/>
+              </a:rPr>
+              <a:t>adducts_by_base.csv.gz</a:t>
+            </a:r>
+            <a:endParaRPr lang="en-US" sz="2500" dirty="0">
+              <a:latin typeface="Courier New" panose="02070309020205020404" pitchFamily="49" charset="0"/>
+              <a:cs typeface="Courier New" panose="02070309020205020404" pitchFamily="49" charset="0"/>
+            </a:endParaRPr>
+          </a:p>
+          <a:p>
+            <a:r>
+              <a:rPr lang="en-US" dirty="0"/>
+              <a:t>Number of SSCs, bases, adducts, and SNPs per chromosome</a:t>
+            </a:r>
+          </a:p>
+          <a:p>
+            <a:pPr lvl="1"/>
+            <a:r>
+              <a:rPr lang="en-US" sz="2500" dirty="0">
+                <a:latin typeface="Courier New" panose="02070309020205020404" pitchFamily="49" charset="0"/>
+                <a:cs typeface="Courier New" panose="02070309020205020404" pitchFamily="49" charset="0"/>
+              </a:rPr>
+              <a:t>6_filtered_SSC/&lt;SPECIMEN&gt;/stats/&lt;SPECIMEN&gt;.</a:t>
+            </a:r>
+            <a:r>
+              <a:rPr lang="en-US" sz="2500" dirty="0" err="1">
+                <a:latin typeface="Courier New" panose="02070309020205020404" pitchFamily="49" charset="0"/>
+                <a:cs typeface="Courier New" panose="02070309020205020404" pitchFamily="49" charset="0"/>
+              </a:rPr>
+              <a:t>by_chr.csv.gz</a:t>
+            </a:r>
+            <a:endParaRPr lang="en-US" sz="2500" dirty="0">
+              <a:latin typeface="Courier New" panose="02070309020205020404" pitchFamily="49" charset="0"/>
+              <a:cs typeface="Courier New" panose="02070309020205020404" pitchFamily="49" charset="0"/>
+            </a:endParaRPr>
+          </a:p>
+          <a:p>
+            <a:r>
+              <a:rPr lang="en-US" dirty="0"/>
+              <a:t>Number of SSCs, SNPs, and adducts as a function of read position</a:t>
+            </a:r>
+          </a:p>
+          <a:p>
+            <a:pPr lvl="1"/>
+            <a:r>
+              <a:rPr lang="en-US" sz="2500" dirty="0">
+                <a:latin typeface="Courier New" panose="02070309020205020404" pitchFamily="49" charset="0"/>
+                <a:cs typeface="Courier New" panose="02070309020205020404" pitchFamily="49" charset="0"/>
+              </a:rPr>
+              <a:t>6_filtered_SSC/&lt;SPECIMEN&gt;/stats/&lt;SPECIMEN&gt;.</a:t>
+            </a:r>
+            <a:r>
+              <a:rPr lang="en-US" sz="2500" dirty="0" err="1">
+                <a:latin typeface="Courier New" panose="02070309020205020404" pitchFamily="49" charset="0"/>
+                <a:cs typeface="Courier New" panose="02070309020205020404" pitchFamily="49" charset="0"/>
+              </a:rPr>
+              <a:t>by_read_position.csv.gz</a:t>
+            </a:r>
+            <a:endParaRPr lang="en-US" sz="2500" dirty="0">
+              <a:latin typeface="Courier New" panose="02070309020205020404" pitchFamily="49" charset="0"/>
+              <a:cs typeface="Courier New" panose="02070309020205020404" pitchFamily="49" charset="0"/>
+            </a:endParaRPr>
+          </a:p>
+          <a:p>
+            <a:r>
+              <a:rPr lang="en-US" dirty="0"/>
+              <a:t>Summary of the number of SNPs on the basis of what bases were changed</a:t>
+            </a:r>
+          </a:p>
+          <a:p>
+            <a:pPr lvl="1"/>
+            <a:r>
+              <a:rPr lang="en-US" sz="2500" dirty="0">
+                <a:latin typeface="Courier New" panose="02070309020205020404" pitchFamily="49" charset="0"/>
+                <a:cs typeface="Courier New" panose="02070309020205020404" pitchFamily="49" charset="0"/>
+              </a:rPr>
+              <a:t>6_filtered_SSC/&lt;SPECIMEN&gt;/stats/&lt;SPECIMEN&gt;.</a:t>
+            </a:r>
+            <a:r>
+              <a:rPr lang="en-US" sz="2500" dirty="0" err="1">
+                <a:latin typeface="Courier New" panose="02070309020205020404" pitchFamily="49" charset="0"/>
+                <a:cs typeface="Courier New" panose="02070309020205020404" pitchFamily="49" charset="0"/>
+              </a:rPr>
+              <a:t>snps_by_base.csv.gz</a:t>
+            </a:r>
+            <a:endParaRPr lang="en-US" sz="2500" dirty="0">
+              <a:latin typeface="Courier New" panose="02070309020205020404" pitchFamily="49" charset="0"/>
+              <a:cs typeface="Courier New" panose="02070309020205020404" pitchFamily="49" charset="0"/>
+            </a:endParaRPr>
+          </a:p>
+          <a:p>
+            <a:r>
+              <a:rPr lang="en-US" dirty="0"/>
+              <a:t>Aligned reads which were assigned to families containing adducts</a:t>
+            </a:r>
+          </a:p>
+          <a:p>
+            <a:pPr lvl="1"/>
+            <a:r>
+              <a:rPr lang="en-US" sz="2500" dirty="0">
+                <a:latin typeface="Courier New" panose="02070309020205020404" pitchFamily="49" charset="0"/>
+                <a:cs typeface="Courier New" panose="02070309020205020404" pitchFamily="49" charset="0"/>
+              </a:rPr>
+              <a:t>6_filtered_SSC/&lt;SPECIMEN&gt;/reads/&lt;SPECIMEN&gt;.</a:t>
+            </a:r>
+            <a:r>
+              <a:rPr lang="en-US" sz="2500" dirty="0" err="1">
+                <a:latin typeface="Courier New" panose="02070309020205020404" pitchFamily="49" charset="0"/>
+                <a:cs typeface="Courier New" panose="02070309020205020404" pitchFamily="49" charset="0"/>
+              </a:rPr>
+              <a:t>adduct.reads.bam</a:t>
+            </a:r>
+            <a:endParaRPr lang="en-US" sz="2500" dirty="0">
+              <a:latin typeface="Courier New" panose="02070309020205020404" pitchFamily="49" charset="0"/>
+              <a:cs typeface="Courier New" panose="02070309020205020404" pitchFamily="49" charset="0"/>
+            </a:endParaRPr>
+          </a:p>
+          <a:p>
+            <a:pPr lvl="1"/>
+            <a:endParaRPr lang="en-US" dirty="0"/>
+          </a:p>
+          <a:p>
+            <a:pPr lvl="1"/>
+            <a:endParaRPr lang="en-US" dirty="0"/>
+          </a:p>
+        </p:txBody>
+      </p:sp>
+      <p:sp>
+        <p:nvSpPr>
+          <p:cNvPr id="4" name="Footer Placeholder 3">
+            <a:extLst>
+              <a:ext uri="{FF2B5EF4-FFF2-40B4-BE49-F238E27FC236}">
+                <a16:creationId xmlns:a16="http://schemas.microsoft.com/office/drawing/2014/main" id="{623F4300-D3DE-7E46-97A9-18CCA3FD1153}"/>
+              </a:ext>
+            </a:extLst>
+          </p:cNvPr>
+          <p:cNvSpPr>
+            <a:spLocks noGrp="1"/>
+          </p:cNvSpPr>
+          <p:nvPr>
+            <p:ph type="ftr" sz="quarter" idx="11"/>
+          </p:nvPr>
+        </p:nvSpPr>
+        <p:spPr/>
+        <p:txBody>
+          <a:bodyPr/>
+          <a:lstStyle/>
+          <a:p>
+            <a:r>
+              <a:rPr lang="en-US" dirty="0" err="1"/>
+              <a:t>FredHutch</a:t>
+            </a:r>
+            <a:r>
+              <a:rPr lang="en-US" dirty="0"/>
+              <a:t>/</a:t>
+            </a:r>
+            <a:r>
+              <a:rPr lang="en-US" dirty="0" err="1"/>
+              <a:t>maddd</a:t>
+            </a:r>
+            <a:r>
+              <a:rPr lang="en-US" dirty="0"/>
+              <a:t>-seq</a:t>
+            </a:r>
+          </a:p>
+        </p:txBody>
+      </p:sp>
+      <p:sp>
+        <p:nvSpPr>
+          <p:cNvPr id="5" name="Slide Number Placeholder 4">
+            <a:extLst>
+              <a:ext uri="{FF2B5EF4-FFF2-40B4-BE49-F238E27FC236}">
+                <a16:creationId xmlns:a16="http://schemas.microsoft.com/office/drawing/2014/main" id="{9F81779B-77B2-BD45-B2B6-3500D215E80C}"/>
+              </a:ext>
+            </a:extLst>
+          </p:cNvPr>
+          <p:cNvSpPr>
+            <a:spLocks noGrp="1"/>
+          </p:cNvSpPr>
+          <p:nvPr>
+            <p:ph type="sldNum" sz="quarter" idx="12"/>
+          </p:nvPr>
+        </p:nvSpPr>
+        <p:spPr/>
+        <p:txBody>
+          <a:bodyPr/>
+          <a:lstStyle/>
+          <a:p>
+            <a:fld id="{60E83D82-F696-1748-AD88-78C4469F76A5}" type="slidenum">
+              <a:rPr lang="en-US" smtClean="0"/>
+              <a:t>21</a:t>
+            </a:fld>
+            <a:endParaRPr lang="en-US"/>
+          </a:p>
+        </p:txBody>
+      </p:sp>
+    </p:spTree>
+    <p:extLst>
+      <p:ext uri="{BB962C8B-B14F-4D97-AF65-F5344CB8AC3E}">
+        <p14:creationId xmlns:p14="http://schemas.microsoft.com/office/powerpoint/2010/main" val="2930250153"/>
       </p:ext>
     </p:extLst>
   </p:cSld>
@@ -17489,7 +18282,7 @@
           <a:p>
             <a:r>
               <a:rPr lang="en-US" dirty="0"/>
-              <a:t>Barcode read sequence is used to split up sequencing data by specimen</a:t>
+              <a:t>Barcode read sequence is used to split up sequencing data by specimen.</a:t>
             </a:r>
           </a:p>
           <a:p>
@@ -17498,7 +18291,7 @@
           <a:p>
             <a:r>
               <a:rPr lang="en-US" dirty="0"/>
-              <a:t>Performed prior to the start of this workflow</a:t>
+              <a:t>Demultiplexing must be performed prior to the start of this workflow.</a:t>
             </a:r>
           </a:p>
         </p:txBody>
@@ -17910,16 +18703,21 @@
             <p:ph sz="half" idx="1"/>
           </p:nvPr>
         </p:nvSpPr>
-        <p:spPr/>
+        <p:spPr>
+          <a:xfrm>
+            <a:off x="838200" y="1825625"/>
+            <a:ext cx="7315200" cy="4351338"/>
+          </a:xfrm>
+        </p:spPr>
         <p:txBody>
           <a:bodyPr>
-            <a:normAutofit fontScale="92500" lnSpcReduction="10000"/>
+            <a:normAutofit fontScale="77500" lnSpcReduction="20000"/>
           </a:bodyPr>
           <a:lstStyle/>
           <a:p>
             <a:r>
               <a:rPr lang="en-US" dirty="0"/>
-              <a:t>Perform quality trimming of the 3’ end of each read with </a:t>
+              <a:t>Perform quality trimming and adapter trimming of the 3’ end of each read with </a:t>
             </a:r>
             <a:r>
               <a:rPr lang="en-US" dirty="0" err="1">
@@ -17955,6 +18753,17 @@
             </a:r>
           </a:p>
           <a:p>
+            <a:pPr lvl="1"/>
+            <a:r>
+              <a:rPr lang="en-US" dirty="0"/>
+              <a:t>Sequencing adapters are concurrently trimmed from the 3’ of each read</a:t>
+            </a:r>
+          </a:p>
+          <a:p>
+            <a:pPr lvl="1"/>
+            <a:endParaRPr lang="en-US" dirty="0"/>
+          </a:p>
+          <a:p>
             <a:r>
               <a:rPr lang="en-US" dirty="0"/>
               <a:t>Outputs:</a:t>
@@ -17970,6 +18779,115 @@
               <a:rPr lang="en-US" dirty="0"/>
               <a:t> quality report for both input (unfiltered) and filtered FASTQ data, per specimen</a:t>
             </a:r>
+          </a:p>
+          <a:p>
+            <a:pPr lvl="2"/>
+            <a:r>
+              <a:rPr lang="en-US" sz="1400" dirty="0">
+                <a:latin typeface="Courier New" panose="02070309020205020404" pitchFamily="49" charset="0"/>
+                <a:cs typeface="Courier New" panose="02070309020205020404" pitchFamily="49" charset="0"/>
+              </a:rPr>
+              <a:t>1_input_data/input/</a:t>
+            </a:r>
+            <a:r>
+              <a:rPr lang="en-US" sz="1400" dirty="0" err="1">
+                <a:latin typeface="Courier New" panose="02070309020205020404" pitchFamily="49" charset="0"/>
+                <a:cs typeface="Courier New" panose="02070309020205020404" pitchFamily="49" charset="0"/>
+              </a:rPr>
+              <a:t>multiqc_report.html</a:t>
+            </a:r>
+            <a:endParaRPr lang="en-US" sz="1400" dirty="0">
+              <a:latin typeface="Courier New" panose="02070309020205020404" pitchFamily="49" charset="0"/>
+              <a:cs typeface="Courier New" panose="02070309020205020404" pitchFamily="49" charset="0"/>
+            </a:endParaRPr>
+          </a:p>
+          <a:p>
+            <a:pPr lvl="2"/>
+            <a:r>
+              <a:rPr lang="en-US" sz="1400" dirty="0">
+                <a:latin typeface="Courier New" panose="02070309020205020404" pitchFamily="49" charset="0"/>
+                <a:cs typeface="Courier New" panose="02070309020205020404" pitchFamily="49" charset="0"/>
+              </a:rPr>
+              <a:t>1_input_data/</a:t>
+            </a:r>
+            <a:r>
+              <a:rPr lang="en-US" sz="1400" dirty="0" err="1">
+                <a:latin typeface="Courier New" panose="02070309020205020404" pitchFamily="49" charset="0"/>
+                <a:cs typeface="Courier New" panose="02070309020205020404" pitchFamily="49" charset="0"/>
+              </a:rPr>
+              <a:t>quality_trimmed</a:t>
+            </a:r>
+            <a:r>
+              <a:rPr lang="en-US" sz="1400" dirty="0">
+                <a:latin typeface="Courier New" panose="02070309020205020404" pitchFamily="49" charset="0"/>
+                <a:cs typeface="Courier New" panose="02070309020205020404" pitchFamily="49" charset="0"/>
+              </a:rPr>
+              <a:t>/</a:t>
+            </a:r>
+            <a:r>
+              <a:rPr lang="en-US" sz="1400" dirty="0" err="1">
+                <a:latin typeface="Courier New" panose="02070309020205020404" pitchFamily="49" charset="0"/>
+                <a:cs typeface="Courier New" panose="02070309020205020404" pitchFamily="49" charset="0"/>
+              </a:rPr>
+              <a:t>multiqc_report.html</a:t>
+            </a:r>
+            <a:endParaRPr lang="en-US" sz="1400" dirty="0">
+              <a:latin typeface="Courier New" panose="02070309020205020404" pitchFamily="49" charset="0"/>
+              <a:cs typeface="Courier New" panose="02070309020205020404" pitchFamily="49" charset="0"/>
+            </a:endParaRPr>
+          </a:p>
+          <a:p>
+            <a:pPr lvl="2"/>
+            <a:endParaRPr lang="en-US" sz="1400" dirty="0">
+              <a:latin typeface="Courier New" panose="02070309020205020404" pitchFamily="49" charset="0"/>
+              <a:cs typeface="Courier New" panose="02070309020205020404" pitchFamily="49" charset="0"/>
+            </a:endParaRPr>
+          </a:p>
+          <a:p>
+            <a:pPr lvl="1"/>
+            <a:r>
+              <a:rPr lang="en-US" dirty="0"/>
+              <a:t>Trimmed reads</a:t>
+            </a:r>
+          </a:p>
+          <a:p>
+            <a:pPr lvl="2"/>
+            <a:r>
+              <a:rPr lang="en-US" sz="1400" dirty="0">
+                <a:latin typeface="Courier New" panose="02070309020205020404" pitchFamily="49" charset="0"/>
+                <a:cs typeface="Courier New" panose="02070309020205020404" pitchFamily="49" charset="0"/>
+              </a:rPr>
+              <a:t>1_input_data/</a:t>
+            </a:r>
+            <a:r>
+              <a:rPr lang="en-US" sz="1400" dirty="0" err="1">
+                <a:latin typeface="Courier New" panose="02070309020205020404" pitchFamily="49" charset="0"/>
+                <a:cs typeface="Courier New" panose="02070309020205020404" pitchFamily="49" charset="0"/>
+              </a:rPr>
+              <a:t>quality_trimmed</a:t>
+            </a:r>
+            <a:r>
+              <a:rPr lang="en-US" sz="1400" dirty="0">
+                <a:latin typeface="Courier New" panose="02070309020205020404" pitchFamily="49" charset="0"/>
+                <a:cs typeface="Courier New" panose="02070309020205020404" pitchFamily="49" charset="0"/>
+              </a:rPr>
+              <a:t>/&lt;SPECIMEN&gt;/&lt;SPECIMEN&gt;.</a:t>
+            </a:r>
+            <a:r>
+              <a:rPr lang="en-US" sz="1400" dirty="0" err="1">
+                <a:latin typeface="Courier New" panose="02070309020205020404" pitchFamily="49" charset="0"/>
+                <a:cs typeface="Courier New" panose="02070309020205020404" pitchFamily="49" charset="0"/>
+              </a:rPr>
+              <a:t>trimmed.fastq.gz</a:t>
+            </a:r>
+            <a:endParaRPr lang="en-US" dirty="0"/>
+          </a:p>
+          <a:p>
+            <a:pPr lvl="2"/>
+            <a:endParaRPr lang="en-US" sz="1400" dirty="0">
+              <a:latin typeface="Courier New" panose="02070309020205020404" pitchFamily="49" charset="0"/>
+              <a:cs typeface="Courier New" panose="02070309020205020404" pitchFamily="49" charset="0"/>
+            </a:endParaRPr>
           </a:p>
         </p:txBody>
       </p:sp>
@@ -17989,10 +18907,15 @@
             <p:ph sz="half" idx="2"/>
           </p:nvPr>
         </p:nvSpPr>
-        <p:spPr/>
+        <p:spPr>
+          <a:xfrm>
+            <a:off x="8153400" y="1825625"/>
+            <a:ext cx="3200400" cy="4351338"/>
+          </a:xfrm>
+        </p:spPr>
         <p:txBody>
           <a:bodyPr>
-            <a:normAutofit fontScale="92500" lnSpcReduction="10000"/>
+            <a:normAutofit fontScale="77500" lnSpcReduction="20000"/>
           </a:bodyPr>
           <a:lstStyle/>
           <a:p>
@@ -18057,6 +18980,33 @@
               </a:rPr>
               <a:t>min_align_score</a:t>
             </a:r>
+            <a:endParaRPr lang="en-US" dirty="0">
+              <a:latin typeface="Courier New" panose="02070309020205020404" pitchFamily="49" charset="0"/>
+              <a:cs typeface="Courier New" panose="02070309020205020404" pitchFamily="49" charset="0"/>
+            </a:endParaRPr>
+          </a:p>
+          <a:p>
+            <a:pPr lvl="1"/>
+            <a:r>
+              <a:rPr lang="en-US" dirty="0">
+                <a:latin typeface="Courier New" panose="02070309020205020404" pitchFamily="49" charset="0"/>
+                <a:cs typeface="Courier New" panose="02070309020205020404" pitchFamily="49" charset="0"/>
+              </a:rPr>
+              <a:t>RD1_ADAPTER_3P</a:t>
+            </a:r>
+          </a:p>
+          <a:p>
+            <a:pPr lvl="1"/>
+            <a:r>
+              <a:rPr lang="en-US" dirty="0">
+                <a:latin typeface="Courier New" panose="02070309020205020404" pitchFamily="49" charset="0"/>
+                <a:cs typeface="Courier New" panose="02070309020205020404" pitchFamily="49" charset="0"/>
+              </a:rPr>
+              <a:t>RD2_ADAPTER_3P</a:t>
+            </a:r>
+          </a:p>
+          <a:p>
+            <a:pPr lvl="1"/>
             <a:endParaRPr lang="en-US" dirty="0">
               <a:latin typeface="Courier New" panose="02070309020205020404" pitchFamily="49" charset="0"/>
               <a:cs typeface="Courier New" panose="02070309020205020404" pitchFamily="49" charset="0"/>
@@ -18165,6 +19115,102 @@
       </p:grpSpPr>
       <p:sp>
         <p:nvSpPr>
+          <p:cNvPr id="6" name="Content Placeholder 5">
+            <a:extLst>
+              <a:ext uri="{FF2B5EF4-FFF2-40B4-BE49-F238E27FC236}">
+                <a16:creationId xmlns:a16="http://schemas.microsoft.com/office/drawing/2014/main" id="{02EB0F89-107E-D84C-AD1B-C1AD55693283}"/>
+              </a:ext>
+            </a:extLst>
+          </p:cNvPr>
+          <p:cNvSpPr>
+            <a:spLocks noGrp="1"/>
+          </p:cNvSpPr>
+          <p:nvPr>
+            <p:ph sz="half" idx="2"/>
+          </p:nvPr>
+        </p:nvSpPr>
+        <p:spPr>
+          <a:xfrm>
+            <a:off x="7410090" y="1825625"/>
+            <a:ext cx="3943710" cy="4351338"/>
+          </a:xfrm>
+        </p:spPr>
+        <p:txBody>
+          <a:bodyPr>
+            <a:normAutofit fontScale="92500" lnSpcReduction="10000"/>
+          </a:bodyPr>
+          <a:lstStyle/>
+          <a:p>
+            <a:pPr marL="0" indent="0">
+              <a:buNone/>
+            </a:pPr>
+            <a:r>
+              <a:rPr lang="en-US" u="sng" dirty="0"/>
+              <a:t>Developer’s Note</a:t>
+            </a:r>
+            <a:r>
+              <a:rPr lang="en-US" dirty="0"/>
+              <a:t>:</a:t>
+            </a:r>
+          </a:p>
+          <a:p>
+            <a:r>
+              <a:rPr lang="en-US" dirty="0"/>
+              <a:t>Module: </a:t>
+            </a:r>
+            <a:r>
+              <a:rPr lang="en-US" dirty="0" err="1">
+                <a:latin typeface="Courier New" panose="02070309020205020404" pitchFamily="49" charset="0"/>
+                <a:cs typeface="Courier New" panose="02070309020205020404" pitchFamily="49" charset="0"/>
+              </a:rPr>
+              <a:t>barcodes_wf</a:t>
+            </a:r>
+            <a:endParaRPr lang="en-US" dirty="0">
+              <a:latin typeface="Courier New" panose="02070309020205020404" pitchFamily="49" charset="0"/>
+              <a:cs typeface="Courier New" panose="02070309020205020404" pitchFamily="49" charset="0"/>
+            </a:endParaRPr>
+          </a:p>
+          <a:p>
+            <a:r>
+              <a:rPr lang="en-US" dirty="0"/>
+              <a:t>Parameter names: </a:t>
+            </a:r>
+          </a:p>
+          <a:p>
+            <a:pPr lvl="1"/>
+            <a:r>
+              <a:rPr lang="en-US" dirty="0" err="1">
+                <a:latin typeface="Courier New" panose="02070309020205020404" pitchFamily="49" charset="0"/>
+                <a:cs typeface="Courier New" panose="02070309020205020404" pitchFamily="49" charset="0"/>
+              </a:rPr>
+              <a:t>barcode_length</a:t>
+            </a:r>
+            <a:endParaRPr lang="en-US" dirty="0">
+              <a:latin typeface="Courier New" panose="02070309020205020404" pitchFamily="49" charset="0"/>
+              <a:cs typeface="Courier New" panose="02070309020205020404" pitchFamily="49" charset="0"/>
+            </a:endParaRPr>
+          </a:p>
+          <a:p>
+            <a:pPr lvl="1"/>
+            <a:r>
+              <a:rPr lang="en-US" dirty="0" err="1">
+                <a:latin typeface="Courier New" panose="02070309020205020404" pitchFamily="49" charset="0"/>
+                <a:cs typeface="Courier New" panose="02070309020205020404" pitchFamily="49" charset="0"/>
+              </a:rPr>
+              <a:t>min_align_score</a:t>
+            </a:r>
+            <a:endParaRPr lang="en-US" dirty="0">
+              <a:latin typeface="Courier New" panose="02070309020205020404" pitchFamily="49" charset="0"/>
+              <a:cs typeface="Courier New" panose="02070309020205020404" pitchFamily="49" charset="0"/>
+            </a:endParaRPr>
+          </a:p>
+          <a:p>
+            <a:endParaRPr lang="en-US" dirty="0"/>
+          </a:p>
+        </p:txBody>
+      </p:sp>
+      <p:sp>
+        <p:nvSpPr>
           <p:cNvPr id="2" name="Title 1">
             <a:extLst>
               <a:ext uri="{FF2B5EF4-FFF2-40B4-BE49-F238E27FC236}">
@@ -18207,9 +19253,16 @@
             <p:ph sz="half" idx="1"/>
           </p:nvPr>
         </p:nvSpPr>
-        <p:spPr/>
-        <p:txBody>
-          <a:bodyPr/>
+        <p:spPr>
+          <a:xfrm>
+            <a:off x="838200" y="1825625"/>
+            <a:ext cx="6437642" cy="2732142"/>
+          </a:xfrm>
+        </p:spPr>
+        <p:txBody>
+          <a:bodyPr>
+            <a:normAutofit fontScale="92500" lnSpcReduction="10000"/>
+          </a:bodyPr>
           <a:lstStyle/>
           <a:p>
             <a:pPr marL="514350" indent="-514350">
@@ -18218,111 +19271,40 @@
             </a:pPr>
             <a:r>
               <a:rPr lang="en-US" dirty="0"/>
-              <a:t>Remove the first N bases from R1 and R2, concatenate to form molecular barcode</a:t>
-            </a:r>
-          </a:p>
-          <a:p>
-            <a:pPr lvl="1"/>
-            <a:r>
-              <a:rPr lang="en-US" dirty="0"/>
-              <a:t>Barcode length (default: 6)</a:t>
-            </a:r>
-          </a:p>
-          <a:p>
-            <a:pPr lvl="1"/>
-            <a:r>
-              <a:rPr lang="en-US" dirty="0"/>
-              <a:t>Minimum sequence length after barcode removal (default: 40)</a:t>
-            </a:r>
-          </a:p>
-        </p:txBody>
-      </p:sp>
-      <p:sp>
-        <p:nvSpPr>
-          <p:cNvPr id="6" name="Content Placeholder 5">
-            <a:extLst>
-              <a:ext uri="{FF2B5EF4-FFF2-40B4-BE49-F238E27FC236}">
-                <a16:creationId xmlns:a16="http://schemas.microsoft.com/office/drawing/2014/main" id="{02EB0F89-107E-D84C-AD1B-C1AD55693283}"/>
-              </a:ext>
-            </a:extLst>
-          </p:cNvPr>
-          <p:cNvSpPr>
-            <a:spLocks noGrp="1"/>
-          </p:cNvSpPr>
-          <p:nvPr>
-            <p:ph sz="half" idx="2"/>
-          </p:nvPr>
-        </p:nvSpPr>
-        <p:spPr/>
-        <p:txBody>
-          <a:bodyPr/>
-          <a:lstStyle/>
-          <a:p>
-            <a:pPr marL="0" indent="0">
-              <a:buNone/>
-            </a:pPr>
-            <a:r>
-              <a:rPr lang="en-US" u="sng" dirty="0"/>
-              <a:t>Developer’s Note</a:t>
-            </a:r>
-            <a:r>
-              <a:rPr lang="en-US" dirty="0"/>
-              <a:t>:</a:t>
-            </a:r>
-          </a:p>
-          <a:p>
-            <a:r>
-              <a:rPr lang="en-US" dirty="0"/>
-              <a:t>Module: </a:t>
+              <a:t>Remove the first N bases from R1 and R2, concatenate to form molecular barcode (using </a:t>
             </a:r>
             <a:r>
               <a:rPr lang="en-US" dirty="0" err="1">
                 <a:latin typeface="Courier New" panose="02070309020205020404" pitchFamily="49" charset="0"/>
                 <a:cs typeface="Courier New" panose="02070309020205020404" pitchFamily="49" charset="0"/>
               </a:rPr>
-              <a:t>barcodes_wf</a:t>
-            </a:r>
-            <a:endParaRPr lang="en-US" dirty="0">
-              <a:latin typeface="Courier New" panose="02070309020205020404" pitchFamily="49" charset="0"/>
-              <a:cs typeface="Courier New" panose="02070309020205020404" pitchFamily="49" charset="0"/>
-            </a:endParaRPr>
-          </a:p>
-          <a:p>
-            <a:r>
-              <a:rPr lang="en-US" dirty="0"/>
-              <a:t>Parameter names: </a:t>
+              <a:t>cutadapt</a:t>
+            </a:r>
+            <a:r>
+              <a:rPr lang="en-US" dirty="0"/>
+              <a:t>)</a:t>
             </a:r>
           </a:p>
           <a:p>
             <a:pPr lvl="1"/>
             <a:r>
-              <a:rPr lang="en-US" dirty="0" err="1">
-                <a:latin typeface="Courier New" panose="02070309020205020404" pitchFamily="49" charset="0"/>
-                <a:cs typeface="Courier New" panose="02070309020205020404" pitchFamily="49" charset="0"/>
-              </a:rPr>
-              <a:t>barcode_length</a:t>
-            </a:r>
-            <a:endParaRPr lang="en-US" dirty="0">
-              <a:latin typeface="Courier New" panose="02070309020205020404" pitchFamily="49" charset="0"/>
-              <a:cs typeface="Courier New" panose="02070309020205020404" pitchFamily="49" charset="0"/>
-            </a:endParaRPr>
+              <a:rPr lang="en-US" dirty="0"/>
+              <a:t>Barcode length (default: 6)</a:t>
+            </a:r>
           </a:p>
           <a:p>
             <a:pPr lvl="1"/>
             <a:r>
-              <a:rPr lang="en-US" dirty="0" err="1">
-                <a:latin typeface="Courier New" panose="02070309020205020404" pitchFamily="49" charset="0"/>
-                <a:cs typeface="Courier New" panose="02070309020205020404" pitchFamily="49" charset="0"/>
-              </a:rPr>
-              <a:t>min_align_score</a:t>
-            </a:r>
-            <a:endParaRPr lang="en-US" dirty="0">
-              <a:latin typeface="Courier New" panose="02070309020205020404" pitchFamily="49" charset="0"/>
-              <a:cs typeface="Courier New" panose="02070309020205020404" pitchFamily="49" charset="0"/>
-            </a:endParaRPr>
-          </a:p>
-          <a:p>
-            <a:endParaRPr lang="en-US" dirty="0"/>
+              <a:rPr lang="en-US" dirty="0"/>
+              <a:t>Minimum sequence length after barcode removal (default: 40)</a:t>
+            </a:r>
+          </a:p>
+          <a:p>
+            <a:pPr lvl="1"/>
+            <a:r>
+              <a:rPr lang="en-US" dirty="0"/>
+              <a:t>Concatenated barcode sequence is added to the FASTQ record with the “BC:Z:” tag.</a:t>
+            </a:r>
           </a:p>
         </p:txBody>
       </p:sp>
@@ -19048,10 +20030,15 @@
             <p:ph sz="half" idx="1"/>
           </p:nvPr>
         </p:nvSpPr>
-        <p:spPr/>
+        <p:spPr>
+          <a:xfrm>
+            <a:off x="838200" y="1825625"/>
+            <a:ext cx="6571890" cy="4351338"/>
+          </a:xfrm>
+        </p:spPr>
         <p:txBody>
           <a:bodyPr>
-            <a:normAutofit/>
+            <a:normAutofit fontScale="70000" lnSpcReduction="20000"/>
           </a:bodyPr>
           <a:lstStyle/>
           <a:p>
@@ -19065,6 +20052,26 @@
             </a:r>
           </a:p>
           <a:p>
+            <a:pPr marL="514350" indent="-514350">
+              <a:buFont typeface="+mj-lt"/>
+              <a:buAutoNum type="arabicPeriod" startAt="2"/>
+            </a:pPr>
+            <a:r>
+              <a:rPr lang="en-US" dirty="0"/>
+              <a:t>The combined number of mismatches from both barcodes is evaluated against the maximum threshold.</a:t>
+            </a:r>
+          </a:p>
+          <a:p>
+            <a:pPr marL="514350" indent="-514350">
+              <a:buFont typeface="+mj-lt"/>
+              <a:buAutoNum type="arabicPeriod" startAt="2"/>
+            </a:pPr>
+            <a:r>
+              <a:rPr lang="en-US" dirty="0"/>
+              <a:t>The barcode sequence from each end is corrected independently. When the corrected barcodes are re-combined, they are sorted alphabetically to allow for matches between sequences from opposite strands of DNA.</a:t>
+            </a:r>
+          </a:p>
+          <a:p>
             <a:pPr marL="457200" lvl="1" indent="0">
               <a:buNone/>
             </a:pPr>
@@ -19088,11 +20095,50 @@
             </a:r>
           </a:p>
           <a:p>
+            <a:pPr lvl="2"/>
+            <a:r>
+              <a:rPr lang="en-US" dirty="0">
+                <a:latin typeface="Courier New" panose="02070309020205020404" pitchFamily="49" charset="0"/>
+                <a:cs typeface="Courier New" panose="02070309020205020404" pitchFamily="49" charset="0"/>
+              </a:rPr>
+              <a:t>2_barcode_trimmed/</a:t>
+            </a:r>
+            <a:r>
+              <a:rPr lang="en-US" dirty="0" err="1">
+                <a:latin typeface="Courier New" panose="02070309020205020404" pitchFamily="49" charset="0"/>
+                <a:cs typeface="Courier New" panose="02070309020205020404" pitchFamily="49" charset="0"/>
+              </a:rPr>
+              <a:t>multiqc_report.html</a:t>
+            </a:r>
+            <a:endParaRPr lang="en-US" dirty="0">
+              <a:latin typeface="Courier New" panose="02070309020205020404" pitchFamily="49" charset="0"/>
+              <a:cs typeface="Courier New" panose="02070309020205020404" pitchFamily="49" charset="0"/>
+            </a:endParaRPr>
+          </a:p>
+          <a:p>
             <a:pPr lvl="1"/>
             <a:r>
               <a:rPr lang="en-US" dirty="0"/>
               <a:t>Number of reads per uncorrected, filtered, and corrected barcode</a:t>
             </a:r>
+          </a:p>
+          <a:p>
+            <a:pPr lvl="2"/>
+            <a:r>
+              <a:rPr lang="en-US" dirty="0">
+                <a:latin typeface="Courier New" panose="02070309020205020404" pitchFamily="49" charset="0"/>
+                <a:cs typeface="Courier New" panose="02070309020205020404" pitchFamily="49" charset="0"/>
+              </a:rPr>
+              <a:t>2_barcode_trimmed/&lt;SPECIMEN&gt;/</a:t>
+            </a:r>
+            <a:r>
+              <a:rPr lang="en-US" dirty="0" err="1">
+                <a:latin typeface="Courier New" panose="02070309020205020404" pitchFamily="49" charset="0"/>
+                <a:cs typeface="Courier New" panose="02070309020205020404" pitchFamily="49" charset="0"/>
+              </a:rPr>
+              <a:t>barcode_corrections.csv.gz</a:t>
+            </a:r>
+            <a:endParaRPr lang="en-US" dirty="0"/>
           </a:p>
         </p:txBody>
       </p:sp>
@@ -19112,10 +20158,15 @@
             <p:ph sz="half" idx="2"/>
           </p:nvPr>
         </p:nvSpPr>
-        <p:spPr/>
+        <p:spPr>
+          <a:xfrm>
+            <a:off x="7410090" y="1825625"/>
+            <a:ext cx="3943709" cy="4351338"/>
+          </a:xfrm>
+        </p:spPr>
         <p:txBody>
           <a:bodyPr>
-            <a:normAutofit/>
+            <a:normAutofit fontScale="70000" lnSpcReduction="20000"/>
           </a:bodyPr>
           <a:lstStyle/>
           <a:p>
@@ -19171,7 +20222,7 @@
                 <a:latin typeface="Courier New" panose="02070309020205020404" pitchFamily="49" charset="0"/>
                 <a:cs typeface="Courier New" panose="02070309020205020404" pitchFamily="49" charset="0"/>
               </a:rPr>
-              <a:t>barcode_max_mismatch</a:t>
+              <a:t>max_barcode_mismatch</a:t>
             </a:r>
             <a:endParaRPr lang="en-US" dirty="0">
               <a:latin typeface="Courier New" panose="02070309020205020404" pitchFamily="49" charset="0"/>
